--- a/FER/eduMaterials/matrials.pptx
+++ b/FER/eduMaterials/matrials.pptx
@@ -9,6 +9,9 @@
     <p:sldId id="257" r:id="rId3"/>
     <p:sldId id="258" r:id="rId4"/>
     <p:sldId id="259" r:id="rId5"/>
+    <p:sldId id="260" r:id="rId6"/>
+    <p:sldId id="261" r:id="rId7"/>
+    <p:sldId id="262" r:id="rId8"/>
   </p:sldIdLst>
   <p:sldSz cx="12192000" cy="6858000"/>
   <p:notesSz cx="6858000" cy="9144000"/>
@@ -107,7 +110,2886 @@
       </a:defRPr>
     </a:lvl9pPr>
   </p:defaultTextStyle>
+  <p:extLst>
+    <p:ext uri="{EFAFB233-063F-42B5-8137-9DF3F51BA10A}">
+      <p15:sldGuideLst xmlns:p15="http://schemas.microsoft.com/office/powerpoint/2012/main"/>
+    </p:ext>
+  </p:extLst>
 </p:presentation>
+</file>
+
+<file path=ppt/charts/chart1.xml><?xml version="1.0" encoding="utf-8"?>
+<c:chartSpace xmlns:c="http://schemas.openxmlformats.org/drawingml/2006/chart" xmlns:a="http://schemas.openxmlformats.org/drawingml/2006/main" xmlns:r="http://schemas.openxmlformats.org/officeDocument/2006/relationships" xmlns:c16r2="http://schemas.microsoft.com/office/drawing/2015/06/chart">
+  <c:date1904 val="0"/>
+  <c:lang val="ko-KR"/>
+  <c:roundedCorners val="0"/>
+  <mc:AlternateContent xmlns:mc="http://schemas.openxmlformats.org/markup-compatibility/2006">
+    <mc:Choice xmlns:c14="http://schemas.microsoft.com/office/drawing/2007/8/2/chart" Requires="c14">
+      <c14:style val="108"/>
+    </mc:Choice>
+    <mc:Fallback>
+      <c:style val="8"/>
+    </mc:Fallback>
+  </mc:AlternateContent>
+  <c:chart>
+    <c:autoTitleDeleted val="1"/>
+    <c:plotArea>
+      <c:layout/>
+      <c:scatterChart>
+        <c:scatterStyle val="lineMarker"/>
+        <c:varyColors val="0"/>
+        <c:ser>
+          <c:idx val="0"/>
+          <c:order val="0"/>
+          <c:tx>
+            <c:strRef>
+              <c:f>Sheet1!$B$1</c:f>
+              <c:strCache>
+                <c:ptCount val="1"/>
+                <c:pt idx="0">
+                  <c:v>체중 감소량(y)</c:v>
+                </c:pt>
+              </c:strCache>
+            </c:strRef>
+          </c:tx>
+          <c:spPr>
+            <a:ln w="25400" cap="rnd">
+              <a:noFill/>
+              <a:round/>
+            </a:ln>
+            <a:effectLst/>
+          </c:spPr>
+          <c:marker>
+            <c:symbol val="circle"/>
+            <c:size val="5"/>
+            <c:spPr>
+              <a:solidFill>
+                <a:schemeClr val="accent6"/>
+              </a:solidFill>
+              <a:ln w="9525">
+                <a:solidFill>
+                  <a:schemeClr val="accent6"/>
+                </a:solidFill>
+              </a:ln>
+              <a:effectLst/>
+            </c:spPr>
+          </c:marker>
+          <c:xVal>
+            <c:numRef>
+              <c:f>Sheet1!$A$2:$A$6</c:f>
+              <c:numCache>
+                <c:formatCode>General</c:formatCode>
+                <c:ptCount val="5"/>
+                <c:pt idx="0">
+                  <c:v>1</c:v>
+                </c:pt>
+                <c:pt idx="1">
+                  <c:v>3</c:v>
+                </c:pt>
+                <c:pt idx="2">
+                  <c:v>5</c:v>
+                </c:pt>
+                <c:pt idx="3">
+                  <c:v>6</c:v>
+                </c:pt>
+                <c:pt idx="4">
+                  <c:v>10</c:v>
+                </c:pt>
+              </c:numCache>
+            </c:numRef>
+          </c:xVal>
+          <c:yVal>
+            <c:numRef>
+              <c:f>Sheet1!$B$2:$B$6</c:f>
+              <c:numCache>
+                <c:formatCode>General</c:formatCode>
+                <c:ptCount val="5"/>
+                <c:pt idx="0">
+                  <c:v>0.5</c:v>
+                </c:pt>
+                <c:pt idx="1">
+                  <c:v>1</c:v>
+                </c:pt>
+                <c:pt idx="2">
+                  <c:v>2</c:v>
+                </c:pt>
+                <c:pt idx="3">
+                  <c:v>1.8</c:v>
+                </c:pt>
+                <c:pt idx="4">
+                  <c:v>3</c:v>
+                </c:pt>
+              </c:numCache>
+            </c:numRef>
+          </c:yVal>
+          <c:smooth val="0"/>
+          <c:extLst>
+            <c:ext xmlns:c16="http://schemas.microsoft.com/office/drawing/2014/chart" uri="{C3380CC4-5D6E-409C-BE32-E72D297353CC}">
+              <c16:uniqueId val="{00000000-C7AA-41D2-9F13-974BD4EBF3C7}"/>
+            </c:ext>
+          </c:extLst>
+        </c:ser>
+        <c:dLbls>
+          <c:showLegendKey val="0"/>
+          <c:showVal val="0"/>
+          <c:showCatName val="0"/>
+          <c:showSerName val="0"/>
+          <c:showPercent val="0"/>
+          <c:showBubbleSize val="0"/>
+        </c:dLbls>
+        <c:axId val="496154776"/>
+        <c:axId val="496156416"/>
+      </c:scatterChart>
+      <c:valAx>
+        <c:axId val="496154776"/>
+        <c:scaling>
+          <c:orientation val="minMax"/>
+        </c:scaling>
+        <c:delete val="0"/>
+        <c:axPos val="b"/>
+        <c:majorGridlines>
+          <c:spPr>
+            <a:ln w="9525" cap="flat" cmpd="sng" algn="ctr">
+              <a:solidFill>
+                <a:schemeClr val="tx1">
+                  <a:lumMod val="15000"/>
+                  <a:lumOff val="85000"/>
+                </a:schemeClr>
+              </a:solidFill>
+              <a:round/>
+            </a:ln>
+            <a:effectLst/>
+          </c:spPr>
+        </c:majorGridlines>
+        <c:minorGridlines>
+          <c:spPr>
+            <a:ln w="9525" cap="flat" cmpd="sng" algn="ctr">
+              <a:solidFill>
+                <a:schemeClr val="tx1">
+                  <a:lumMod val="5000"/>
+                  <a:lumOff val="95000"/>
+                </a:schemeClr>
+              </a:solidFill>
+              <a:round/>
+            </a:ln>
+            <a:effectLst/>
+          </c:spPr>
+        </c:minorGridlines>
+        <c:title>
+          <c:tx>
+            <c:rich>
+              <a:bodyPr rot="0" spcFirstLastPara="1" vertOverflow="ellipsis" vert="horz" wrap="square" anchor="ctr" anchorCtr="1"/>
+              <a:lstStyle/>
+              <a:p>
+                <a:pPr>
+                  <a:defRPr sz="1330" b="1" i="0" u="none" strike="noStrike" kern="1200" baseline="0">
+                    <a:solidFill>
+                      <a:schemeClr val="tx1">
+                        <a:lumMod val="65000"/>
+                        <a:lumOff val="35000"/>
+                      </a:schemeClr>
+                    </a:solidFill>
+                    <a:latin typeface="+mn-lt"/>
+                    <a:ea typeface="+mn-ea"/>
+                    <a:cs typeface="+mn-cs"/>
+                  </a:defRPr>
+                </a:pPr>
+                <a:r>
+                  <a:rPr lang="ko-KR" altLang="en-US" b="1" dirty="0"/>
+                  <a:t>운동 시간</a:t>
+                </a:r>
+                <a:r>
+                  <a:rPr lang="en-US" altLang="ko-KR" b="1" dirty="0"/>
+                  <a:t>(x)</a:t>
+                </a:r>
+                <a:endParaRPr lang="ko-KR" altLang="en-US" b="1" dirty="0"/>
+              </a:p>
+            </c:rich>
+          </c:tx>
+          <c:overlay val="0"/>
+          <c:spPr>
+            <a:noFill/>
+            <a:ln>
+              <a:noFill/>
+            </a:ln>
+            <a:effectLst/>
+          </c:spPr>
+          <c:txPr>
+            <a:bodyPr rot="0" spcFirstLastPara="1" vertOverflow="ellipsis" vert="horz" wrap="square" anchor="ctr" anchorCtr="1"/>
+            <a:lstStyle/>
+            <a:p>
+              <a:pPr>
+                <a:defRPr sz="1330" b="1" i="0" u="none" strike="noStrike" kern="1200" baseline="0">
+                  <a:solidFill>
+                    <a:schemeClr val="tx1">
+                      <a:lumMod val="65000"/>
+                      <a:lumOff val="35000"/>
+                    </a:schemeClr>
+                  </a:solidFill>
+                  <a:latin typeface="+mn-lt"/>
+                  <a:ea typeface="+mn-ea"/>
+                  <a:cs typeface="+mn-cs"/>
+                </a:defRPr>
+              </a:pPr>
+              <a:endParaRPr lang="ko-KR"/>
+            </a:p>
+          </c:txPr>
+        </c:title>
+        <c:numFmt formatCode="General" sourceLinked="1"/>
+        <c:majorTickMark val="out"/>
+        <c:minorTickMark val="none"/>
+        <c:tickLblPos val="nextTo"/>
+        <c:spPr>
+          <a:noFill/>
+          <a:ln w="9525" cap="flat" cmpd="sng" algn="ctr">
+            <a:solidFill>
+              <a:schemeClr val="tx1">
+                <a:lumMod val="25000"/>
+                <a:lumOff val="75000"/>
+              </a:schemeClr>
+            </a:solidFill>
+            <a:round/>
+          </a:ln>
+          <a:effectLst/>
+        </c:spPr>
+        <c:txPr>
+          <a:bodyPr rot="-60000000" spcFirstLastPara="1" vertOverflow="ellipsis" vert="horz" wrap="square" anchor="ctr" anchorCtr="1"/>
+          <a:lstStyle/>
+          <a:p>
+            <a:pPr>
+              <a:defRPr sz="1197" b="0" i="0" u="none" strike="noStrike" kern="1200" baseline="0">
+                <a:solidFill>
+                  <a:schemeClr val="tx1">
+                    <a:lumMod val="65000"/>
+                    <a:lumOff val="35000"/>
+                  </a:schemeClr>
+                </a:solidFill>
+                <a:latin typeface="+mn-lt"/>
+                <a:ea typeface="+mn-ea"/>
+                <a:cs typeface="+mn-cs"/>
+              </a:defRPr>
+            </a:pPr>
+            <a:endParaRPr lang="ko-KR"/>
+          </a:p>
+        </c:txPr>
+        <c:crossAx val="496156416"/>
+        <c:crosses val="autoZero"/>
+        <c:crossBetween val="midCat"/>
+      </c:valAx>
+      <c:valAx>
+        <c:axId val="496156416"/>
+        <c:scaling>
+          <c:orientation val="minMax"/>
+        </c:scaling>
+        <c:delete val="0"/>
+        <c:axPos val="l"/>
+        <c:majorGridlines>
+          <c:spPr>
+            <a:ln w="9525" cap="flat" cmpd="sng" algn="ctr">
+              <a:solidFill>
+                <a:schemeClr val="tx1">
+                  <a:lumMod val="15000"/>
+                  <a:lumOff val="85000"/>
+                </a:schemeClr>
+              </a:solidFill>
+              <a:round/>
+            </a:ln>
+            <a:effectLst/>
+          </c:spPr>
+        </c:majorGridlines>
+        <c:minorGridlines>
+          <c:spPr>
+            <a:ln w="9525" cap="flat" cmpd="sng" algn="ctr">
+              <a:solidFill>
+                <a:schemeClr val="tx1">
+                  <a:lumMod val="5000"/>
+                  <a:lumOff val="95000"/>
+                </a:schemeClr>
+              </a:solidFill>
+              <a:round/>
+            </a:ln>
+            <a:effectLst/>
+          </c:spPr>
+        </c:minorGridlines>
+        <c:title>
+          <c:tx>
+            <c:rich>
+              <a:bodyPr rot="-5400000" spcFirstLastPara="1" vertOverflow="ellipsis" vert="horz" wrap="square" anchor="ctr" anchorCtr="1"/>
+              <a:lstStyle/>
+              <a:p>
+                <a:pPr>
+                  <a:defRPr sz="1330" b="1" i="0" u="none" strike="noStrike" kern="1200" baseline="0">
+                    <a:solidFill>
+                      <a:schemeClr val="tx1">
+                        <a:lumMod val="65000"/>
+                        <a:lumOff val="35000"/>
+                      </a:schemeClr>
+                    </a:solidFill>
+                    <a:latin typeface="+mn-lt"/>
+                    <a:ea typeface="+mn-ea"/>
+                    <a:cs typeface="+mn-cs"/>
+                  </a:defRPr>
+                </a:pPr>
+                <a:r>
+                  <a:rPr lang="ko-KR" altLang="en-US" b="1" dirty="0"/>
+                  <a:t>체중 감소량</a:t>
+                </a:r>
+                <a:r>
+                  <a:rPr lang="en-US" altLang="ko-KR" b="1" dirty="0"/>
+                  <a:t>(y)</a:t>
+                </a:r>
+                <a:endParaRPr lang="ko-KR" altLang="en-US" b="1" dirty="0"/>
+              </a:p>
+            </c:rich>
+          </c:tx>
+          <c:overlay val="0"/>
+          <c:spPr>
+            <a:noFill/>
+            <a:ln>
+              <a:noFill/>
+            </a:ln>
+            <a:effectLst/>
+          </c:spPr>
+          <c:txPr>
+            <a:bodyPr rot="-5400000" spcFirstLastPara="1" vertOverflow="ellipsis" vert="horz" wrap="square" anchor="ctr" anchorCtr="1"/>
+            <a:lstStyle/>
+            <a:p>
+              <a:pPr>
+                <a:defRPr sz="1330" b="1" i="0" u="none" strike="noStrike" kern="1200" baseline="0">
+                  <a:solidFill>
+                    <a:schemeClr val="tx1">
+                      <a:lumMod val="65000"/>
+                      <a:lumOff val="35000"/>
+                    </a:schemeClr>
+                  </a:solidFill>
+                  <a:latin typeface="+mn-lt"/>
+                  <a:ea typeface="+mn-ea"/>
+                  <a:cs typeface="+mn-cs"/>
+                </a:defRPr>
+              </a:pPr>
+              <a:endParaRPr lang="ko-KR"/>
+            </a:p>
+          </c:txPr>
+        </c:title>
+        <c:numFmt formatCode="General" sourceLinked="1"/>
+        <c:majorTickMark val="out"/>
+        <c:minorTickMark val="none"/>
+        <c:tickLblPos val="nextTo"/>
+        <c:spPr>
+          <a:noFill/>
+          <a:ln w="9525" cap="flat" cmpd="sng" algn="ctr">
+            <a:solidFill>
+              <a:schemeClr val="tx1">
+                <a:lumMod val="25000"/>
+                <a:lumOff val="75000"/>
+              </a:schemeClr>
+            </a:solidFill>
+            <a:round/>
+          </a:ln>
+          <a:effectLst/>
+        </c:spPr>
+        <c:txPr>
+          <a:bodyPr rot="-60000000" spcFirstLastPara="1" vertOverflow="ellipsis" vert="horz" wrap="square" anchor="ctr" anchorCtr="1"/>
+          <a:lstStyle/>
+          <a:p>
+            <a:pPr>
+              <a:defRPr sz="1197" b="0" i="0" u="none" strike="noStrike" kern="1200" baseline="0">
+                <a:solidFill>
+                  <a:schemeClr val="tx1">
+                    <a:lumMod val="65000"/>
+                    <a:lumOff val="35000"/>
+                  </a:schemeClr>
+                </a:solidFill>
+                <a:latin typeface="+mn-lt"/>
+                <a:ea typeface="+mn-ea"/>
+                <a:cs typeface="+mn-cs"/>
+              </a:defRPr>
+            </a:pPr>
+            <a:endParaRPr lang="ko-KR"/>
+          </a:p>
+        </c:txPr>
+        <c:crossAx val="496154776"/>
+        <c:crosses val="autoZero"/>
+        <c:crossBetween val="midCat"/>
+      </c:valAx>
+      <c:spPr>
+        <a:noFill/>
+        <a:ln>
+          <a:noFill/>
+        </a:ln>
+        <a:effectLst/>
+      </c:spPr>
+    </c:plotArea>
+    <c:plotVisOnly val="1"/>
+    <c:dispBlanksAs val="gap"/>
+    <c:extLst>
+      <c:ext xmlns:c16r3="http://schemas.microsoft.com/office/drawing/2017/03/chart" uri="{56B9EC1D-385E-4148-901F-78D8002777C0}">
+        <c16r3:dataDisplayOptions16>
+          <c16r3:dispNaAsBlank val="1"/>
+        </c16r3:dataDisplayOptions16>
+      </c:ext>
+    </c:extLst>
+    <c:showDLblsOverMax val="0"/>
+  </c:chart>
+  <c:spPr>
+    <a:noFill/>
+    <a:ln>
+      <a:noFill/>
+    </a:ln>
+    <a:effectLst/>
+  </c:spPr>
+  <c:txPr>
+    <a:bodyPr/>
+    <a:lstStyle/>
+    <a:p>
+      <a:pPr>
+        <a:defRPr/>
+      </a:pPr>
+      <a:endParaRPr lang="ko-KR"/>
+    </a:p>
+  </c:txPr>
+  <c:externalData r:id="rId3">
+    <c:autoUpdate val="0"/>
+  </c:externalData>
+</c:chartSpace>
+</file>
+
+<file path=ppt/charts/chart2.xml><?xml version="1.0" encoding="utf-8"?>
+<c:chartSpace xmlns:c="http://schemas.openxmlformats.org/drawingml/2006/chart" xmlns:a="http://schemas.openxmlformats.org/drawingml/2006/main" xmlns:r="http://schemas.openxmlformats.org/officeDocument/2006/relationships" xmlns:c16r2="http://schemas.microsoft.com/office/drawing/2015/06/chart">
+  <c:date1904 val="0"/>
+  <c:lang val="ko-KR"/>
+  <c:roundedCorners val="0"/>
+  <mc:AlternateContent xmlns:mc="http://schemas.openxmlformats.org/markup-compatibility/2006">
+    <mc:Choice xmlns:c14="http://schemas.microsoft.com/office/drawing/2007/8/2/chart" Requires="c14">
+      <c14:style val="108"/>
+    </mc:Choice>
+    <mc:Fallback>
+      <c:style val="8"/>
+    </mc:Fallback>
+  </mc:AlternateContent>
+  <c:chart>
+    <c:autoTitleDeleted val="1"/>
+    <c:plotArea>
+      <c:layout/>
+      <c:scatterChart>
+        <c:scatterStyle val="lineMarker"/>
+        <c:varyColors val="0"/>
+        <c:ser>
+          <c:idx val="0"/>
+          <c:order val="0"/>
+          <c:tx>
+            <c:strRef>
+              <c:f>Sheet1!$B$1</c:f>
+              <c:strCache>
+                <c:ptCount val="1"/>
+                <c:pt idx="0">
+                  <c:v>체중 감소량(y)</c:v>
+                </c:pt>
+              </c:strCache>
+            </c:strRef>
+          </c:tx>
+          <c:spPr>
+            <a:ln w="25400" cap="rnd">
+              <a:noFill/>
+              <a:round/>
+            </a:ln>
+            <a:effectLst/>
+          </c:spPr>
+          <c:marker>
+            <c:symbol val="circle"/>
+            <c:size val="5"/>
+            <c:spPr>
+              <a:solidFill>
+                <a:schemeClr val="accent6"/>
+              </a:solidFill>
+              <a:ln w="9525">
+                <a:solidFill>
+                  <a:schemeClr val="accent6"/>
+                </a:solidFill>
+              </a:ln>
+              <a:effectLst/>
+            </c:spPr>
+          </c:marker>
+          <c:xVal>
+            <c:numRef>
+              <c:f>Sheet1!$A$2:$A$6</c:f>
+              <c:numCache>
+                <c:formatCode>General</c:formatCode>
+                <c:ptCount val="5"/>
+                <c:pt idx="0">
+                  <c:v>1</c:v>
+                </c:pt>
+                <c:pt idx="1">
+                  <c:v>3</c:v>
+                </c:pt>
+                <c:pt idx="2">
+                  <c:v>5</c:v>
+                </c:pt>
+                <c:pt idx="3">
+                  <c:v>6</c:v>
+                </c:pt>
+                <c:pt idx="4">
+                  <c:v>10</c:v>
+                </c:pt>
+              </c:numCache>
+            </c:numRef>
+          </c:xVal>
+          <c:yVal>
+            <c:numRef>
+              <c:f>Sheet1!$B$2:$B$6</c:f>
+              <c:numCache>
+                <c:formatCode>General</c:formatCode>
+                <c:ptCount val="5"/>
+                <c:pt idx="0">
+                  <c:v>0.5</c:v>
+                </c:pt>
+                <c:pt idx="1">
+                  <c:v>1</c:v>
+                </c:pt>
+                <c:pt idx="2">
+                  <c:v>2</c:v>
+                </c:pt>
+                <c:pt idx="3">
+                  <c:v>1.8</c:v>
+                </c:pt>
+                <c:pt idx="4">
+                  <c:v>3</c:v>
+                </c:pt>
+              </c:numCache>
+            </c:numRef>
+          </c:yVal>
+          <c:smooth val="0"/>
+          <c:extLst>
+            <c:ext xmlns:c16="http://schemas.microsoft.com/office/drawing/2014/chart" uri="{C3380CC4-5D6E-409C-BE32-E72D297353CC}">
+              <c16:uniqueId val="{00000000-C7AA-41D2-9F13-974BD4EBF3C7}"/>
+            </c:ext>
+          </c:extLst>
+        </c:ser>
+        <c:dLbls>
+          <c:showLegendKey val="0"/>
+          <c:showVal val="0"/>
+          <c:showCatName val="0"/>
+          <c:showSerName val="0"/>
+          <c:showPercent val="0"/>
+          <c:showBubbleSize val="0"/>
+        </c:dLbls>
+        <c:axId val="496154776"/>
+        <c:axId val="496156416"/>
+      </c:scatterChart>
+      <c:valAx>
+        <c:axId val="496154776"/>
+        <c:scaling>
+          <c:orientation val="minMax"/>
+        </c:scaling>
+        <c:delete val="0"/>
+        <c:axPos val="b"/>
+        <c:majorGridlines>
+          <c:spPr>
+            <a:ln w="9525" cap="flat" cmpd="sng" algn="ctr">
+              <a:solidFill>
+                <a:schemeClr val="tx1">
+                  <a:lumMod val="15000"/>
+                  <a:lumOff val="85000"/>
+                </a:schemeClr>
+              </a:solidFill>
+              <a:round/>
+            </a:ln>
+            <a:effectLst/>
+          </c:spPr>
+        </c:majorGridlines>
+        <c:minorGridlines>
+          <c:spPr>
+            <a:ln w="9525" cap="flat" cmpd="sng" algn="ctr">
+              <a:solidFill>
+                <a:schemeClr val="tx1">
+                  <a:lumMod val="5000"/>
+                  <a:lumOff val="95000"/>
+                </a:schemeClr>
+              </a:solidFill>
+              <a:round/>
+            </a:ln>
+            <a:effectLst/>
+          </c:spPr>
+        </c:minorGridlines>
+        <c:title>
+          <c:tx>
+            <c:rich>
+              <a:bodyPr rot="0" spcFirstLastPara="1" vertOverflow="ellipsis" vert="horz" wrap="square" anchor="ctr" anchorCtr="1"/>
+              <a:lstStyle/>
+              <a:p>
+                <a:pPr>
+                  <a:defRPr sz="1330" b="1" i="0" u="none" strike="noStrike" kern="1200" baseline="0">
+                    <a:solidFill>
+                      <a:schemeClr val="tx1">
+                        <a:lumMod val="65000"/>
+                        <a:lumOff val="35000"/>
+                      </a:schemeClr>
+                    </a:solidFill>
+                    <a:latin typeface="+mn-lt"/>
+                    <a:ea typeface="+mn-ea"/>
+                    <a:cs typeface="+mn-cs"/>
+                  </a:defRPr>
+                </a:pPr>
+                <a:r>
+                  <a:rPr lang="ko-KR" altLang="en-US" b="1" dirty="0"/>
+                  <a:t>운동 시간</a:t>
+                </a:r>
+                <a:r>
+                  <a:rPr lang="en-US" altLang="ko-KR" b="1" dirty="0"/>
+                  <a:t>(x)</a:t>
+                </a:r>
+                <a:endParaRPr lang="ko-KR" altLang="en-US" b="1" dirty="0"/>
+              </a:p>
+            </c:rich>
+          </c:tx>
+          <c:overlay val="0"/>
+          <c:spPr>
+            <a:noFill/>
+            <a:ln>
+              <a:noFill/>
+            </a:ln>
+            <a:effectLst/>
+          </c:spPr>
+          <c:txPr>
+            <a:bodyPr rot="0" spcFirstLastPara="1" vertOverflow="ellipsis" vert="horz" wrap="square" anchor="ctr" anchorCtr="1"/>
+            <a:lstStyle/>
+            <a:p>
+              <a:pPr>
+                <a:defRPr sz="1330" b="1" i="0" u="none" strike="noStrike" kern="1200" baseline="0">
+                  <a:solidFill>
+                    <a:schemeClr val="tx1">
+                      <a:lumMod val="65000"/>
+                      <a:lumOff val="35000"/>
+                    </a:schemeClr>
+                  </a:solidFill>
+                  <a:latin typeface="+mn-lt"/>
+                  <a:ea typeface="+mn-ea"/>
+                  <a:cs typeface="+mn-cs"/>
+                </a:defRPr>
+              </a:pPr>
+              <a:endParaRPr lang="ko-KR"/>
+            </a:p>
+          </c:txPr>
+        </c:title>
+        <c:numFmt formatCode="General" sourceLinked="1"/>
+        <c:majorTickMark val="out"/>
+        <c:minorTickMark val="none"/>
+        <c:tickLblPos val="nextTo"/>
+        <c:spPr>
+          <a:noFill/>
+          <a:ln w="9525" cap="flat" cmpd="sng" algn="ctr">
+            <a:solidFill>
+              <a:schemeClr val="tx1">
+                <a:lumMod val="25000"/>
+                <a:lumOff val="75000"/>
+              </a:schemeClr>
+            </a:solidFill>
+            <a:round/>
+          </a:ln>
+          <a:effectLst/>
+        </c:spPr>
+        <c:txPr>
+          <a:bodyPr rot="-60000000" spcFirstLastPara="1" vertOverflow="ellipsis" vert="horz" wrap="square" anchor="ctr" anchorCtr="1"/>
+          <a:lstStyle/>
+          <a:p>
+            <a:pPr>
+              <a:defRPr sz="1197" b="0" i="0" u="none" strike="noStrike" kern="1200" baseline="0">
+                <a:solidFill>
+                  <a:schemeClr val="tx1">
+                    <a:lumMod val="65000"/>
+                    <a:lumOff val="35000"/>
+                  </a:schemeClr>
+                </a:solidFill>
+                <a:latin typeface="+mn-lt"/>
+                <a:ea typeface="+mn-ea"/>
+                <a:cs typeface="+mn-cs"/>
+              </a:defRPr>
+            </a:pPr>
+            <a:endParaRPr lang="ko-KR"/>
+          </a:p>
+        </c:txPr>
+        <c:crossAx val="496156416"/>
+        <c:crosses val="autoZero"/>
+        <c:crossBetween val="midCat"/>
+      </c:valAx>
+      <c:valAx>
+        <c:axId val="496156416"/>
+        <c:scaling>
+          <c:orientation val="minMax"/>
+        </c:scaling>
+        <c:delete val="0"/>
+        <c:axPos val="l"/>
+        <c:majorGridlines>
+          <c:spPr>
+            <a:ln w="9525" cap="flat" cmpd="sng" algn="ctr">
+              <a:solidFill>
+                <a:schemeClr val="tx1">
+                  <a:lumMod val="15000"/>
+                  <a:lumOff val="85000"/>
+                </a:schemeClr>
+              </a:solidFill>
+              <a:round/>
+            </a:ln>
+            <a:effectLst/>
+          </c:spPr>
+        </c:majorGridlines>
+        <c:minorGridlines>
+          <c:spPr>
+            <a:ln w="9525" cap="flat" cmpd="sng" algn="ctr">
+              <a:solidFill>
+                <a:schemeClr val="tx1">
+                  <a:lumMod val="5000"/>
+                  <a:lumOff val="95000"/>
+                </a:schemeClr>
+              </a:solidFill>
+              <a:round/>
+            </a:ln>
+            <a:effectLst/>
+          </c:spPr>
+        </c:minorGridlines>
+        <c:title>
+          <c:tx>
+            <c:rich>
+              <a:bodyPr rot="-5400000" spcFirstLastPara="1" vertOverflow="ellipsis" vert="horz" wrap="square" anchor="ctr" anchorCtr="1"/>
+              <a:lstStyle/>
+              <a:p>
+                <a:pPr>
+                  <a:defRPr sz="1330" b="1" i="0" u="none" strike="noStrike" kern="1200" baseline="0">
+                    <a:solidFill>
+                      <a:schemeClr val="tx1">
+                        <a:lumMod val="65000"/>
+                        <a:lumOff val="35000"/>
+                      </a:schemeClr>
+                    </a:solidFill>
+                    <a:latin typeface="+mn-lt"/>
+                    <a:ea typeface="+mn-ea"/>
+                    <a:cs typeface="+mn-cs"/>
+                  </a:defRPr>
+                </a:pPr>
+                <a:r>
+                  <a:rPr lang="ko-KR" altLang="en-US" b="1" dirty="0"/>
+                  <a:t>체중 감소량</a:t>
+                </a:r>
+                <a:r>
+                  <a:rPr lang="en-US" altLang="ko-KR" b="1" dirty="0"/>
+                  <a:t>(y)</a:t>
+                </a:r>
+                <a:endParaRPr lang="ko-KR" altLang="en-US" b="1" dirty="0"/>
+              </a:p>
+            </c:rich>
+          </c:tx>
+          <c:overlay val="0"/>
+          <c:spPr>
+            <a:noFill/>
+            <a:ln>
+              <a:noFill/>
+            </a:ln>
+            <a:effectLst/>
+          </c:spPr>
+          <c:txPr>
+            <a:bodyPr rot="-5400000" spcFirstLastPara="1" vertOverflow="ellipsis" vert="horz" wrap="square" anchor="ctr" anchorCtr="1"/>
+            <a:lstStyle/>
+            <a:p>
+              <a:pPr>
+                <a:defRPr sz="1330" b="1" i="0" u="none" strike="noStrike" kern="1200" baseline="0">
+                  <a:solidFill>
+                    <a:schemeClr val="tx1">
+                      <a:lumMod val="65000"/>
+                      <a:lumOff val="35000"/>
+                    </a:schemeClr>
+                  </a:solidFill>
+                  <a:latin typeface="+mn-lt"/>
+                  <a:ea typeface="+mn-ea"/>
+                  <a:cs typeface="+mn-cs"/>
+                </a:defRPr>
+              </a:pPr>
+              <a:endParaRPr lang="ko-KR"/>
+            </a:p>
+          </c:txPr>
+        </c:title>
+        <c:numFmt formatCode="General" sourceLinked="1"/>
+        <c:majorTickMark val="out"/>
+        <c:minorTickMark val="none"/>
+        <c:tickLblPos val="nextTo"/>
+        <c:spPr>
+          <a:noFill/>
+          <a:ln w="9525" cap="flat" cmpd="sng" algn="ctr">
+            <a:solidFill>
+              <a:schemeClr val="tx1">
+                <a:lumMod val="25000"/>
+                <a:lumOff val="75000"/>
+              </a:schemeClr>
+            </a:solidFill>
+            <a:round/>
+          </a:ln>
+          <a:effectLst/>
+        </c:spPr>
+        <c:txPr>
+          <a:bodyPr rot="-60000000" spcFirstLastPara="1" vertOverflow="ellipsis" vert="horz" wrap="square" anchor="ctr" anchorCtr="1"/>
+          <a:lstStyle/>
+          <a:p>
+            <a:pPr>
+              <a:defRPr sz="1197" b="0" i="0" u="none" strike="noStrike" kern="1200" baseline="0">
+                <a:solidFill>
+                  <a:schemeClr val="tx1">
+                    <a:lumMod val="65000"/>
+                    <a:lumOff val="35000"/>
+                  </a:schemeClr>
+                </a:solidFill>
+                <a:latin typeface="+mn-lt"/>
+                <a:ea typeface="+mn-ea"/>
+                <a:cs typeface="+mn-cs"/>
+              </a:defRPr>
+            </a:pPr>
+            <a:endParaRPr lang="ko-KR"/>
+          </a:p>
+        </c:txPr>
+        <c:crossAx val="496154776"/>
+        <c:crosses val="autoZero"/>
+        <c:crossBetween val="midCat"/>
+      </c:valAx>
+      <c:spPr>
+        <a:noFill/>
+        <a:ln>
+          <a:noFill/>
+        </a:ln>
+        <a:effectLst/>
+      </c:spPr>
+    </c:plotArea>
+    <c:plotVisOnly val="1"/>
+    <c:dispBlanksAs val="gap"/>
+    <c:extLst>
+      <c:ext xmlns:c16r3="http://schemas.microsoft.com/office/drawing/2017/03/chart" uri="{56B9EC1D-385E-4148-901F-78D8002777C0}">
+        <c16r3:dataDisplayOptions16>
+          <c16r3:dispNaAsBlank val="1"/>
+        </c16r3:dataDisplayOptions16>
+      </c:ext>
+    </c:extLst>
+    <c:showDLblsOverMax val="0"/>
+  </c:chart>
+  <c:spPr>
+    <a:noFill/>
+    <a:ln>
+      <a:noFill/>
+    </a:ln>
+    <a:effectLst/>
+  </c:spPr>
+  <c:txPr>
+    <a:bodyPr/>
+    <a:lstStyle/>
+    <a:p>
+      <a:pPr>
+        <a:defRPr/>
+      </a:pPr>
+      <a:endParaRPr lang="ko-KR"/>
+    </a:p>
+  </c:txPr>
+  <c:externalData r:id="rId3">
+    <c:autoUpdate val="0"/>
+  </c:externalData>
+</c:chartSpace>
+</file>
+
+<file path=ppt/charts/chart3.xml><?xml version="1.0" encoding="utf-8"?>
+<c:chartSpace xmlns:c="http://schemas.openxmlformats.org/drawingml/2006/chart" xmlns:a="http://schemas.openxmlformats.org/drawingml/2006/main" xmlns:r="http://schemas.openxmlformats.org/officeDocument/2006/relationships" xmlns:c16r2="http://schemas.microsoft.com/office/drawing/2015/06/chart">
+  <c:date1904 val="0"/>
+  <c:lang val="ko-KR"/>
+  <c:roundedCorners val="0"/>
+  <mc:AlternateContent xmlns:mc="http://schemas.openxmlformats.org/markup-compatibility/2006">
+    <mc:Choice xmlns:c14="http://schemas.microsoft.com/office/drawing/2007/8/2/chart" Requires="c14">
+      <c14:style val="108"/>
+    </mc:Choice>
+    <mc:Fallback>
+      <c:style val="8"/>
+    </mc:Fallback>
+  </mc:AlternateContent>
+  <c:chart>
+    <c:autoTitleDeleted val="1"/>
+    <c:plotArea>
+      <c:layout/>
+      <c:scatterChart>
+        <c:scatterStyle val="lineMarker"/>
+        <c:varyColors val="0"/>
+        <c:ser>
+          <c:idx val="0"/>
+          <c:order val="0"/>
+          <c:tx>
+            <c:strRef>
+              <c:f>Sheet1!$B$1</c:f>
+              <c:strCache>
+                <c:ptCount val="1"/>
+                <c:pt idx="0">
+                  <c:v>체중 감소량(y)</c:v>
+                </c:pt>
+              </c:strCache>
+            </c:strRef>
+          </c:tx>
+          <c:spPr>
+            <a:ln w="25400" cap="rnd">
+              <a:noFill/>
+              <a:round/>
+            </a:ln>
+            <a:effectLst/>
+          </c:spPr>
+          <c:marker>
+            <c:symbol val="circle"/>
+            <c:size val="5"/>
+            <c:spPr>
+              <a:solidFill>
+                <a:schemeClr val="accent6"/>
+              </a:solidFill>
+              <a:ln w="9525">
+                <a:solidFill>
+                  <a:schemeClr val="accent6"/>
+                </a:solidFill>
+              </a:ln>
+              <a:effectLst/>
+            </c:spPr>
+          </c:marker>
+          <c:xVal>
+            <c:numRef>
+              <c:f>Sheet1!$A$2:$A$6</c:f>
+              <c:numCache>
+                <c:formatCode>General</c:formatCode>
+                <c:ptCount val="5"/>
+                <c:pt idx="0">
+                  <c:v>1</c:v>
+                </c:pt>
+                <c:pt idx="1">
+                  <c:v>3</c:v>
+                </c:pt>
+                <c:pt idx="2">
+                  <c:v>5</c:v>
+                </c:pt>
+                <c:pt idx="3">
+                  <c:v>6</c:v>
+                </c:pt>
+                <c:pt idx="4">
+                  <c:v>10</c:v>
+                </c:pt>
+              </c:numCache>
+            </c:numRef>
+          </c:xVal>
+          <c:yVal>
+            <c:numRef>
+              <c:f>Sheet1!$B$2:$B$6</c:f>
+              <c:numCache>
+                <c:formatCode>General</c:formatCode>
+                <c:ptCount val="5"/>
+                <c:pt idx="0">
+                  <c:v>0.5</c:v>
+                </c:pt>
+                <c:pt idx="1">
+                  <c:v>1</c:v>
+                </c:pt>
+                <c:pt idx="2">
+                  <c:v>2</c:v>
+                </c:pt>
+                <c:pt idx="3">
+                  <c:v>1.8</c:v>
+                </c:pt>
+                <c:pt idx="4">
+                  <c:v>3</c:v>
+                </c:pt>
+              </c:numCache>
+            </c:numRef>
+          </c:yVal>
+          <c:smooth val="0"/>
+          <c:extLst>
+            <c:ext xmlns:c16="http://schemas.microsoft.com/office/drawing/2014/chart" uri="{C3380CC4-5D6E-409C-BE32-E72D297353CC}">
+              <c16:uniqueId val="{00000000-C7AA-41D2-9F13-974BD4EBF3C7}"/>
+            </c:ext>
+          </c:extLst>
+        </c:ser>
+        <c:dLbls>
+          <c:showLegendKey val="0"/>
+          <c:showVal val="0"/>
+          <c:showCatName val="0"/>
+          <c:showSerName val="0"/>
+          <c:showPercent val="0"/>
+          <c:showBubbleSize val="0"/>
+        </c:dLbls>
+        <c:axId val="496154776"/>
+        <c:axId val="496156416"/>
+      </c:scatterChart>
+      <c:valAx>
+        <c:axId val="496154776"/>
+        <c:scaling>
+          <c:orientation val="minMax"/>
+        </c:scaling>
+        <c:delete val="0"/>
+        <c:axPos val="b"/>
+        <c:majorGridlines>
+          <c:spPr>
+            <a:ln w="9525" cap="flat" cmpd="sng" algn="ctr">
+              <a:solidFill>
+                <a:schemeClr val="tx1">
+                  <a:lumMod val="15000"/>
+                  <a:lumOff val="85000"/>
+                </a:schemeClr>
+              </a:solidFill>
+              <a:round/>
+            </a:ln>
+            <a:effectLst/>
+          </c:spPr>
+        </c:majorGridlines>
+        <c:minorGridlines>
+          <c:spPr>
+            <a:ln w="9525" cap="flat" cmpd="sng" algn="ctr">
+              <a:solidFill>
+                <a:schemeClr val="tx1">
+                  <a:lumMod val="5000"/>
+                  <a:lumOff val="95000"/>
+                </a:schemeClr>
+              </a:solidFill>
+              <a:round/>
+            </a:ln>
+            <a:effectLst/>
+          </c:spPr>
+        </c:minorGridlines>
+        <c:title>
+          <c:tx>
+            <c:rich>
+              <a:bodyPr rot="0" spcFirstLastPara="1" vertOverflow="ellipsis" vert="horz" wrap="square" anchor="ctr" anchorCtr="1"/>
+              <a:lstStyle/>
+              <a:p>
+                <a:pPr>
+                  <a:defRPr sz="1330" b="1" i="0" u="none" strike="noStrike" kern="1200" baseline="0">
+                    <a:solidFill>
+                      <a:schemeClr val="tx1">
+                        <a:lumMod val="65000"/>
+                        <a:lumOff val="35000"/>
+                      </a:schemeClr>
+                    </a:solidFill>
+                    <a:latin typeface="+mn-lt"/>
+                    <a:ea typeface="+mn-ea"/>
+                    <a:cs typeface="+mn-cs"/>
+                  </a:defRPr>
+                </a:pPr>
+                <a:r>
+                  <a:rPr lang="ko-KR" altLang="en-US" b="1" dirty="0"/>
+                  <a:t>운동 시간</a:t>
+                </a:r>
+                <a:r>
+                  <a:rPr lang="en-US" altLang="ko-KR" b="1" dirty="0"/>
+                  <a:t>(x)</a:t>
+                </a:r>
+                <a:endParaRPr lang="ko-KR" altLang="en-US" b="1" dirty="0"/>
+              </a:p>
+            </c:rich>
+          </c:tx>
+          <c:overlay val="0"/>
+          <c:spPr>
+            <a:noFill/>
+            <a:ln>
+              <a:noFill/>
+            </a:ln>
+            <a:effectLst/>
+          </c:spPr>
+          <c:txPr>
+            <a:bodyPr rot="0" spcFirstLastPara="1" vertOverflow="ellipsis" vert="horz" wrap="square" anchor="ctr" anchorCtr="1"/>
+            <a:lstStyle/>
+            <a:p>
+              <a:pPr>
+                <a:defRPr sz="1330" b="1" i="0" u="none" strike="noStrike" kern="1200" baseline="0">
+                  <a:solidFill>
+                    <a:schemeClr val="tx1">
+                      <a:lumMod val="65000"/>
+                      <a:lumOff val="35000"/>
+                    </a:schemeClr>
+                  </a:solidFill>
+                  <a:latin typeface="+mn-lt"/>
+                  <a:ea typeface="+mn-ea"/>
+                  <a:cs typeface="+mn-cs"/>
+                </a:defRPr>
+              </a:pPr>
+              <a:endParaRPr lang="ko-KR"/>
+            </a:p>
+          </c:txPr>
+        </c:title>
+        <c:numFmt formatCode="General" sourceLinked="1"/>
+        <c:majorTickMark val="out"/>
+        <c:minorTickMark val="none"/>
+        <c:tickLblPos val="nextTo"/>
+        <c:spPr>
+          <a:noFill/>
+          <a:ln w="9525" cap="flat" cmpd="sng" algn="ctr">
+            <a:solidFill>
+              <a:schemeClr val="tx1">
+                <a:lumMod val="25000"/>
+                <a:lumOff val="75000"/>
+              </a:schemeClr>
+            </a:solidFill>
+            <a:round/>
+          </a:ln>
+          <a:effectLst/>
+        </c:spPr>
+        <c:txPr>
+          <a:bodyPr rot="-60000000" spcFirstLastPara="1" vertOverflow="ellipsis" vert="horz" wrap="square" anchor="ctr" anchorCtr="1"/>
+          <a:lstStyle/>
+          <a:p>
+            <a:pPr>
+              <a:defRPr sz="1197" b="0" i="0" u="none" strike="noStrike" kern="1200" baseline="0">
+                <a:solidFill>
+                  <a:schemeClr val="tx1">
+                    <a:lumMod val="65000"/>
+                    <a:lumOff val="35000"/>
+                  </a:schemeClr>
+                </a:solidFill>
+                <a:latin typeface="+mn-lt"/>
+                <a:ea typeface="+mn-ea"/>
+                <a:cs typeface="+mn-cs"/>
+              </a:defRPr>
+            </a:pPr>
+            <a:endParaRPr lang="ko-KR"/>
+          </a:p>
+        </c:txPr>
+        <c:crossAx val="496156416"/>
+        <c:crosses val="autoZero"/>
+        <c:crossBetween val="midCat"/>
+      </c:valAx>
+      <c:valAx>
+        <c:axId val="496156416"/>
+        <c:scaling>
+          <c:orientation val="minMax"/>
+        </c:scaling>
+        <c:delete val="0"/>
+        <c:axPos val="l"/>
+        <c:majorGridlines>
+          <c:spPr>
+            <a:ln w="9525" cap="flat" cmpd="sng" algn="ctr">
+              <a:solidFill>
+                <a:schemeClr val="tx1">
+                  <a:lumMod val="15000"/>
+                  <a:lumOff val="85000"/>
+                </a:schemeClr>
+              </a:solidFill>
+              <a:round/>
+            </a:ln>
+            <a:effectLst/>
+          </c:spPr>
+        </c:majorGridlines>
+        <c:minorGridlines>
+          <c:spPr>
+            <a:ln w="9525" cap="flat" cmpd="sng" algn="ctr">
+              <a:solidFill>
+                <a:schemeClr val="tx1">
+                  <a:lumMod val="5000"/>
+                  <a:lumOff val="95000"/>
+                </a:schemeClr>
+              </a:solidFill>
+              <a:round/>
+            </a:ln>
+            <a:effectLst/>
+          </c:spPr>
+        </c:minorGridlines>
+        <c:title>
+          <c:tx>
+            <c:rich>
+              <a:bodyPr rot="-5400000" spcFirstLastPara="1" vertOverflow="ellipsis" vert="horz" wrap="square" anchor="ctr" anchorCtr="1"/>
+              <a:lstStyle/>
+              <a:p>
+                <a:pPr>
+                  <a:defRPr sz="1330" b="1" i="0" u="none" strike="noStrike" kern="1200" baseline="0">
+                    <a:solidFill>
+                      <a:schemeClr val="tx1">
+                        <a:lumMod val="65000"/>
+                        <a:lumOff val="35000"/>
+                      </a:schemeClr>
+                    </a:solidFill>
+                    <a:latin typeface="+mn-lt"/>
+                    <a:ea typeface="+mn-ea"/>
+                    <a:cs typeface="+mn-cs"/>
+                  </a:defRPr>
+                </a:pPr>
+                <a:r>
+                  <a:rPr lang="ko-KR" altLang="en-US" b="1" dirty="0"/>
+                  <a:t>체중 감소량</a:t>
+                </a:r>
+                <a:r>
+                  <a:rPr lang="en-US" altLang="ko-KR" b="1" dirty="0"/>
+                  <a:t>(y)</a:t>
+                </a:r>
+                <a:endParaRPr lang="ko-KR" altLang="en-US" b="1" dirty="0"/>
+              </a:p>
+            </c:rich>
+          </c:tx>
+          <c:overlay val="0"/>
+          <c:spPr>
+            <a:noFill/>
+            <a:ln>
+              <a:noFill/>
+            </a:ln>
+            <a:effectLst/>
+          </c:spPr>
+          <c:txPr>
+            <a:bodyPr rot="-5400000" spcFirstLastPara="1" vertOverflow="ellipsis" vert="horz" wrap="square" anchor="ctr" anchorCtr="1"/>
+            <a:lstStyle/>
+            <a:p>
+              <a:pPr>
+                <a:defRPr sz="1330" b="1" i="0" u="none" strike="noStrike" kern="1200" baseline="0">
+                  <a:solidFill>
+                    <a:schemeClr val="tx1">
+                      <a:lumMod val="65000"/>
+                      <a:lumOff val="35000"/>
+                    </a:schemeClr>
+                  </a:solidFill>
+                  <a:latin typeface="+mn-lt"/>
+                  <a:ea typeface="+mn-ea"/>
+                  <a:cs typeface="+mn-cs"/>
+                </a:defRPr>
+              </a:pPr>
+              <a:endParaRPr lang="ko-KR"/>
+            </a:p>
+          </c:txPr>
+        </c:title>
+        <c:numFmt formatCode="General" sourceLinked="1"/>
+        <c:majorTickMark val="out"/>
+        <c:minorTickMark val="none"/>
+        <c:tickLblPos val="nextTo"/>
+        <c:spPr>
+          <a:noFill/>
+          <a:ln w="9525" cap="flat" cmpd="sng" algn="ctr">
+            <a:solidFill>
+              <a:schemeClr val="tx1">
+                <a:lumMod val="25000"/>
+                <a:lumOff val="75000"/>
+              </a:schemeClr>
+            </a:solidFill>
+            <a:round/>
+          </a:ln>
+          <a:effectLst/>
+        </c:spPr>
+        <c:txPr>
+          <a:bodyPr rot="-60000000" spcFirstLastPara="1" vertOverflow="ellipsis" vert="horz" wrap="square" anchor="ctr" anchorCtr="1"/>
+          <a:lstStyle/>
+          <a:p>
+            <a:pPr>
+              <a:defRPr sz="1197" b="0" i="0" u="none" strike="noStrike" kern="1200" baseline="0">
+                <a:solidFill>
+                  <a:schemeClr val="tx1">
+                    <a:lumMod val="65000"/>
+                    <a:lumOff val="35000"/>
+                  </a:schemeClr>
+                </a:solidFill>
+                <a:latin typeface="+mn-lt"/>
+                <a:ea typeface="+mn-ea"/>
+                <a:cs typeface="+mn-cs"/>
+              </a:defRPr>
+            </a:pPr>
+            <a:endParaRPr lang="ko-KR"/>
+          </a:p>
+        </c:txPr>
+        <c:crossAx val="496154776"/>
+        <c:crosses val="autoZero"/>
+        <c:crossBetween val="midCat"/>
+      </c:valAx>
+      <c:spPr>
+        <a:noFill/>
+        <a:ln>
+          <a:noFill/>
+        </a:ln>
+        <a:effectLst/>
+      </c:spPr>
+    </c:plotArea>
+    <c:plotVisOnly val="1"/>
+    <c:dispBlanksAs val="gap"/>
+    <c:extLst>
+      <c:ext xmlns:c16r3="http://schemas.microsoft.com/office/drawing/2017/03/chart" uri="{56B9EC1D-385E-4148-901F-78D8002777C0}">
+        <c16r3:dataDisplayOptions16>
+          <c16r3:dispNaAsBlank val="1"/>
+        </c16r3:dataDisplayOptions16>
+      </c:ext>
+    </c:extLst>
+    <c:showDLblsOverMax val="0"/>
+  </c:chart>
+  <c:spPr>
+    <a:noFill/>
+    <a:ln>
+      <a:noFill/>
+    </a:ln>
+    <a:effectLst/>
+  </c:spPr>
+  <c:txPr>
+    <a:bodyPr/>
+    <a:lstStyle/>
+    <a:p>
+      <a:pPr>
+        <a:defRPr/>
+      </a:pPr>
+      <a:endParaRPr lang="ko-KR"/>
+    </a:p>
+  </c:txPr>
+  <c:externalData r:id="rId3">
+    <c:autoUpdate val="0"/>
+  </c:externalData>
+</c:chartSpace>
+</file>
+
+<file path=ppt/charts/colors1.xml><?xml version="1.0" encoding="utf-8"?>
+<cs:colorStyle xmlns:cs="http://schemas.microsoft.com/office/drawing/2012/chartStyle" xmlns:a="http://schemas.openxmlformats.org/drawingml/2006/main" meth="withinLinearReversed" id="26">
+  <a:schemeClr val="accent6"/>
+</cs:colorStyle>
+</file>
+
+<file path=ppt/charts/colors2.xml><?xml version="1.0" encoding="utf-8"?>
+<cs:colorStyle xmlns:cs="http://schemas.microsoft.com/office/drawing/2012/chartStyle" xmlns:a="http://schemas.openxmlformats.org/drawingml/2006/main" meth="withinLinearReversed" id="26">
+  <a:schemeClr val="accent6"/>
+</cs:colorStyle>
+</file>
+
+<file path=ppt/charts/colors3.xml><?xml version="1.0" encoding="utf-8"?>
+<cs:colorStyle xmlns:cs="http://schemas.microsoft.com/office/drawing/2012/chartStyle" xmlns:a="http://schemas.openxmlformats.org/drawingml/2006/main" meth="withinLinearReversed" id="26">
+  <a:schemeClr val="accent6"/>
+</cs:colorStyle>
+</file>
+
+<file path=ppt/charts/style1.xml><?xml version="1.0" encoding="utf-8"?>
+<cs:chartStyle xmlns:cs="http://schemas.microsoft.com/office/drawing/2012/chartStyle" xmlns:a="http://schemas.openxmlformats.org/drawingml/2006/main" id="240">
+  <cs:axisTitle>
+    <cs:lnRef idx="0"/>
+    <cs:fillRef idx="0"/>
+    <cs:effectRef idx="0"/>
+    <cs:fontRef idx="minor">
+      <a:schemeClr val="tx1">
+        <a:lumMod val="65000"/>
+        <a:lumOff val="35000"/>
+      </a:schemeClr>
+    </cs:fontRef>
+    <cs:defRPr sz="1330" kern="1200"/>
+  </cs:axisTitle>
+  <cs:categoryAxis>
+    <cs:lnRef idx="0"/>
+    <cs:fillRef idx="0"/>
+    <cs:effectRef idx="0"/>
+    <cs:fontRef idx="minor">
+      <a:schemeClr val="tx1">
+        <a:lumMod val="65000"/>
+        <a:lumOff val="35000"/>
+      </a:schemeClr>
+    </cs:fontRef>
+    <cs:spPr>
+      <a:ln w="9525" cap="flat" cmpd="sng" algn="ctr">
+        <a:solidFill>
+          <a:schemeClr val="tx1">
+            <a:lumMod val="25000"/>
+            <a:lumOff val="75000"/>
+          </a:schemeClr>
+        </a:solidFill>
+        <a:round/>
+      </a:ln>
+    </cs:spPr>
+    <cs:defRPr sz="1197" kern="1200"/>
+  </cs:categoryAxis>
+  <cs:chartArea mods="allowNoFillOverride allowNoLineOverride">
+    <cs:lnRef idx="0"/>
+    <cs:fillRef idx="0"/>
+    <cs:effectRef idx="0"/>
+    <cs:fontRef idx="minor">
+      <a:schemeClr val="tx1"/>
+    </cs:fontRef>
+    <cs:spPr>
+      <a:solidFill>
+        <a:schemeClr val="bg1"/>
+      </a:solidFill>
+      <a:ln w="9525" cap="flat" cmpd="sng" algn="ctr">
+        <a:solidFill>
+          <a:schemeClr val="tx1">
+            <a:lumMod val="15000"/>
+            <a:lumOff val="85000"/>
+          </a:schemeClr>
+        </a:solidFill>
+        <a:round/>
+      </a:ln>
+    </cs:spPr>
+    <cs:defRPr sz="1330" kern="1200"/>
+  </cs:chartArea>
+  <cs:dataLabel>
+    <cs:lnRef idx="0"/>
+    <cs:fillRef idx="0"/>
+    <cs:effectRef idx="0"/>
+    <cs:fontRef idx="minor">
+      <a:schemeClr val="tx1">
+        <a:lumMod val="75000"/>
+        <a:lumOff val="25000"/>
+      </a:schemeClr>
+    </cs:fontRef>
+    <cs:defRPr sz="1197" kern="1200"/>
+  </cs:dataLabel>
+  <cs:dataLabelCallout>
+    <cs:lnRef idx="0"/>
+    <cs:fillRef idx="0"/>
+    <cs:effectRef idx="0"/>
+    <cs:fontRef idx="minor">
+      <a:schemeClr val="dk1">
+        <a:lumMod val="65000"/>
+        <a:lumOff val="35000"/>
+      </a:schemeClr>
+    </cs:fontRef>
+    <cs:spPr>
+      <a:solidFill>
+        <a:schemeClr val="lt1"/>
+      </a:solidFill>
+      <a:ln>
+        <a:solidFill>
+          <a:schemeClr val="dk1">
+            <a:lumMod val="25000"/>
+            <a:lumOff val="75000"/>
+          </a:schemeClr>
+        </a:solidFill>
+      </a:ln>
+    </cs:spPr>
+    <cs:defRPr sz="1197" kern="1200"/>
+    <cs:bodyPr rot="0" spcFirstLastPara="1" vertOverflow="clip" horzOverflow="clip" vert="horz" wrap="square" lIns="36576" tIns="18288" rIns="36576" bIns="18288" anchor="ctr" anchorCtr="1">
+      <a:spAutoFit/>
+    </cs:bodyPr>
+  </cs:dataLabelCallout>
+  <cs:dataPoint>
+    <cs:lnRef idx="0"/>
+    <cs:fillRef idx="1">
+      <cs:styleClr val="auto"/>
+    </cs:fillRef>
+    <cs:effectRef idx="0"/>
+    <cs:fontRef idx="minor">
+      <a:schemeClr val="tx1"/>
+    </cs:fontRef>
+  </cs:dataPoint>
+  <cs:dataPoint3D>
+    <cs:lnRef idx="0"/>
+    <cs:fillRef idx="1">
+      <cs:styleClr val="auto"/>
+    </cs:fillRef>
+    <cs:effectRef idx="0"/>
+    <cs:fontRef idx="minor">
+      <a:schemeClr val="tx1"/>
+    </cs:fontRef>
+  </cs:dataPoint3D>
+  <cs:dataPointLine>
+    <cs:lnRef idx="0">
+      <cs:styleClr val="auto"/>
+    </cs:lnRef>
+    <cs:fillRef idx="1"/>
+    <cs:effectRef idx="0"/>
+    <cs:fontRef idx="minor">
+      <a:schemeClr val="tx1"/>
+    </cs:fontRef>
+    <cs:spPr>
+      <a:ln w="19050" cap="rnd">
+        <a:solidFill>
+          <a:schemeClr val="phClr"/>
+        </a:solidFill>
+        <a:round/>
+      </a:ln>
+    </cs:spPr>
+  </cs:dataPointLine>
+  <cs:dataPointMarker>
+    <cs:lnRef idx="0">
+      <cs:styleClr val="auto"/>
+    </cs:lnRef>
+    <cs:fillRef idx="1">
+      <cs:styleClr val="auto"/>
+    </cs:fillRef>
+    <cs:effectRef idx="0"/>
+    <cs:fontRef idx="minor">
+      <a:schemeClr val="tx1"/>
+    </cs:fontRef>
+    <cs:spPr>
+      <a:ln w="9525">
+        <a:solidFill>
+          <a:schemeClr val="phClr"/>
+        </a:solidFill>
+      </a:ln>
+    </cs:spPr>
+  </cs:dataPointMarker>
+  <cs:dataPointMarkerLayout symbol="circle" size="5"/>
+  <cs:dataPointWireframe>
+    <cs:lnRef idx="0">
+      <cs:styleClr val="auto"/>
+    </cs:lnRef>
+    <cs:fillRef idx="0"/>
+    <cs:effectRef idx="0"/>
+    <cs:fontRef idx="minor">
+      <a:schemeClr val="dk1"/>
+    </cs:fontRef>
+    <cs:spPr>
+      <a:ln w="9525" cap="rnd">
+        <a:solidFill>
+          <a:schemeClr val="phClr"/>
+        </a:solidFill>
+        <a:round/>
+      </a:ln>
+    </cs:spPr>
+  </cs:dataPointWireframe>
+  <cs:dataTable>
+    <cs:lnRef idx="0"/>
+    <cs:fillRef idx="0"/>
+    <cs:effectRef idx="0"/>
+    <cs:fontRef idx="minor">
+      <a:schemeClr val="tx1">
+        <a:lumMod val="65000"/>
+        <a:lumOff val="35000"/>
+      </a:schemeClr>
+    </cs:fontRef>
+    <cs:spPr>
+      <a:noFill/>
+      <a:ln w="9525" cap="flat" cmpd="sng" algn="ctr">
+        <a:solidFill>
+          <a:schemeClr val="tx1">
+            <a:lumMod val="15000"/>
+            <a:lumOff val="85000"/>
+          </a:schemeClr>
+        </a:solidFill>
+        <a:round/>
+      </a:ln>
+    </cs:spPr>
+    <cs:defRPr sz="1197" kern="1200"/>
+  </cs:dataTable>
+  <cs:downBar>
+    <cs:lnRef idx="0"/>
+    <cs:fillRef idx="0"/>
+    <cs:effectRef idx="0"/>
+    <cs:fontRef idx="minor">
+      <a:schemeClr val="tx1"/>
+    </cs:fontRef>
+    <cs:spPr>
+      <a:solidFill>
+        <a:schemeClr val="dk1">
+          <a:lumMod val="75000"/>
+          <a:lumOff val="25000"/>
+        </a:schemeClr>
+      </a:solidFill>
+      <a:ln w="9525" cap="flat" cmpd="sng" algn="ctr">
+        <a:solidFill>
+          <a:schemeClr val="tx1">
+            <a:lumMod val="65000"/>
+            <a:lumOff val="35000"/>
+          </a:schemeClr>
+        </a:solidFill>
+        <a:round/>
+      </a:ln>
+    </cs:spPr>
+  </cs:downBar>
+  <cs:dropLine>
+    <cs:lnRef idx="0"/>
+    <cs:fillRef idx="0"/>
+    <cs:effectRef idx="0"/>
+    <cs:fontRef idx="minor">
+      <a:schemeClr val="tx1"/>
+    </cs:fontRef>
+    <cs:spPr>
+      <a:ln w="9525" cap="flat" cmpd="sng" algn="ctr">
+        <a:solidFill>
+          <a:schemeClr val="tx1">
+            <a:lumMod val="35000"/>
+            <a:lumOff val="65000"/>
+          </a:schemeClr>
+        </a:solidFill>
+        <a:round/>
+      </a:ln>
+    </cs:spPr>
+  </cs:dropLine>
+  <cs:errorBar>
+    <cs:lnRef idx="0"/>
+    <cs:fillRef idx="0"/>
+    <cs:effectRef idx="0"/>
+    <cs:fontRef idx="minor">
+      <a:schemeClr val="tx1"/>
+    </cs:fontRef>
+    <cs:spPr>
+      <a:ln w="9525" cap="flat" cmpd="sng" algn="ctr">
+        <a:solidFill>
+          <a:schemeClr val="tx1">
+            <a:lumMod val="65000"/>
+            <a:lumOff val="35000"/>
+          </a:schemeClr>
+        </a:solidFill>
+        <a:round/>
+      </a:ln>
+    </cs:spPr>
+  </cs:errorBar>
+  <cs:floor>
+    <cs:lnRef idx="0"/>
+    <cs:fillRef idx="0"/>
+    <cs:effectRef idx="0"/>
+    <cs:fontRef idx="minor">
+      <a:schemeClr val="tx1"/>
+    </cs:fontRef>
+    <cs:spPr>
+      <a:noFill/>
+      <a:ln>
+        <a:noFill/>
+      </a:ln>
+    </cs:spPr>
+  </cs:floor>
+  <cs:gridlineMajor>
+    <cs:lnRef idx="0"/>
+    <cs:fillRef idx="0"/>
+    <cs:effectRef idx="0"/>
+    <cs:fontRef idx="minor">
+      <a:schemeClr val="tx1"/>
+    </cs:fontRef>
+    <cs:spPr>
+      <a:ln w="9525" cap="flat" cmpd="sng" algn="ctr">
+        <a:solidFill>
+          <a:schemeClr val="tx1">
+            <a:lumMod val="15000"/>
+            <a:lumOff val="85000"/>
+          </a:schemeClr>
+        </a:solidFill>
+        <a:round/>
+      </a:ln>
+    </cs:spPr>
+  </cs:gridlineMajor>
+  <cs:gridlineMinor>
+    <cs:lnRef idx="0"/>
+    <cs:fillRef idx="0"/>
+    <cs:effectRef idx="0"/>
+    <cs:fontRef idx="minor">
+      <a:schemeClr val="tx1"/>
+    </cs:fontRef>
+    <cs:spPr>
+      <a:ln w="9525" cap="flat" cmpd="sng" algn="ctr">
+        <a:solidFill>
+          <a:schemeClr val="tx1">
+            <a:lumMod val="5000"/>
+            <a:lumOff val="95000"/>
+          </a:schemeClr>
+        </a:solidFill>
+        <a:round/>
+      </a:ln>
+    </cs:spPr>
+  </cs:gridlineMinor>
+  <cs:hiLoLine>
+    <cs:lnRef idx="0"/>
+    <cs:fillRef idx="0"/>
+    <cs:effectRef idx="0"/>
+    <cs:fontRef idx="minor">
+      <a:schemeClr val="tx1"/>
+    </cs:fontRef>
+    <cs:spPr>
+      <a:ln w="9525" cap="flat" cmpd="sng" algn="ctr">
+        <a:solidFill>
+          <a:schemeClr val="tx1">
+            <a:lumMod val="50000"/>
+            <a:lumOff val="50000"/>
+          </a:schemeClr>
+        </a:solidFill>
+        <a:round/>
+      </a:ln>
+    </cs:spPr>
+  </cs:hiLoLine>
+  <cs:leaderLine>
+    <cs:lnRef idx="0"/>
+    <cs:fillRef idx="0"/>
+    <cs:effectRef idx="0"/>
+    <cs:fontRef idx="minor">
+      <a:schemeClr val="tx1"/>
+    </cs:fontRef>
+    <cs:spPr>
+      <a:ln w="9525" cap="flat" cmpd="sng" algn="ctr">
+        <a:solidFill>
+          <a:schemeClr val="tx1">
+            <a:lumMod val="35000"/>
+            <a:lumOff val="65000"/>
+          </a:schemeClr>
+        </a:solidFill>
+        <a:round/>
+      </a:ln>
+    </cs:spPr>
+  </cs:leaderLine>
+  <cs:legend>
+    <cs:lnRef idx="0"/>
+    <cs:fillRef idx="0"/>
+    <cs:effectRef idx="0"/>
+    <cs:fontRef idx="minor">
+      <a:schemeClr val="tx1">
+        <a:lumMod val="65000"/>
+        <a:lumOff val="35000"/>
+      </a:schemeClr>
+    </cs:fontRef>
+    <cs:defRPr sz="1197" kern="1200"/>
+  </cs:legend>
+  <cs:plotArea mods="allowNoFillOverride allowNoLineOverride">
+    <cs:lnRef idx="0"/>
+    <cs:fillRef idx="0"/>
+    <cs:effectRef idx="0"/>
+    <cs:fontRef idx="minor">
+      <a:schemeClr val="tx1"/>
+    </cs:fontRef>
+  </cs:plotArea>
+  <cs:plotArea3D mods="allowNoFillOverride allowNoLineOverride">
+    <cs:lnRef idx="0"/>
+    <cs:fillRef idx="0"/>
+    <cs:effectRef idx="0"/>
+    <cs:fontRef idx="minor">
+      <a:schemeClr val="tx1"/>
+    </cs:fontRef>
+  </cs:plotArea3D>
+  <cs:seriesAxis>
+    <cs:lnRef idx="0"/>
+    <cs:fillRef idx="0"/>
+    <cs:effectRef idx="0"/>
+    <cs:fontRef idx="minor">
+      <a:schemeClr val="tx1">
+        <a:lumMod val="65000"/>
+        <a:lumOff val="35000"/>
+      </a:schemeClr>
+    </cs:fontRef>
+    <cs:defRPr sz="1197" kern="1200"/>
+  </cs:seriesAxis>
+  <cs:seriesLine>
+    <cs:lnRef idx="0"/>
+    <cs:fillRef idx="0"/>
+    <cs:effectRef idx="0"/>
+    <cs:fontRef idx="minor">
+      <a:schemeClr val="tx1"/>
+    </cs:fontRef>
+    <cs:spPr>
+      <a:ln w="9525" cap="flat" cmpd="sng" algn="ctr">
+        <a:solidFill>
+          <a:schemeClr val="tx1">
+            <a:lumMod val="35000"/>
+            <a:lumOff val="65000"/>
+          </a:schemeClr>
+        </a:solidFill>
+        <a:round/>
+      </a:ln>
+    </cs:spPr>
+  </cs:seriesLine>
+  <cs:title>
+    <cs:lnRef idx="0"/>
+    <cs:fillRef idx="0"/>
+    <cs:effectRef idx="0"/>
+    <cs:fontRef idx="minor">
+      <a:schemeClr val="tx1">
+        <a:lumMod val="65000"/>
+        <a:lumOff val="35000"/>
+      </a:schemeClr>
+    </cs:fontRef>
+    <cs:defRPr sz="1862" b="0" kern="1200" spc="0" baseline="0"/>
+  </cs:title>
+  <cs:trendline>
+    <cs:lnRef idx="0">
+      <cs:styleClr val="auto"/>
+    </cs:lnRef>
+    <cs:fillRef idx="0"/>
+    <cs:effectRef idx="0"/>
+    <cs:fontRef idx="minor">
+      <a:schemeClr val="tx1"/>
+    </cs:fontRef>
+    <cs:spPr>
+      <a:ln w="19050" cap="rnd">
+        <a:solidFill>
+          <a:schemeClr val="phClr"/>
+        </a:solidFill>
+        <a:prstDash val="sysDot"/>
+      </a:ln>
+    </cs:spPr>
+  </cs:trendline>
+  <cs:trendlineLabel>
+    <cs:lnRef idx="0"/>
+    <cs:fillRef idx="0"/>
+    <cs:effectRef idx="0"/>
+    <cs:fontRef idx="minor">
+      <a:schemeClr val="tx1">
+        <a:lumMod val="65000"/>
+        <a:lumOff val="35000"/>
+      </a:schemeClr>
+    </cs:fontRef>
+    <cs:defRPr sz="1197" kern="1200"/>
+  </cs:trendlineLabel>
+  <cs:upBar>
+    <cs:lnRef idx="0"/>
+    <cs:fillRef idx="0"/>
+    <cs:effectRef idx="0"/>
+    <cs:fontRef idx="minor">
+      <a:schemeClr val="tx1"/>
+    </cs:fontRef>
+    <cs:spPr>
+      <a:solidFill>
+        <a:schemeClr val="lt1"/>
+      </a:solidFill>
+      <a:ln w="9525" cap="flat" cmpd="sng" algn="ctr">
+        <a:solidFill>
+          <a:schemeClr val="tx1">
+            <a:lumMod val="65000"/>
+            <a:lumOff val="35000"/>
+          </a:schemeClr>
+        </a:solidFill>
+        <a:round/>
+      </a:ln>
+    </cs:spPr>
+  </cs:upBar>
+  <cs:valueAxis>
+    <cs:lnRef idx="0"/>
+    <cs:fillRef idx="0"/>
+    <cs:effectRef idx="0"/>
+    <cs:fontRef idx="minor">
+      <a:schemeClr val="tx1">
+        <a:lumMod val="65000"/>
+        <a:lumOff val="35000"/>
+      </a:schemeClr>
+    </cs:fontRef>
+    <cs:spPr>
+      <a:ln w="9525" cap="flat" cmpd="sng" algn="ctr">
+        <a:solidFill>
+          <a:schemeClr val="tx1">
+            <a:lumMod val="25000"/>
+            <a:lumOff val="75000"/>
+          </a:schemeClr>
+        </a:solidFill>
+        <a:round/>
+      </a:ln>
+    </cs:spPr>
+    <cs:defRPr sz="1197" kern="1200"/>
+  </cs:valueAxis>
+  <cs:wall>
+    <cs:lnRef idx="0"/>
+    <cs:fillRef idx="0"/>
+    <cs:effectRef idx="0"/>
+    <cs:fontRef idx="minor">
+      <a:schemeClr val="tx1"/>
+    </cs:fontRef>
+    <cs:spPr>
+      <a:noFill/>
+      <a:ln>
+        <a:noFill/>
+      </a:ln>
+    </cs:spPr>
+  </cs:wall>
+</cs:chartStyle>
+</file>
+
+<file path=ppt/charts/style2.xml><?xml version="1.0" encoding="utf-8"?>
+<cs:chartStyle xmlns:cs="http://schemas.microsoft.com/office/drawing/2012/chartStyle" xmlns:a="http://schemas.openxmlformats.org/drawingml/2006/main" id="240">
+  <cs:axisTitle>
+    <cs:lnRef idx="0"/>
+    <cs:fillRef idx="0"/>
+    <cs:effectRef idx="0"/>
+    <cs:fontRef idx="minor">
+      <a:schemeClr val="tx1">
+        <a:lumMod val="65000"/>
+        <a:lumOff val="35000"/>
+      </a:schemeClr>
+    </cs:fontRef>
+    <cs:defRPr sz="1330" kern="1200"/>
+  </cs:axisTitle>
+  <cs:categoryAxis>
+    <cs:lnRef idx="0"/>
+    <cs:fillRef idx="0"/>
+    <cs:effectRef idx="0"/>
+    <cs:fontRef idx="minor">
+      <a:schemeClr val="tx1">
+        <a:lumMod val="65000"/>
+        <a:lumOff val="35000"/>
+      </a:schemeClr>
+    </cs:fontRef>
+    <cs:spPr>
+      <a:ln w="9525" cap="flat" cmpd="sng" algn="ctr">
+        <a:solidFill>
+          <a:schemeClr val="tx1">
+            <a:lumMod val="25000"/>
+            <a:lumOff val="75000"/>
+          </a:schemeClr>
+        </a:solidFill>
+        <a:round/>
+      </a:ln>
+    </cs:spPr>
+    <cs:defRPr sz="1197" kern="1200"/>
+  </cs:categoryAxis>
+  <cs:chartArea mods="allowNoFillOverride allowNoLineOverride">
+    <cs:lnRef idx="0"/>
+    <cs:fillRef idx="0"/>
+    <cs:effectRef idx="0"/>
+    <cs:fontRef idx="minor">
+      <a:schemeClr val="tx1"/>
+    </cs:fontRef>
+    <cs:spPr>
+      <a:solidFill>
+        <a:schemeClr val="bg1"/>
+      </a:solidFill>
+      <a:ln w="9525" cap="flat" cmpd="sng" algn="ctr">
+        <a:solidFill>
+          <a:schemeClr val="tx1">
+            <a:lumMod val="15000"/>
+            <a:lumOff val="85000"/>
+          </a:schemeClr>
+        </a:solidFill>
+        <a:round/>
+      </a:ln>
+    </cs:spPr>
+    <cs:defRPr sz="1330" kern="1200"/>
+  </cs:chartArea>
+  <cs:dataLabel>
+    <cs:lnRef idx="0"/>
+    <cs:fillRef idx="0"/>
+    <cs:effectRef idx="0"/>
+    <cs:fontRef idx="minor">
+      <a:schemeClr val="tx1">
+        <a:lumMod val="75000"/>
+        <a:lumOff val="25000"/>
+      </a:schemeClr>
+    </cs:fontRef>
+    <cs:defRPr sz="1197" kern="1200"/>
+  </cs:dataLabel>
+  <cs:dataLabelCallout>
+    <cs:lnRef idx="0"/>
+    <cs:fillRef idx="0"/>
+    <cs:effectRef idx="0"/>
+    <cs:fontRef idx="minor">
+      <a:schemeClr val="dk1">
+        <a:lumMod val="65000"/>
+        <a:lumOff val="35000"/>
+      </a:schemeClr>
+    </cs:fontRef>
+    <cs:spPr>
+      <a:solidFill>
+        <a:schemeClr val="lt1"/>
+      </a:solidFill>
+      <a:ln>
+        <a:solidFill>
+          <a:schemeClr val="dk1">
+            <a:lumMod val="25000"/>
+            <a:lumOff val="75000"/>
+          </a:schemeClr>
+        </a:solidFill>
+      </a:ln>
+    </cs:spPr>
+    <cs:defRPr sz="1197" kern="1200"/>
+    <cs:bodyPr rot="0" spcFirstLastPara="1" vertOverflow="clip" horzOverflow="clip" vert="horz" wrap="square" lIns="36576" tIns="18288" rIns="36576" bIns="18288" anchor="ctr" anchorCtr="1">
+      <a:spAutoFit/>
+    </cs:bodyPr>
+  </cs:dataLabelCallout>
+  <cs:dataPoint>
+    <cs:lnRef idx="0"/>
+    <cs:fillRef idx="1">
+      <cs:styleClr val="auto"/>
+    </cs:fillRef>
+    <cs:effectRef idx="0"/>
+    <cs:fontRef idx="minor">
+      <a:schemeClr val="tx1"/>
+    </cs:fontRef>
+  </cs:dataPoint>
+  <cs:dataPoint3D>
+    <cs:lnRef idx="0"/>
+    <cs:fillRef idx="1">
+      <cs:styleClr val="auto"/>
+    </cs:fillRef>
+    <cs:effectRef idx="0"/>
+    <cs:fontRef idx="minor">
+      <a:schemeClr val="tx1"/>
+    </cs:fontRef>
+  </cs:dataPoint3D>
+  <cs:dataPointLine>
+    <cs:lnRef idx="0">
+      <cs:styleClr val="auto"/>
+    </cs:lnRef>
+    <cs:fillRef idx="1"/>
+    <cs:effectRef idx="0"/>
+    <cs:fontRef idx="minor">
+      <a:schemeClr val="tx1"/>
+    </cs:fontRef>
+    <cs:spPr>
+      <a:ln w="19050" cap="rnd">
+        <a:solidFill>
+          <a:schemeClr val="phClr"/>
+        </a:solidFill>
+        <a:round/>
+      </a:ln>
+    </cs:spPr>
+  </cs:dataPointLine>
+  <cs:dataPointMarker>
+    <cs:lnRef idx="0">
+      <cs:styleClr val="auto"/>
+    </cs:lnRef>
+    <cs:fillRef idx="1">
+      <cs:styleClr val="auto"/>
+    </cs:fillRef>
+    <cs:effectRef idx="0"/>
+    <cs:fontRef idx="minor">
+      <a:schemeClr val="tx1"/>
+    </cs:fontRef>
+    <cs:spPr>
+      <a:ln w="9525">
+        <a:solidFill>
+          <a:schemeClr val="phClr"/>
+        </a:solidFill>
+      </a:ln>
+    </cs:spPr>
+  </cs:dataPointMarker>
+  <cs:dataPointMarkerLayout symbol="circle" size="5"/>
+  <cs:dataPointWireframe>
+    <cs:lnRef idx="0">
+      <cs:styleClr val="auto"/>
+    </cs:lnRef>
+    <cs:fillRef idx="0"/>
+    <cs:effectRef idx="0"/>
+    <cs:fontRef idx="minor">
+      <a:schemeClr val="dk1"/>
+    </cs:fontRef>
+    <cs:spPr>
+      <a:ln w="9525" cap="rnd">
+        <a:solidFill>
+          <a:schemeClr val="phClr"/>
+        </a:solidFill>
+        <a:round/>
+      </a:ln>
+    </cs:spPr>
+  </cs:dataPointWireframe>
+  <cs:dataTable>
+    <cs:lnRef idx="0"/>
+    <cs:fillRef idx="0"/>
+    <cs:effectRef idx="0"/>
+    <cs:fontRef idx="minor">
+      <a:schemeClr val="tx1">
+        <a:lumMod val="65000"/>
+        <a:lumOff val="35000"/>
+      </a:schemeClr>
+    </cs:fontRef>
+    <cs:spPr>
+      <a:noFill/>
+      <a:ln w="9525" cap="flat" cmpd="sng" algn="ctr">
+        <a:solidFill>
+          <a:schemeClr val="tx1">
+            <a:lumMod val="15000"/>
+            <a:lumOff val="85000"/>
+          </a:schemeClr>
+        </a:solidFill>
+        <a:round/>
+      </a:ln>
+    </cs:spPr>
+    <cs:defRPr sz="1197" kern="1200"/>
+  </cs:dataTable>
+  <cs:downBar>
+    <cs:lnRef idx="0"/>
+    <cs:fillRef idx="0"/>
+    <cs:effectRef idx="0"/>
+    <cs:fontRef idx="minor">
+      <a:schemeClr val="tx1"/>
+    </cs:fontRef>
+    <cs:spPr>
+      <a:solidFill>
+        <a:schemeClr val="dk1">
+          <a:lumMod val="75000"/>
+          <a:lumOff val="25000"/>
+        </a:schemeClr>
+      </a:solidFill>
+      <a:ln w="9525" cap="flat" cmpd="sng" algn="ctr">
+        <a:solidFill>
+          <a:schemeClr val="tx1">
+            <a:lumMod val="65000"/>
+            <a:lumOff val="35000"/>
+          </a:schemeClr>
+        </a:solidFill>
+        <a:round/>
+      </a:ln>
+    </cs:spPr>
+  </cs:downBar>
+  <cs:dropLine>
+    <cs:lnRef idx="0"/>
+    <cs:fillRef idx="0"/>
+    <cs:effectRef idx="0"/>
+    <cs:fontRef idx="minor">
+      <a:schemeClr val="tx1"/>
+    </cs:fontRef>
+    <cs:spPr>
+      <a:ln w="9525" cap="flat" cmpd="sng" algn="ctr">
+        <a:solidFill>
+          <a:schemeClr val="tx1">
+            <a:lumMod val="35000"/>
+            <a:lumOff val="65000"/>
+          </a:schemeClr>
+        </a:solidFill>
+        <a:round/>
+      </a:ln>
+    </cs:spPr>
+  </cs:dropLine>
+  <cs:errorBar>
+    <cs:lnRef idx="0"/>
+    <cs:fillRef idx="0"/>
+    <cs:effectRef idx="0"/>
+    <cs:fontRef idx="minor">
+      <a:schemeClr val="tx1"/>
+    </cs:fontRef>
+    <cs:spPr>
+      <a:ln w="9525" cap="flat" cmpd="sng" algn="ctr">
+        <a:solidFill>
+          <a:schemeClr val="tx1">
+            <a:lumMod val="65000"/>
+            <a:lumOff val="35000"/>
+          </a:schemeClr>
+        </a:solidFill>
+        <a:round/>
+      </a:ln>
+    </cs:spPr>
+  </cs:errorBar>
+  <cs:floor>
+    <cs:lnRef idx="0"/>
+    <cs:fillRef idx="0"/>
+    <cs:effectRef idx="0"/>
+    <cs:fontRef idx="minor">
+      <a:schemeClr val="tx1"/>
+    </cs:fontRef>
+    <cs:spPr>
+      <a:noFill/>
+      <a:ln>
+        <a:noFill/>
+      </a:ln>
+    </cs:spPr>
+  </cs:floor>
+  <cs:gridlineMajor>
+    <cs:lnRef idx="0"/>
+    <cs:fillRef idx="0"/>
+    <cs:effectRef idx="0"/>
+    <cs:fontRef idx="minor">
+      <a:schemeClr val="tx1"/>
+    </cs:fontRef>
+    <cs:spPr>
+      <a:ln w="9525" cap="flat" cmpd="sng" algn="ctr">
+        <a:solidFill>
+          <a:schemeClr val="tx1">
+            <a:lumMod val="15000"/>
+            <a:lumOff val="85000"/>
+          </a:schemeClr>
+        </a:solidFill>
+        <a:round/>
+      </a:ln>
+    </cs:spPr>
+  </cs:gridlineMajor>
+  <cs:gridlineMinor>
+    <cs:lnRef idx="0"/>
+    <cs:fillRef idx="0"/>
+    <cs:effectRef idx="0"/>
+    <cs:fontRef idx="minor">
+      <a:schemeClr val="tx1"/>
+    </cs:fontRef>
+    <cs:spPr>
+      <a:ln w="9525" cap="flat" cmpd="sng" algn="ctr">
+        <a:solidFill>
+          <a:schemeClr val="tx1">
+            <a:lumMod val="5000"/>
+            <a:lumOff val="95000"/>
+          </a:schemeClr>
+        </a:solidFill>
+        <a:round/>
+      </a:ln>
+    </cs:spPr>
+  </cs:gridlineMinor>
+  <cs:hiLoLine>
+    <cs:lnRef idx="0"/>
+    <cs:fillRef idx="0"/>
+    <cs:effectRef idx="0"/>
+    <cs:fontRef idx="minor">
+      <a:schemeClr val="tx1"/>
+    </cs:fontRef>
+    <cs:spPr>
+      <a:ln w="9525" cap="flat" cmpd="sng" algn="ctr">
+        <a:solidFill>
+          <a:schemeClr val="tx1">
+            <a:lumMod val="50000"/>
+            <a:lumOff val="50000"/>
+          </a:schemeClr>
+        </a:solidFill>
+        <a:round/>
+      </a:ln>
+    </cs:spPr>
+  </cs:hiLoLine>
+  <cs:leaderLine>
+    <cs:lnRef idx="0"/>
+    <cs:fillRef idx="0"/>
+    <cs:effectRef idx="0"/>
+    <cs:fontRef idx="minor">
+      <a:schemeClr val="tx1"/>
+    </cs:fontRef>
+    <cs:spPr>
+      <a:ln w="9525" cap="flat" cmpd="sng" algn="ctr">
+        <a:solidFill>
+          <a:schemeClr val="tx1">
+            <a:lumMod val="35000"/>
+            <a:lumOff val="65000"/>
+          </a:schemeClr>
+        </a:solidFill>
+        <a:round/>
+      </a:ln>
+    </cs:spPr>
+  </cs:leaderLine>
+  <cs:legend>
+    <cs:lnRef idx="0"/>
+    <cs:fillRef idx="0"/>
+    <cs:effectRef idx="0"/>
+    <cs:fontRef idx="minor">
+      <a:schemeClr val="tx1">
+        <a:lumMod val="65000"/>
+        <a:lumOff val="35000"/>
+      </a:schemeClr>
+    </cs:fontRef>
+    <cs:defRPr sz="1197" kern="1200"/>
+  </cs:legend>
+  <cs:plotArea mods="allowNoFillOverride allowNoLineOverride">
+    <cs:lnRef idx="0"/>
+    <cs:fillRef idx="0"/>
+    <cs:effectRef idx="0"/>
+    <cs:fontRef idx="minor">
+      <a:schemeClr val="tx1"/>
+    </cs:fontRef>
+  </cs:plotArea>
+  <cs:plotArea3D mods="allowNoFillOverride allowNoLineOverride">
+    <cs:lnRef idx="0"/>
+    <cs:fillRef idx="0"/>
+    <cs:effectRef idx="0"/>
+    <cs:fontRef idx="minor">
+      <a:schemeClr val="tx1"/>
+    </cs:fontRef>
+  </cs:plotArea3D>
+  <cs:seriesAxis>
+    <cs:lnRef idx="0"/>
+    <cs:fillRef idx="0"/>
+    <cs:effectRef idx="0"/>
+    <cs:fontRef idx="minor">
+      <a:schemeClr val="tx1">
+        <a:lumMod val="65000"/>
+        <a:lumOff val="35000"/>
+      </a:schemeClr>
+    </cs:fontRef>
+    <cs:defRPr sz="1197" kern="1200"/>
+  </cs:seriesAxis>
+  <cs:seriesLine>
+    <cs:lnRef idx="0"/>
+    <cs:fillRef idx="0"/>
+    <cs:effectRef idx="0"/>
+    <cs:fontRef idx="minor">
+      <a:schemeClr val="tx1"/>
+    </cs:fontRef>
+    <cs:spPr>
+      <a:ln w="9525" cap="flat" cmpd="sng" algn="ctr">
+        <a:solidFill>
+          <a:schemeClr val="tx1">
+            <a:lumMod val="35000"/>
+            <a:lumOff val="65000"/>
+          </a:schemeClr>
+        </a:solidFill>
+        <a:round/>
+      </a:ln>
+    </cs:spPr>
+  </cs:seriesLine>
+  <cs:title>
+    <cs:lnRef idx="0"/>
+    <cs:fillRef idx="0"/>
+    <cs:effectRef idx="0"/>
+    <cs:fontRef idx="minor">
+      <a:schemeClr val="tx1">
+        <a:lumMod val="65000"/>
+        <a:lumOff val="35000"/>
+      </a:schemeClr>
+    </cs:fontRef>
+    <cs:defRPr sz="1862" b="0" kern="1200" spc="0" baseline="0"/>
+  </cs:title>
+  <cs:trendline>
+    <cs:lnRef idx="0">
+      <cs:styleClr val="auto"/>
+    </cs:lnRef>
+    <cs:fillRef idx="0"/>
+    <cs:effectRef idx="0"/>
+    <cs:fontRef idx="minor">
+      <a:schemeClr val="tx1"/>
+    </cs:fontRef>
+    <cs:spPr>
+      <a:ln w="19050" cap="rnd">
+        <a:solidFill>
+          <a:schemeClr val="phClr"/>
+        </a:solidFill>
+        <a:prstDash val="sysDot"/>
+      </a:ln>
+    </cs:spPr>
+  </cs:trendline>
+  <cs:trendlineLabel>
+    <cs:lnRef idx="0"/>
+    <cs:fillRef idx="0"/>
+    <cs:effectRef idx="0"/>
+    <cs:fontRef idx="minor">
+      <a:schemeClr val="tx1">
+        <a:lumMod val="65000"/>
+        <a:lumOff val="35000"/>
+      </a:schemeClr>
+    </cs:fontRef>
+    <cs:defRPr sz="1197" kern="1200"/>
+  </cs:trendlineLabel>
+  <cs:upBar>
+    <cs:lnRef idx="0"/>
+    <cs:fillRef idx="0"/>
+    <cs:effectRef idx="0"/>
+    <cs:fontRef idx="minor">
+      <a:schemeClr val="tx1"/>
+    </cs:fontRef>
+    <cs:spPr>
+      <a:solidFill>
+        <a:schemeClr val="lt1"/>
+      </a:solidFill>
+      <a:ln w="9525" cap="flat" cmpd="sng" algn="ctr">
+        <a:solidFill>
+          <a:schemeClr val="tx1">
+            <a:lumMod val="65000"/>
+            <a:lumOff val="35000"/>
+          </a:schemeClr>
+        </a:solidFill>
+        <a:round/>
+      </a:ln>
+    </cs:spPr>
+  </cs:upBar>
+  <cs:valueAxis>
+    <cs:lnRef idx="0"/>
+    <cs:fillRef idx="0"/>
+    <cs:effectRef idx="0"/>
+    <cs:fontRef idx="minor">
+      <a:schemeClr val="tx1">
+        <a:lumMod val="65000"/>
+        <a:lumOff val="35000"/>
+      </a:schemeClr>
+    </cs:fontRef>
+    <cs:spPr>
+      <a:ln w="9525" cap="flat" cmpd="sng" algn="ctr">
+        <a:solidFill>
+          <a:schemeClr val="tx1">
+            <a:lumMod val="25000"/>
+            <a:lumOff val="75000"/>
+          </a:schemeClr>
+        </a:solidFill>
+        <a:round/>
+      </a:ln>
+    </cs:spPr>
+    <cs:defRPr sz="1197" kern="1200"/>
+  </cs:valueAxis>
+  <cs:wall>
+    <cs:lnRef idx="0"/>
+    <cs:fillRef idx="0"/>
+    <cs:effectRef idx="0"/>
+    <cs:fontRef idx="minor">
+      <a:schemeClr val="tx1"/>
+    </cs:fontRef>
+    <cs:spPr>
+      <a:noFill/>
+      <a:ln>
+        <a:noFill/>
+      </a:ln>
+    </cs:spPr>
+  </cs:wall>
+</cs:chartStyle>
+</file>
+
+<file path=ppt/charts/style3.xml><?xml version="1.0" encoding="utf-8"?>
+<cs:chartStyle xmlns:cs="http://schemas.microsoft.com/office/drawing/2012/chartStyle" xmlns:a="http://schemas.openxmlformats.org/drawingml/2006/main" id="240">
+  <cs:axisTitle>
+    <cs:lnRef idx="0"/>
+    <cs:fillRef idx="0"/>
+    <cs:effectRef idx="0"/>
+    <cs:fontRef idx="minor">
+      <a:schemeClr val="tx1">
+        <a:lumMod val="65000"/>
+        <a:lumOff val="35000"/>
+      </a:schemeClr>
+    </cs:fontRef>
+    <cs:defRPr sz="1330" kern="1200"/>
+  </cs:axisTitle>
+  <cs:categoryAxis>
+    <cs:lnRef idx="0"/>
+    <cs:fillRef idx="0"/>
+    <cs:effectRef idx="0"/>
+    <cs:fontRef idx="minor">
+      <a:schemeClr val="tx1">
+        <a:lumMod val="65000"/>
+        <a:lumOff val="35000"/>
+      </a:schemeClr>
+    </cs:fontRef>
+    <cs:spPr>
+      <a:ln w="9525" cap="flat" cmpd="sng" algn="ctr">
+        <a:solidFill>
+          <a:schemeClr val="tx1">
+            <a:lumMod val="25000"/>
+            <a:lumOff val="75000"/>
+          </a:schemeClr>
+        </a:solidFill>
+        <a:round/>
+      </a:ln>
+    </cs:spPr>
+    <cs:defRPr sz="1197" kern="1200"/>
+  </cs:categoryAxis>
+  <cs:chartArea mods="allowNoFillOverride allowNoLineOverride">
+    <cs:lnRef idx="0"/>
+    <cs:fillRef idx="0"/>
+    <cs:effectRef idx="0"/>
+    <cs:fontRef idx="minor">
+      <a:schemeClr val="tx1"/>
+    </cs:fontRef>
+    <cs:spPr>
+      <a:solidFill>
+        <a:schemeClr val="bg1"/>
+      </a:solidFill>
+      <a:ln w="9525" cap="flat" cmpd="sng" algn="ctr">
+        <a:solidFill>
+          <a:schemeClr val="tx1">
+            <a:lumMod val="15000"/>
+            <a:lumOff val="85000"/>
+          </a:schemeClr>
+        </a:solidFill>
+        <a:round/>
+      </a:ln>
+    </cs:spPr>
+    <cs:defRPr sz="1330" kern="1200"/>
+  </cs:chartArea>
+  <cs:dataLabel>
+    <cs:lnRef idx="0"/>
+    <cs:fillRef idx="0"/>
+    <cs:effectRef idx="0"/>
+    <cs:fontRef idx="minor">
+      <a:schemeClr val="tx1">
+        <a:lumMod val="75000"/>
+        <a:lumOff val="25000"/>
+      </a:schemeClr>
+    </cs:fontRef>
+    <cs:defRPr sz="1197" kern="1200"/>
+  </cs:dataLabel>
+  <cs:dataLabelCallout>
+    <cs:lnRef idx="0"/>
+    <cs:fillRef idx="0"/>
+    <cs:effectRef idx="0"/>
+    <cs:fontRef idx="minor">
+      <a:schemeClr val="dk1">
+        <a:lumMod val="65000"/>
+        <a:lumOff val="35000"/>
+      </a:schemeClr>
+    </cs:fontRef>
+    <cs:spPr>
+      <a:solidFill>
+        <a:schemeClr val="lt1"/>
+      </a:solidFill>
+      <a:ln>
+        <a:solidFill>
+          <a:schemeClr val="dk1">
+            <a:lumMod val="25000"/>
+            <a:lumOff val="75000"/>
+          </a:schemeClr>
+        </a:solidFill>
+      </a:ln>
+    </cs:spPr>
+    <cs:defRPr sz="1197" kern="1200"/>
+    <cs:bodyPr rot="0" spcFirstLastPara="1" vertOverflow="clip" horzOverflow="clip" vert="horz" wrap="square" lIns="36576" tIns="18288" rIns="36576" bIns="18288" anchor="ctr" anchorCtr="1">
+      <a:spAutoFit/>
+    </cs:bodyPr>
+  </cs:dataLabelCallout>
+  <cs:dataPoint>
+    <cs:lnRef idx="0"/>
+    <cs:fillRef idx="1">
+      <cs:styleClr val="auto"/>
+    </cs:fillRef>
+    <cs:effectRef idx="0"/>
+    <cs:fontRef idx="minor">
+      <a:schemeClr val="tx1"/>
+    </cs:fontRef>
+  </cs:dataPoint>
+  <cs:dataPoint3D>
+    <cs:lnRef idx="0"/>
+    <cs:fillRef idx="1">
+      <cs:styleClr val="auto"/>
+    </cs:fillRef>
+    <cs:effectRef idx="0"/>
+    <cs:fontRef idx="minor">
+      <a:schemeClr val="tx1"/>
+    </cs:fontRef>
+  </cs:dataPoint3D>
+  <cs:dataPointLine>
+    <cs:lnRef idx="0">
+      <cs:styleClr val="auto"/>
+    </cs:lnRef>
+    <cs:fillRef idx="1"/>
+    <cs:effectRef idx="0"/>
+    <cs:fontRef idx="minor">
+      <a:schemeClr val="tx1"/>
+    </cs:fontRef>
+    <cs:spPr>
+      <a:ln w="19050" cap="rnd">
+        <a:solidFill>
+          <a:schemeClr val="phClr"/>
+        </a:solidFill>
+        <a:round/>
+      </a:ln>
+    </cs:spPr>
+  </cs:dataPointLine>
+  <cs:dataPointMarker>
+    <cs:lnRef idx="0">
+      <cs:styleClr val="auto"/>
+    </cs:lnRef>
+    <cs:fillRef idx="1">
+      <cs:styleClr val="auto"/>
+    </cs:fillRef>
+    <cs:effectRef idx="0"/>
+    <cs:fontRef idx="minor">
+      <a:schemeClr val="tx1"/>
+    </cs:fontRef>
+    <cs:spPr>
+      <a:ln w="9525">
+        <a:solidFill>
+          <a:schemeClr val="phClr"/>
+        </a:solidFill>
+      </a:ln>
+    </cs:spPr>
+  </cs:dataPointMarker>
+  <cs:dataPointMarkerLayout symbol="circle" size="5"/>
+  <cs:dataPointWireframe>
+    <cs:lnRef idx="0">
+      <cs:styleClr val="auto"/>
+    </cs:lnRef>
+    <cs:fillRef idx="0"/>
+    <cs:effectRef idx="0"/>
+    <cs:fontRef idx="minor">
+      <a:schemeClr val="dk1"/>
+    </cs:fontRef>
+    <cs:spPr>
+      <a:ln w="9525" cap="rnd">
+        <a:solidFill>
+          <a:schemeClr val="phClr"/>
+        </a:solidFill>
+        <a:round/>
+      </a:ln>
+    </cs:spPr>
+  </cs:dataPointWireframe>
+  <cs:dataTable>
+    <cs:lnRef idx="0"/>
+    <cs:fillRef idx="0"/>
+    <cs:effectRef idx="0"/>
+    <cs:fontRef idx="minor">
+      <a:schemeClr val="tx1">
+        <a:lumMod val="65000"/>
+        <a:lumOff val="35000"/>
+      </a:schemeClr>
+    </cs:fontRef>
+    <cs:spPr>
+      <a:noFill/>
+      <a:ln w="9525" cap="flat" cmpd="sng" algn="ctr">
+        <a:solidFill>
+          <a:schemeClr val="tx1">
+            <a:lumMod val="15000"/>
+            <a:lumOff val="85000"/>
+          </a:schemeClr>
+        </a:solidFill>
+        <a:round/>
+      </a:ln>
+    </cs:spPr>
+    <cs:defRPr sz="1197" kern="1200"/>
+  </cs:dataTable>
+  <cs:downBar>
+    <cs:lnRef idx="0"/>
+    <cs:fillRef idx="0"/>
+    <cs:effectRef idx="0"/>
+    <cs:fontRef idx="minor">
+      <a:schemeClr val="tx1"/>
+    </cs:fontRef>
+    <cs:spPr>
+      <a:solidFill>
+        <a:schemeClr val="dk1">
+          <a:lumMod val="75000"/>
+          <a:lumOff val="25000"/>
+        </a:schemeClr>
+      </a:solidFill>
+      <a:ln w="9525" cap="flat" cmpd="sng" algn="ctr">
+        <a:solidFill>
+          <a:schemeClr val="tx1">
+            <a:lumMod val="65000"/>
+            <a:lumOff val="35000"/>
+          </a:schemeClr>
+        </a:solidFill>
+        <a:round/>
+      </a:ln>
+    </cs:spPr>
+  </cs:downBar>
+  <cs:dropLine>
+    <cs:lnRef idx="0"/>
+    <cs:fillRef idx="0"/>
+    <cs:effectRef idx="0"/>
+    <cs:fontRef idx="minor">
+      <a:schemeClr val="tx1"/>
+    </cs:fontRef>
+    <cs:spPr>
+      <a:ln w="9525" cap="flat" cmpd="sng" algn="ctr">
+        <a:solidFill>
+          <a:schemeClr val="tx1">
+            <a:lumMod val="35000"/>
+            <a:lumOff val="65000"/>
+          </a:schemeClr>
+        </a:solidFill>
+        <a:round/>
+      </a:ln>
+    </cs:spPr>
+  </cs:dropLine>
+  <cs:errorBar>
+    <cs:lnRef idx="0"/>
+    <cs:fillRef idx="0"/>
+    <cs:effectRef idx="0"/>
+    <cs:fontRef idx="minor">
+      <a:schemeClr val="tx1"/>
+    </cs:fontRef>
+    <cs:spPr>
+      <a:ln w="9525" cap="flat" cmpd="sng" algn="ctr">
+        <a:solidFill>
+          <a:schemeClr val="tx1">
+            <a:lumMod val="65000"/>
+            <a:lumOff val="35000"/>
+          </a:schemeClr>
+        </a:solidFill>
+        <a:round/>
+      </a:ln>
+    </cs:spPr>
+  </cs:errorBar>
+  <cs:floor>
+    <cs:lnRef idx="0"/>
+    <cs:fillRef idx="0"/>
+    <cs:effectRef idx="0"/>
+    <cs:fontRef idx="minor">
+      <a:schemeClr val="tx1"/>
+    </cs:fontRef>
+    <cs:spPr>
+      <a:noFill/>
+      <a:ln>
+        <a:noFill/>
+      </a:ln>
+    </cs:spPr>
+  </cs:floor>
+  <cs:gridlineMajor>
+    <cs:lnRef idx="0"/>
+    <cs:fillRef idx="0"/>
+    <cs:effectRef idx="0"/>
+    <cs:fontRef idx="minor">
+      <a:schemeClr val="tx1"/>
+    </cs:fontRef>
+    <cs:spPr>
+      <a:ln w="9525" cap="flat" cmpd="sng" algn="ctr">
+        <a:solidFill>
+          <a:schemeClr val="tx1">
+            <a:lumMod val="15000"/>
+            <a:lumOff val="85000"/>
+          </a:schemeClr>
+        </a:solidFill>
+        <a:round/>
+      </a:ln>
+    </cs:spPr>
+  </cs:gridlineMajor>
+  <cs:gridlineMinor>
+    <cs:lnRef idx="0"/>
+    <cs:fillRef idx="0"/>
+    <cs:effectRef idx="0"/>
+    <cs:fontRef idx="minor">
+      <a:schemeClr val="tx1"/>
+    </cs:fontRef>
+    <cs:spPr>
+      <a:ln w="9525" cap="flat" cmpd="sng" algn="ctr">
+        <a:solidFill>
+          <a:schemeClr val="tx1">
+            <a:lumMod val="5000"/>
+            <a:lumOff val="95000"/>
+          </a:schemeClr>
+        </a:solidFill>
+        <a:round/>
+      </a:ln>
+    </cs:spPr>
+  </cs:gridlineMinor>
+  <cs:hiLoLine>
+    <cs:lnRef idx="0"/>
+    <cs:fillRef idx="0"/>
+    <cs:effectRef idx="0"/>
+    <cs:fontRef idx="minor">
+      <a:schemeClr val="tx1"/>
+    </cs:fontRef>
+    <cs:spPr>
+      <a:ln w="9525" cap="flat" cmpd="sng" algn="ctr">
+        <a:solidFill>
+          <a:schemeClr val="tx1">
+            <a:lumMod val="50000"/>
+            <a:lumOff val="50000"/>
+          </a:schemeClr>
+        </a:solidFill>
+        <a:round/>
+      </a:ln>
+    </cs:spPr>
+  </cs:hiLoLine>
+  <cs:leaderLine>
+    <cs:lnRef idx="0"/>
+    <cs:fillRef idx="0"/>
+    <cs:effectRef idx="0"/>
+    <cs:fontRef idx="minor">
+      <a:schemeClr val="tx1"/>
+    </cs:fontRef>
+    <cs:spPr>
+      <a:ln w="9525" cap="flat" cmpd="sng" algn="ctr">
+        <a:solidFill>
+          <a:schemeClr val="tx1">
+            <a:lumMod val="35000"/>
+            <a:lumOff val="65000"/>
+          </a:schemeClr>
+        </a:solidFill>
+        <a:round/>
+      </a:ln>
+    </cs:spPr>
+  </cs:leaderLine>
+  <cs:legend>
+    <cs:lnRef idx="0"/>
+    <cs:fillRef idx="0"/>
+    <cs:effectRef idx="0"/>
+    <cs:fontRef idx="minor">
+      <a:schemeClr val="tx1">
+        <a:lumMod val="65000"/>
+        <a:lumOff val="35000"/>
+      </a:schemeClr>
+    </cs:fontRef>
+    <cs:defRPr sz="1197" kern="1200"/>
+  </cs:legend>
+  <cs:plotArea mods="allowNoFillOverride allowNoLineOverride">
+    <cs:lnRef idx="0"/>
+    <cs:fillRef idx="0"/>
+    <cs:effectRef idx="0"/>
+    <cs:fontRef idx="minor">
+      <a:schemeClr val="tx1"/>
+    </cs:fontRef>
+  </cs:plotArea>
+  <cs:plotArea3D mods="allowNoFillOverride allowNoLineOverride">
+    <cs:lnRef idx="0"/>
+    <cs:fillRef idx="0"/>
+    <cs:effectRef idx="0"/>
+    <cs:fontRef idx="minor">
+      <a:schemeClr val="tx1"/>
+    </cs:fontRef>
+  </cs:plotArea3D>
+  <cs:seriesAxis>
+    <cs:lnRef idx="0"/>
+    <cs:fillRef idx="0"/>
+    <cs:effectRef idx="0"/>
+    <cs:fontRef idx="minor">
+      <a:schemeClr val="tx1">
+        <a:lumMod val="65000"/>
+        <a:lumOff val="35000"/>
+      </a:schemeClr>
+    </cs:fontRef>
+    <cs:defRPr sz="1197" kern="1200"/>
+  </cs:seriesAxis>
+  <cs:seriesLine>
+    <cs:lnRef idx="0"/>
+    <cs:fillRef idx="0"/>
+    <cs:effectRef idx="0"/>
+    <cs:fontRef idx="minor">
+      <a:schemeClr val="tx1"/>
+    </cs:fontRef>
+    <cs:spPr>
+      <a:ln w="9525" cap="flat" cmpd="sng" algn="ctr">
+        <a:solidFill>
+          <a:schemeClr val="tx1">
+            <a:lumMod val="35000"/>
+            <a:lumOff val="65000"/>
+          </a:schemeClr>
+        </a:solidFill>
+        <a:round/>
+      </a:ln>
+    </cs:spPr>
+  </cs:seriesLine>
+  <cs:title>
+    <cs:lnRef idx="0"/>
+    <cs:fillRef idx="0"/>
+    <cs:effectRef idx="0"/>
+    <cs:fontRef idx="minor">
+      <a:schemeClr val="tx1">
+        <a:lumMod val="65000"/>
+        <a:lumOff val="35000"/>
+      </a:schemeClr>
+    </cs:fontRef>
+    <cs:defRPr sz="1862" b="0" kern="1200" spc="0" baseline="0"/>
+  </cs:title>
+  <cs:trendline>
+    <cs:lnRef idx="0">
+      <cs:styleClr val="auto"/>
+    </cs:lnRef>
+    <cs:fillRef idx="0"/>
+    <cs:effectRef idx="0"/>
+    <cs:fontRef idx="minor">
+      <a:schemeClr val="tx1"/>
+    </cs:fontRef>
+    <cs:spPr>
+      <a:ln w="19050" cap="rnd">
+        <a:solidFill>
+          <a:schemeClr val="phClr"/>
+        </a:solidFill>
+        <a:prstDash val="sysDot"/>
+      </a:ln>
+    </cs:spPr>
+  </cs:trendline>
+  <cs:trendlineLabel>
+    <cs:lnRef idx="0"/>
+    <cs:fillRef idx="0"/>
+    <cs:effectRef idx="0"/>
+    <cs:fontRef idx="minor">
+      <a:schemeClr val="tx1">
+        <a:lumMod val="65000"/>
+        <a:lumOff val="35000"/>
+      </a:schemeClr>
+    </cs:fontRef>
+    <cs:defRPr sz="1197" kern="1200"/>
+  </cs:trendlineLabel>
+  <cs:upBar>
+    <cs:lnRef idx="0"/>
+    <cs:fillRef idx="0"/>
+    <cs:effectRef idx="0"/>
+    <cs:fontRef idx="minor">
+      <a:schemeClr val="tx1"/>
+    </cs:fontRef>
+    <cs:spPr>
+      <a:solidFill>
+        <a:schemeClr val="lt1"/>
+      </a:solidFill>
+      <a:ln w="9525" cap="flat" cmpd="sng" algn="ctr">
+        <a:solidFill>
+          <a:schemeClr val="tx1">
+            <a:lumMod val="65000"/>
+            <a:lumOff val="35000"/>
+          </a:schemeClr>
+        </a:solidFill>
+        <a:round/>
+      </a:ln>
+    </cs:spPr>
+  </cs:upBar>
+  <cs:valueAxis>
+    <cs:lnRef idx="0"/>
+    <cs:fillRef idx="0"/>
+    <cs:effectRef idx="0"/>
+    <cs:fontRef idx="minor">
+      <a:schemeClr val="tx1">
+        <a:lumMod val="65000"/>
+        <a:lumOff val="35000"/>
+      </a:schemeClr>
+    </cs:fontRef>
+    <cs:spPr>
+      <a:ln w="9525" cap="flat" cmpd="sng" algn="ctr">
+        <a:solidFill>
+          <a:schemeClr val="tx1">
+            <a:lumMod val="25000"/>
+            <a:lumOff val="75000"/>
+          </a:schemeClr>
+        </a:solidFill>
+        <a:round/>
+      </a:ln>
+    </cs:spPr>
+    <cs:defRPr sz="1197" kern="1200"/>
+  </cs:valueAxis>
+  <cs:wall>
+    <cs:lnRef idx="0"/>
+    <cs:fillRef idx="0"/>
+    <cs:effectRef idx="0"/>
+    <cs:fontRef idx="minor">
+      <a:schemeClr val="tx1"/>
+    </cs:fontRef>
+    <cs:spPr>
+      <a:noFill/>
+      <a:ln>
+        <a:noFill/>
+      </a:ln>
+    </cs:spPr>
+  </cs:wall>
+</cs:chartStyle>
 </file>
 
 <file path=ppt/slideLayouts/slideLayout1.xml><?xml version="1.0" encoding="utf-8"?>
@@ -257,7 +3139,7 @@
           <a:p>
             <a:fld id="{290F8D5D-7A62-4084-90F8-BF6F9DC4789C}" type="datetimeFigureOut">
               <a:rPr lang="ko-KR" altLang="en-US" smtClean="0"/>
-              <a:t>2023-01-21</a:t>
+              <a:t>2023-02-02</a:t>
             </a:fld>
             <a:endParaRPr lang="ko-KR" altLang="en-US"/>
           </a:p>
@@ -455,7 +3337,7 @@
           <a:p>
             <a:fld id="{290F8D5D-7A62-4084-90F8-BF6F9DC4789C}" type="datetimeFigureOut">
               <a:rPr lang="ko-KR" altLang="en-US" smtClean="0"/>
-              <a:t>2023-01-21</a:t>
+              <a:t>2023-02-02</a:t>
             </a:fld>
             <a:endParaRPr lang="ko-KR" altLang="en-US"/>
           </a:p>
@@ -663,7 +3545,7 @@
           <a:p>
             <a:fld id="{290F8D5D-7A62-4084-90F8-BF6F9DC4789C}" type="datetimeFigureOut">
               <a:rPr lang="ko-KR" altLang="en-US" smtClean="0"/>
-              <a:t>2023-01-21</a:t>
+              <a:t>2023-02-02</a:t>
             </a:fld>
             <a:endParaRPr lang="ko-KR" altLang="en-US"/>
           </a:p>
@@ -861,7 +3743,7 @@
           <a:p>
             <a:fld id="{290F8D5D-7A62-4084-90F8-BF6F9DC4789C}" type="datetimeFigureOut">
               <a:rPr lang="ko-KR" altLang="en-US" smtClean="0"/>
-              <a:t>2023-01-21</a:t>
+              <a:t>2023-02-02</a:t>
             </a:fld>
             <a:endParaRPr lang="ko-KR" altLang="en-US"/>
           </a:p>
@@ -1136,7 +4018,7 @@
           <a:p>
             <a:fld id="{290F8D5D-7A62-4084-90F8-BF6F9DC4789C}" type="datetimeFigureOut">
               <a:rPr lang="ko-KR" altLang="en-US" smtClean="0"/>
-              <a:t>2023-01-21</a:t>
+              <a:t>2023-02-02</a:t>
             </a:fld>
             <a:endParaRPr lang="ko-KR" altLang="en-US"/>
           </a:p>
@@ -1401,7 +4283,7 @@
           <a:p>
             <a:fld id="{290F8D5D-7A62-4084-90F8-BF6F9DC4789C}" type="datetimeFigureOut">
               <a:rPr lang="ko-KR" altLang="en-US" smtClean="0"/>
-              <a:t>2023-01-21</a:t>
+              <a:t>2023-02-02</a:t>
             </a:fld>
             <a:endParaRPr lang="ko-KR" altLang="en-US"/>
           </a:p>
@@ -1813,7 +4695,7 @@
           <a:p>
             <a:fld id="{290F8D5D-7A62-4084-90F8-BF6F9DC4789C}" type="datetimeFigureOut">
               <a:rPr lang="ko-KR" altLang="en-US" smtClean="0"/>
-              <a:t>2023-01-21</a:t>
+              <a:t>2023-02-02</a:t>
             </a:fld>
             <a:endParaRPr lang="ko-KR" altLang="en-US"/>
           </a:p>
@@ -1954,7 +4836,7 @@
           <a:p>
             <a:fld id="{290F8D5D-7A62-4084-90F8-BF6F9DC4789C}" type="datetimeFigureOut">
               <a:rPr lang="ko-KR" altLang="en-US" smtClean="0"/>
-              <a:t>2023-01-21</a:t>
+              <a:t>2023-02-02</a:t>
             </a:fld>
             <a:endParaRPr lang="ko-KR" altLang="en-US"/>
           </a:p>
@@ -2067,7 +4949,7 @@
           <a:p>
             <a:fld id="{290F8D5D-7A62-4084-90F8-BF6F9DC4789C}" type="datetimeFigureOut">
               <a:rPr lang="ko-KR" altLang="en-US" smtClean="0"/>
-              <a:t>2023-01-21</a:t>
+              <a:t>2023-02-02</a:t>
             </a:fld>
             <a:endParaRPr lang="ko-KR" altLang="en-US"/>
           </a:p>
@@ -2378,7 +5260,7 @@
           <a:p>
             <a:fld id="{290F8D5D-7A62-4084-90F8-BF6F9DC4789C}" type="datetimeFigureOut">
               <a:rPr lang="ko-KR" altLang="en-US" smtClean="0"/>
-              <a:t>2023-01-21</a:t>
+              <a:t>2023-02-02</a:t>
             </a:fld>
             <a:endParaRPr lang="ko-KR" altLang="en-US"/>
           </a:p>
@@ -2666,7 +5548,7 @@
           <a:p>
             <a:fld id="{290F8D5D-7A62-4084-90F8-BF6F9DC4789C}" type="datetimeFigureOut">
               <a:rPr lang="ko-KR" altLang="en-US" smtClean="0"/>
-              <a:t>2023-01-21</a:t>
+              <a:t>2023-02-02</a:t>
             </a:fld>
             <a:endParaRPr lang="ko-KR" altLang="en-US"/>
           </a:p>
@@ -2907,7 +5789,7 @@
           <a:p>
             <a:fld id="{290F8D5D-7A62-4084-90F8-BF6F9DC4789C}" type="datetimeFigureOut">
               <a:rPr lang="ko-KR" altLang="en-US" smtClean="0"/>
-              <a:t>2023-01-21</a:t>
+              <a:t>2023-02-02</a:t>
             </a:fld>
             <a:endParaRPr lang="ko-KR" altLang="en-US"/>
           </a:p>
@@ -4747,6 +7629,1372 @@
 </p:sld>
 </file>
 
+<file path=ppt/slides/slide5.xml><?xml version="1.0" encoding="utf-8"?>
+<p:sld xmlns:a="http://schemas.openxmlformats.org/drawingml/2006/main" xmlns:r="http://schemas.openxmlformats.org/officeDocument/2006/relationships" xmlns:p="http://schemas.openxmlformats.org/presentationml/2006/main">
+  <p:cSld>
+    <p:spTree>
+      <p:nvGrpSpPr>
+        <p:cNvPr id="1" name=""/>
+        <p:cNvGrpSpPr/>
+        <p:nvPr/>
+      </p:nvGrpSpPr>
+      <p:grpSpPr>
+        <a:xfrm>
+          <a:off x="0" y="0"/>
+          <a:ext cx="0" cy="0"/>
+          <a:chOff x="0" y="0"/>
+          <a:chExt cx="0" cy="0"/>
+        </a:xfrm>
+      </p:grpSpPr>
+      <p:graphicFrame>
+        <p:nvGraphicFramePr>
+          <p:cNvPr id="2" name="표 2">
+            <a:extLst>
+              <a:ext uri="{FF2B5EF4-FFF2-40B4-BE49-F238E27FC236}">
+                <a16:creationId xmlns:a16="http://schemas.microsoft.com/office/drawing/2014/main" id="{48B5EAC7-6CD6-8B8D-8D75-32519DE165FA}"/>
+              </a:ext>
+            </a:extLst>
+          </p:cNvPr>
+          <p:cNvGraphicFramePr>
+            <a:graphicFrameLocks noGrp="1"/>
+          </p:cNvGraphicFramePr>
+          <p:nvPr>
+            <p:extLst>
+              <p:ext uri="{D42A27DB-BD31-4B8C-83A1-F6EECF244321}">
+                <p14:modId xmlns:p14="http://schemas.microsoft.com/office/powerpoint/2010/main" val="1664828458"/>
+              </p:ext>
+            </p:extLst>
+          </p:nvPr>
+        </p:nvGraphicFramePr>
+        <p:xfrm>
+          <a:off x="2032000" y="719666"/>
+          <a:ext cx="4904510" cy="2225040"/>
+        </p:xfrm>
+        <a:graphic>
+          <a:graphicData uri="http://schemas.openxmlformats.org/drawingml/2006/table">
+            <a:tbl>
+              <a:tblPr firstRow="1" bandRow="1">
+                <a:tableStyleId>{5940675A-B579-460E-94D1-54222C63F5DA}</a:tableStyleId>
+              </a:tblPr>
+              <a:tblGrid>
+                <a:gridCol w="2452255">
+                  <a:extLst>
+                    <a:ext uri="{9D8B030D-6E8A-4147-A177-3AD203B41FA5}">
+                      <a16:colId xmlns:a16="http://schemas.microsoft.com/office/drawing/2014/main" val="2771814036"/>
+                    </a:ext>
+                  </a:extLst>
+                </a:gridCol>
+                <a:gridCol w="2452255">
+                  <a:extLst>
+                    <a:ext uri="{9D8B030D-6E8A-4147-A177-3AD203B41FA5}">
+                      <a16:colId xmlns:a16="http://schemas.microsoft.com/office/drawing/2014/main" val="4288843297"/>
+                    </a:ext>
+                  </a:extLst>
+                </a:gridCol>
+              </a:tblGrid>
+              <a:tr h="370840">
+                <a:tc>
+                  <a:txBody>
+                    <a:bodyPr/>
+                    <a:lstStyle/>
+                    <a:p>
+                      <a:pPr algn="ctr" latinLnBrk="1"/>
+                      <a:r>
+                        <a:rPr lang="ko-KR" altLang="en-US" b="1" dirty="0"/>
+                        <a:t>운동 시간 </a:t>
+                      </a:r>
+                      <a:r>
+                        <a:rPr lang="en-US" altLang="ko-KR" b="1" dirty="0"/>
+                        <a:t>(x)</a:t>
+                      </a:r>
+                      <a:endParaRPr lang="ko-KR" altLang="en-US" b="1" dirty="0"/>
+                    </a:p>
+                  </a:txBody>
+                  <a:tcPr anchor="ctr"/>
+                </a:tc>
+                <a:tc>
+                  <a:txBody>
+                    <a:bodyPr/>
+                    <a:lstStyle/>
+                    <a:p>
+                      <a:pPr algn="ctr" latinLnBrk="1"/>
+                      <a:r>
+                        <a:rPr lang="ko-KR" altLang="en-US" b="1" dirty="0"/>
+                        <a:t>체중 감소량 </a:t>
+                      </a:r>
+                      <a:r>
+                        <a:rPr lang="en-US" altLang="ko-KR" b="1" dirty="0"/>
+                        <a:t>(y)</a:t>
+                      </a:r>
+                      <a:endParaRPr lang="ko-KR" altLang="en-US" b="1" dirty="0"/>
+                    </a:p>
+                  </a:txBody>
+                  <a:tcPr anchor="ctr"/>
+                </a:tc>
+                <a:extLst>
+                  <a:ext uri="{0D108BD9-81ED-4DB2-BD59-A6C34878D82A}">
+                    <a16:rowId xmlns:a16="http://schemas.microsoft.com/office/drawing/2014/main" val="3325372152"/>
+                  </a:ext>
+                </a:extLst>
+              </a:tr>
+              <a:tr h="370840">
+                <a:tc>
+                  <a:txBody>
+                    <a:bodyPr/>
+                    <a:lstStyle/>
+                    <a:p>
+                      <a:pPr algn="ctr" latinLnBrk="1"/>
+                      <a:r>
+                        <a:rPr lang="en-US" altLang="ko-KR" dirty="0"/>
+                        <a:t>1</a:t>
+                      </a:r>
+                      <a:endParaRPr lang="ko-KR" altLang="en-US" dirty="0"/>
+                    </a:p>
+                  </a:txBody>
+                  <a:tcPr anchor="ctr"/>
+                </a:tc>
+                <a:tc>
+                  <a:txBody>
+                    <a:bodyPr/>
+                    <a:lstStyle/>
+                    <a:p>
+                      <a:pPr algn="ctr" latinLnBrk="1"/>
+                      <a:r>
+                        <a:rPr lang="en-US" altLang="ko-KR" dirty="0"/>
+                        <a:t>0.5</a:t>
+                      </a:r>
+                      <a:endParaRPr lang="ko-KR" altLang="en-US" dirty="0"/>
+                    </a:p>
+                  </a:txBody>
+                  <a:tcPr anchor="ctr"/>
+                </a:tc>
+                <a:extLst>
+                  <a:ext uri="{0D108BD9-81ED-4DB2-BD59-A6C34878D82A}">
+                    <a16:rowId xmlns:a16="http://schemas.microsoft.com/office/drawing/2014/main" val="1695111977"/>
+                  </a:ext>
+                </a:extLst>
+              </a:tr>
+              <a:tr h="370840">
+                <a:tc>
+                  <a:txBody>
+                    <a:bodyPr/>
+                    <a:lstStyle/>
+                    <a:p>
+                      <a:pPr algn="ctr" latinLnBrk="1"/>
+                      <a:r>
+                        <a:rPr lang="en-US" altLang="ko-KR" dirty="0"/>
+                        <a:t>3</a:t>
+                      </a:r>
+                      <a:endParaRPr lang="ko-KR" altLang="en-US" dirty="0"/>
+                    </a:p>
+                  </a:txBody>
+                  <a:tcPr anchor="ctr"/>
+                </a:tc>
+                <a:tc>
+                  <a:txBody>
+                    <a:bodyPr/>
+                    <a:lstStyle/>
+                    <a:p>
+                      <a:pPr algn="ctr" latinLnBrk="1"/>
+                      <a:r>
+                        <a:rPr lang="en-US" altLang="ko-KR" dirty="0"/>
+                        <a:t>1</a:t>
+                      </a:r>
+                      <a:endParaRPr lang="ko-KR" altLang="en-US" dirty="0"/>
+                    </a:p>
+                  </a:txBody>
+                  <a:tcPr anchor="ctr"/>
+                </a:tc>
+                <a:extLst>
+                  <a:ext uri="{0D108BD9-81ED-4DB2-BD59-A6C34878D82A}">
+                    <a16:rowId xmlns:a16="http://schemas.microsoft.com/office/drawing/2014/main" val="364251490"/>
+                  </a:ext>
+                </a:extLst>
+              </a:tr>
+              <a:tr h="370840">
+                <a:tc>
+                  <a:txBody>
+                    <a:bodyPr/>
+                    <a:lstStyle/>
+                    <a:p>
+                      <a:pPr algn="ctr" latinLnBrk="1"/>
+                      <a:r>
+                        <a:rPr lang="en-US" altLang="ko-KR" dirty="0"/>
+                        <a:t>5</a:t>
+                      </a:r>
+                      <a:endParaRPr lang="ko-KR" altLang="en-US" dirty="0"/>
+                    </a:p>
+                  </a:txBody>
+                  <a:tcPr anchor="ctr"/>
+                </a:tc>
+                <a:tc>
+                  <a:txBody>
+                    <a:bodyPr/>
+                    <a:lstStyle/>
+                    <a:p>
+                      <a:pPr algn="ctr" latinLnBrk="1"/>
+                      <a:r>
+                        <a:rPr lang="en-US" altLang="ko-KR" dirty="0"/>
+                        <a:t>2</a:t>
+                      </a:r>
+                      <a:endParaRPr lang="ko-KR" altLang="en-US" dirty="0"/>
+                    </a:p>
+                  </a:txBody>
+                  <a:tcPr anchor="ctr"/>
+                </a:tc>
+                <a:extLst>
+                  <a:ext uri="{0D108BD9-81ED-4DB2-BD59-A6C34878D82A}">
+                    <a16:rowId xmlns:a16="http://schemas.microsoft.com/office/drawing/2014/main" val="2748425883"/>
+                  </a:ext>
+                </a:extLst>
+              </a:tr>
+              <a:tr h="370840">
+                <a:tc>
+                  <a:txBody>
+                    <a:bodyPr/>
+                    <a:lstStyle/>
+                    <a:p>
+                      <a:pPr algn="ctr" latinLnBrk="1"/>
+                      <a:r>
+                        <a:rPr lang="en-US" altLang="ko-KR" dirty="0"/>
+                        <a:t>6</a:t>
+                      </a:r>
+                      <a:endParaRPr lang="ko-KR" altLang="en-US" dirty="0"/>
+                    </a:p>
+                  </a:txBody>
+                  <a:tcPr anchor="ctr"/>
+                </a:tc>
+                <a:tc>
+                  <a:txBody>
+                    <a:bodyPr/>
+                    <a:lstStyle/>
+                    <a:p>
+                      <a:pPr algn="ctr" latinLnBrk="1"/>
+                      <a:r>
+                        <a:rPr lang="en-US" altLang="ko-KR" dirty="0"/>
+                        <a:t>1.8</a:t>
+                      </a:r>
+                      <a:endParaRPr lang="ko-KR" altLang="en-US" dirty="0"/>
+                    </a:p>
+                  </a:txBody>
+                  <a:tcPr anchor="ctr"/>
+                </a:tc>
+                <a:extLst>
+                  <a:ext uri="{0D108BD9-81ED-4DB2-BD59-A6C34878D82A}">
+                    <a16:rowId xmlns:a16="http://schemas.microsoft.com/office/drawing/2014/main" val="3362673759"/>
+                  </a:ext>
+                </a:extLst>
+              </a:tr>
+              <a:tr h="370840">
+                <a:tc>
+                  <a:txBody>
+                    <a:bodyPr/>
+                    <a:lstStyle/>
+                    <a:p>
+                      <a:pPr algn="ctr" latinLnBrk="1"/>
+                      <a:r>
+                        <a:rPr lang="en-US" altLang="ko-KR" dirty="0"/>
+                        <a:t>10</a:t>
+                      </a:r>
+                      <a:endParaRPr lang="ko-KR" altLang="en-US" dirty="0"/>
+                    </a:p>
+                  </a:txBody>
+                  <a:tcPr anchor="ctr"/>
+                </a:tc>
+                <a:tc>
+                  <a:txBody>
+                    <a:bodyPr/>
+                    <a:lstStyle/>
+                    <a:p>
+                      <a:pPr algn="ctr" latinLnBrk="1"/>
+                      <a:r>
+                        <a:rPr lang="en-US" altLang="ko-KR" dirty="0"/>
+                        <a:t>3</a:t>
+                      </a:r>
+                      <a:endParaRPr lang="ko-KR" altLang="en-US" dirty="0"/>
+                    </a:p>
+                  </a:txBody>
+                  <a:tcPr anchor="ctr"/>
+                </a:tc>
+                <a:extLst>
+                  <a:ext uri="{0D108BD9-81ED-4DB2-BD59-A6C34878D82A}">
+                    <a16:rowId xmlns:a16="http://schemas.microsoft.com/office/drawing/2014/main" val="3510001484"/>
+                  </a:ext>
+                </a:extLst>
+              </a:tr>
+            </a:tbl>
+          </a:graphicData>
+        </a:graphic>
+      </p:graphicFrame>
+      <p:graphicFrame>
+        <p:nvGraphicFramePr>
+          <p:cNvPr id="5" name="차트 4">
+            <a:extLst>
+              <a:ext uri="{FF2B5EF4-FFF2-40B4-BE49-F238E27FC236}">
+                <a16:creationId xmlns:a16="http://schemas.microsoft.com/office/drawing/2014/main" id="{E6667C40-04B0-6461-3CAB-0DD3359C6F86}"/>
+              </a:ext>
+            </a:extLst>
+          </p:cNvPr>
+          <p:cNvGraphicFramePr/>
+          <p:nvPr>
+            <p:extLst>
+              <p:ext uri="{D42A27DB-BD31-4B8C-83A1-F6EECF244321}">
+                <p14:modId xmlns:p14="http://schemas.microsoft.com/office/powerpoint/2010/main" val="2949041222"/>
+              </p:ext>
+            </p:extLst>
+          </p:nvPr>
+        </p:nvGraphicFramePr>
+        <p:xfrm>
+          <a:off x="3278909" y="3177309"/>
+          <a:ext cx="6123710" cy="3385896"/>
+        </p:xfrm>
+        <a:graphic>
+          <a:graphicData uri="http://schemas.openxmlformats.org/drawingml/2006/chart">
+            <c:chart xmlns:c="http://schemas.openxmlformats.org/drawingml/2006/chart" xmlns:r="http://schemas.openxmlformats.org/officeDocument/2006/relationships" r:id="rId2"/>
+          </a:graphicData>
+        </a:graphic>
+      </p:graphicFrame>
+    </p:spTree>
+    <p:extLst>
+      <p:ext uri="{BB962C8B-B14F-4D97-AF65-F5344CB8AC3E}">
+        <p14:creationId xmlns:p14="http://schemas.microsoft.com/office/powerpoint/2010/main" val="4008292191"/>
+      </p:ext>
+    </p:extLst>
+  </p:cSld>
+  <p:clrMapOvr>
+    <a:masterClrMapping/>
+  </p:clrMapOvr>
+</p:sld>
+</file>
+
+<file path=ppt/slides/slide6.xml><?xml version="1.0" encoding="utf-8"?>
+<p:sld xmlns:a="http://schemas.openxmlformats.org/drawingml/2006/main" xmlns:r="http://schemas.openxmlformats.org/officeDocument/2006/relationships" xmlns:p="http://schemas.openxmlformats.org/presentationml/2006/main">
+  <p:cSld>
+    <p:spTree>
+      <p:nvGrpSpPr>
+        <p:cNvPr id="1" name=""/>
+        <p:cNvGrpSpPr/>
+        <p:nvPr/>
+      </p:nvGrpSpPr>
+      <p:grpSpPr>
+        <a:xfrm>
+          <a:off x="0" y="0"/>
+          <a:ext cx="0" cy="0"/>
+          <a:chOff x="0" y="0"/>
+          <a:chExt cx="0" cy="0"/>
+        </a:xfrm>
+      </p:grpSpPr>
+      <p:graphicFrame>
+        <p:nvGraphicFramePr>
+          <p:cNvPr id="5" name="차트 4">
+            <a:extLst>
+              <a:ext uri="{FF2B5EF4-FFF2-40B4-BE49-F238E27FC236}">
+                <a16:creationId xmlns:a16="http://schemas.microsoft.com/office/drawing/2014/main" id="{E6667C40-04B0-6461-3CAB-0DD3359C6F86}"/>
+              </a:ext>
+            </a:extLst>
+          </p:cNvPr>
+          <p:cNvGraphicFramePr/>
+          <p:nvPr>
+            <p:extLst>
+              <p:ext uri="{D42A27DB-BD31-4B8C-83A1-F6EECF244321}">
+                <p14:modId xmlns:p14="http://schemas.microsoft.com/office/powerpoint/2010/main" val="3834527029"/>
+              </p:ext>
+            </p:extLst>
+          </p:nvPr>
+        </p:nvGraphicFramePr>
+        <p:xfrm>
+          <a:off x="2798618" y="1736052"/>
+          <a:ext cx="6123710" cy="3385896"/>
+        </p:xfrm>
+        <a:graphic>
+          <a:graphicData uri="http://schemas.openxmlformats.org/drawingml/2006/chart">
+            <c:chart xmlns:c="http://schemas.openxmlformats.org/drawingml/2006/chart" xmlns:r="http://schemas.openxmlformats.org/officeDocument/2006/relationships" r:id="rId2"/>
+          </a:graphicData>
+        </a:graphic>
+      </p:graphicFrame>
+      <p:cxnSp>
+        <p:nvCxnSpPr>
+          <p:cNvPr id="4" name="직선 연결선 3">
+            <a:extLst>
+              <a:ext uri="{FF2B5EF4-FFF2-40B4-BE49-F238E27FC236}">
+                <a16:creationId xmlns:a16="http://schemas.microsoft.com/office/drawing/2014/main" id="{2AB0389A-E7E5-245A-0160-CE1BC8C31CFA}"/>
+              </a:ext>
+            </a:extLst>
+          </p:cNvPr>
+          <p:cNvCxnSpPr/>
+          <p:nvPr/>
+        </p:nvCxnSpPr>
+        <p:spPr>
+          <a:xfrm flipV="1">
+            <a:off x="3731491" y="1357745"/>
+            <a:ext cx="3888509" cy="2567709"/>
+          </a:xfrm>
+          <a:prstGeom prst="line">
+            <a:avLst/>
+          </a:prstGeom>
+          <a:ln w="28575"/>
+        </p:spPr>
+        <p:style>
+          <a:lnRef idx="1">
+            <a:schemeClr val="accent2"/>
+          </a:lnRef>
+          <a:fillRef idx="0">
+            <a:schemeClr val="accent2"/>
+          </a:fillRef>
+          <a:effectRef idx="0">
+            <a:schemeClr val="accent2"/>
+          </a:effectRef>
+          <a:fontRef idx="minor">
+            <a:schemeClr val="tx1"/>
+          </a:fontRef>
+        </p:style>
+      </p:cxnSp>
+      <p:cxnSp>
+        <p:nvCxnSpPr>
+          <p:cNvPr id="6" name="직선 연결선 5">
+            <a:extLst>
+              <a:ext uri="{FF2B5EF4-FFF2-40B4-BE49-F238E27FC236}">
+                <a16:creationId xmlns:a16="http://schemas.microsoft.com/office/drawing/2014/main" id="{D427854A-89DA-708E-C7B6-202D237B7459}"/>
+              </a:ext>
+            </a:extLst>
+          </p:cNvPr>
+          <p:cNvCxnSpPr>
+            <a:cxnSpLocks/>
+          </p:cNvCxnSpPr>
+          <p:nvPr/>
+        </p:nvCxnSpPr>
+        <p:spPr>
+          <a:xfrm flipV="1">
+            <a:off x="3888509" y="1921164"/>
+            <a:ext cx="4396509" cy="2133600"/>
+          </a:xfrm>
+          <a:prstGeom prst="line">
+            <a:avLst/>
+          </a:prstGeom>
+          <a:ln w="28575">
+            <a:solidFill>
+              <a:srgbClr val="00B0F0"/>
+            </a:solidFill>
+          </a:ln>
+        </p:spPr>
+        <p:style>
+          <a:lnRef idx="1">
+            <a:schemeClr val="accent2"/>
+          </a:lnRef>
+          <a:fillRef idx="0">
+            <a:schemeClr val="accent2"/>
+          </a:fillRef>
+          <a:effectRef idx="0">
+            <a:schemeClr val="accent2"/>
+          </a:effectRef>
+          <a:fontRef idx="minor">
+            <a:schemeClr val="tx1"/>
+          </a:fontRef>
+        </p:style>
+      </p:cxnSp>
+      <p:cxnSp>
+        <p:nvCxnSpPr>
+          <p:cNvPr id="10" name="직선 연결선 9">
+            <a:extLst>
+              <a:ext uri="{FF2B5EF4-FFF2-40B4-BE49-F238E27FC236}">
+                <a16:creationId xmlns:a16="http://schemas.microsoft.com/office/drawing/2014/main" id="{89667258-9F94-B60E-DB54-8FEBA9423555}"/>
+              </a:ext>
+            </a:extLst>
+          </p:cNvPr>
+          <p:cNvCxnSpPr>
+            <a:cxnSpLocks/>
+          </p:cNvCxnSpPr>
+          <p:nvPr/>
+        </p:nvCxnSpPr>
+        <p:spPr>
+          <a:xfrm flipV="1">
+            <a:off x="4040909" y="3205018"/>
+            <a:ext cx="4401127" cy="1002146"/>
+          </a:xfrm>
+          <a:prstGeom prst="line">
+            <a:avLst/>
+          </a:prstGeom>
+          <a:ln w="28575">
+            <a:solidFill>
+              <a:schemeClr val="accent6"/>
+            </a:solidFill>
+          </a:ln>
+        </p:spPr>
+        <p:style>
+          <a:lnRef idx="1">
+            <a:schemeClr val="accent2"/>
+          </a:lnRef>
+          <a:fillRef idx="0">
+            <a:schemeClr val="accent2"/>
+          </a:fillRef>
+          <a:effectRef idx="0">
+            <a:schemeClr val="accent2"/>
+          </a:effectRef>
+          <a:fontRef idx="minor">
+            <a:schemeClr val="tx1"/>
+          </a:fontRef>
+        </p:style>
+      </p:cxnSp>
+    </p:spTree>
+    <p:extLst>
+      <p:ext uri="{BB962C8B-B14F-4D97-AF65-F5344CB8AC3E}">
+        <p14:creationId xmlns:p14="http://schemas.microsoft.com/office/powerpoint/2010/main" val="3084346943"/>
+      </p:ext>
+    </p:extLst>
+  </p:cSld>
+  <p:clrMapOvr>
+    <a:masterClrMapping/>
+  </p:clrMapOvr>
+</p:sld>
+</file>
+
+<file path=ppt/slides/slide7.xml><?xml version="1.0" encoding="utf-8"?>
+<p:sld xmlns:a="http://schemas.openxmlformats.org/drawingml/2006/main" xmlns:r="http://schemas.openxmlformats.org/officeDocument/2006/relationships" xmlns:p="http://schemas.openxmlformats.org/presentationml/2006/main">
+  <p:cSld>
+    <p:spTree>
+      <p:nvGrpSpPr>
+        <p:cNvPr id="1" name=""/>
+        <p:cNvGrpSpPr/>
+        <p:nvPr/>
+      </p:nvGrpSpPr>
+      <p:grpSpPr>
+        <a:xfrm>
+          <a:off x="0" y="0"/>
+          <a:ext cx="0" cy="0"/>
+          <a:chOff x="0" y="0"/>
+          <a:chExt cx="0" cy="0"/>
+        </a:xfrm>
+      </p:grpSpPr>
+      <p:graphicFrame>
+        <p:nvGraphicFramePr>
+          <p:cNvPr id="5" name="차트 4">
+            <a:extLst>
+              <a:ext uri="{FF2B5EF4-FFF2-40B4-BE49-F238E27FC236}">
+                <a16:creationId xmlns:a16="http://schemas.microsoft.com/office/drawing/2014/main" id="{E6667C40-04B0-6461-3CAB-0DD3359C6F86}"/>
+              </a:ext>
+            </a:extLst>
+          </p:cNvPr>
+          <p:cNvGraphicFramePr/>
+          <p:nvPr/>
+        </p:nvGraphicFramePr>
+        <p:xfrm>
+          <a:off x="2798618" y="1736052"/>
+          <a:ext cx="6123710" cy="3385896"/>
+        </p:xfrm>
+        <a:graphic>
+          <a:graphicData uri="http://schemas.openxmlformats.org/drawingml/2006/chart">
+            <c:chart xmlns:c="http://schemas.openxmlformats.org/drawingml/2006/chart" xmlns:r="http://schemas.openxmlformats.org/officeDocument/2006/relationships" r:id="rId2"/>
+          </a:graphicData>
+        </a:graphic>
+      </p:graphicFrame>
+      <p:cxnSp>
+        <p:nvCxnSpPr>
+          <p:cNvPr id="6" name="직선 연결선 5">
+            <a:extLst>
+              <a:ext uri="{FF2B5EF4-FFF2-40B4-BE49-F238E27FC236}">
+                <a16:creationId xmlns:a16="http://schemas.microsoft.com/office/drawing/2014/main" id="{D427854A-89DA-708E-C7B6-202D237B7459}"/>
+              </a:ext>
+            </a:extLst>
+          </p:cNvPr>
+          <p:cNvCxnSpPr>
+            <a:cxnSpLocks/>
+          </p:cNvCxnSpPr>
+          <p:nvPr/>
+        </p:nvCxnSpPr>
+        <p:spPr>
+          <a:xfrm flipV="1">
+            <a:off x="3888509" y="1921164"/>
+            <a:ext cx="4396509" cy="2133600"/>
+          </a:xfrm>
+          <a:prstGeom prst="line">
+            <a:avLst/>
+          </a:prstGeom>
+          <a:ln w="28575">
+            <a:solidFill>
+              <a:srgbClr val="00B0F0"/>
+            </a:solidFill>
+          </a:ln>
+        </p:spPr>
+        <p:style>
+          <a:lnRef idx="1">
+            <a:schemeClr val="accent2"/>
+          </a:lnRef>
+          <a:fillRef idx="0">
+            <a:schemeClr val="accent2"/>
+          </a:fillRef>
+          <a:effectRef idx="0">
+            <a:schemeClr val="accent2"/>
+          </a:effectRef>
+          <a:fontRef idx="minor">
+            <a:schemeClr val="tx1"/>
+          </a:fontRef>
+        </p:style>
+      </p:cxnSp>
+      <p:sp>
+        <p:nvSpPr>
+          <p:cNvPr id="2" name="TextBox 1">
+            <a:extLst>
+              <a:ext uri="{FF2B5EF4-FFF2-40B4-BE49-F238E27FC236}">
+                <a16:creationId xmlns:a16="http://schemas.microsoft.com/office/drawing/2014/main" id="{8CBF6CEE-F4C2-EF74-18AA-A2D74A8FA7F8}"/>
+              </a:ext>
+            </a:extLst>
+          </p:cNvPr>
+          <p:cNvSpPr txBox="1"/>
+          <p:nvPr/>
+        </p:nvSpPr>
+        <p:spPr>
+          <a:xfrm>
+            <a:off x="8201891" y="1403927"/>
+            <a:ext cx="1191491" cy="369332"/>
+          </a:xfrm>
+          <a:prstGeom prst="rect">
+            <a:avLst/>
+          </a:prstGeom>
+          <a:noFill/>
+        </p:spPr>
+        <p:txBody>
+          <a:bodyPr wrap="square" rtlCol="0">
+            <a:spAutoFit/>
+          </a:bodyPr>
+          <a:lstStyle/>
+          <a:p>
+            <a:r>
+              <a:rPr lang="en-US" altLang="ko-KR" dirty="0"/>
+              <a:t>y=</a:t>
+            </a:r>
+            <a:r>
+              <a:rPr lang="en-US" altLang="ko-KR" dirty="0" err="1"/>
+              <a:t>wx+b</a:t>
+            </a:r>
+            <a:endParaRPr lang="ko-KR" altLang="en-US" dirty="0"/>
+          </a:p>
+        </p:txBody>
+      </p:sp>
+      <mc:AlternateContent xmlns:mc="http://schemas.openxmlformats.org/markup-compatibility/2006">
+        <mc:Choice xmlns:a14="http://schemas.microsoft.com/office/drawing/2010/main" Requires="a14">
+          <p:sp>
+            <p:nvSpPr>
+              <p:cNvPr id="3" name="TextBox 2">
+                <a:extLst>
+                  <a:ext uri="{FF2B5EF4-FFF2-40B4-BE49-F238E27FC236}">
+                    <a16:creationId xmlns:a16="http://schemas.microsoft.com/office/drawing/2014/main" id="{F7C4136E-C759-EBA6-201C-F6B22DD7B600}"/>
+                  </a:ext>
+                </a:extLst>
+              </p:cNvPr>
+              <p:cNvSpPr txBox="1"/>
+              <p:nvPr/>
+            </p:nvSpPr>
+            <p:spPr>
+              <a:xfrm>
+                <a:off x="4050146" y="5454073"/>
+                <a:ext cx="5474447" cy="1063368"/>
+              </a:xfrm>
+              <a:prstGeom prst="rect">
+                <a:avLst/>
+              </a:prstGeom>
+              <a:noFill/>
+            </p:spPr>
+            <p:txBody>
+              <a:bodyPr wrap="none" lIns="0" tIns="0" rIns="0" bIns="0" rtlCol="0">
+                <a:spAutoFit/>
+              </a:bodyPr>
+              <a:lstStyle/>
+              <a:p>
+                <a14:m>
+                  <m:oMath xmlns:m="http://schemas.openxmlformats.org/officeDocument/2006/math">
+                    <m:r>
+                      <a:rPr lang="en-US" altLang="ko-KR" b="0" i="1" smtClean="0">
+                        <a:latin typeface="Cambria Math" panose="02040503050406030204" pitchFamily="18" charset="0"/>
+                      </a:rPr>
+                      <m:t>𝑐𝑜𝑠𝑡</m:t>
+                    </m:r>
+                    <m:r>
+                      <a:rPr lang="en-US" altLang="ko-KR" b="0" i="1" smtClean="0">
+                        <a:latin typeface="Cambria Math" panose="02040503050406030204" pitchFamily="18" charset="0"/>
+                      </a:rPr>
+                      <m:t>=</m:t>
+                    </m:r>
+                    <m:f>
+                      <m:fPr>
+                        <m:ctrlPr>
+                          <a:rPr lang="en-US" altLang="ko-KR" b="0" i="1" smtClean="0">
+                            <a:latin typeface="Cambria Math" panose="02040503050406030204" pitchFamily="18" charset="0"/>
+                          </a:rPr>
+                        </m:ctrlPr>
+                      </m:fPr>
+                      <m:num>
+                        <m:r>
+                          <a:rPr lang="en-US" altLang="ko-KR" b="0" i="1" smtClean="0">
+                            <a:latin typeface="Cambria Math" panose="02040503050406030204" pitchFamily="18" charset="0"/>
+                          </a:rPr>
+                          <m:t>1</m:t>
+                        </m:r>
+                      </m:num>
+                      <m:den>
+                        <m:r>
+                          <a:rPr lang="en-US" altLang="ko-KR" b="0" i="1" smtClean="0">
+                            <a:latin typeface="Cambria Math" panose="02040503050406030204" pitchFamily="18" charset="0"/>
+                          </a:rPr>
+                          <m:t>𝑛</m:t>
+                        </m:r>
+                      </m:den>
+                    </m:f>
+                    <m:nary>
+                      <m:naryPr>
+                        <m:chr m:val="∑"/>
+                        <m:ctrlPr>
+                          <a:rPr lang="en-US" altLang="ko-KR" b="0" i="1" smtClean="0">
+                            <a:latin typeface="Cambria Math" panose="02040503050406030204" pitchFamily="18" charset="0"/>
+                          </a:rPr>
+                        </m:ctrlPr>
+                      </m:naryPr>
+                      <m:sub>
+                        <m:r>
+                          <m:rPr>
+                            <m:brk m:alnAt="23"/>
+                          </m:rPr>
+                          <a:rPr lang="en-US" altLang="ko-KR" b="0" i="1" smtClean="0">
+                            <a:latin typeface="Cambria Math" panose="02040503050406030204" pitchFamily="18" charset="0"/>
+                          </a:rPr>
+                          <m:t>1</m:t>
+                        </m:r>
+                      </m:sub>
+                      <m:sup>
+                        <m:r>
+                          <a:rPr lang="en-US" altLang="ko-KR" b="0" i="1" smtClean="0">
+                            <a:latin typeface="Cambria Math" panose="02040503050406030204" pitchFamily="18" charset="0"/>
+                          </a:rPr>
+                          <m:t>𝑛</m:t>
+                        </m:r>
+                      </m:sup>
+                      <m:e>
+                        <m:sSup>
+                          <m:sSupPr>
+                            <m:ctrlPr>
+                              <a:rPr lang="en-US" altLang="ko-KR" b="0" i="1" smtClean="0">
+                                <a:latin typeface="Cambria Math" panose="02040503050406030204" pitchFamily="18" charset="0"/>
+                              </a:rPr>
+                            </m:ctrlPr>
+                          </m:sSupPr>
+                          <m:e>
+                            <m:r>
+                              <a:rPr lang="en-US" altLang="ko-KR" i="1">
+                                <a:latin typeface="Cambria Math" panose="02040503050406030204" pitchFamily="18" charset="0"/>
+                              </a:rPr>
+                              <m:t>(</m:t>
+                            </m:r>
+                            <m:r>
+                              <a:rPr lang="en-US" altLang="ko-KR" i="1">
+                                <a:latin typeface="Cambria Math" panose="02040503050406030204" pitchFamily="18" charset="0"/>
+                              </a:rPr>
+                              <m:t>𝑦</m:t>
+                            </m:r>
+                            <m:r>
+                              <a:rPr lang="en-US" altLang="ko-KR" i="1">
+                                <a:latin typeface="Cambria Math" panose="02040503050406030204" pitchFamily="18" charset="0"/>
+                              </a:rPr>
+                              <m:t>−</m:t>
+                            </m:r>
+                            <m:r>
+                              <a:rPr lang="en-US" altLang="ko-KR" i="1">
+                                <a:latin typeface="Cambria Math" panose="02040503050406030204" pitchFamily="18" charset="0"/>
+                              </a:rPr>
+                              <m:t>h</m:t>
+                            </m:r>
+                            <m:d>
+                              <m:dPr>
+                                <m:ctrlPr>
+                                  <a:rPr lang="en-US" altLang="ko-KR" i="1">
+                                    <a:latin typeface="Cambria Math" panose="02040503050406030204" pitchFamily="18" charset="0"/>
+                                  </a:rPr>
+                                </m:ctrlPr>
+                              </m:dPr>
+                              <m:e>
+                                <m:r>
+                                  <a:rPr lang="en-US" altLang="ko-KR" i="1">
+                                    <a:latin typeface="Cambria Math" panose="02040503050406030204" pitchFamily="18" charset="0"/>
+                                  </a:rPr>
+                                  <m:t>𝑥</m:t>
+                                </m:r>
+                              </m:e>
+                            </m:d>
+                            <m:r>
+                              <a:rPr lang="en-US" altLang="ko-KR" i="1">
+                                <a:latin typeface="Cambria Math" panose="02040503050406030204" pitchFamily="18" charset="0"/>
+                              </a:rPr>
+                              <m:t>)</m:t>
+                            </m:r>
+                          </m:e>
+                          <m:sup>
+                            <m:r>
+                              <a:rPr lang="en-US" altLang="ko-KR" b="0" i="1" smtClean="0">
+                                <a:latin typeface="Cambria Math" panose="02040503050406030204" pitchFamily="18" charset="0"/>
+                              </a:rPr>
+                              <m:t>2</m:t>
+                            </m:r>
+                          </m:sup>
+                        </m:sSup>
+                      </m:e>
+                    </m:nary>
+                  </m:oMath>
+                </a14:m>
+                <a:r>
+                  <a:rPr lang="en-US" altLang="ko-KR" dirty="0"/>
+                  <a:t>, </a:t>
+                </a:r>
+                <a14:m>
+                  <m:oMath xmlns:m="http://schemas.openxmlformats.org/officeDocument/2006/math">
+                    <m:r>
+                      <a:rPr lang="en-US" altLang="ko-KR" b="0" i="1" smtClean="0">
+                        <a:latin typeface="Cambria Math" panose="02040503050406030204" pitchFamily="18" charset="0"/>
+                      </a:rPr>
+                      <m:t>𝑤h𝑒𝑟𝑒</m:t>
+                    </m:r>
+                    <m:r>
+                      <a:rPr lang="en-US" altLang="ko-KR" b="0" i="1" smtClean="0">
+                        <a:latin typeface="Cambria Math" panose="02040503050406030204" pitchFamily="18" charset="0"/>
+                      </a:rPr>
+                      <m:t> </m:t>
+                    </m:r>
+                    <m:r>
+                      <a:rPr lang="en-US" altLang="ko-KR" b="0" i="1" smtClean="0">
+                        <a:latin typeface="Cambria Math" panose="02040503050406030204" pitchFamily="18" charset="0"/>
+                      </a:rPr>
+                      <m:t>h</m:t>
+                    </m:r>
+                    <m:d>
+                      <m:dPr>
+                        <m:ctrlPr>
+                          <a:rPr lang="en-US" altLang="ko-KR" b="0" i="1" smtClean="0">
+                            <a:latin typeface="Cambria Math" panose="02040503050406030204" pitchFamily="18" charset="0"/>
+                          </a:rPr>
+                        </m:ctrlPr>
+                      </m:dPr>
+                      <m:e>
+                        <m:r>
+                          <a:rPr lang="en-US" altLang="ko-KR" b="0" i="1" smtClean="0">
+                            <a:latin typeface="Cambria Math" panose="02040503050406030204" pitchFamily="18" charset="0"/>
+                          </a:rPr>
+                          <m:t>𝑥</m:t>
+                        </m:r>
+                      </m:e>
+                    </m:d>
+                    <m:r>
+                      <a:rPr lang="en-US" altLang="ko-KR" b="0" i="1" smtClean="0">
+                        <a:latin typeface="Cambria Math" panose="02040503050406030204" pitchFamily="18" charset="0"/>
+                      </a:rPr>
+                      <m:t>=</m:t>
+                    </m:r>
+                    <m:r>
+                      <a:rPr lang="en-US" altLang="ko-KR" b="0" i="1" smtClean="0">
+                        <a:latin typeface="Cambria Math" panose="02040503050406030204" pitchFamily="18" charset="0"/>
+                      </a:rPr>
+                      <m:t>𝑤𝑥</m:t>
+                    </m:r>
+                    <m:r>
+                      <a:rPr lang="en-US" altLang="ko-KR" b="0" i="1" smtClean="0">
+                        <a:latin typeface="Cambria Math" panose="02040503050406030204" pitchFamily="18" charset="0"/>
+                      </a:rPr>
+                      <m:t>+</m:t>
+                    </m:r>
+                    <m:r>
+                      <a:rPr lang="en-US" altLang="ko-KR" b="0" i="1" smtClean="0">
+                        <a:latin typeface="Cambria Math" panose="02040503050406030204" pitchFamily="18" charset="0"/>
+                      </a:rPr>
+                      <m:t>𝑏</m:t>
+                    </m:r>
+                  </m:oMath>
+                </a14:m>
+                <a:endParaRPr lang="en-US" altLang="ko-KR" b="0" dirty="0"/>
+              </a:p>
+              <a:p>
+                <a14:m>
+                  <m:oMathPara xmlns:m="http://schemas.openxmlformats.org/officeDocument/2006/math">
+                    <m:oMathParaPr>
+                      <m:jc m:val="centerGroup"/>
+                    </m:oMathParaPr>
+                    <m:oMath xmlns:m="http://schemas.openxmlformats.org/officeDocument/2006/math">
+                      <m:r>
+                        <a:rPr lang="en-US" altLang="ko-KR" b="0" i="1" smtClean="0">
+                          <a:latin typeface="Cambria Math" panose="02040503050406030204" pitchFamily="18" charset="0"/>
+                        </a:rPr>
+                        <m:t>𝑐𝑜𝑠𝑡</m:t>
+                      </m:r>
+                      <m:r>
+                        <a:rPr lang="en-US" altLang="ko-KR" b="0" i="1" smtClean="0">
+                          <a:latin typeface="Cambria Math" panose="02040503050406030204" pitchFamily="18" charset="0"/>
+                        </a:rPr>
+                        <m:t>=</m:t>
+                      </m:r>
+                      <m:f>
+                        <m:fPr>
+                          <m:ctrlPr>
+                            <a:rPr lang="en-US" altLang="ko-KR" b="0" i="1" smtClean="0">
+                              <a:latin typeface="Cambria Math" panose="02040503050406030204" pitchFamily="18" charset="0"/>
+                            </a:rPr>
+                          </m:ctrlPr>
+                        </m:fPr>
+                        <m:num>
+                          <m:r>
+                            <a:rPr lang="en-US" altLang="ko-KR" b="0" i="1" smtClean="0">
+                              <a:latin typeface="Cambria Math" panose="02040503050406030204" pitchFamily="18" charset="0"/>
+                            </a:rPr>
+                            <m:t>1</m:t>
+                          </m:r>
+                        </m:num>
+                        <m:den>
+                          <m:r>
+                            <a:rPr lang="en-US" altLang="ko-KR" b="0" i="1" smtClean="0">
+                              <a:latin typeface="Cambria Math" panose="02040503050406030204" pitchFamily="18" charset="0"/>
+                            </a:rPr>
+                            <m:t>𝑛</m:t>
+                          </m:r>
+                        </m:den>
+                      </m:f>
+                      <m:nary>
+                        <m:naryPr>
+                          <m:chr m:val="∑"/>
+                          <m:subHide m:val="on"/>
+                          <m:supHide m:val="on"/>
+                          <m:ctrlPr>
+                            <a:rPr lang="en-US" altLang="ko-KR" b="0" i="1" smtClean="0">
+                              <a:latin typeface="Cambria Math" panose="02040503050406030204" pitchFamily="18" charset="0"/>
+                            </a:rPr>
+                          </m:ctrlPr>
+                        </m:naryPr>
+                        <m:sub/>
+                        <m:sup/>
+                        <m:e>
+                          <m:d>
+                            <m:dPr>
+                              <m:ctrlPr>
+                                <a:rPr lang="en-US" altLang="ko-KR" b="0" i="1" smtClean="0">
+                                  <a:latin typeface="Cambria Math" panose="02040503050406030204" pitchFamily="18" charset="0"/>
+                                </a:rPr>
+                              </m:ctrlPr>
+                            </m:dPr>
+                            <m:e>
+                              <m:sSup>
+                                <m:sSupPr>
+                                  <m:ctrlPr>
+                                    <a:rPr lang="en-US" altLang="ko-KR" b="0" i="1" smtClean="0">
+                                      <a:latin typeface="Cambria Math" panose="02040503050406030204" pitchFamily="18" charset="0"/>
+                                    </a:rPr>
+                                  </m:ctrlPr>
+                                </m:sSupPr>
+                                <m:e>
+                                  <m:r>
+                                    <a:rPr lang="en-US" altLang="ko-KR" b="0" i="1" smtClean="0">
+                                      <a:latin typeface="Cambria Math" panose="02040503050406030204" pitchFamily="18" charset="0"/>
+                                    </a:rPr>
+                                    <m:t>𝑦</m:t>
+                                  </m:r>
+                                </m:e>
+                                <m:sup>
+                                  <m:r>
+                                    <a:rPr lang="en-US" altLang="ko-KR" b="0" i="1" smtClean="0">
+                                      <a:latin typeface="Cambria Math" panose="02040503050406030204" pitchFamily="18" charset="0"/>
+                                    </a:rPr>
+                                    <m:t>2</m:t>
+                                  </m:r>
+                                </m:sup>
+                              </m:sSup>
+                              <m:r>
+                                <a:rPr lang="en-US" altLang="ko-KR" b="0" i="1" smtClean="0">
+                                  <a:latin typeface="Cambria Math" panose="02040503050406030204" pitchFamily="18" charset="0"/>
+                                </a:rPr>
+                                <m:t>−2</m:t>
+                              </m:r>
+                              <m:r>
+                                <a:rPr lang="en-US" altLang="ko-KR" b="0" i="1" smtClean="0">
+                                  <a:latin typeface="Cambria Math" panose="02040503050406030204" pitchFamily="18" charset="0"/>
+                                </a:rPr>
+                                <m:t>𝑦h</m:t>
+                              </m:r>
+                              <m:d>
+                                <m:dPr>
+                                  <m:ctrlPr>
+                                    <a:rPr lang="en-US" altLang="ko-KR" b="0" i="1" smtClean="0">
+                                      <a:latin typeface="Cambria Math" panose="02040503050406030204" pitchFamily="18" charset="0"/>
+                                    </a:rPr>
+                                  </m:ctrlPr>
+                                </m:dPr>
+                                <m:e>
+                                  <m:r>
+                                    <a:rPr lang="en-US" altLang="ko-KR" b="0" i="1" smtClean="0">
+                                      <a:latin typeface="Cambria Math" panose="02040503050406030204" pitchFamily="18" charset="0"/>
+                                    </a:rPr>
+                                    <m:t>𝑥</m:t>
+                                  </m:r>
+                                </m:e>
+                              </m:d>
+                              <m:r>
+                                <a:rPr lang="en-US" altLang="ko-KR" b="0" i="1" smtClean="0">
+                                  <a:latin typeface="Cambria Math" panose="02040503050406030204" pitchFamily="18" charset="0"/>
+                                </a:rPr>
+                                <m:t>+</m:t>
+                              </m:r>
+                              <m:sSup>
+                                <m:sSupPr>
+                                  <m:ctrlPr>
+                                    <a:rPr lang="en-US" altLang="ko-KR" b="0" i="1" smtClean="0">
+                                      <a:latin typeface="Cambria Math" panose="02040503050406030204" pitchFamily="18" charset="0"/>
+                                    </a:rPr>
+                                  </m:ctrlPr>
+                                </m:sSupPr>
+                                <m:e>
+                                  <m:r>
+                                    <a:rPr lang="en-US" altLang="ko-KR" b="0" i="1" smtClean="0">
+                                      <a:latin typeface="Cambria Math" panose="02040503050406030204" pitchFamily="18" charset="0"/>
+                                    </a:rPr>
+                                    <m:t>h</m:t>
+                                  </m:r>
+                                  <m:d>
+                                    <m:dPr>
+                                      <m:ctrlPr>
+                                        <a:rPr lang="en-US" altLang="ko-KR" b="0" i="1" smtClean="0">
+                                          <a:latin typeface="Cambria Math" panose="02040503050406030204" pitchFamily="18" charset="0"/>
+                                        </a:rPr>
+                                      </m:ctrlPr>
+                                    </m:dPr>
+                                    <m:e>
+                                      <m:r>
+                                        <a:rPr lang="en-US" altLang="ko-KR" b="0" i="1" smtClean="0">
+                                          <a:latin typeface="Cambria Math" panose="02040503050406030204" pitchFamily="18" charset="0"/>
+                                        </a:rPr>
+                                        <m:t>𝑥</m:t>
+                                      </m:r>
+                                    </m:e>
+                                  </m:d>
+                                </m:e>
+                                <m:sup>
+                                  <m:r>
+                                    <a:rPr lang="en-US" altLang="ko-KR" b="0" i="1" smtClean="0">
+                                      <a:latin typeface="Cambria Math" panose="02040503050406030204" pitchFamily="18" charset="0"/>
+                                    </a:rPr>
+                                    <m:t>2</m:t>
+                                  </m:r>
+                                </m:sup>
+                              </m:sSup>
+                            </m:e>
+                          </m:d>
+                          <m:r>
+                            <a:rPr lang="en-US" altLang="ko-KR" b="0" i="1" smtClean="0">
+                              <a:latin typeface="Cambria Math" panose="02040503050406030204" pitchFamily="18" charset="0"/>
+                            </a:rPr>
+                            <m:t>=</m:t>
+                          </m:r>
+                          <m:r>
+                            <a:rPr lang="ko-KR" altLang="en-US" b="0" i="1" smtClean="0">
+                              <a:latin typeface="Cambria Math" panose="02040503050406030204" pitchFamily="18" charset="0"/>
+                            </a:rPr>
+                            <m:t>𝛼</m:t>
+                          </m:r>
+                          <m:sSup>
+                            <m:sSupPr>
+                              <m:ctrlPr>
+                                <a:rPr lang="en-US" altLang="ko-KR" b="0" i="1" smtClean="0">
+                                  <a:latin typeface="Cambria Math" panose="02040503050406030204" pitchFamily="18" charset="0"/>
+                                </a:rPr>
+                              </m:ctrlPr>
+                            </m:sSupPr>
+                            <m:e>
+                              <m:r>
+                                <a:rPr lang="en-US" altLang="ko-KR" b="0" i="1" smtClean="0">
+                                  <a:latin typeface="Cambria Math" panose="02040503050406030204" pitchFamily="18" charset="0"/>
+                                </a:rPr>
+                                <m:t>𝑤</m:t>
+                              </m:r>
+                            </m:e>
+                            <m:sup>
+                              <m:r>
+                                <a:rPr lang="en-US" altLang="ko-KR" b="0" i="1" smtClean="0">
+                                  <a:latin typeface="Cambria Math" panose="02040503050406030204" pitchFamily="18" charset="0"/>
+                                </a:rPr>
+                                <m:t>2</m:t>
+                              </m:r>
+                            </m:sup>
+                          </m:sSup>
+                          <m:r>
+                            <a:rPr lang="en-US" altLang="ko-KR" b="0" i="1" smtClean="0">
+                              <a:latin typeface="Cambria Math" panose="02040503050406030204" pitchFamily="18" charset="0"/>
+                            </a:rPr>
+                            <m:t>+</m:t>
+                          </m:r>
+                          <m:r>
+                            <a:rPr lang="ko-KR" altLang="en-US" b="0" i="1" smtClean="0">
+                              <a:latin typeface="Cambria Math" panose="02040503050406030204" pitchFamily="18" charset="0"/>
+                            </a:rPr>
+                            <m:t>𝛽</m:t>
+                          </m:r>
+                          <m:r>
+                            <a:rPr lang="en-US" altLang="ko-KR" b="0" i="1" smtClean="0">
+                              <a:latin typeface="Cambria Math" panose="02040503050406030204" pitchFamily="18" charset="0"/>
+                            </a:rPr>
+                            <m:t>𝑤</m:t>
+                          </m:r>
+                          <m:r>
+                            <a:rPr lang="en-US" altLang="ko-KR" b="0" i="1" smtClean="0">
+                              <a:latin typeface="Cambria Math" panose="02040503050406030204" pitchFamily="18" charset="0"/>
+                            </a:rPr>
+                            <m:t>+</m:t>
+                          </m:r>
+                          <m:r>
+                            <a:rPr lang="ko-KR" altLang="en-US" b="0" i="1" smtClean="0">
+                              <a:latin typeface="Cambria Math" panose="02040503050406030204" pitchFamily="18" charset="0"/>
+                            </a:rPr>
+                            <m:t>𝛾</m:t>
+                          </m:r>
+                        </m:e>
+                      </m:nary>
+                    </m:oMath>
+                  </m:oMathPara>
+                </a14:m>
+                <a:endParaRPr lang="ko-KR" altLang="en-US" dirty="0"/>
+              </a:p>
+            </p:txBody>
+          </p:sp>
+        </mc:Choice>
+        <mc:Fallback>
+          <p:sp>
+            <p:nvSpPr>
+              <p:cNvPr id="3" name="TextBox 2">
+                <a:extLst>
+                  <a:ext uri="{FF2B5EF4-FFF2-40B4-BE49-F238E27FC236}">
+                    <a16:creationId xmlns:a16="http://schemas.microsoft.com/office/drawing/2014/main" id="{F7C4136E-C759-EBA6-201C-F6B22DD7B600}"/>
+                  </a:ext>
+                </a:extLst>
+              </p:cNvPr>
+              <p:cNvSpPr txBox="1">
+                <a:spLocks noRot="1" noChangeAspect="1" noMove="1" noResize="1" noEditPoints="1" noAdjustHandles="1" noChangeArrowheads="1" noChangeShapeType="1" noTextEdit="1"/>
+              </p:cNvSpPr>
+              <p:nvPr/>
+            </p:nvSpPr>
+            <p:spPr>
+              <a:xfrm>
+                <a:off x="4050146" y="5454073"/>
+                <a:ext cx="5474447" cy="1063368"/>
+              </a:xfrm>
+              <a:prstGeom prst="rect">
+                <a:avLst/>
+              </a:prstGeom>
+              <a:blipFill>
+                <a:blip r:embed="rId3"/>
+                <a:stretch>
+                  <a:fillRect l="-1336" t="-40805" b="-575"/>
+                </a:stretch>
+              </a:blipFill>
+            </p:spPr>
+            <p:txBody>
+              <a:bodyPr/>
+              <a:lstStyle/>
+              <a:p>
+                <a:r>
+                  <a:rPr lang="ko-KR" altLang="en-US">
+                    <a:noFill/>
+                  </a:rPr>
+                  <a:t> </a:t>
+                </a:r>
+              </a:p>
+            </p:txBody>
+          </p:sp>
+        </mc:Fallback>
+      </mc:AlternateContent>
+      <mc:AlternateContent xmlns:mc="http://schemas.openxmlformats.org/markup-compatibility/2006">
+        <mc:Choice xmlns:a14="http://schemas.microsoft.com/office/drawing/2010/main" Requires="a14">
+          <p:sp>
+            <p:nvSpPr>
+              <p:cNvPr id="8" name="TextBox 7">
+                <a:extLst>
+                  <a:ext uri="{FF2B5EF4-FFF2-40B4-BE49-F238E27FC236}">
+                    <a16:creationId xmlns:a16="http://schemas.microsoft.com/office/drawing/2014/main" id="{C909BDB7-746F-23DA-611F-097C9FADBDC7}"/>
+                  </a:ext>
+                </a:extLst>
+              </p:cNvPr>
+              <p:cNvSpPr txBox="1"/>
+              <p:nvPr/>
+            </p:nvSpPr>
+            <p:spPr>
+              <a:xfrm>
+                <a:off x="-720436" y="4808512"/>
+                <a:ext cx="6096000" cy="369332"/>
+              </a:xfrm>
+              <a:prstGeom prst="rect">
+                <a:avLst/>
+              </a:prstGeom>
+              <a:noFill/>
+            </p:spPr>
+            <p:txBody>
+              <a:bodyPr wrap="square">
+                <a:spAutoFit/>
+              </a:bodyPr>
+              <a:lstStyle/>
+              <a:p>
+                <a:pPr/>
+                <a14:m>
+                  <m:oMathPara xmlns:m="http://schemas.openxmlformats.org/officeDocument/2006/math">
+                    <m:oMathParaPr>
+                      <m:jc m:val="centerGroup"/>
+                    </m:oMathParaPr>
+                    <m:oMath xmlns:m="http://schemas.openxmlformats.org/officeDocument/2006/math">
+                      <m:sSup>
+                        <m:sSupPr>
+                          <m:ctrlPr>
+                            <a:rPr lang="en-US" altLang="ko-KR" i="1" smtClean="0">
+                              <a:latin typeface="Cambria Math" panose="02040503050406030204" pitchFamily="18" charset="0"/>
+                            </a:rPr>
+                          </m:ctrlPr>
+                        </m:sSupPr>
+                        <m:e>
+                          <m:r>
+                            <a:rPr lang="en-US" altLang="ko-KR" b="0" i="1" smtClean="0">
+                              <a:latin typeface="Cambria Math" panose="02040503050406030204" pitchFamily="18" charset="0"/>
+                            </a:rPr>
+                            <m:t>𝑥</m:t>
+                          </m:r>
+                        </m:e>
+                        <m:sup>
+                          <m:r>
+                            <a:rPr lang="en-US" altLang="ko-KR" b="0" i="1" smtClean="0">
+                              <a:latin typeface="Cambria Math" panose="02040503050406030204" pitchFamily="18" charset="0"/>
+                            </a:rPr>
+                            <m:t>′</m:t>
+                          </m:r>
+                        </m:sup>
+                      </m:sSup>
+                      <m:r>
+                        <a:rPr lang="en-US" altLang="ko-KR" b="0" i="1" smtClean="0">
+                          <a:latin typeface="Cambria Math" panose="02040503050406030204" pitchFamily="18" charset="0"/>
+                        </a:rPr>
+                        <m:t>=</m:t>
+                      </m:r>
+                      <m:r>
+                        <a:rPr lang="en-US" altLang="ko-KR" b="0" i="1" smtClean="0">
+                          <a:latin typeface="Cambria Math" panose="02040503050406030204" pitchFamily="18" charset="0"/>
+                        </a:rPr>
+                        <m:t>𝑥</m:t>
+                      </m:r>
+                      <m:r>
+                        <a:rPr lang="en-US" altLang="ko-KR" b="0" i="1" smtClean="0">
+                          <a:latin typeface="Cambria Math" panose="02040503050406030204" pitchFamily="18" charset="0"/>
+                        </a:rPr>
+                        <m:t>−</m:t>
+                      </m:r>
+                      <m:r>
+                        <a:rPr lang="ko-KR" altLang="en-US" b="0" i="1" smtClean="0">
+                          <a:latin typeface="Cambria Math" panose="02040503050406030204" pitchFamily="18" charset="0"/>
+                        </a:rPr>
+                        <m:t>𝛼</m:t>
+                      </m:r>
+                      <m:sSup>
+                        <m:sSupPr>
+                          <m:ctrlPr>
+                            <a:rPr lang="en-US" altLang="ko-KR" b="0" i="1" smtClean="0">
+                              <a:latin typeface="Cambria Math" panose="02040503050406030204" pitchFamily="18" charset="0"/>
+                            </a:rPr>
+                          </m:ctrlPr>
+                        </m:sSupPr>
+                        <m:e>
+                          <m:r>
+                            <a:rPr lang="en-US" altLang="ko-KR" b="0" i="1" smtClean="0">
+                              <a:latin typeface="Cambria Math" panose="02040503050406030204" pitchFamily="18" charset="0"/>
+                            </a:rPr>
+                            <m:t>𝑓</m:t>
+                          </m:r>
+                        </m:e>
+                        <m:sup>
+                          <m:r>
+                            <a:rPr lang="en-US" altLang="ko-KR" b="0" i="1" smtClean="0">
+                              <a:latin typeface="Cambria Math" panose="02040503050406030204" pitchFamily="18" charset="0"/>
+                            </a:rPr>
+                            <m:t>′</m:t>
+                          </m:r>
+                        </m:sup>
+                      </m:sSup>
+                      <m:r>
+                        <a:rPr lang="en-US" altLang="ko-KR" b="0" i="1" smtClean="0">
+                          <a:latin typeface="Cambria Math" panose="02040503050406030204" pitchFamily="18" charset="0"/>
+                        </a:rPr>
+                        <m:t>(</m:t>
+                      </m:r>
+                      <m:r>
+                        <a:rPr lang="en-US" altLang="ko-KR" b="0" i="1" smtClean="0">
+                          <a:latin typeface="Cambria Math" panose="02040503050406030204" pitchFamily="18" charset="0"/>
+                        </a:rPr>
+                        <m:t>𝑥</m:t>
+                      </m:r>
+                      <m:r>
+                        <a:rPr lang="en-US" altLang="ko-KR" b="0" i="1" smtClean="0">
+                          <a:latin typeface="Cambria Math" panose="02040503050406030204" pitchFamily="18" charset="0"/>
+                        </a:rPr>
+                        <m:t>)</m:t>
+                      </m:r>
+                    </m:oMath>
+                  </m:oMathPara>
+                </a14:m>
+                <a:endParaRPr lang="ko-KR" altLang="en-US" dirty="0"/>
+              </a:p>
+            </p:txBody>
+          </p:sp>
+        </mc:Choice>
+        <mc:Fallback>
+          <p:sp>
+            <p:nvSpPr>
+              <p:cNvPr id="8" name="TextBox 7">
+                <a:extLst>
+                  <a:ext uri="{FF2B5EF4-FFF2-40B4-BE49-F238E27FC236}">
+                    <a16:creationId xmlns:a16="http://schemas.microsoft.com/office/drawing/2014/main" id="{C909BDB7-746F-23DA-611F-097C9FADBDC7}"/>
+                  </a:ext>
+                </a:extLst>
+              </p:cNvPr>
+              <p:cNvSpPr txBox="1">
+                <a:spLocks noRot="1" noChangeAspect="1" noMove="1" noResize="1" noEditPoints="1" noAdjustHandles="1" noChangeArrowheads="1" noChangeShapeType="1" noTextEdit="1"/>
+              </p:cNvSpPr>
+              <p:nvPr/>
+            </p:nvSpPr>
+            <p:spPr>
+              <a:xfrm>
+                <a:off x="-720436" y="4808512"/>
+                <a:ext cx="6096000" cy="369332"/>
+              </a:xfrm>
+              <a:prstGeom prst="rect">
+                <a:avLst/>
+              </a:prstGeom>
+              <a:blipFill>
+                <a:blip r:embed="rId4"/>
+                <a:stretch>
+                  <a:fillRect b="-16667"/>
+                </a:stretch>
+              </a:blipFill>
+            </p:spPr>
+            <p:txBody>
+              <a:bodyPr/>
+              <a:lstStyle/>
+              <a:p>
+                <a:r>
+                  <a:rPr lang="ko-KR" altLang="en-US">
+                    <a:noFill/>
+                  </a:rPr>
+                  <a:t> </a:t>
+                </a:r>
+              </a:p>
+            </p:txBody>
+          </p:sp>
+        </mc:Fallback>
+      </mc:AlternateContent>
+    </p:spTree>
+    <p:extLst>
+      <p:ext uri="{BB962C8B-B14F-4D97-AF65-F5344CB8AC3E}">
+        <p14:creationId xmlns:p14="http://schemas.microsoft.com/office/powerpoint/2010/main" val="1618187972"/>
+      </p:ext>
+    </p:extLst>
+  </p:cSld>
+  <p:clrMapOvr>
+    <a:masterClrMapping/>
+  </p:clrMapOvr>
+</p:sld>
+</file>
+
 <file path=ppt/theme/theme1.xml><?xml version="1.0" encoding="utf-8"?>
 <a:theme xmlns:a="http://schemas.openxmlformats.org/drawingml/2006/main" name="Office 테마">
   <a:themeElements>

--- a/FER/eduMaterials/matrials.pptx
+++ b/FER/eduMaterials/matrials.pptx
@@ -8,10 +8,11 @@
     <p:sldId id="256" r:id="rId2"/>
     <p:sldId id="257" r:id="rId3"/>
     <p:sldId id="258" r:id="rId4"/>
-    <p:sldId id="259" r:id="rId5"/>
-    <p:sldId id="260" r:id="rId6"/>
-    <p:sldId id="261" r:id="rId7"/>
-    <p:sldId id="262" r:id="rId8"/>
+    <p:sldId id="263" r:id="rId5"/>
+    <p:sldId id="259" r:id="rId6"/>
+    <p:sldId id="260" r:id="rId7"/>
+    <p:sldId id="261" r:id="rId8"/>
+    <p:sldId id="262" r:id="rId9"/>
   </p:sldIdLst>
   <p:sldSz cx="12192000" cy="6858000"/>
   <p:notesSz cx="6858000" cy="9144000"/>
@@ -3139,7 +3140,7 @@
           <a:p>
             <a:fld id="{290F8D5D-7A62-4084-90F8-BF6F9DC4789C}" type="datetimeFigureOut">
               <a:rPr lang="ko-KR" altLang="en-US" smtClean="0"/>
-              <a:t>2023-02-02</a:t>
+              <a:t>2023-02-07</a:t>
             </a:fld>
             <a:endParaRPr lang="ko-KR" altLang="en-US"/>
           </a:p>
@@ -3337,7 +3338,7 @@
           <a:p>
             <a:fld id="{290F8D5D-7A62-4084-90F8-BF6F9DC4789C}" type="datetimeFigureOut">
               <a:rPr lang="ko-KR" altLang="en-US" smtClean="0"/>
-              <a:t>2023-02-02</a:t>
+              <a:t>2023-02-07</a:t>
             </a:fld>
             <a:endParaRPr lang="ko-KR" altLang="en-US"/>
           </a:p>
@@ -3545,7 +3546,7 @@
           <a:p>
             <a:fld id="{290F8D5D-7A62-4084-90F8-BF6F9DC4789C}" type="datetimeFigureOut">
               <a:rPr lang="ko-KR" altLang="en-US" smtClean="0"/>
-              <a:t>2023-02-02</a:t>
+              <a:t>2023-02-07</a:t>
             </a:fld>
             <a:endParaRPr lang="ko-KR" altLang="en-US"/>
           </a:p>
@@ -3743,7 +3744,7 @@
           <a:p>
             <a:fld id="{290F8D5D-7A62-4084-90F8-BF6F9DC4789C}" type="datetimeFigureOut">
               <a:rPr lang="ko-KR" altLang="en-US" smtClean="0"/>
-              <a:t>2023-02-02</a:t>
+              <a:t>2023-02-07</a:t>
             </a:fld>
             <a:endParaRPr lang="ko-KR" altLang="en-US"/>
           </a:p>
@@ -4018,7 +4019,7 @@
           <a:p>
             <a:fld id="{290F8D5D-7A62-4084-90F8-BF6F9DC4789C}" type="datetimeFigureOut">
               <a:rPr lang="ko-KR" altLang="en-US" smtClean="0"/>
-              <a:t>2023-02-02</a:t>
+              <a:t>2023-02-07</a:t>
             </a:fld>
             <a:endParaRPr lang="ko-KR" altLang="en-US"/>
           </a:p>
@@ -4283,7 +4284,7 @@
           <a:p>
             <a:fld id="{290F8D5D-7A62-4084-90F8-BF6F9DC4789C}" type="datetimeFigureOut">
               <a:rPr lang="ko-KR" altLang="en-US" smtClean="0"/>
-              <a:t>2023-02-02</a:t>
+              <a:t>2023-02-07</a:t>
             </a:fld>
             <a:endParaRPr lang="ko-KR" altLang="en-US"/>
           </a:p>
@@ -4695,7 +4696,7 @@
           <a:p>
             <a:fld id="{290F8D5D-7A62-4084-90F8-BF6F9DC4789C}" type="datetimeFigureOut">
               <a:rPr lang="ko-KR" altLang="en-US" smtClean="0"/>
-              <a:t>2023-02-02</a:t>
+              <a:t>2023-02-07</a:t>
             </a:fld>
             <a:endParaRPr lang="ko-KR" altLang="en-US"/>
           </a:p>
@@ -4836,7 +4837,7 @@
           <a:p>
             <a:fld id="{290F8D5D-7A62-4084-90F8-BF6F9DC4789C}" type="datetimeFigureOut">
               <a:rPr lang="ko-KR" altLang="en-US" smtClean="0"/>
-              <a:t>2023-02-02</a:t>
+              <a:t>2023-02-07</a:t>
             </a:fld>
             <a:endParaRPr lang="ko-KR" altLang="en-US"/>
           </a:p>
@@ -4949,7 +4950,7 @@
           <a:p>
             <a:fld id="{290F8D5D-7A62-4084-90F8-BF6F9DC4789C}" type="datetimeFigureOut">
               <a:rPr lang="ko-KR" altLang="en-US" smtClean="0"/>
-              <a:t>2023-02-02</a:t>
+              <a:t>2023-02-07</a:t>
             </a:fld>
             <a:endParaRPr lang="ko-KR" altLang="en-US"/>
           </a:p>
@@ -5260,7 +5261,7 @@
           <a:p>
             <a:fld id="{290F8D5D-7A62-4084-90F8-BF6F9DC4789C}" type="datetimeFigureOut">
               <a:rPr lang="ko-KR" altLang="en-US" smtClean="0"/>
-              <a:t>2023-02-02</a:t>
+              <a:t>2023-02-07</a:t>
             </a:fld>
             <a:endParaRPr lang="ko-KR" altLang="en-US"/>
           </a:p>
@@ -5548,7 +5549,7 @@
           <a:p>
             <a:fld id="{290F8D5D-7A62-4084-90F8-BF6F9DC4789C}" type="datetimeFigureOut">
               <a:rPr lang="ko-KR" altLang="en-US" smtClean="0"/>
-              <a:t>2023-02-02</a:t>
+              <a:t>2023-02-07</a:t>
             </a:fld>
             <a:endParaRPr lang="ko-KR" altLang="en-US"/>
           </a:p>
@@ -5625,9 +5626,17 @@
 <p:sldMaster xmlns:a="http://schemas.openxmlformats.org/drawingml/2006/main" xmlns:r="http://schemas.openxmlformats.org/officeDocument/2006/relationships" xmlns:p="http://schemas.openxmlformats.org/presentationml/2006/main">
   <p:cSld>
     <p:bg>
-      <p:bgRef idx="1001">
-        <a:schemeClr val="bg1"/>
-      </p:bgRef>
+      <p:bgPr>
+        <a:blipFill dpi="0" rotWithShape="1">
+          <a:blip r:embed="rId13">
+            <a:alphaModFix amt="16000"/>
+            <a:lum/>
+          </a:blip>
+          <a:srcRect/>
+          <a:tile tx="0" ty="0" sx="100000" sy="100000" flip="none" algn="tl"/>
+        </a:blipFill>
+        <a:effectLst/>
+      </p:bgPr>
     </p:bg>
     <p:spTree>
       <p:nvGrpSpPr>
@@ -5789,7 +5798,7 @@
           <a:p>
             <a:fld id="{290F8D5D-7A62-4084-90F8-BF6F9DC4789C}" type="datetimeFigureOut">
               <a:rPr lang="ko-KR" altLang="en-US" smtClean="0"/>
-              <a:t>2023-02-02</a:t>
+              <a:t>2023-02-07</a:t>
             </a:fld>
             <a:endParaRPr lang="ko-KR" altLang="en-US"/>
           </a:p>
@@ -7202,6 +7211,677 @@
           <a:chExt cx="0" cy="0"/>
         </a:xfrm>
       </p:grpSpPr>
+      <p:graphicFrame>
+        <p:nvGraphicFramePr>
+          <p:cNvPr id="7" name="표 8">
+            <a:extLst>
+              <a:ext uri="{FF2B5EF4-FFF2-40B4-BE49-F238E27FC236}">
+                <a16:creationId xmlns:a16="http://schemas.microsoft.com/office/drawing/2014/main" id="{F324CD82-8910-CE75-2123-21B109396AEE}"/>
+              </a:ext>
+            </a:extLst>
+          </p:cNvPr>
+          <p:cNvGraphicFramePr>
+            <a:graphicFrameLocks noGrp="1"/>
+          </p:cNvGraphicFramePr>
+          <p:nvPr>
+            <p:extLst>
+              <p:ext uri="{D42A27DB-BD31-4B8C-83A1-F6EECF244321}">
+                <p14:modId xmlns:p14="http://schemas.microsoft.com/office/powerpoint/2010/main" val="3625056662"/>
+              </p:ext>
+            </p:extLst>
+          </p:nvPr>
+        </p:nvGraphicFramePr>
+        <p:xfrm>
+          <a:off x="1939636" y="3148830"/>
+          <a:ext cx="8128000" cy="1107440"/>
+        </p:xfrm>
+        <a:graphic>
+          <a:graphicData uri="http://schemas.openxmlformats.org/drawingml/2006/table">
+            <a:tbl>
+              <a:tblPr firstRow="1" bandRow="1">
+                <a:tableStyleId>{5940675A-B579-460E-94D1-54222C63F5DA}</a:tableStyleId>
+              </a:tblPr>
+              <a:tblGrid>
+                <a:gridCol w="1080655">
+                  <a:extLst>
+                    <a:ext uri="{9D8B030D-6E8A-4147-A177-3AD203B41FA5}">
+                      <a16:colId xmlns:a16="http://schemas.microsoft.com/office/drawing/2014/main" val="2323224508"/>
+                    </a:ext>
+                  </a:extLst>
+                </a:gridCol>
+                <a:gridCol w="637309">
+                  <a:extLst>
+                    <a:ext uri="{9D8B030D-6E8A-4147-A177-3AD203B41FA5}">
+                      <a16:colId xmlns:a16="http://schemas.microsoft.com/office/drawing/2014/main" val="3126624286"/>
+                    </a:ext>
+                  </a:extLst>
+                </a:gridCol>
+                <a:gridCol w="637309">
+                  <a:extLst>
+                    <a:ext uri="{9D8B030D-6E8A-4147-A177-3AD203B41FA5}">
+                      <a16:colId xmlns:a16="http://schemas.microsoft.com/office/drawing/2014/main" val="59228396"/>
+                    </a:ext>
+                  </a:extLst>
+                </a:gridCol>
+                <a:gridCol w="637309">
+                  <a:extLst>
+                    <a:ext uri="{9D8B030D-6E8A-4147-A177-3AD203B41FA5}">
+                      <a16:colId xmlns:a16="http://schemas.microsoft.com/office/drawing/2014/main" val="4285325339"/>
+                    </a:ext>
+                  </a:extLst>
+                </a:gridCol>
+                <a:gridCol w="637310">
+                  <a:extLst>
+                    <a:ext uri="{9D8B030D-6E8A-4147-A177-3AD203B41FA5}">
+                      <a16:colId xmlns:a16="http://schemas.microsoft.com/office/drawing/2014/main" val="1547296739"/>
+                    </a:ext>
+                  </a:extLst>
+                </a:gridCol>
+                <a:gridCol w="637310">
+                  <a:extLst>
+                    <a:ext uri="{9D8B030D-6E8A-4147-A177-3AD203B41FA5}">
+                      <a16:colId xmlns:a16="http://schemas.microsoft.com/office/drawing/2014/main" val="2029926652"/>
+                    </a:ext>
+                  </a:extLst>
+                </a:gridCol>
+                <a:gridCol w="637309">
+                  <a:extLst>
+                    <a:ext uri="{9D8B030D-6E8A-4147-A177-3AD203B41FA5}">
+                      <a16:colId xmlns:a16="http://schemas.microsoft.com/office/drawing/2014/main" val="2531529108"/>
+                    </a:ext>
+                  </a:extLst>
+                </a:gridCol>
+                <a:gridCol w="637309">
+                  <a:extLst>
+                    <a:ext uri="{9D8B030D-6E8A-4147-A177-3AD203B41FA5}">
+                      <a16:colId xmlns:a16="http://schemas.microsoft.com/office/drawing/2014/main" val="4072121887"/>
+                    </a:ext>
+                  </a:extLst>
+                </a:gridCol>
+                <a:gridCol w="637309">
+                  <a:extLst>
+                    <a:ext uri="{9D8B030D-6E8A-4147-A177-3AD203B41FA5}">
+                      <a16:colId xmlns:a16="http://schemas.microsoft.com/office/drawing/2014/main" val="3752399536"/>
+                    </a:ext>
+                  </a:extLst>
+                </a:gridCol>
+                <a:gridCol w="649624">
+                  <a:extLst>
+                    <a:ext uri="{9D8B030D-6E8A-4147-A177-3AD203B41FA5}">
+                      <a16:colId xmlns:a16="http://schemas.microsoft.com/office/drawing/2014/main" val="3871087650"/>
+                    </a:ext>
+                  </a:extLst>
+                </a:gridCol>
+                <a:gridCol w="649623">
+                  <a:extLst>
+                    <a:ext uri="{9D8B030D-6E8A-4147-A177-3AD203B41FA5}">
+                      <a16:colId xmlns:a16="http://schemas.microsoft.com/office/drawing/2014/main" val="3425612895"/>
+                    </a:ext>
+                  </a:extLst>
+                </a:gridCol>
+                <a:gridCol w="649624">
+                  <a:extLst>
+                    <a:ext uri="{9D8B030D-6E8A-4147-A177-3AD203B41FA5}">
+                      <a16:colId xmlns:a16="http://schemas.microsoft.com/office/drawing/2014/main" val="3587290863"/>
+                    </a:ext>
+                  </a:extLst>
+                </a:gridCol>
+              </a:tblGrid>
+              <a:tr h="240915">
+                <a:tc>
+                  <a:txBody>
+                    <a:bodyPr/>
+                    <a:lstStyle/>
+                    <a:p>
+                      <a:pPr algn="ctr" latinLnBrk="1"/>
+                      <a:endParaRPr lang="ko-KR" altLang="en-US" dirty="0"/>
+                    </a:p>
+                  </a:txBody>
+                  <a:tcPr anchor="ctr"/>
+                </a:tc>
+                <a:tc gridSpan="8">
+                  <a:txBody>
+                    <a:bodyPr/>
+                    <a:lstStyle/>
+                    <a:p>
+                      <a:pPr algn="ctr" latinLnBrk="1"/>
+                      <a:r>
+                        <a:rPr lang="en-US" altLang="ko-KR" dirty="0"/>
+                        <a:t>Train</a:t>
+                      </a:r>
+                      <a:endParaRPr lang="ko-KR" altLang="en-US" dirty="0"/>
+                    </a:p>
+                  </a:txBody>
+                  <a:tcPr anchor="ctr"/>
+                </a:tc>
+                <a:tc hMerge="1">
+                  <a:txBody>
+                    <a:bodyPr/>
+                    <a:lstStyle/>
+                    <a:p>
+                      <a:pPr latinLnBrk="1"/>
+                      <a:endParaRPr lang="ko-KR" altLang="en-US"/>
+                    </a:p>
+                  </a:txBody>
+                  <a:tcPr/>
+                </a:tc>
+                <a:tc hMerge="1">
+                  <a:txBody>
+                    <a:bodyPr/>
+                    <a:lstStyle/>
+                    <a:p>
+                      <a:pPr latinLnBrk="1"/>
+                      <a:endParaRPr lang="ko-KR" altLang="en-US"/>
+                    </a:p>
+                  </a:txBody>
+                  <a:tcPr/>
+                </a:tc>
+                <a:tc hMerge="1">
+                  <a:txBody>
+                    <a:bodyPr/>
+                    <a:lstStyle/>
+                    <a:p>
+                      <a:pPr latinLnBrk="1"/>
+                      <a:endParaRPr lang="ko-KR" altLang="en-US"/>
+                    </a:p>
+                  </a:txBody>
+                  <a:tcPr/>
+                </a:tc>
+                <a:tc hMerge="1">
+                  <a:txBody>
+                    <a:bodyPr/>
+                    <a:lstStyle/>
+                    <a:p>
+                      <a:pPr latinLnBrk="1"/>
+                      <a:endParaRPr lang="ko-KR" altLang="en-US"/>
+                    </a:p>
+                  </a:txBody>
+                  <a:tcPr/>
+                </a:tc>
+                <a:tc hMerge="1">
+                  <a:txBody>
+                    <a:bodyPr/>
+                    <a:lstStyle/>
+                    <a:p>
+                      <a:pPr latinLnBrk="1"/>
+                      <a:endParaRPr lang="ko-KR" altLang="en-US"/>
+                    </a:p>
+                  </a:txBody>
+                  <a:tcPr/>
+                </a:tc>
+                <a:tc hMerge="1">
+                  <a:txBody>
+                    <a:bodyPr/>
+                    <a:lstStyle/>
+                    <a:p>
+                      <a:pPr latinLnBrk="1"/>
+                      <a:endParaRPr lang="ko-KR" altLang="en-US"/>
+                    </a:p>
+                  </a:txBody>
+                  <a:tcPr/>
+                </a:tc>
+                <a:tc hMerge="1">
+                  <a:txBody>
+                    <a:bodyPr/>
+                    <a:lstStyle/>
+                    <a:p>
+                      <a:pPr latinLnBrk="1"/>
+                      <a:endParaRPr lang="ko-KR" altLang="en-US"/>
+                    </a:p>
+                  </a:txBody>
+                  <a:tcPr/>
+                </a:tc>
+                <a:tc gridSpan="3">
+                  <a:txBody>
+                    <a:bodyPr/>
+                    <a:lstStyle/>
+                    <a:p>
+                      <a:pPr algn="ctr" latinLnBrk="1"/>
+                      <a:r>
+                        <a:rPr lang="en-US" altLang="ko-KR" dirty="0"/>
+                        <a:t>Test</a:t>
+                      </a:r>
+                      <a:endParaRPr lang="ko-KR" altLang="en-US" dirty="0"/>
+                    </a:p>
+                  </a:txBody>
+                  <a:tcPr anchor="ctr"/>
+                </a:tc>
+                <a:tc hMerge="1">
+                  <a:txBody>
+                    <a:bodyPr/>
+                    <a:lstStyle/>
+                    <a:p>
+                      <a:pPr latinLnBrk="1"/>
+                      <a:endParaRPr lang="ko-KR" altLang="en-US"/>
+                    </a:p>
+                  </a:txBody>
+                  <a:tcPr/>
+                </a:tc>
+                <a:tc hMerge="1">
+                  <a:txBody>
+                    <a:bodyPr/>
+                    <a:lstStyle/>
+                    <a:p>
+                      <a:pPr latinLnBrk="1"/>
+                      <a:endParaRPr lang="ko-KR" altLang="en-US"/>
+                    </a:p>
+                  </a:txBody>
+                  <a:tcPr/>
+                </a:tc>
+                <a:extLst>
+                  <a:ext uri="{0D108BD9-81ED-4DB2-BD59-A6C34878D82A}">
+                    <a16:rowId xmlns:a16="http://schemas.microsoft.com/office/drawing/2014/main" val="435983767"/>
+                  </a:ext>
+                </a:extLst>
+              </a:tr>
+              <a:tr h="370840">
+                <a:tc>
+                  <a:txBody>
+                    <a:bodyPr/>
+                    <a:lstStyle/>
+                    <a:p>
+                      <a:pPr algn="ctr" latinLnBrk="1"/>
+                      <a:r>
+                        <a:rPr lang="en-US" altLang="ko-KR" dirty="0"/>
+                        <a:t>Features</a:t>
+                      </a:r>
+                      <a:endParaRPr lang="ko-KR" altLang="en-US" dirty="0"/>
+                    </a:p>
+                  </a:txBody>
+                  <a:tcPr anchor="ctr"/>
+                </a:tc>
+                <a:tc>
+                  <a:txBody>
+                    <a:bodyPr/>
+                    <a:lstStyle/>
+                    <a:p>
+                      <a:pPr algn="ctr" latinLnBrk="1"/>
+                      <a:r>
+                        <a:rPr lang="en-US" altLang="ko-KR" dirty="0"/>
+                        <a:t>1</a:t>
+                      </a:r>
+                      <a:endParaRPr lang="ko-KR" altLang="en-US" dirty="0"/>
+                    </a:p>
+                  </a:txBody>
+                  <a:tcPr anchor="ctr"/>
+                </a:tc>
+                <a:tc>
+                  <a:txBody>
+                    <a:bodyPr/>
+                    <a:lstStyle/>
+                    <a:p>
+                      <a:pPr algn="ctr" latinLnBrk="1"/>
+                      <a:r>
+                        <a:rPr lang="en-US" altLang="ko-KR" dirty="0"/>
+                        <a:t>2</a:t>
+                      </a:r>
+                      <a:endParaRPr lang="ko-KR" altLang="en-US" dirty="0"/>
+                    </a:p>
+                  </a:txBody>
+                  <a:tcPr anchor="ctr"/>
+                </a:tc>
+                <a:tc>
+                  <a:txBody>
+                    <a:bodyPr/>
+                    <a:lstStyle/>
+                    <a:p>
+                      <a:pPr algn="ctr" latinLnBrk="1"/>
+                      <a:r>
+                        <a:rPr lang="en-US" altLang="ko-KR" dirty="0"/>
+                        <a:t>3</a:t>
+                      </a:r>
+                      <a:endParaRPr lang="ko-KR" altLang="en-US" dirty="0"/>
+                    </a:p>
+                  </a:txBody>
+                  <a:tcPr anchor="ctr"/>
+                </a:tc>
+                <a:tc>
+                  <a:txBody>
+                    <a:bodyPr/>
+                    <a:lstStyle/>
+                    <a:p>
+                      <a:pPr algn="ctr" latinLnBrk="1"/>
+                      <a:r>
+                        <a:rPr lang="en-US" altLang="ko-KR" dirty="0"/>
+                        <a:t>4</a:t>
+                      </a:r>
+                      <a:endParaRPr lang="ko-KR" altLang="en-US" dirty="0"/>
+                    </a:p>
+                  </a:txBody>
+                  <a:tcPr anchor="ctr"/>
+                </a:tc>
+                <a:tc>
+                  <a:txBody>
+                    <a:bodyPr/>
+                    <a:lstStyle/>
+                    <a:p>
+                      <a:pPr algn="ctr" latinLnBrk="1"/>
+                      <a:r>
+                        <a:rPr lang="en-US" altLang="ko-KR" dirty="0"/>
+                        <a:t>5</a:t>
+                      </a:r>
+                      <a:endParaRPr lang="ko-KR" altLang="en-US" dirty="0"/>
+                    </a:p>
+                  </a:txBody>
+                  <a:tcPr anchor="ctr"/>
+                </a:tc>
+                <a:tc>
+                  <a:txBody>
+                    <a:bodyPr/>
+                    <a:lstStyle/>
+                    <a:p>
+                      <a:pPr algn="ctr" latinLnBrk="1"/>
+                      <a:r>
+                        <a:rPr lang="en-US" altLang="ko-KR" dirty="0"/>
+                        <a:t>6</a:t>
+                      </a:r>
+                      <a:endParaRPr lang="ko-KR" altLang="en-US" dirty="0"/>
+                    </a:p>
+                  </a:txBody>
+                  <a:tcPr anchor="ctr"/>
+                </a:tc>
+                <a:tc>
+                  <a:txBody>
+                    <a:bodyPr/>
+                    <a:lstStyle/>
+                    <a:p>
+                      <a:pPr algn="ctr" latinLnBrk="1"/>
+                      <a:r>
+                        <a:rPr lang="en-US" altLang="ko-KR" dirty="0"/>
+                        <a:t>7</a:t>
+                      </a:r>
+                      <a:endParaRPr lang="ko-KR" altLang="en-US" dirty="0"/>
+                    </a:p>
+                  </a:txBody>
+                  <a:tcPr anchor="ctr"/>
+                </a:tc>
+                <a:tc>
+                  <a:txBody>
+                    <a:bodyPr/>
+                    <a:lstStyle/>
+                    <a:p>
+                      <a:pPr algn="ctr" latinLnBrk="1"/>
+                      <a:r>
+                        <a:rPr lang="en-US" altLang="ko-KR" dirty="0"/>
+                        <a:t>8</a:t>
+                      </a:r>
+                      <a:endParaRPr lang="ko-KR" altLang="en-US" dirty="0"/>
+                    </a:p>
+                  </a:txBody>
+                  <a:tcPr anchor="ctr"/>
+                </a:tc>
+                <a:tc>
+                  <a:txBody>
+                    <a:bodyPr/>
+                    <a:lstStyle/>
+                    <a:p>
+                      <a:pPr algn="ctr" latinLnBrk="1"/>
+                      <a:r>
+                        <a:rPr lang="en-US" altLang="ko-KR" dirty="0"/>
+                        <a:t>8</a:t>
+                      </a:r>
+                      <a:endParaRPr lang="ko-KR" altLang="en-US" dirty="0"/>
+                    </a:p>
+                  </a:txBody>
+                  <a:tcPr anchor="ctr"/>
+                </a:tc>
+                <a:tc>
+                  <a:txBody>
+                    <a:bodyPr/>
+                    <a:lstStyle/>
+                    <a:p>
+                      <a:pPr algn="ctr" latinLnBrk="1"/>
+                      <a:r>
+                        <a:rPr lang="en-US" altLang="ko-KR" dirty="0"/>
+                        <a:t>9</a:t>
+                      </a:r>
+                      <a:endParaRPr lang="ko-KR" altLang="en-US" dirty="0"/>
+                    </a:p>
+                  </a:txBody>
+                  <a:tcPr anchor="ctr"/>
+                </a:tc>
+                <a:tc>
+                  <a:txBody>
+                    <a:bodyPr/>
+                    <a:lstStyle/>
+                    <a:p>
+                      <a:pPr algn="ctr" latinLnBrk="1"/>
+                      <a:r>
+                        <a:rPr lang="en-US" altLang="ko-KR" dirty="0"/>
+                        <a:t>0</a:t>
+                      </a:r>
+                      <a:endParaRPr lang="ko-KR" altLang="en-US" dirty="0"/>
+                    </a:p>
+                  </a:txBody>
+                  <a:tcPr anchor="ctr"/>
+                </a:tc>
+                <a:extLst>
+                  <a:ext uri="{0D108BD9-81ED-4DB2-BD59-A6C34878D82A}">
+                    <a16:rowId xmlns:a16="http://schemas.microsoft.com/office/drawing/2014/main" val="3739677415"/>
+                  </a:ext>
+                </a:extLst>
+              </a:tr>
+              <a:tr h="370840">
+                <a:tc>
+                  <a:txBody>
+                    <a:bodyPr/>
+                    <a:lstStyle/>
+                    <a:p>
+                      <a:pPr algn="ctr" latinLnBrk="1"/>
+                      <a:r>
+                        <a:rPr lang="en-US" altLang="ko-KR" dirty="0"/>
+                        <a:t>Label</a:t>
+                      </a:r>
+                      <a:endParaRPr lang="ko-KR" altLang="en-US" dirty="0"/>
+                    </a:p>
+                  </a:txBody>
+                  <a:tcPr anchor="ctr"/>
+                </a:tc>
+                <a:tc>
+                  <a:txBody>
+                    <a:bodyPr/>
+                    <a:lstStyle/>
+                    <a:p>
+                      <a:pPr algn="ctr" latinLnBrk="1"/>
+                      <a:r>
+                        <a:rPr lang="en-US" altLang="ko-KR" dirty="0"/>
+                        <a:t>1</a:t>
+                      </a:r>
+                      <a:endParaRPr lang="ko-KR" altLang="en-US" dirty="0"/>
+                    </a:p>
+                  </a:txBody>
+                  <a:tcPr anchor="ctr"/>
+                </a:tc>
+                <a:tc>
+                  <a:txBody>
+                    <a:bodyPr/>
+                    <a:lstStyle/>
+                    <a:p>
+                      <a:pPr algn="ctr" latinLnBrk="1"/>
+                      <a:r>
+                        <a:rPr lang="en-US" altLang="ko-KR" dirty="0"/>
+                        <a:t>2</a:t>
+                      </a:r>
+                      <a:endParaRPr lang="ko-KR" altLang="en-US" dirty="0"/>
+                    </a:p>
+                  </a:txBody>
+                  <a:tcPr anchor="ctr"/>
+                </a:tc>
+                <a:tc>
+                  <a:txBody>
+                    <a:bodyPr/>
+                    <a:lstStyle/>
+                    <a:p>
+                      <a:pPr algn="ctr" latinLnBrk="1"/>
+                      <a:r>
+                        <a:rPr lang="en-US" altLang="ko-KR" dirty="0"/>
+                        <a:t>3</a:t>
+                      </a:r>
+                      <a:endParaRPr lang="ko-KR" altLang="en-US" dirty="0"/>
+                    </a:p>
+                  </a:txBody>
+                  <a:tcPr anchor="ctr"/>
+                </a:tc>
+                <a:tc>
+                  <a:txBody>
+                    <a:bodyPr/>
+                    <a:lstStyle/>
+                    <a:p>
+                      <a:pPr algn="ctr" latinLnBrk="1"/>
+                      <a:r>
+                        <a:rPr lang="en-US" altLang="ko-KR" dirty="0"/>
+                        <a:t>4</a:t>
+                      </a:r>
+                      <a:endParaRPr lang="ko-KR" altLang="en-US" dirty="0"/>
+                    </a:p>
+                  </a:txBody>
+                  <a:tcPr anchor="ctr"/>
+                </a:tc>
+                <a:tc>
+                  <a:txBody>
+                    <a:bodyPr/>
+                    <a:lstStyle/>
+                    <a:p>
+                      <a:pPr algn="ctr" latinLnBrk="1"/>
+                      <a:r>
+                        <a:rPr lang="en-US" altLang="ko-KR" dirty="0"/>
+                        <a:t>5</a:t>
+                      </a:r>
+                      <a:endParaRPr lang="ko-KR" altLang="en-US" dirty="0"/>
+                    </a:p>
+                  </a:txBody>
+                  <a:tcPr anchor="ctr"/>
+                </a:tc>
+                <a:tc>
+                  <a:txBody>
+                    <a:bodyPr/>
+                    <a:lstStyle/>
+                    <a:p>
+                      <a:pPr algn="ctr" latinLnBrk="1"/>
+                      <a:r>
+                        <a:rPr lang="en-US" altLang="ko-KR" dirty="0"/>
+                        <a:t>6</a:t>
+                      </a:r>
+                      <a:endParaRPr lang="ko-KR" altLang="en-US" dirty="0"/>
+                    </a:p>
+                  </a:txBody>
+                  <a:tcPr anchor="ctr"/>
+                </a:tc>
+                <a:tc>
+                  <a:txBody>
+                    <a:bodyPr/>
+                    <a:lstStyle/>
+                    <a:p>
+                      <a:pPr algn="ctr" latinLnBrk="1"/>
+                      <a:r>
+                        <a:rPr lang="en-US" altLang="ko-KR" dirty="0"/>
+                        <a:t>7</a:t>
+                      </a:r>
+                      <a:endParaRPr lang="ko-KR" altLang="en-US" dirty="0"/>
+                    </a:p>
+                  </a:txBody>
+                  <a:tcPr anchor="ctr"/>
+                </a:tc>
+                <a:tc>
+                  <a:txBody>
+                    <a:bodyPr/>
+                    <a:lstStyle/>
+                    <a:p>
+                      <a:pPr algn="ctr" latinLnBrk="1"/>
+                      <a:r>
+                        <a:rPr lang="en-US" altLang="ko-KR" dirty="0"/>
+                        <a:t>8</a:t>
+                      </a:r>
+                      <a:endParaRPr lang="ko-KR" altLang="en-US" dirty="0"/>
+                    </a:p>
+                  </a:txBody>
+                  <a:tcPr anchor="ctr"/>
+                </a:tc>
+                <a:tc>
+                  <a:txBody>
+                    <a:bodyPr/>
+                    <a:lstStyle/>
+                    <a:p>
+                      <a:pPr algn="ctr" latinLnBrk="1"/>
+                      <a:r>
+                        <a:rPr lang="en-US" altLang="ko-KR" dirty="0"/>
+                        <a:t>-</a:t>
+                      </a:r>
+                      <a:endParaRPr lang="ko-KR" altLang="en-US" dirty="0"/>
+                    </a:p>
+                  </a:txBody>
+                  <a:tcPr anchor="ctr"/>
+                </a:tc>
+                <a:tc>
+                  <a:txBody>
+                    <a:bodyPr/>
+                    <a:lstStyle/>
+                    <a:p>
+                      <a:pPr algn="ctr" latinLnBrk="1"/>
+                      <a:r>
+                        <a:rPr lang="en-US" altLang="ko-KR" dirty="0"/>
+                        <a:t>-</a:t>
+                      </a:r>
+                      <a:endParaRPr lang="ko-KR" altLang="en-US" dirty="0"/>
+                    </a:p>
+                  </a:txBody>
+                  <a:tcPr anchor="ctr"/>
+                </a:tc>
+                <a:tc>
+                  <a:txBody>
+                    <a:bodyPr/>
+                    <a:lstStyle/>
+                    <a:p>
+                      <a:pPr algn="ctr" latinLnBrk="1"/>
+                      <a:r>
+                        <a:rPr lang="en-US" altLang="ko-KR" dirty="0"/>
+                        <a:t>-</a:t>
+                      </a:r>
+                      <a:endParaRPr lang="ko-KR" altLang="en-US" dirty="0"/>
+                    </a:p>
+                  </a:txBody>
+                  <a:tcPr anchor="ctr"/>
+                </a:tc>
+                <a:extLst>
+                  <a:ext uri="{0D108BD9-81ED-4DB2-BD59-A6C34878D82A}">
+                    <a16:rowId xmlns:a16="http://schemas.microsoft.com/office/drawing/2014/main" val="836197198"/>
+                  </a:ext>
+                </a:extLst>
+              </a:tr>
+            </a:tbl>
+          </a:graphicData>
+        </a:graphic>
+      </p:graphicFrame>
+    </p:spTree>
+    <p:extLst>
+      <p:ext uri="{BB962C8B-B14F-4D97-AF65-F5344CB8AC3E}">
+        <p14:creationId xmlns:p14="http://schemas.microsoft.com/office/powerpoint/2010/main" val="1932561256"/>
+      </p:ext>
+    </p:extLst>
+  </p:cSld>
+  <p:clrMapOvr>
+    <a:masterClrMapping/>
+  </p:clrMapOvr>
+</p:sld>
+</file>
+
+<file path=ppt/slides/slide5.xml><?xml version="1.0" encoding="utf-8"?>
+<p:sld xmlns:a="http://schemas.openxmlformats.org/drawingml/2006/main" xmlns:r="http://schemas.openxmlformats.org/officeDocument/2006/relationships" xmlns:p="http://schemas.openxmlformats.org/presentationml/2006/main">
+  <p:cSld>
+    <p:spTree>
+      <p:nvGrpSpPr>
+        <p:cNvPr id="1" name=""/>
+        <p:cNvGrpSpPr/>
+        <p:nvPr/>
+      </p:nvGrpSpPr>
+      <p:grpSpPr>
+        <a:xfrm>
+          <a:off x="0" y="0"/>
+          <a:ext cx="0" cy="0"/>
+          <a:chOff x="0" y="0"/>
+          <a:chExt cx="0" cy="0"/>
+        </a:xfrm>
+      </p:grpSpPr>
       <p:pic>
         <p:nvPicPr>
           <p:cNvPr id="6" name="그래픽 5" descr="아기 단색으로 채워진">
@@ -7629,7 +8309,7 @@
 </p:sld>
 </file>
 
-<file path=ppt/slides/slide5.xml><?xml version="1.0" encoding="utf-8"?>
+<file path=ppt/slides/slide6.xml><?xml version="1.0" encoding="utf-8"?>
 <p:sld xmlns:a="http://schemas.openxmlformats.org/drawingml/2006/main" xmlns:r="http://schemas.openxmlformats.org/officeDocument/2006/relationships" xmlns:p="http://schemas.openxmlformats.org/presentationml/2006/main">
   <p:cSld>
     <p:spTree>
@@ -7967,7 +8647,7 @@
 </p:sld>
 </file>
 
-<file path=ppt/slides/slide6.xml><?xml version="1.0" encoding="utf-8"?>
+<file path=ppt/slides/slide7.xml><?xml version="1.0" encoding="utf-8"?>
 <p:sld xmlns:a="http://schemas.openxmlformats.org/drawingml/2006/main" xmlns:r="http://schemas.openxmlformats.org/officeDocument/2006/relationships" xmlns:p="http://schemas.openxmlformats.org/presentationml/2006/main">
   <p:cSld>
     <p:spTree>
@@ -8148,7 +8828,7 @@
 </p:sld>
 </file>
 
-<file path=ppt/slides/slide7.xml><?xml version="1.0" encoding="utf-8"?>
+<file path=ppt/slides/slide8.xml><?xml version="1.0" encoding="utf-8"?>
 <p:sld xmlns:a="http://schemas.openxmlformats.org/drawingml/2006/main" xmlns:r="http://schemas.openxmlformats.org/officeDocument/2006/relationships" xmlns:p="http://schemas.openxmlformats.org/presentationml/2006/main">
   <p:cSld>
     <p:spTree>
@@ -8245,7 +8925,7 @@
         <p:spPr>
           <a:xfrm>
             <a:off x="8201891" y="1403927"/>
-            <a:ext cx="1191491" cy="369332"/>
+            <a:ext cx="1431636" cy="369332"/>
           </a:xfrm>
           <a:prstGeom prst="rect">
             <a:avLst/>
@@ -8260,7 +8940,7 @@
           <a:p>
             <a:r>
               <a:rPr lang="en-US" altLang="ko-KR" dirty="0"/>
-              <a:t>y=</a:t>
+              <a:t>h(x)=</a:t>
             </a:r>
             <a:r>
               <a:rPr lang="en-US" altLang="ko-KR" dirty="0" err="1"/>
@@ -8270,8 +8950,8 @@
           </a:p>
         </p:txBody>
       </p:sp>
-      <mc:AlternateContent xmlns:mc="http://schemas.openxmlformats.org/markup-compatibility/2006">
-        <mc:Choice xmlns:a14="http://schemas.microsoft.com/office/drawing/2010/main" Requires="a14">
+      <mc:AlternateContent xmlns:mc="http://schemas.openxmlformats.org/markup-compatibility/2006" xmlns:a14="http://schemas.microsoft.com/office/drawing/2010/main">
+        <mc:Choice Requires="a14">
           <p:sp>
             <p:nvSpPr>
               <p:cNvPr id="3" name="TextBox 2">
@@ -8508,6 +9188,7 @@
                 <a:endParaRPr lang="en-US" altLang="ko-KR" b="0" dirty="0"/>
               </a:p>
               <a:p>
+                <a:pPr/>
                 <a14:m>
                   <m:oMathPara xmlns:m="http://schemas.openxmlformats.org/officeDocument/2006/math">
                     <m:oMathParaPr>
@@ -8755,7 +9436,7 @@
             </p:txBody>
           </p:sp>
         </mc:Choice>
-        <mc:Fallback>
+        <mc:Fallback xmlns="">
           <p:sp>
             <p:nvSpPr>
               <p:cNvPr id="3" name="TextBox 2">
@@ -8850,7 +9531,7 @@
                             <a:rPr lang="en-US" altLang="ko-KR" b="0" i="1" smtClean="0">
                               <a:latin typeface="Cambria Math" panose="02040503050406030204" pitchFamily="18" charset="0"/>
                             </a:rPr>
-                            <m:t>𝑥</m:t>
+                            <m:t>𝑤</m:t>
                           </m:r>
                         </m:e>
                         <m:sup>
@@ -8872,7 +9553,7 @@
                         <a:rPr lang="en-US" altLang="ko-KR" b="0" i="1" smtClean="0">
                           <a:latin typeface="Cambria Math" panose="02040503050406030204" pitchFamily="18" charset="0"/>
                         </a:rPr>
-                        <m:t>𝑥</m:t>
+                        <m:t>𝑤</m:t>
                       </m:r>
                       <m:r>
                         <a:rPr lang="en-US" altLang="ko-KR" b="0" i="1" smtClean="0">
@@ -8921,7 +9602,7 @@
                         <a:rPr lang="en-US" altLang="ko-KR" b="0" i="1" smtClean="0">
                           <a:latin typeface="Cambria Math" panose="02040503050406030204" pitchFamily="18" charset="0"/>
                         </a:rPr>
-                        <m:t>𝑥</m:t>
+                        <m:t>𝑤</m:t>
                       </m:r>
                       <m:r>
                         <a:rPr lang="en-US" altLang="ko-KR" b="0" i="1" smtClean="0">

--- a/FER/eduMaterials/matrials.pptx
+++ b/FER/eduMaterials/matrials.pptx
@@ -13,6 +13,7 @@
     <p:sldId id="260" r:id="rId7"/>
     <p:sldId id="261" r:id="rId8"/>
     <p:sldId id="262" r:id="rId9"/>
+    <p:sldId id="264" r:id="rId10"/>
   </p:sldIdLst>
   <p:sldSz cx="12192000" cy="6858000"/>
   <p:notesSz cx="6858000" cy="9144000"/>
@@ -3140,7 +3141,7 @@
           <a:p>
             <a:fld id="{290F8D5D-7A62-4084-90F8-BF6F9DC4789C}" type="datetimeFigureOut">
               <a:rPr lang="ko-KR" altLang="en-US" smtClean="0"/>
-              <a:t>2023-02-07</a:t>
+              <a:t>2023-02-16</a:t>
             </a:fld>
             <a:endParaRPr lang="ko-KR" altLang="en-US"/>
           </a:p>
@@ -3338,7 +3339,7 @@
           <a:p>
             <a:fld id="{290F8D5D-7A62-4084-90F8-BF6F9DC4789C}" type="datetimeFigureOut">
               <a:rPr lang="ko-KR" altLang="en-US" smtClean="0"/>
-              <a:t>2023-02-07</a:t>
+              <a:t>2023-02-16</a:t>
             </a:fld>
             <a:endParaRPr lang="ko-KR" altLang="en-US"/>
           </a:p>
@@ -3546,7 +3547,7 @@
           <a:p>
             <a:fld id="{290F8D5D-7A62-4084-90F8-BF6F9DC4789C}" type="datetimeFigureOut">
               <a:rPr lang="ko-KR" altLang="en-US" smtClean="0"/>
-              <a:t>2023-02-07</a:t>
+              <a:t>2023-02-16</a:t>
             </a:fld>
             <a:endParaRPr lang="ko-KR" altLang="en-US"/>
           </a:p>
@@ -3744,7 +3745,7 @@
           <a:p>
             <a:fld id="{290F8D5D-7A62-4084-90F8-BF6F9DC4789C}" type="datetimeFigureOut">
               <a:rPr lang="ko-KR" altLang="en-US" smtClean="0"/>
-              <a:t>2023-02-07</a:t>
+              <a:t>2023-02-16</a:t>
             </a:fld>
             <a:endParaRPr lang="ko-KR" altLang="en-US"/>
           </a:p>
@@ -4019,7 +4020,7 @@
           <a:p>
             <a:fld id="{290F8D5D-7A62-4084-90F8-BF6F9DC4789C}" type="datetimeFigureOut">
               <a:rPr lang="ko-KR" altLang="en-US" smtClean="0"/>
-              <a:t>2023-02-07</a:t>
+              <a:t>2023-02-16</a:t>
             </a:fld>
             <a:endParaRPr lang="ko-KR" altLang="en-US"/>
           </a:p>
@@ -4284,7 +4285,7 @@
           <a:p>
             <a:fld id="{290F8D5D-7A62-4084-90F8-BF6F9DC4789C}" type="datetimeFigureOut">
               <a:rPr lang="ko-KR" altLang="en-US" smtClean="0"/>
-              <a:t>2023-02-07</a:t>
+              <a:t>2023-02-16</a:t>
             </a:fld>
             <a:endParaRPr lang="ko-KR" altLang="en-US"/>
           </a:p>
@@ -4696,7 +4697,7 @@
           <a:p>
             <a:fld id="{290F8D5D-7A62-4084-90F8-BF6F9DC4789C}" type="datetimeFigureOut">
               <a:rPr lang="ko-KR" altLang="en-US" smtClean="0"/>
-              <a:t>2023-02-07</a:t>
+              <a:t>2023-02-16</a:t>
             </a:fld>
             <a:endParaRPr lang="ko-KR" altLang="en-US"/>
           </a:p>
@@ -4837,7 +4838,7 @@
           <a:p>
             <a:fld id="{290F8D5D-7A62-4084-90F8-BF6F9DC4789C}" type="datetimeFigureOut">
               <a:rPr lang="ko-KR" altLang="en-US" smtClean="0"/>
-              <a:t>2023-02-07</a:t>
+              <a:t>2023-02-16</a:t>
             </a:fld>
             <a:endParaRPr lang="ko-KR" altLang="en-US"/>
           </a:p>
@@ -4950,7 +4951,7 @@
           <a:p>
             <a:fld id="{290F8D5D-7A62-4084-90F8-BF6F9DC4789C}" type="datetimeFigureOut">
               <a:rPr lang="ko-KR" altLang="en-US" smtClean="0"/>
-              <a:t>2023-02-07</a:t>
+              <a:t>2023-02-16</a:t>
             </a:fld>
             <a:endParaRPr lang="ko-KR" altLang="en-US"/>
           </a:p>
@@ -5261,7 +5262,7 @@
           <a:p>
             <a:fld id="{290F8D5D-7A62-4084-90F8-BF6F9DC4789C}" type="datetimeFigureOut">
               <a:rPr lang="ko-KR" altLang="en-US" smtClean="0"/>
-              <a:t>2023-02-07</a:t>
+              <a:t>2023-02-16</a:t>
             </a:fld>
             <a:endParaRPr lang="ko-KR" altLang="en-US"/>
           </a:p>
@@ -5549,7 +5550,7 @@
           <a:p>
             <a:fld id="{290F8D5D-7A62-4084-90F8-BF6F9DC4789C}" type="datetimeFigureOut">
               <a:rPr lang="ko-KR" altLang="en-US" smtClean="0"/>
-              <a:t>2023-02-07</a:t>
+              <a:t>2023-02-16</a:t>
             </a:fld>
             <a:endParaRPr lang="ko-KR" altLang="en-US"/>
           </a:p>
@@ -5798,7 +5799,7 @@
           <a:p>
             <a:fld id="{290F8D5D-7A62-4084-90F8-BF6F9DC4789C}" type="datetimeFigureOut">
               <a:rPr lang="ko-KR" altLang="en-US" smtClean="0"/>
-              <a:t>2023-02-07</a:t>
+              <a:t>2023-02-16</a:t>
             </a:fld>
             <a:endParaRPr lang="ko-KR" altLang="en-US"/>
           </a:p>
@@ -8855,7 +8856,13 @@
             </a:extLst>
           </p:cNvPr>
           <p:cNvGraphicFramePr/>
-          <p:nvPr/>
+          <p:nvPr>
+            <p:extLst>
+              <p:ext uri="{D42A27DB-BD31-4B8C-83A1-F6EECF244321}">
+                <p14:modId xmlns:p14="http://schemas.microsoft.com/office/powerpoint/2010/main" val="3981012653"/>
+              </p:ext>
+            </p:extLst>
+          </p:nvPr>
         </p:nvGraphicFramePr>
         <p:xfrm>
           <a:off x="2798618" y="1736052"/>
@@ -9481,8 +9488,8 @@
           </p:sp>
         </mc:Fallback>
       </mc:AlternateContent>
-      <mc:AlternateContent xmlns:mc="http://schemas.openxmlformats.org/markup-compatibility/2006">
-        <mc:Choice xmlns:a14="http://schemas.microsoft.com/office/drawing/2010/main" Requires="a14">
+      <mc:AlternateContent xmlns:mc="http://schemas.openxmlformats.org/markup-compatibility/2006" xmlns:a14="http://schemas.microsoft.com/office/drawing/2010/main">
+        <mc:Choice Requires="a14">
           <p:sp>
             <p:nvSpPr>
               <p:cNvPr id="8" name="TextBox 7">
@@ -9618,7 +9625,7 @@
             </p:txBody>
           </p:sp>
         </mc:Choice>
-        <mc:Fallback>
+        <mc:Fallback xmlns="">
           <p:sp>
             <p:nvSpPr>
               <p:cNvPr id="8" name="TextBox 7">
@@ -9663,10 +9670,1587 @@
           </p:sp>
         </mc:Fallback>
       </mc:AlternateContent>
+      <mc:AlternateContent xmlns:mc="http://schemas.openxmlformats.org/markup-compatibility/2006" xmlns:a14="http://schemas.microsoft.com/office/drawing/2010/main">
+        <mc:Choice Requires="a14">
+          <p:sp>
+            <p:nvSpPr>
+              <p:cNvPr id="4" name="TextBox 3">
+                <a:extLst>
+                  <a:ext uri="{FF2B5EF4-FFF2-40B4-BE49-F238E27FC236}">
+                    <a16:creationId xmlns:a16="http://schemas.microsoft.com/office/drawing/2014/main" id="{66EF2E63-2F05-3155-4D5C-224E28783759}"/>
+                  </a:ext>
+                </a:extLst>
+              </p:cNvPr>
+              <p:cNvSpPr txBox="1"/>
+              <p:nvPr/>
+            </p:nvSpPr>
+            <p:spPr>
+              <a:xfrm>
+                <a:off x="6096001" y="2521581"/>
+                <a:ext cx="5906654" cy="617348"/>
+              </a:xfrm>
+              <a:prstGeom prst="rect">
+                <a:avLst/>
+              </a:prstGeom>
+              <a:noFill/>
+            </p:spPr>
+            <p:txBody>
+              <a:bodyPr wrap="square" rtlCol="0">
+                <a:spAutoFit/>
+              </a:bodyPr>
+              <a:lstStyle/>
+              <a:p>
+                <a:pPr/>
+                <a14:m>
+                  <m:oMathPara xmlns:m="http://schemas.openxmlformats.org/officeDocument/2006/math">
+                    <m:oMathParaPr>
+                      <m:jc m:val="centerGroup"/>
+                    </m:oMathParaPr>
+                    <m:oMath xmlns:m="http://schemas.openxmlformats.org/officeDocument/2006/math">
+                      <m:r>
+                        <a:rPr lang="en-US" altLang="ko-KR" b="0" i="1" smtClean="0">
+                          <a:latin typeface="Cambria Math" panose="02040503050406030204" pitchFamily="18" charset="0"/>
+                        </a:rPr>
+                        <m:t>h</m:t>
+                      </m:r>
+                      <m:d>
+                        <m:dPr>
+                          <m:ctrlPr>
+                            <a:rPr lang="en-US" altLang="ko-KR" b="0" i="1" smtClean="0">
+                              <a:latin typeface="Cambria Math" panose="02040503050406030204" pitchFamily="18" charset="0"/>
+                            </a:rPr>
+                          </m:ctrlPr>
+                        </m:dPr>
+                        <m:e>
+                          <m:r>
+                            <a:rPr lang="en-US" altLang="ko-KR" b="0" i="1" smtClean="0">
+                              <a:latin typeface="Cambria Math" panose="02040503050406030204" pitchFamily="18" charset="0"/>
+                            </a:rPr>
+                            <m:t>𝑧</m:t>
+                          </m:r>
+                        </m:e>
+                      </m:d>
+                      <m:r>
+                        <a:rPr lang="en-US" altLang="ko-KR" b="0" i="1" smtClean="0">
+                          <a:latin typeface="Cambria Math" panose="02040503050406030204" pitchFamily="18" charset="0"/>
+                        </a:rPr>
+                        <m:t>=</m:t>
+                      </m:r>
+                      <m:f>
+                        <m:fPr>
+                          <m:ctrlPr>
+                            <a:rPr lang="en-US" altLang="ko-KR" b="0" i="1" smtClean="0">
+                              <a:latin typeface="Cambria Math" panose="02040503050406030204" pitchFamily="18" charset="0"/>
+                            </a:rPr>
+                          </m:ctrlPr>
+                        </m:fPr>
+                        <m:num>
+                          <m:r>
+                            <a:rPr lang="en-US" altLang="ko-KR" b="0" i="1" smtClean="0">
+                              <a:latin typeface="Cambria Math" panose="02040503050406030204" pitchFamily="18" charset="0"/>
+                            </a:rPr>
+                            <m:t>1</m:t>
+                          </m:r>
+                        </m:num>
+                        <m:den>
+                          <m:r>
+                            <a:rPr lang="en-US" altLang="ko-KR" b="0" i="1" smtClean="0">
+                              <a:latin typeface="Cambria Math" panose="02040503050406030204" pitchFamily="18" charset="0"/>
+                            </a:rPr>
+                            <m:t>1+</m:t>
+                          </m:r>
+                          <m:sSup>
+                            <m:sSupPr>
+                              <m:ctrlPr>
+                                <a:rPr lang="en-US" altLang="ko-KR" b="0" i="1" smtClean="0">
+                                  <a:latin typeface="Cambria Math" panose="02040503050406030204" pitchFamily="18" charset="0"/>
+                                </a:rPr>
+                              </m:ctrlPr>
+                            </m:sSupPr>
+                            <m:e>
+                              <m:r>
+                                <a:rPr lang="en-US" altLang="ko-KR" b="0" i="1" smtClean="0">
+                                  <a:latin typeface="Cambria Math" panose="02040503050406030204" pitchFamily="18" charset="0"/>
+                                </a:rPr>
+                                <m:t>𝑒</m:t>
+                              </m:r>
+                            </m:e>
+                            <m:sup>
+                              <m:r>
+                                <a:rPr lang="en-US" altLang="ko-KR" b="0" i="1" smtClean="0">
+                                  <a:latin typeface="Cambria Math" panose="02040503050406030204" pitchFamily="18" charset="0"/>
+                                </a:rPr>
+                                <m:t>−</m:t>
+                              </m:r>
+                              <m:r>
+                                <a:rPr lang="en-US" altLang="ko-KR" b="0" i="1" smtClean="0">
+                                  <a:latin typeface="Cambria Math" panose="02040503050406030204" pitchFamily="18" charset="0"/>
+                                </a:rPr>
+                                <m:t>𝑧</m:t>
+                              </m:r>
+                            </m:sup>
+                          </m:sSup>
+                        </m:den>
+                      </m:f>
+                      <m:r>
+                        <a:rPr lang="en-US" altLang="ko-KR" b="0" i="1" smtClean="0">
+                          <a:latin typeface="Cambria Math" panose="02040503050406030204" pitchFamily="18" charset="0"/>
+                        </a:rPr>
+                        <m:t> , </m:t>
+                      </m:r>
+                      <m:r>
+                        <a:rPr lang="en-US" altLang="ko-KR" b="0" i="1" smtClean="0">
+                          <a:latin typeface="Cambria Math" panose="02040503050406030204" pitchFamily="18" charset="0"/>
+                        </a:rPr>
+                        <m:t>𝑤h𝑒𝑟𝑒</m:t>
+                      </m:r>
+                      <m:r>
+                        <a:rPr lang="en-US" altLang="ko-KR" b="0" i="1" smtClean="0">
+                          <a:latin typeface="Cambria Math" panose="02040503050406030204" pitchFamily="18" charset="0"/>
+                        </a:rPr>
+                        <m:t> </m:t>
+                      </m:r>
+                      <m:r>
+                        <a:rPr lang="en-US" altLang="ko-KR" b="0" i="1" smtClean="0">
+                          <a:latin typeface="Cambria Math" panose="02040503050406030204" pitchFamily="18" charset="0"/>
+                        </a:rPr>
+                        <m:t>𝑧</m:t>
+                      </m:r>
+                      <m:r>
+                        <a:rPr lang="en-US" altLang="ko-KR" b="0" i="1" smtClean="0">
+                          <a:latin typeface="Cambria Math" panose="02040503050406030204" pitchFamily="18" charset="0"/>
+                        </a:rPr>
+                        <m:t>=</m:t>
+                      </m:r>
+                      <m:r>
+                        <a:rPr lang="en-US" altLang="ko-KR" b="0" i="1" smtClean="0">
+                          <a:latin typeface="Cambria Math" panose="02040503050406030204" pitchFamily="18" charset="0"/>
+                        </a:rPr>
+                        <m:t>𝑤𝑥</m:t>
+                      </m:r>
+                      <m:r>
+                        <a:rPr lang="en-US" altLang="ko-KR" b="0" i="1" smtClean="0">
+                          <a:latin typeface="Cambria Math" panose="02040503050406030204" pitchFamily="18" charset="0"/>
+                        </a:rPr>
+                        <m:t>+</m:t>
+                      </m:r>
+                      <m:r>
+                        <a:rPr lang="en-US" altLang="ko-KR" b="0" i="1" smtClean="0">
+                          <a:latin typeface="Cambria Math" panose="02040503050406030204" pitchFamily="18" charset="0"/>
+                        </a:rPr>
+                        <m:t>𝑏</m:t>
+                      </m:r>
+                    </m:oMath>
+                  </m:oMathPara>
+                </a14:m>
+                <a:endParaRPr lang="ko-KR" altLang="en-US" dirty="0"/>
+              </a:p>
+            </p:txBody>
+          </p:sp>
+        </mc:Choice>
+        <mc:Fallback xmlns="">
+          <p:sp>
+            <p:nvSpPr>
+              <p:cNvPr id="4" name="TextBox 3">
+                <a:extLst>
+                  <a:ext uri="{FF2B5EF4-FFF2-40B4-BE49-F238E27FC236}">
+                    <a16:creationId xmlns:a16="http://schemas.microsoft.com/office/drawing/2014/main" id="{66EF2E63-2F05-3155-4D5C-224E28783759}"/>
+                  </a:ext>
+                </a:extLst>
+              </p:cNvPr>
+              <p:cNvSpPr txBox="1">
+                <a:spLocks noRot="1" noChangeAspect="1" noMove="1" noResize="1" noEditPoints="1" noAdjustHandles="1" noChangeArrowheads="1" noChangeShapeType="1" noTextEdit="1"/>
+              </p:cNvSpPr>
+              <p:nvPr/>
+            </p:nvSpPr>
+            <p:spPr>
+              <a:xfrm>
+                <a:off x="6096001" y="2521581"/>
+                <a:ext cx="5906654" cy="617348"/>
+              </a:xfrm>
+              <a:prstGeom prst="rect">
+                <a:avLst/>
+              </a:prstGeom>
+              <a:blipFill>
+                <a:blip r:embed="rId5"/>
+                <a:stretch>
+                  <a:fillRect/>
+                </a:stretch>
+              </a:blipFill>
+            </p:spPr>
+            <p:txBody>
+              <a:bodyPr/>
+              <a:lstStyle/>
+              <a:p>
+                <a:r>
+                  <a:rPr lang="ko-KR" altLang="en-US">
+                    <a:noFill/>
+                  </a:rPr>
+                  <a:t> </a:t>
+                </a:r>
+              </a:p>
+            </p:txBody>
+          </p:sp>
+        </mc:Fallback>
+      </mc:AlternateContent>
     </p:spTree>
     <p:extLst>
       <p:ext uri="{BB962C8B-B14F-4D97-AF65-F5344CB8AC3E}">
         <p14:creationId xmlns:p14="http://schemas.microsoft.com/office/powerpoint/2010/main" val="1618187972"/>
+      </p:ext>
+    </p:extLst>
+  </p:cSld>
+  <p:clrMapOvr>
+    <a:masterClrMapping/>
+  </p:clrMapOvr>
+</p:sld>
+</file>
+
+<file path=ppt/slides/slide9.xml><?xml version="1.0" encoding="utf-8"?>
+<p:sld xmlns:a="http://schemas.openxmlformats.org/drawingml/2006/main" xmlns:r="http://schemas.openxmlformats.org/officeDocument/2006/relationships" xmlns:p="http://schemas.openxmlformats.org/presentationml/2006/main">
+  <p:cSld>
+    <p:spTree>
+      <p:nvGrpSpPr>
+        <p:cNvPr id="1" name=""/>
+        <p:cNvGrpSpPr/>
+        <p:nvPr/>
+      </p:nvGrpSpPr>
+      <p:grpSpPr>
+        <a:xfrm>
+          <a:off x="0" y="0"/>
+          <a:ext cx="0" cy="0"/>
+          <a:chOff x="0" y="0"/>
+          <a:chExt cx="0" cy="0"/>
+        </a:xfrm>
+      </p:grpSpPr>
+      <mc:AlternateContent xmlns:mc="http://schemas.openxmlformats.org/markup-compatibility/2006">
+        <mc:Choice xmlns:a14="http://schemas.microsoft.com/office/drawing/2010/main" Requires="a14">
+          <p:sp>
+            <p:nvSpPr>
+              <p:cNvPr id="7" name="TextBox 6">
+                <a:extLst>
+                  <a:ext uri="{FF2B5EF4-FFF2-40B4-BE49-F238E27FC236}">
+                    <a16:creationId xmlns:a16="http://schemas.microsoft.com/office/drawing/2014/main" id="{D925506F-A032-A140-6218-777C44C3AB73}"/>
+                  </a:ext>
+                </a:extLst>
+              </p:cNvPr>
+              <p:cNvSpPr txBox="1"/>
+              <p:nvPr/>
+            </p:nvSpPr>
+            <p:spPr>
+              <a:xfrm>
+                <a:off x="5153892" y="2576945"/>
+                <a:ext cx="3717652" cy="589649"/>
+              </a:xfrm>
+              <a:prstGeom prst="rect">
+                <a:avLst/>
+              </a:prstGeom>
+              <a:noFill/>
+            </p:spPr>
+            <p:txBody>
+              <a:bodyPr wrap="square" lIns="0" tIns="0" rIns="0" bIns="0" rtlCol="0">
+                <a:spAutoFit/>
+              </a:bodyPr>
+              <a:lstStyle/>
+              <a:p>
+                <a14:m>
+                  <m:oMathPara xmlns:m="http://schemas.openxmlformats.org/officeDocument/2006/math">
+                    <m:oMathParaPr>
+                      <m:jc m:val="centerGroup"/>
+                    </m:oMathParaPr>
+                    <m:oMath xmlns:m="http://schemas.openxmlformats.org/officeDocument/2006/math">
+                      <m:r>
+                        <a:rPr lang="en-US" altLang="ko-KR" b="0" i="1" smtClean="0">
+                          <a:latin typeface="Cambria Math" panose="02040503050406030204" pitchFamily="18" charset="0"/>
+                        </a:rPr>
+                        <m:t>𝑖𝑓</m:t>
+                      </m:r>
+                      <m:r>
+                        <a:rPr lang="en-US" altLang="ko-KR" b="0" i="1" smtClean="0">
+                          <a:latin typeface="Cambria Math" panose="02040503050406030204" pitchFamily="18" charset="0"/>
+                        </a:rPr>
+                        <m:t> </m:t>
+                      </m:r>
+                      <m:r>
+                        <a:rPr lang="en-US" altLang="ko-KR" b="0" i="1" smtClean="0">
+                          <a:latin typeface="Cambria Math" panose="02040503050406030204" pitchFamily="18" charset="0"/>
+                        </a:rPr>
+                        <m:t>𝑦</m:t>
+                      </m:r>
+                      <m:r>
+                        <a:rPr lang="en-US" altLang="ko-KR" b="0" i="1" smtClean="0">
+                          <a:latin typeface="Cambria Math" panose="02040503050406030204" pitchFamily="18" charset="0"/>
+                        </a:rPr>
+                        <m:t>=1, </m:t>
+                      </m:r>
+                      <m:r>
+                        <a:rPr lang="en-US" altLang="ko-KR" b="0" i="1" smtClean="0">
+                          <a:latin typeface="Cambria Math" panose="02040503050406030204" pitchFamily="18" charset="0"/>
+                        </a:rPr>
+                        <m:t>𝑐𝑜𝑠𝑡</m:t>
+                      </m:r>
+                      <m:r>
+                        <a:rPr lang="en-US" altLang="ko-KR" b="0" i="1" smtClean="0">
+                          <a:latin typeface="Cambria Math" panose="02040503050406030204" pitchFamily="18" charset="0"/>
+                        </a:rPr>
+                        <m:t>=−</m:t>
+                      </m:r>
+                      <m:func>
+                        <m:funcPr>
+                          <m:ctrlPr>
+                            <a:rPr lang="en-US" altLang="ko-KR" b="0" i="1" smtClean="0">
+                              <a:latin typeface="Cambria Math" panose="02040503050406030204" pitchFamily="18" charset="0"/>
+                            </a:rPr>
+                          </m:ctrlPr>
+                        </m:funcPr>
+                        <m:fName>
+                          <m:r>
+                            <m:rPr>
+                              <m:sty m:val="p"/>
+                            </m:rPr>
+                            <a:rPr lang="en-US" altLang="ko-KR" b="0" i="0" smtClean="0">
+                              <a:latin typeface="Cambria Math" panose="02040503050406030204" pitchFamily="18" charset="0"/>
+                            </a:rPr>
+                            <m:t>log</m:t>
+                          </m:r>
+                        </m:fName>
+                        <m:e>
+                          <m:d>
+                            <m:dPr>
+                              <m:ctrlPr>
+                                <a:rPr lang="en-US" altLang="ko-KR" b="0" i="1" smtClean="0">
+                                  <a:latin typeface="Cambria Math" panose="02040503050406030204" pitchFamily="18" charset="0"/>
+                                </a:rPr>
+                              </m:ctrlPr>
+                            </m:dPr>
+                            <m:e>
+                              <m:r>
+                                <a:rPr lang="en-US" altLang="ko-KR" b="0" i="1" smtClean="0">
+                                  <a:latin typeface="Cambria Math" panose="02040503050406030204" pitchFamily="18" charset="0"/>
+                                </a:rPr>
+                                <m:t>h</m:t>
+                              </m:r>
+                              <m:d>
+                                <m:dPr>
+                                  <m:ctrlPr>
+                                    <a:rPr lang="en-US" altLang="ko-KR" b="0" i="1" smtClean="0">
+                                      <a:latin typeface="Cambria Math" panose="02040503050406030204" pitchFamily="18" charset="0"/>
+                                    </a:rPr>
+                                  </m:ctrlPr>
+                                </m:dPr>
+                                <m:e>
+                                  <m:r>
+                                    <a:rPr lang="en-US" altLang="ko-KR" b="0" i="1" smtClean="0">
+                                      <a:latin typeface="Cambria Math" panose="02040503050406030204" pitchFamily="18" charset="0"/>
+                                    </a:rPr>
+                                    <m:t>𝑧</m:t>
+                                  </m:r>
+                                </m:e>
+                              </m:d>
+                            </m:e>
+                          </m:d>
+                        </m:e>
+                      </m:func>
+                    </m:oMath>
+                    <m:oMath xmlns:m="http://schemas.openxmlformats.org/officeDocument/2006/math">
+                      <m:r>
+                        <a:rPr lang="en-US" altLang="ko-KR" b="0" i="1" smtClean="0">
+                          <a:latin typeface="Cambria Math" panose="02040503050406030204" pitchFamily="18" charset="0"/>
+                        </a:rPr>
+                        <m:t>𝑖𝑓</m:t>
+                      </m:r>
+                      <m:r>
+                        <a:rPr lang="en-US" altLang="ko-KR" b="0" i="1" smtClean="0">
+                          <a:latin typeface="Cambria Math" panose="02040503050406030204" pitchFamily="18" charset="0"/>
+                        </a:rPr>
+                        <m:t> </m:t>
+                      </m:r>
+                      <m:r>
+                        <a:rPr lang="en-US" altLang="ko-KR" b="0" i="1" smtClean="0">
+                          <a:latin typeface="Cambria Math" panose="02040503050406030204" pitchFamily="18" charset="0"/>
+                        </a:rPr>
+                        <m:t>𝑦</m:t>
+                      </m:r>
+                      <m:r>
+                        <a:rPr lang="en-US" altLang="ko-KR" b="0" i="1" smtClean="0">
+                          <a:latin typeface="Cambria Math" panose="02040503050406030204" pitchFamily="18" charset="0"/>
+                        </a:rPr>
+                        <m:t>=0, </m:t>
+                      </m:r>
+                      <m:r>
+                        <a:rPr lang="en-US" altLang="ko-KR" b="0" i="1" smtClean="0">
+                          <a:latin typeface="Cambria Math" panose="02040503050406030204" pitchFamily="18" charset="0"/>
+                        </a:rPr>
+                        <m:t>𝑐𝑜𝑠𝑡</m:t>
+                      </m:r>
+                      <m:r>
+                        <a:rPr lang="en-US" altLang="ko-KR" b="0" i="1" smtClean="0">
+                          <a:latin typeface="Cambria Math" panose="02040503050406030204" pitchFamily="18" charset="0"/>
+                        </a:rPr>
+                        <m:t>=−</m:t>
+                      </m:r>
+                      <m:r>
+                        <m:rPr>
+                          <m:sty m:val="p"/>
+                        </m:rPr>
+                        <a:rPr lang="en-US" altLang="ko-KR" b="0" i="0" smtClean="0">
+                          <a:latin typeface="Cambria Math" panose="02040503050406030204" pitchFamily="18" charset="0"/>
+                        </a:rPr>
+                        <m:t>log</m:t>
+                      </m:r>
+                      <m:r>
+                        <a:rPr lang="en-US" altLang="ko-KR" b="0" i="1" smtClean="0">
+                          <a:latin typeface="Cambria Math" panose="02040503050406030204" pitchFamily="18" charset="0"/>
+                        </a:rPr>
+                        <m:t>⁡(1−</m:t>
+                      </m:r>
+                      <m:r>
+                        <a:rPr lang="en-US" altLang="ko-KR" b="0" i="1" smtClean="0">
+                          <a:latin typeface="Cambria Math" panose="02040503050406030204" pitchFamily="18" charset="0"/>
+                        </a:rPr>
+                        <m:t>h</m:t>
+                      </m:r>
+                      <m:d>
+                        <m:dPr>
+                          <m:ctrlPr>
+                            <a:rPr lang="en-US" altLang="ko-KR" b="0" i="1" smtClean="0">
+                              <a:latin typeface="Cambria Math" panose="02040503050406030204" pitchFamily="18" charset="0"/>
+                            </a:rPr>
+                          </m:ctrlPr>
+                        </m:dPr>
+                        <m:e>
+                          <m:r>
+                            <a:rPr lang="en-US" altLang="ko-KR" b="0" i="1" smtClean="0">
+                              <a:latin typeface="Cambria Math" panose="02040503050406030204" pitchFamily="18" charset="0"/>
+                            </a:rPr>
+                            <m:t>𝑧</m:t>
+                          </m:r>
+                        </m:e>
+                      </m:d>
+                      <m:r>
+                        <a:rPr lang="en-US" altLang="ko-KR" b="0" i="1" smtClean="0">
+                          <a:latin typeface="Cambria Math" panose="02040503050406030204" pitchFamily="18" charset="0"/>
+                        </a:rPr>
+                        <m:t>)</m:t>
+                      </m:r>
+                    </m:oMath>
+                  </m:oMathPara>
+                </a14:m>
+                <a:endParaRPr lang="ko-KR" altLang="en-US" dirty="0"/>
+              </a:p>
+            </p:txBody>
+          </p:sp>
+        </mc:Choice>
+        <mc:Fallback>
+          <p:sp>
+            <p:nvSpPr>
+              <p:cNvPr id="7" name="TextBox 6">
+                <a:extLst>
+                  <a:ext uri="{FF2B5EF4-FFF2-40B4-BE49-F238E27FC236}">
+                    <a16:creationId xmlns:a16="http://schemas.microsoft.com/office/drawing/2014/main" id="{D925506F-A032-A140-6218-777C44C3AB73}"/>
+                  </a:ext>
+                </a:extLst>
+              </p:cNvPr>
+              <p:cNvSpPr txBox="1">
+                <a:spLocks noRot="1" noChangeAspect="1" noMove="1" noResize="1" noEditPoints="1" noAdjustHandles="1" noChangeArrowheads="1" noChangeShapeType="1" noTextEdit="1"/>
+              </p:cNvSpPr>
+              <p:nvPr/>
+            </p:nvSpPr>
+            <p:spPr>
+              <a:xfrm>
+                <a:off x="5153892" y="2576945"/>
+                <a:ext cx="3717652" cy="589649"/>
+              </a:xfrm>
+              <a:prstGeom prst="rect">
+                <a:avLst/>
+              </a:prstGeom>
+              <a:blipFill>
+                <a:blip r:embed="rId2"/>
+                <a:stretch>
+                  <a:fillRect b="-17708"/>
+                </a:stretch>
+              </a:blipFill>
+            </p:spPr>
+            <p:txBody>
+              <a:bodyPr/>
+              <a:lstStyle/>
+              <a:p>
+                <a:r>
+                  <a:rPr lang="ko-KR" altLang="en-US">
+                    <a:noFill/>
+                  </a:rPr>
+                  <a:t> </a:t>
+                </a:r>
+              </a:p>
+            </p:txBody>
+          </p:sp>
+        </mc:Fallback>
+      </mc:AlternateContent>
+      <mc:AlternateContent xmlns:mc="http://schemas.openxmlformats.org/markup-compatibility/2006">
+        <mc:Choice xmlns:a14="http://schemas.microsoft.com/office/drawing/2010/main" Requires="a14">
+          <p:sp>
+            <p:nvSpPr>
+              <p:cNvPr id="9" name="TextBox 8">
+                <a:extLst>
+                  <a:ext uri="{FF2B5EF4-FFF2-40B4-BE49-F238E27FC236}">
+                    <a16:creationId xmlns:a16="http://schemas.microsoft.com/office/drawing/2014/main" id="{153A5071-033E-DF1E-619C-785CBA32BBF8}"/>
+                  </a:ext>
+                </a:extLst>
+              </p:cNvPr>
+              <p:cNvSpPr txBox="1"/>
+              <p:nvPr/>
+            </p:nvSpPr>
+            <p:spPr>
+              <a:xfrm>
+                <a:off x="3001820" y="3691407"/>
+                <a:ext cx="6047284" cy="276999"/>
+              </a:xfrm>
+              <a:prstGeom prst="rect">
+                <a:avLst/>
+              </a:prstGeom>
+              <a:noFill/>
+            </p:spPr>
+            <p:txBody>
+              <a:bodyPr wrap="square" lIns="0" tIns="0" rIns="0" bIns="0" rtlCol="0">
+                <a:spAutoFit/>
+              </a:bodyPr>
+              <a:lstStyle/>
+              <a:p>
+                <a14:m>
+                  <m:oMath xmlns:m="http://schemas.openxmlformats.org/officeDocument/2006/math">
+                    <m:r>
+                      <a:rPr lang="en-US" altLang="ko-KR" b="0" i="1" smtClean="0">
+                        <a:latin typeface="Cambria Math" panose="02040503050406030204" pitchFamily="18" charset="0"/>
+                      </a:rPr>
+                      <m:t>𝑐𝑟𝑜𝑠𝑠</m:t>
+                    </m:r>
+                    <m:r>
+                      <a:rPr lang="en-US" altLang="ko-KR" b="0" i="1" smtClean="0">
+                        <a:latin typeface="Cambria Math" panose="02040503050406030204" pitchFamily="18" charset="0"/>
+                      </a:rPr>
+                      <m:t> </m:t>
+                    </m:r>
+                    <m:r>
+                      <a:rPr lang="en-US" altLang="ko-KR" b="0" i="1" smtClean="0">
+                        <a:latin typeface="Cambria Math" panose="02040503050406030204" pitchFamily="18" charset="0"/>
+                      </a:rPr>
+                      <m:t>𝑒𝑛𝑡𝑟𝑜𝑝𝑦</m:t>
+                    </m:r>
+                    <m:r>
+                      <a:rPr lang="en-US" altLang="ko-KR" b="0" i="1" smtClean="0">
+                        <a:latin typeface="Cambria Math" panose="02040503050406030204" pitchFamily="18" charset="0"/>
+                      </a:rPr>
+                      <m:t>=−</m:t>
+                    </m:r>
+                    <m:r>
+                      <a:rPr lang="en-US" altLang="ko-KR" b="0" i="1" smtClean="0">
+                        <a:latin typeface="Cambria Math" panose="02040503050406030204" pitchFamily="18" charset="0"/>
+                      </a:rPr>
+                      <m:t>𝑦𝑙𝑜𝑔</m:t>
+                    </m:r>
+                    <m:d>
+                      <m:dPr>
+                        <m:ctrlPr>
+                          <a:rPr lang="en-US" altLang="ko-KR" b="0" i="1" smtClean="0">
+                            <a:latin typeface="Cambria Math" panose="02040503050406030204" pitchFamily="18" charset="0"/>
+                          </a:rPr>
+                        </m:ctrlPr>
+                      </m:dPr>
+                      <m:e>
+                        <m:acc>
+                          <m:accPr>
+                            <m:chr m:val="̂"/>
+                            <m:ctrlPr>
+                              <a:rPr lang="en-US" altLang="ko-KR" b="0" i="1" smtClean="0">
+                                <a:latin typeface="Cambria Math" panose="02040503050406030204" pitchFamily="18" charset="0"/>
+                              </a:rPr>
+                            </m:ctrlPr>
+                          </m:accPr>
+                          <m:e>
+                            <m:r>
+                              <a:rPr lang="en-US" altLang="ko-KR" b="0" i="1" smtClean="0">
+                                <a:latin typeface="Cambria Math" panose="02040503050406030204" pitchFamily="18" charset="0"/>
+                              </a:rPr>
+                              <m:t>𝑦</m:t>
+                            </m:r>
+                          </m:e>
+                        </m:acc>
+                      </m:e>
+                    </m:d>
+                    <m:r>
+                      <a:rPr lang="en-US" altLang="ko-KR" b="0" i="1" smtClean="0">
+                        <a:latin typeface="Cambria Math" panose="02040503050406030204" pitchFamily="18" charset="0"/>
+                      </a:rPr>
+                      <m:t>−</m:t>
+                    </m:r>
+                    <m:d>
+                      <m:dPr>
+                        <m:ctrlPr>
+                          <a:rPr lang="en-US" altLang="ko-KR" b="0" i="1" smtClean="0">
+                            <a:latin typeface="Cambria Math" panose="02040503050406030204" pitchFamily="18" charset="0"/>
+                          </a:rPr>
+                        </m:ctrlPr>
+                      </m:dPr>
+                      <m:e>
+                        <m:r>
+                          <a:rPr lang="en-US" altLang="ko-KR" b="0" i="1" smtClean="0">
+                            <a:latin typeface="Cambria Math" panose="02040503050406030204" pitchFamily="18" charset="0"/>
+                          </a:rPr>
+                          <m:t>1−</m:t>
+                        </m:r>
+                        <m:r>
+                          <a:rPr lang="en-US" altLang="ko-KR" b="0" i="1" smtClean="0">
+                            <a:latin typeface="Cambria Math" panose="02040503050406030204" pitchFamily="18" charset="0"/>
+                          </a:rPr>
+                          <m:t>𝑦</m:t>
+                        </m:r>
+                      </m:e>
+                    </m:d>
+                    <m:r>
+                      <m:rPr>
+                        <m:sty m:val="p"/>
+                      </m:rPr>
+                      <a:rPr lang="en-US" altLang="ko-KR" b="0" i="0" smtClean="0">
+                        <a:latin typeface="Cambria Math" panose="02040503050406030204" pitchFamily="18" charset="0"/>
+                      </a:rPr>
+                      <m:t>log</m:t>
+                    </m:r>
+                    <m:r>
+                      <a:rPr lang="en-US" altLang="ko-KR" b="0" i="1" smtClean="0">
+                        <a:latin typeface="Cambria Math" panose="02040503050406030204" pitchFamily="18" charset="0"/>
+                      </a:rPr>
+                      <m:t>⁡(1−</m:t>
+                    </m:r>
+                    <m:acc>
+                      <m:accPr>
+                        <m:chr m:val="̂"/>
+                        <m:ctrlPr>
+                          <a:rPr lang="en-US" altLang="ko-KR" i="1">
+                            <a:latin typeface="Cambria Math" panose="02040503050406030204" pitchFamily="18" charset="0"/>
+                          </a:rPr>
+                        </m:ctrlPr>
+                      </m:accPr>
+                      <m:e>
+                        <m:r>
+                          <a:rPr lang="en-US" altLang="ko-KR" i="1">
+                            <a:latin typeface="Cambria Math" panose="02040503050406030204" pitchFamily="18" charset="0"/>
+                          </a:rPr>
+                          <m:t>𝑦</m:t>
+                        </m:r>
+                      </m:e>
+                    </m:acc>
+                  </m:oMath>
+                </a14:m>
+                <a:r>
+                  <a:rPr lang="en-US" altLang="ko-KR" dirty="0"/>
+                  <a:t>)</a:t>
+                </a:r>
+                <a:endParaRPr lang="ko-KR" altLang="en-US" dirty="0"/>
+              </a:p>
+            </p:txBody>
+          </p:sp>
+        </mc:Choice>
+        <mc:Fallback>
+          <p:sp>
+            <p:nvSpPr>
+              <p:cNvPr id="9" name="TextBox 8">
+                <a:extLst>
+                  <a:ext uri="{FF2B5EF4-FFF2-40B4-BE49-F238E27FC236}">
+                    <a16:creationId xmlns:a16="http://schemas.microsoft.com/office/drawing/2014/main" id="{153A5071-033E-DF1E-619C-785CBA32BBF8}"/>
+                  </a:ext>
+                </a:extLst>
+              </p:cNvPr>
+              <p:cNvSpPr txBox="1">
+                <a:spLocks noRot="1" noChangeAspect="1" noMove="1" noResize="1" noEditPoints="1" noAdjustHandles="1" noChangeArrowheads="1" noChangeShapeType="1" noTextEdit="1"/>
+              </p:cNvSpPr>
+              <p:nvPr/>
+            </p:nvSpPr>
+            <p:spPr>
+              <a:xfrm>
+                <a:off x="3001820" y="3691407"/>
+                <a:ext cx="6047284" cy="276999"/>
+              </a:xfrm>
+              <a:prstGeom prst="rect">
+                <a:avLst/>
+              </a:prstGeom>
+              <a:blipFill>
+                <a:blip r:embed="rId3"/>
+                <a:stretch>
+                  <a:fillRect l="-1008" t="-28889" b="-51111"/>
+                </a:stretch>
+              </a:blipFill>
+            </p:spPr>
+            <p:txBody>
+              <a:bodyPr/>
+              <a:lstStyle/>
+              <a:p>
+                <a:r>
+                  <a:rPr lang="ko-KR" altLang="en-US">
+                    <a:noFill/>
+                  </a:rPr>
+                  <a:t> </a:t>
+                </a:r>
+              </a:p>
+            </p:txBody>
+          </p:sp>
+        </mc:Fallback>
+      </mc:AlternateContent>
+      <mc:AlternateContent xmlns:mc="http://schemas.openxmlformats.org/markup-compatibility/2006">
+        <mc:Choice xmlns:a14="http://schemas.microsoft.com/office/drawing/2010/main" Requires="a14">
+          <p:sp>
+            <p:nvSpPr>
+              <p:cNvPr id="10" name="TextBox 9">
+                <a:extLst>
+                  <a:ext uri="{FF2B5EF4-FFF2-40B4-BE49-F238E27FC236}">
+                    <a16:creationId xmlns:a16="http://schemas.microsoft.com/office/drawing/2014/main" id="{AEC47FC6-D571-3FC9-41C6-6943F0838ECE}"/>
+                  </a:ext>
+                </a:extLst>
+              </p:cNvPr>
+              <p:cNvSpPr txBox="1"/>
+              <p:nvPr/>
+            </p:nvSpPr>
+            <p:spPr>
+              <a:xfrm>
+                <a:off x="2491751" y="4115102"/>
+                <a:ext cx="6047284" cy="756233"/>
+              </a:xfrm>
+              <a:prstGeom prst="rect">
+                <a:avLst/>
+              </a:prstGeom>
+              <a:noFill/>
+            </p:spPr>
+            <p:txBody>
+              <a:bodyPr wrap="square" lIns="0" tIns="0" rIns="0" bIns="0" rtlCol="0">
+                <a:spAutoFit/>
+              </a:bodyPr>
+              <a:lstStyle/>
+              <a:p>
+                <a14:m>
+                  <m:oMathPara xmlns:m="http://schemas.openxmlformats.org/officeDocument/2006/math">
+                    <m:oMathParaPr>
+                      <m:jc m:val="centerGroup"/>
+                    </m:oMathParaPr>
+                    <m:oMath xmlns:m="http://schemas.openxmlformats.org/officeDocument/2006/math">
+                      <m:r>
+                        <a:rPr lang="en-US" altLang="ko-KR" b="0" i="1" smtClean="0">
+                          <a:latin typeface="Cambria Math" panose="02040503050406030204" pitchFamily="18" charset="0"/>
+                        </a:rPr>
+                        <m:t>𝑐𝑟𝑜𝑠𝑠</m:t>
+                      </m:r>
+                      <m:r>
+                        <a:rPr lang="en-US" altLang="ko-KR" b="0" i="1" smtClean="0">
+                          <a:latin typeface="Cambria Math" panose="02040503050406030204" pitchFamily="18" charset="0"/>
+                        </a:rPr>
+                        <m:t> </m:t>
+                      </m:r>
+                      <m:r>
+                        <a:rPr lang="en-US" altLang="ko-KR" b="0" i="1" smtClean="0">
+                          <a:latin typeface="Cambria Math" panose="02040503050406030204" pitchFamily="18" charset="0"/>
+                        </a:rPr>
+                        <m:t>𝑒𝑛𝑡𝑟𝑜𝑝𝑦</m:t>
+                      </m:r>
+                      <m:r>
+                        <a:rPr lang="en-US" altLang="ko-KR" b="0" i="1" smtClean="0">
+                          <a:latin typeface="Cambria Math" panose="02040503050406030204" pitchFamily="18" charset="0"/>
+                        </a:rPr>
+                        <m:t>=</m:t>
+                      </m:r>
+                      <m:nary>
+                        <m:naryPr>
+                          <m:chr m:val="∑"/>
+                          <m:ctrlPr>
+                            <a:rPr lang="en-US" altLang="ko-KR" b="0" i="1" smtClean="0">
+                              <a:latin typeface="Cambria Math" panose="02040503050406030204" pitchFamily="18" charset="0"/>
+                            </a:rPr>
+                          </m:ctrlPr>
+                        </m:naryPr>
+                        <m:sub>
+                          <m:r>
+                            <m:rPr>
+                              <m:brk m:alnAt="23"/>
+                            </m:rPr>
+                            <a:rPr lang="en-US" altLang="ko-KR" b="0" i="1" smtClean="0">
+                              <a:latin typeface="Cambria Math" panose="02040503050406030204" pitchFamily="18" charset="0"/>
+                            </a:rPr>
+                            <m:t>𝑖</m:t>
+                          </m:r>
+                          <m:r>
+                            <a:rPr lang="en-US" altLang="ko-KR" b="0" i="1" smtClean="0">
+                              <a:latin typeface="Cambria Math" panose="02040503050406030204" pitchFamily="18" charset="0"/>
+                            </a:rPr>
+                            <m:t>=1</m:t>
+                          </m:r>
+                        </m:sub>
+                        <m:sup>
+                          <m:r>
+                            <a:rPr lang="en-US" altLang="ko-KR" b="0" i="1" smtClean="0">
+                              <a:latin typeface="Cambria Math" panose="02040503050406030204" pitchFamily="18" charset="0"/>
+                            </a:rPr>
+                            <m:t>𝑛</m:t>
+                          </m:r>
+                        </m:sup>
+                        <m:e>
+                          <m:r>
+                            <a:rPr lang="en-US" altLang="ko-KR" i="1">
+                              <a:latin typeface="Cambria Math" panose="02040503050406030204" pitchFamily="18" charset="0"/>
+                            </a:rPr>
+                            <m:t>−</m:t>
+                          </m:r>
+                          <m:r>
+                            <a:rPr lang="en-US" altLang="ko-KR" i="1">
+                              <a:latin typeface="Cambria Math" panose="02040503050406030204" pitchFamily="18" charset="0"/>
+                            </a:rPr>
+                            <m:t>𝑦𝑙𝑜𝑔</m:t>
+                          </m:r>
+                          <m:d>
+                            <m:dPr>
+                              <m:ctrlPr>
+                                <a:rPr lang="en-US" altLang="ko-KR" i="1">
+                                  <a:latin typeface="Cambria Math" panose="02040503050406030204" pitchFamily="18" charset="0"/>
+                                </a:rPr>
+                              </m:ctrlPr>
+                            </m:dPr>
+                            <m:e>
+                              <m:acc>
+                                <m:accPr>
+                                  <m:chr m:val="̂"/>
+                                  <m:ctrlPr>
+                                    <a:rPr lang="en-US" altLang="ko-KR" i="1">
+                                      <a:latin typeface="Cambria Math" panose="02040503050406030204" pitchFamily="18" charset="0"/>
+                                    </a:rPr>
+                                  </m:ctrlPr>
+                                </m:accPr>
+                                <m:e>
+                                  <m:r>
+                                    <a:rPr lang="en-US" altLang="ko-KR" i="1">
+                                      <a:latin typeface="Cambria Math" panose="02040503050406030204" pitchFamily="18" charset="0"/>
+                                    </a:rPr>
+                                    <m:t>𝑦</m:t>
+                                  </m:r>
+                                </m:e>
+                              </m:acc>
+                            </m:e>
+                          </m:d>
+                          <m:r>
+                            <a:rPr lang="en-US" altLang="ko-KR" i="1">
+                              <a:latin typeface="Cambria Math" panose="02040503050406030204" pitchFamily="18" charset="0"/>
+                            </a:rPr>
+                            <m:t>−</m:t>
+                          </m:r>
+                          <m:d>
+                            <m:dPr>
+                              <m:ctrlPr>
+                                <a:rPr lang="en-US" altLang="ko-KR" i="1">
+                                  <a:latin typeface="Cambria Math" panose="02040503050406030204" pitchFamily="18" charset="0"/>
+                                </a:rPr>
+                              </m:ctrlPr>
+                            </m:dPr>
+                            <m:e>
+                              <m:r>
+                                <a:rPr lang="en-US" altLang="ko-KR" i="1">
+                                  <a:latin typeface="Cambria Math" panose="02040503050406030204" pitchFamily="18" charset="0"/>
+                                </a:rPr>
+                                <m:t>1−</m:t>
+                              </m:r>
+                              <m:r>
+                                <a:rPr lang="en-US" altLang="ko-KR" i="1">
+                                  <a:latin typeface="Cambria Math" panose="02040503050406030204" pitchFamily="18" charset="0"/>
+                                </a:rPr>
+                                <m:t>𝑦</m:t>
+                              </m:r>
+                            </m:e>
+                          </m:d>
+                          <m:r>
+                            <m:rPr>
+                              <m:sty m:val="p"/>
+                            </m:rPr>
+                            <a:rPr lang="en-US" altLang="ko-KR">
+                              <a:latin typeface="Cambria Math" panose="02040503050406030204" pitchFamily="18" charset="0"/>
+                            </a:rPr>
+                            <m:t>log</m:t>
+                          </m:r>
+                          <m:r>
+                            <a:rPr lang="en-US" altLang="ko-KR" i="1">
+                              <a:latin typeface="Cambria Math" panose="02040503050406030204" pitchFamily="18" charset="0"/>
+                            </a:rPr>
+                            <m:t>⁡(1−</m:t>
+                          </m:r>
+                          <m:acc>
+                            <m:accPr>
+                              <m:chr m:val="̂"/>
+                              <m:ctrlPr>
+                                <a:rPr lang="en-US" altLang="ko-KR" i="1">
+                                  <a:latin typeface="Cambria Math" panose="02040503050406030204" pitchFamily="18" charset="0"/>
+                                </a:rPr>
+                              </m:ctrlPr>
+                            </m:accPr>
+                            <m:e>
+                              <m:r>
+                                <a:rPr lang="en-US" altLang="ko-KR" i="1">
+                                  <a:latin typeface="Cambria Math" panose="02040503050406030204" pitchFamily="18" charset="0"/>
+                                </a:rPr>
+                                <m:t>𝑦</m:t>
+                              </m:r>
+                            </m:e>
+                          </m:acc>
+                          <m:r>
+                            <m:rPr>
+                              <m:nor/>
+                            </m:rPr>
+                            <a:rPr lang="en-US" altLang="ko-KR" dirty="0"/>
+                            <m:t>)</m:t>
+                          </m:r>
+                        </m:e>
+                      </m:nary>
+                    </m:oMath>
+                  </m:oMathPara>
+                </a14:m>
+                <a:endParaRPr lang="ko-KR" altLang="en-US" dirty="0"/>
+              </a:p>
+            </p:txBody>
+          </p:sp>
+        </mc:Choice>
+        <mc:Fallback>
+          <p:sp>
+            <p:nvSpPr>
+              <p:cNvPr id="10" name="TextBox 9">
+                <a:extLst>
+                  <a:ext uri="{FF2B5EF4-FFF2-40B4-BE49-F238E27FC236}">
+                    <a16:creationId xmlns:a16="http://schemas.microsoft.com/office/drawing/2014/main" id="{AEC47FC6-D571-3FC9-41C6-6943F0838ECE}"/>
+                  </a:ext>
+                </a:extLst>
+              </p:cNvPr>
+              <p:cNvSpPr txBox="1">
+                <a:spLocks noRot="1" noChangeAspect="1" noMove="1" noResize="1" noEditPoints="1" noAdjustHandles="1" noChangeArrowheads="1" noChangeShapeType="1" noTextEdit="1"/>
+              </p:cNvSpPr>
+              <p:nvPr/>
+            </p:nvSpPr>
+            <p:spPr>
+              <a:xfrm>
+                <a:off x="2491751" y="4115102"/>
+                <a:ext cx="6047284" cy="756233"/>
+              </a:xfrm>
+              <a:prstGeom prst="rect">
+                <a:avLst/>
+              </a:prstGeom>
+              <a:blipFill>
+                <a:blip r:embed="rId4"/>
+                <a:stretch>
+                  <a:fillRect/>
+                </a:stretch>
+              </a:blipFill>
+            </p:spPr>
+            <p:txBody>
+              <a:bodyPr/>
+              <a:lstStyle/>
+              <a:p>
+                <a:r>
+                  <a:rPr lang="ko-KR" altLang="en-US">
+                    <a:noFill/>
+                  </a:rPr>
+                  <a:t> </a:t>
+                </a:r>
+              </a:p>
+            </p:txBody>
+          </p:sp>
+        </mc:Fallback>
+      </mc:AlternateContent>
+      <mc:AlternateContent xmlns:mc="http://schemas.openxmlformats.org/markup-compatibility/2006">
+        <mc:Choice xmlns:a14="http://schemas.microsoft.com/office/drawing/2010/main" Requires="a14">
+          <p:sp>
+            <p:nvSpPr>
+              <p:cNvPr id="11" name="TextBox 10">
+                <a:extLst>
+                  <a:ext uri="{FF2B5EF4-FFF2-40B4-BE49-F238E27FC236}">
+                    <a16:creationId xmlns:a16="http://schemas.microsoft.com/office/drawing/2014/main" id="{5E24F3B1-35C6-526B-8008-196E48940C6B}"/>
+                  </a:ext>
+                </a:extLst>
+              </p:cNvPr>
+              <p:cNvSpPr txBox="1"/>
+              <p:nvPr/>
+            </p:nvSpPr>
+            <p:spPr>
+              <a:xfrm>
+                <a:off x="2491751" y="5121866"/>
+                <a:ext cx="6047284" cy="756233"/>
+              </a:xfrm>
+              <a:prstGeom prst="rect">
+                <a:avLst/>
+              </a:prstGeom>
+              <a:noFill/>
+            </p:spPr>
+            <p:txBody>
+              <a:bodyPr wrap="square" lIns="0" tIns="0" rIns="0" bIns="0" rtlCol="0">
+                <a:spAutoFit/>
+              </a:bodyPr>
+              <a:lstStyle/>
+              <a:p>
+                <a14:m>
+                  <m:oMathPara xmlns:m="http://schemas.openxmlformats.org/officeDocument/2006/math">
+                    <m:oMathParaPr>
+                      <m:jc m:val="centerGroup"/>
+                    </m:oMathParaPr>
+                    <m:oMath xmlns:m="http://schemas.openxmlformats.org/officeDocument/2006/math">
+                      <m:r>
+                        <a:rPr lang="en-US" altLang="ko-KR" b="0" i="1" smtClean="0">
+                          <a:latin typeface="Cambria Math" panose="02040503050406030204" pitchFamily="18" charset="0"/>
+                        </a:rPr>
+                        <m:t>𝑐𝑜𝑠𝑡</m:t>
+                      </m:r>
+                      <m:r>
+                        <a:rPr lang="en-US" altLang="ko-KR" b="0" i="1" smtClean="0">
+                          <a:latin typeface="Cambria Math" panose="02040503050406030204" pitchFamily="18" charset="0"/>
+                        </a:rPr>
+                        <m:t>=</m:t>
+                      </m:r>
+                      <m:f>
+                        <m:fPr>
+                          <m:ctrlPr>
+                            <a:rPr lang="en-US" altLang="ko-KR" b="0" i="1" smtClean="0">
+                              <a:latin typeface="Cambria Math" panose="02040503050406030204" pitchFamily="18" charset="0"/>
+                            </a:rPr>
+                          </m:ctrlPr>
+                        </m:fPr>
+                        <m:num>
+                          <m:r>
+                            <a:rPr lang="en-US" altLang="ko-KR" b="0" i="1" smtClean="0">
+                              <a:latin typeface="Cambria Math" panose="02040503050406030204" pitchFamily="18" charset="0"/>
+                            </a:rPr>
+                            <m:t>1</m:t>
+                          </m:r>
+                        </m:num>
+                        <m:den>
+                          <m:r>
+                            <a:rPr lang="en-US" altLang="ko-KR" b="0" i="1" smtClean="0">
+                              <a:latin typeface="Cambria Math" panose="02040503050406030204" pitchFamily="18" charset="0"/>
+                            </a:rPr>
+                            <m:t>𝑛</m:t>
+                          </m:r>
+                        </m:den>
+                      </m:f>
+                      <m:nary>
+                        <m:naryPr>
+                          <m:chr m:val="∑"/>
+                          <m:ctrlPr>
+                            <a:rPr lang="en-US" altLang="ko-KR" b="0" i="1" smtClean="0">
+                              <a:latin typeface="Cambria Math" panose="02040503050406030204" pitchFamily="18" charset="0"/>
+                            </a:rPr>
+                          </m:ctrlPr>
+                        </m:naryPr>
+                        <m:sub>
+                          <m:r>
+                            <m:rPr>
+                              <m:brk m:alnAt="23"/>
+                            </m:rPr>
+                            <a:rPr lang="en-US" altLang="ko-KR" b="0" i="1" smtClean="0">
+                              <a:latin typeface="Cambria Math" panose="02040503050406030204" pitchFamily="18" charset="0"/>
+                            </a:rPr>
+                            <m:t>𝑖</m:t>
+                          </m:r>
+                          <m:r>
+                            <a:rPr lang="en-US" altLang="ko-KR" b="0" i="1" smtClean="0">
+                              <a:latin typeface="Cambria Math" panose="02040503050406030204" pitchFamily="18" charset="0"/>
+                            </a:rPr>
+                            <m:t>=1</m:t>
+                          </m:r>
+                        </m:sub>
+                        <m:sup>
+                          <m:r>
+                            <a:rPr lang="en-US" altLang="ko-KR" b="0" i="1" smtClean="0">
+                              <a:latin typeface="Cambria Math" panose="02040503050406030204" pitchFamily="18" charset="0"/>
+                            </a:rPr>
+                            <m:t>𝑛</m:t>
+                          </m:r>
+                        </m:sup>
+                        <m:e>
+                          <m:r>
+                            <a:rPr lang="en-US" altLang="ko-KR" i="1">
+                              <a:latin typeface="Cambria Math" panose="02040503050406030204" pitchFamily="18" charset="0"/>
+                            </a:rPr>
+                            <m:t>−</m:t>
+                          </m:r>
+                          <m:r>
+                            <a:rPr lang="en-US" altLang="ko-KR" i="1">
+                              <a:latin typeface="Cambria Math" panose="02040503050406030204" pitchFamily="18" charset="0"/>
+                            </a:rPr>
+                            <m:t>𝑦𝑙𝑜𝑔</m:t>
+                          </m:r>
+                          <m:d>
+                            <m:dPr>
+                              <m:ctrlPr>
+                                <a:rPr lang="en-US" altLang="ko-KR" i="1">
+                                  <a:latin typeface="Cambria Math" panose="02040503050406030204" pitchFamily="18" charset="0"/>
+                                </a:rPr>
+                              </m:ctrlPr>
+                            </m:dPr>
+                            <m:e>
+                              <m:acc>
+                                <m:accPr>
+                                  <m:chr m:val="̂"/>
+                                  <m:ctrlPr>
+                                    <a:rPr lang="en-US" altLang="ko-KR" i="1">
+                                      <a:latin typeface="Cambria Math" panose="02040503050406030204" pitchFamily="18" charset="0"/>
+                                    </a:rPr>
+                                  </m:ctrlPr>
+                                </m:accPr>
+                                <m:e>
+                                  <m:r>
+                                    <a:rPr lang="en-US" altLang="ko-KR" i="1">
+                                      <a:latin typeface="Cambria Math" panose="02040503050406030204" pitchFamily="18" charset="0"/>
+                                    </a:rPr>
+                                    <m:t>𝑦</m:t>
+                                  </m:r>
+                                </m:e>
+                              </m:acc>
+                            </m:e>
+                          </m:d>
+                          <m:r>
+                            <a:rPr lang="en-US" altLang="ko-KR" i="1">
+                              <a:latin typeface="Cambria Math" panose="02040503050406030204" pitchFamily="18" charset="0"/>
+                            </a:rPr>
+                            <m:t>−</m:t>
+                          </m:r>
+                          <m:d>
+                            <m:dPr>
+                              <m:ctrlPr>
+                                <a:rPr lang="en-US" altLang="ko-KR" i="1">
+                                  <a:latin typeface="Cambria Math" panose="02040503050406030204" pitchFamily="18" charset="0"/>
+                                </a:rPr>
+                              </m:ctrlPr>
+                            </m:dPr>
+                            <m:e>
+                              <m:r>
+                                <a:rPr lang="en-US" altLang="ko-KR" i="1">
+                                  <a:latin typeface="Cambria Math" panose="02040503050406030204" pitchFamily="18" charset="0"/>
+                                </a:rPr>
+                                <m:t>1−</m:t>
+                              </m:r>
+                              <m:r>
+                                <a:rPr lang="en-US" altLang="ko-KR" i="1">
+                                  <a:latin typeface="Cambria Math" panose="02040503050406030204" pitchFamily="18" charset="0"/>
+                                </a:rPr>
+                                <m:t>𝑦</m:t>
+                              </m:r>
+                            </m:e>
+                          </m:d>
+                          <m:r>
+                            <m:rPr>
+                              <m:sty m:val="p"/>
+                            </m:rPr>
+                            <a:rPr lang="en-US" altLang="ko-KR">
+                              <a:latin typeface="Cambria Math" panose="02040503050406030204" pitchFamily="18" charset="0"/>
+                            </a:rPr>
+                            <m:t>log</m:t>
+                          </m:r>
+                          <m:r>
+                            <a:rPr lang="en-US" altLang="ko-KR" i="1">
+                              <a:latin typeface="Cambria Math" panose="02040503050406030204" pitchFamily="18" charset="0"/>
+                            </a:rPr>
+                            <m:t>⁡(1−</m:t>
+                          </m:r>
+                          <m:acc>
+                            <m:accPr>
+                              <m:chr m:val="̂"/>
+                              <m:ctrlPr>
+                                <a:rPr lang="en-US" altLang="ko-KR" i="1">
+                                  <a:latin typeface="Cambria Math" panose="02040503050406030204" pitchFamily="18" charset="0"/>
+                                </a:rPr>
+                              </m:ctrlPr>
+                            </m:accPr>
+                            <m:e>
+                              <m:r>
+                                <a:rPr lang="en-US" altLang="ko-KR" i="1">
+                                  <a:latin typeface="Cambria Math" panose="02040503050406030204" pitchFamily="18" charset="0"/>
+                                </a:rPr>
+                                <m:t>𝑦</m:t>
+                              </m:r>
+                            </m:e>
+                          </m:acc>
+                          <m:r>
+                            <m:rPr>
+                              <m:nor/>
+                            </m:rPr>
+                            <a:rPr lang="en-US" altLang="ko-KR" dirty="0"/>
+                            <m:t>)</m:t>
+                          </m:r>
+                        </m:e>
+                      </m:nary>
+                    </m:oMath>
+                  </m:oMathPara>
+                </a14:m>
+                <a:endParaRPr lang="ko-KR" altLang="en-US" dirty="0"/>
+              </a:p>
+            </p:txBody>
+          </p:sp>
+        </mc:Choice>
+        <mc:Fallback>
+          <p:sp>
+            <p:nvSpPr>
+              <p:cNvPr id="11" name="TextBox 10">
+                <a:extLst>
+                  <a:ext uri="{FF2B5EF4-FFF2-40B4-BE49-F238E27FC236}">
+                    <a16:creationId xmlns:a16="http://schemas.microsoft.com/office/drawing/2014/main" id="{5E24F3B1-35C6-526B-8008-196E48940C6B}"/>
+                  </a:ext>
+                </a:extLst>
+              </p:cNvPr>
+              <p:cNvSpPr txBox="1">
+                <a:spLocks noRot="1" noChangeAspect="1" noMove="1" noResize="1" noEditPoints="1" noAdjustHandles="1" noChangeArrowheads="1" noChangeShapeType="1" noTextEdit="1"/>
+              </p:cNvSpPr>
+              <p:nvPr/>
+            </p:nvSpPr>
+            <p:spPr>
+              <a:xfrm>
+                <a:off x="2491751" y="5121866"/>
+                <a:ext cx="6047284" cy="756233"/>
+              </a:xfrm>
+              <a:prstGeom prst="rect">
+                <a:avLst/>
+              </a:prstGeom>
+              <a:blipFill>
+                <a:blip r:embed="rId5"/>
+                <a:stretch>
+                  <a:fillRect/>
+                </a:stretch>
+              </a:blipFill>
+            </p:spPr>
+            <p:txBody>
+              <a:bodyPr/>
+              <a:lstStyle/>
+              <a:p>
+                <a:r>
+                  <a:rPr lang="ko-KR" altLang="en-US">
+                    <a:noFill/>
+                  </a:rPr>
+                  <a:t> </a:t>
+                </a:r>
+              </a:p>
+            </p:txBody>
+          </p:sp>
+        </mc:Fallback>
+      </mc:AlternateContent>
+      <mc:AlternateContent xmlns:mc="http://schemas.openxmlformats.org/markup-compatibility/2006">
+        <mc:Choice xmlns:a14="http://schemas.microsoft.com/office/drawing/2010/main" Requires="a14">
+          <p:sp>
+            <p:nvSpPr>
+              <p:cNvPr id="12" name="TextBox 11">
+                <a:extLst>
+                  <a:ext uri="{FF2B5EF4-FFF2-40B4-BE49-F238E27FC236}">
+                    <a16:creationId xmlns:a16="http://schemas.microsoft.com/office/drawing/2014/main" id="{30D65B44-4CD7-F225-A0A6-E9E260AADF7C}"/>
+                  </a:ext>
+                </a:extLst>
+              </p:cNvPr>
+              <p:cNvSpPr txBox="1"/>
+              <p:nvPr/>
+            </p:nvSpPr>
+            <p:spPr>
+              <a:xfrm>
+                <a:off x="1997605" y="667252"/>
+                <a:ext cx="6047284" cy="834587"/>
+              </a:xfrm>
+              <a:prstGeom prst="rect">
+                <a:avLst/>
+              </a:prstGeom>
+              <a:noFill/>
+            </p:spPr>
+            <p:txBody>
+              <a:bodyPr wrap="square" lIns="0" tIns="0" rIns="0" bIns="0" rtlCol="0">
+                <a:spAutoFit/>
+              </a:bodyPr>
+              <a:lstStyle/>
+              <a:p>
+                <a14:m>
+                  <m:oMathPara xmlns:m="http://schemas.openxmlformats.org/officeDocument/2006/math">
+                    <m:oMathParaPr>
+                      <m:jc m:val="centerGroup"/>
+                    </m:oMathParaPr>
+                    <m:oMath xmlns:m="http://schemas.openxmlformats.org/officeDocument/2006/math">
+                      <m:r>
+                        <a:rPr lang="en-US" altLang="ko-KR" b="0" i="1" smtClean="0">
+                          <a:latin typeface="Cambria Math" panose="02040503050406030204" pitchFamily="18" charset="0"/>
+                        </a:rPr>
+                        <m:t>𝑐𝑜𝑠𝑡</m:t>
+                      </m:r>
+                      <m:r>
+                        <a:rPr lang="en-US" altLang="ko-KR" b="0" i="1" smtClean="0">
+                          <a:latin typeface="Cambria Math" panose="02040503050406030204" pitchFamily="18" charset="0"/>
+                        </a:rPr>
+                        <m:t>=</m:t>
+                      </m:r>
+                      <m:f>
+                        <m:fPr>
+                          <m:ctrlPr>
+                            <a:rPr lang="en-US" altLang="ko-KR" b="0" i="1" smtClean="0">
+                              <a:latin typeface="Cambria Math" panose="02040503050406030204" pitchFamily="18" charset="0"/>
+                            </a:rPr>
+                          </m:ctrlPr>
+                        </m:fPr>
+                        <m:num>
+                          <m:r>
+                            <a:rPr lang="en-US" altLang="ko-KR" b="0" i="1" smtClean="0">
+                              <a:latin typeface="Cambria Math" panose="02040503050406030204" pitchFamily="18" charset="0"/>
+                            </a:rPr>
+                            <m:t>1</m:t>
+                          </m:r>
+                        </m:num>
+                        <m:den>
+                          <m:r>
+                            <a:rPr lang="en-US" altLang="ko-KR" b="0" i="1" smtClean="0">
+                              <a:latin typeface="Cambria Math" panose="02040503050406030204" pitchFamily="18" charset="0"/>
+                            </a:rPr>
+                            <m:t>𝑛</m:t>
+                          </m:r>
+                        </m:den>
+                      </m:f>
+                      <m:nary>
+                        <m:naryPr>
+                          <m:chr m:val="∑"/>
+                          <m:ctrlPr>
+                            <a:rPr lang="en-US" altLang="ko-KR" b="0" i="1" smtClean="0">
+                              <a:latin typeface="Cambria Math" panose="02040503050406030204" pitchFamily="18" charset="0"/>
+                            </a:rPr>
+                          </m:ctrlPr>
+                        </m:naryPr>
+                        <m:sub>
+                          <m:r>
+                            <m:rPr>
+                              <m:brk m:alnAt="23"/>
+                            </m:rPr>
+                            <a:rPr lang="en-US" altLang="ko-KR" b="0" i="1" smtClean="0">
+                              <a:latin typeface="Cambria Math" panose="02040503050406030204" pitchFamily="18" charset="0"/>
+                            </a:rPr>
+                            <m:t>𝑗</m:t>
+                          </m:r>
+                          <m:r>
+                            <a:rPr lang="en-US" altLang="ko-KR" b="0" i="1" smtClean="0">
+                              <a:latin typeface="Cambria Math" panose="02040503050406030204" pitchFamily="18" charset="0"/>
+                            </a:rPr>
+                            <m:t>=1</m:t>
+                          </m:r>
+                        </m:sub>
+                        <m:sup>
+                          <m:r>
+                            <a:rPr lang="en-US" altLang="ko-KR" b="0" i="1" smtClean="0">
+                              <a:latin typeface="Cambria Math" panose="02040503050406030204" pitchFamily="18" charset="0"/>
+                            </a:rPr>
+                            <m:t>𝑛</m:t>
+                          </m:r>
+                        </m:sup>
+                        <m:e>
+                          <m:nary>
+                            <m:naryPr>
+                              <m:chr m:val="∑"/>
+                              <m:ctrlPr>
+                                <a:rPr lang="en-US" altLang="ko-KR" i="1">
+                                  <a:latin typeface="Cambria Math" panose="02040503050406030204" pitchFamily="18" charset="0"/>
+                                </a:rPr>
+                              </m:ctrlPr>
+                            </m:naryPr>
+                            <m:sub>
+                              <m:r>
+                                <m:rPr>
+                                  <m:brk m:alnAt="23"/>
+                                </m:rPr>
+                                <a:rPr lang="en-US" altLang="ko-KR" i="1">
+                                  <a:latin typeface="Cambria Math" panose="02040503050406030204" pitchFamily="18" charset="0"/>
+                                </a:rPr>
+                                <m:t>𝑖</m:t>
+                              </m:r>
+                              <m:r>
+                                <a:rPr lang="en-US" altLang="ko-KR" i="1">
+                                  <a:latin typeface="Cambria Math" panose="02040503050406030204" pitchFamily="18" charset="0"/>
+                                </a:rPr>
+                                <m:t>=1</m:t>
+                              </m:r>
+                            </m:sub>
+                            <m:sup>
+                              <m:r>
+                                <a:rPr lang="en-US" altLang="ko-KR" i="1">
+                                  <a:latin typeface="Cambria Math" panose="02040503050406030204" pitchFamily="18" charset="0"/>
+                                </a:rPr>
+                                <m:t>𝑘</m:t>
+                              </m:r>
+                            </m:sup>
+                            <m:e>
+                              <m:r>
+                                <a:rPr lang="en-US" altLang="ko-KR" i="1">
+                                  <a:latin typeface="Cambria Math" panose="02040503050406030204" pitchFamily="18" charset="0"/>
+                                </a:rPr>
+                                <m:t>−</m:t>
+                              </m:r>
+                              <m:sSubSup>
+                                <m:sSubSupPr>
+                                  <m:ctrlPr>
+                                    <a:rPr lang="en-US" altLang="ko-KR" b="0" i="1" smtClean="0">
+                                      <a:latin typeface="Cambria Math" panose="02040503050406030204" pitchFamily="18" charset="0"/>
+                                    </a:rPr>
+                                  </m:ctrlPr>
+                                </m:sSubSupPr>
+                                <m:e>
+                                  <m:r>
+                                    <a:rPr lang="en-US" altLang="ko-KR" i="1">
+                                      <a:latin typeface="Cambria Math" panose="02040503050406030204" pitchFamily="18" charset="0"/>
+                                    </a:rPr>
+                                    <m:t>𝑦</m:t>
+                                  </m:r>
+                                </m:e>
+                                <m:sub>
+                                  <m:r>
+                                    <a:rPr lang="en-US" altLang="ko-KR" i="1">
+                                      <a:latin typeface="Cambria Math" panose="02040503050406030204" pitchFamily="18" charset="0"/>
+                                    </a:rPr>
+                                    <m:t>𝑖</m:t>
+                                  </m:r>
+                                </m:sub>
+                                <m:sup>
+                                  <m:r>
+                                    <a:rPr lang="en-US" altLang="ko-KR" b="0" i="1" smtClean="0">
+                                      <a:latin typeface="Cambria Math" panose="02040503050406030204" pitchFamily="18" charset="0"/>
+                                    </a:rPr>
+                                    <m:t>𝑗</m:t>
+                                  </m:r>
+                                </m:sup>
+                              </m:sSubSup>
+                              <m:r>
+                                <a:rPr lang="en-US" altLang="ko-KR" i="1">
+                                  <a:latin typeface="Cambria Math" panose="02040503050406030204" pitchFamily="18" charset="0"/>
+                                </a:rPr>
+                                <m:t>𝑙𝑜𝑔</m:t>
+                              </m:r>
+                              <m:d>
+                                <m:dPr>
+                                  <m:ctrlPr>
+                                    <a:rPr lang="en-US" altLang="ko-KR" i="1">
+                                      <a:latin typeface="Cambria Math" panose="02040503050406030204" pitchFamily="18" charset="0"/>
+                                    </a:rPr>
+                                  </m:ctrlPr>
+                                </m:dPr>
+                                <m:e>
+                                  <m:sSub>
+                                    <m:sSubPr>
+                                      <m:ctrlPr>
+                                        <a:rPr lang="en-US" altLang="ko-KR" i="1">
+                                          <a:latin typeface="Cambria Math" panose="02040503050406030204" pitchFamily="18" charset="0"/>
+                                        </a:rPr>
+                                      </m:ctrlPr>
+                                    </m:sSubPr>
+                                    <m:e>
+                                      <m:sSup>
+                                        <m:sSupPr>
+                                          <m:ctrlPr>
+                                            <a:rPr lang="en-US" altLang="ko-KR" b="0" i="1" smtClean="0">
+                                              <a:latin typeface="Cambria Math" panose="02040503050406030204" pitchFamily="18" charset="0"/>
+                                            </a:rPr>
+                                          </m:ctrlPr>
+                                        </m:sSupPr>
+                                        <m:e>
+                                          <m:acc>
+                                            <m:accPr>
+                                              <m:chr m:val="̂"/>
+                                              <m:ctrlPr>
+                                                <a:rPr lang="en-US" altLang="ko-KR" i="1">
+                                                  <a:latin typeface="Cambria Math" panose="02040503050406030204" pitchFamily="18" charset="0"/>
+                                                </a:rPr>
+                                              </m:ctrlPr>
+                                            </m:accPr>
+                                            <m:e>
+                                              <m:r>
+                                                <a:rPr lang="en-US" altLang="ko-KR" i="1">
+                                                  <a:latin typeface="Cambria Math" panose="02040503050406030204" pitchFamily="18" charset="0"/>
+                                                </a:rPr>
+                                                <m:t>𝑦</m:t>
+                                              </m:r>
+                                            </m:e>
+                                          </m:acc>
+                                        </m:e>
+                                        <m:sup>
+                                          <m:r>
+                                            <a:rPr lang="en-US" altLang="ko-KR" b="0" i="1" smtClean="0">
+                                              <a:latin typeface="Cambria Math" panose="02040503050406030204" pitchFamily="18" charset="0"/>
+                                            </a:rPr>
+                                            <m:t>𝑗</m:t>
+                                          </m:r>
+                                        </m:sup>
+                                      </m:sSup>
+                                    </m:e>
+                                    <m:sub>
+                                      <m:r>
+                                        <a:rPr lang="en-US" altLang="ko-KR" b="0" i="1" smtClean="0">
+                                          <a:latin typeface="Cambria Math" panose="02040503050406030204" pitchFamily="18" charset="0"/>
+                                        </a:rPr>
+                                        <m:t>𝑖</m:t>
+                                      </m:r>
+                                    </m:sub>
+                                  </m:sSub>
+                                </m:e>
+                              </m:d>
+                            </m:e>
+                          </m:nary>
+                          <m:r>
+                            <m:rPr>
+                              <m:nor/>
+                            </m:rPr>
+                            <a:rPr lang="ko-KR" altLang="en-US" dirty="0"/>
+                            <m:t> </m:t>
+                          </m:r>
+                        </m:e>
+                      </m:nary>
+                    </m:oMath>
+                  </m:oMathPara>
+                </a14:m>
+                <a:endParaRPr lang="ko-KR" altLang="en-US" dirty="0"/>
+              </a:p>
+            </p:txBody>
+          </p:sp>
+        </mc:Choice>
+        <mc:Fallback>
+          <p:sp>
+            <p:nvSpPr>
+              <p:cNvPr id="12" name="TextBox 11">
+                <a:extLst>
+                  <a:ext uri="{FF2B5EF4-FFF2-40B4-BE49-F238E27FC236}">
+                    <a16:creationId xmlns:a16="http://schemas.microsoft.com/office/drawing/2014/main" id="{30D65B44-4CD7-F225-A0A6-E9E260AADF7C}"/>
+                  </a:ext>
+                </a:extLst>
+              </p:cNvPr>
+              <p:cNvSpPr txBox="1">
+                <a:spLocks noRot="1" noChangeAspect="1" noMove="1" noResize="1" noEditPoints="1" noAdjustHandles="1" noChangeArrowheads="1" noChangeShapeType="1" noTextEdit="1"/>
+              </p:cNvSpPr>
+              <p:nvPr/>
+            </p:nvSpPr>
+            <p:spPr>
+              <a:xfrm>
+                <a:off x="1997605" y="667252"/>
+                <a:ext cx="6047284" cy="834587"/>
+              </a:xfrm>
+              <a:prstGeom prst="rect">
+                <a:avLst/>
+              </a:prstGeom>
+              <a:blipFill>
+                <a:blip r:embed="rId6"/>
+                <a:stretch>
+                  <a:fillRect/>
+                </a:stretch>
+              </a:blipFill>
+            </p:spPr>
+            <p:txBody>
+              <a:bodyPr/>
+              <a:lstStyle/>
+              <a:p>
+                <a:r>
+                  <a:rPr lang="ko-KR" altLang="en-US">
+                    <a:noFill/>
+                  </a:rPr>
+                  <a:t> </a:t>
+                </a:r>
+              </a:p>
+            </p:txBody>
+          </p:sp>
+        </mc:Fallback>
+      </mc:AlternateContent>
+    </p:spTree>
+    <p:extLst>
+      <p:ext uri="{BB962C8B-B14F-4D97-AF65-F5344CB8AC3E}">
+        <p14:creationId xmlns:p14="http://schemas.microsoft.com/office/powerpoint/2010/main" val="2049848362"/>
       </p:ext>
     </p:extLst>
   </p:cSld>

--- a/FER/eduMaterials/matrials.pptx
+++ b/FER/eduMaterials/matrials.pptx
@@ -14,6 +14,7 @@
     <p:sldId id="261" r:id="rId8"/>
     <p:sldId id="262" r:id="rId9"/>
     <p:sldId id="264" r:id="rId10"/>
+    <p:sldId id="265" r:id="rId11"/>
   </p:sldIdLst>
   <p:sldSz cx="12192000" cy="6858000"/>
   <p:notesSz cx="6858000" cy="9144000"/>
@@ -3141,7 +3142,7 @@
           <a:p>
             <a:fld id="{290F8D5D-7A62-4084-90F8-BF6F9DC4789C}" type="datetimeFigureOut">
               <a:rPr lang="ko-KR" altLang="en-US" smtClean="0"/>
-              <a:t>2023-02-16</a:t>
+              <a:t>2023-05-10</a:t>
             </a:fld>
             <a:endParaRPr lang="ko-KR" altLang="en-US"/>
           </a:p>
@@ -3339,7 +3340,7 @@
           <a:p>
             <a:fld id="{290F8D5D-7A62-4084-90F8-BF6F9DC4789C}" type="datetimeFigureOut">
               <a:rPr lang="ko-KR" altLang="en-US" smtClean="0"/>
-              <a:t>2023-02-16</a:t>
+              <a:t>2023-05-10</a:t>
             </a:fld>
             <a:endParaRPr lang="ko-KR" altLang="en-US"/>
           </a:p>
@@ -3547,7 +3548,7 @@
           <a:p>
             <a:fld id="{290F8D5D-7A62-4084-90F8-BF6F9DC4789C}" type="datetimeFigureOut">
               <a:rPr lang="ko-KR" altLang="en-US" smtClean="0"/>
-              <a:t>2023-02-16</a:t>
+              <a:t>2023-05-10</a:t>
             </a:fld>
             <a:endParaRPr lang="ko-KR" altLang="en-US"/>
           </a:p>
@@ -3745,7 +3746,7 @@
           <a:p>
             <a:fld id="{290F8D5D-7A62-4084-90F8-BF6F9DC4789C}" type="datetimeFigureOut">
               <a:rPr lang="ko-KR" altLang="en-US" smtClean="0"/>
-              <a:t>2023-02-16</a:t>
+              <a:t>2023-05-10</a:t>
             </a:fld>
             <a:endParaRPr lang="ko-KR" altLang="en-US"/>
           </a:p>
@@ -4020,7 +4021,7 @@
           <a:p>
             <a:fld id="{290F8D5D-7A62-4084-90F8-BF6F9DC4789C}" type="datetimeFigureOut">
               <a:rPr lang="ko-KR" altLang="en-US" smtClean="0"/>
-              <a:t>2023-02-16</a:t>
+              <a:t>2023-05-10</a:t>
             </a:fld>
             <a:endParaRPr lang="ko-KR" altLang="en-US"/>
           </a:p>
@@ -4285,7 +4286,7 @@
           <a:p>
             <a:fld id="{290F8D5D-7A62-4084-90F8-BF6F9DC4789C}" type="datetimeFigureOut">
               <a:rPr lang="ko-KR" altLang="en-US" smtClean="0"/>
-              <a:t>2023-02-16</a:t>
+              <a:t>2023-05-10</a:t>
             </a:fld>
             <a:endParaRPr lang="ko-KR" altLang="en-US"/>
           </a:p>
@@ -4697,7 +4698,7 @@
           <a:p>
             <a:fld id="{290F8D5D-7A62-4084-90F8-BF6F9DC4789C}" type="datetimeFigureOut">
               <a:rPr lang="ko-KR" altLang="en-US" smtClean="0"/>
-              <a:t>2023-02-16</a:t>
+              <a:t>2023-05-10</a:t>
             </a:fld>
             <a:endParaRPr lang="ko-KR" altLang="en-US"/>
           </a:p>
@@ -4838,7 +4839,7 @@
           <a:p>
             <a:fld id="{290F8D5D-7A62-4084-90F8-BF6F9DC4789C}" type="datetimeFigureOut">
               <a:rPr lang="ko-KR" altLang="en-US" smtClean="0"/>
-              <a:t>2023-02-16</a:t>
+              <a:t>2023-05-10</a:t>
             </a:fld>
             <a:endParaRPr lang="ko-KR" altLang="en-US"/>
           </a:p>
@@ -4951,7 +4952,7 @@
           <a:p>
             <a:fld id="{290F8D5D-7A62-4084-90F8-BF6F9DC4789C}" type="datetimeFigureOut">
               <a:rPr lang="ko-KR" altLang="en-US" smtClean="0"/>
-              <a:t>2023-02-16</a:t>
+              <a:t>2023-05-10</a:t>
             </a:fld>
             <a:endParaRPr lang="ko-KR" altLang="en-US"/>
           </a:p>
@@ -5262,7 +5263,7 @@
           <a:p>
             <a:fld id="{290F8D5D-7A62-4084-90F8-BF6F9DC4789C}" type="datetimeFigureOut">
               <a:rPr lang="ko-KR" altLang="en-US" smtClean="0"/>
-              <a:t>2023-02-16</a:t>
+              <a:t>2023-05-10</a:t>
             </a:fld>
             <a:endParaRPr lang="ko-KR" altLang="en-US"/>
           </a:p>
@@ -5550,7 +5551,7 @@
           <a:p>
             <a:fld id="{290F8D5D-7A62-4084-90F8-BF6F9DC4789C}" type="datetimeFigureOut">
               <a:rPr lang="ko-KR" altLang="en-US" smtClean="0"/>
-              <a:t>2023-02-16</a:t>
+              <a:t>2023-05-10</a:t>
             </a:fld>
             <a:endParaRPr lang="ko-KR" altLang="en-US"/>
           </a:p>
@@ -5799,7 +5800,7 @@
           <a:p>
             <a:fld id="{290F8D5D-7A62-4084-90F8-BF6F9DC4789C}" type="datetimeFigureOut">
               <a:rPr lang="ko-KR" altLang="en-US" smtClean="0"/>
-              <a:t>2023-02-16</a:t>
+              <a:t>2023-05-10</a:t>
             </a:fld>
             <a:endParaRPr lang="ko-KR" altLang="en-US"/>
           </a:p>
@@ -6454,6 +6455,5337 @@
     <p:extLst>
       <p:ext uri="{BB962C8B-B14F-4D97-AF65-F5344CB8AC3E}">
         <p14:creationId xmlns:p14="http://schemas.microsoft.com/office/powerpoint/2010/main" val="3638986207"/>
+      </p:ext>
+    </p:extLst>
+  </p:cSld>
+  <p:clrMapOvr>
+    <a:masterClrMapping/>
+  </p:clrMapOvr>
+</p:sld>
+</file>
+
+<file path=ppt/slides/slide10.xml><?xml version="1.0" encoding="utf-8"?>
+<p:sld xmlns:a="http://schemas.openxmlformats.org/drawingml/2006/main" xmlns:r="http://schemas.openxmlformats.org/officeDocument/2006/relationships" xmlns:p="http://schemas.openxmlformats.org/presentationml/2006/main">
+  <p:cSld>
+    <p:bg>
+      <p:bgPr>
+        <a:solidFill>
+          <a:schemeClr val="bg1"/>
+        </a:solidFill>
+        <a:effectLst/>
+      </p:bgPr>
+    </p:bg>
+    <p:spTree>
+      <p:nvGrpSpPr>
+        <p:cNvPr id="1" name=""/>
+        <p:cNvGrpSpPr/>
+        <p:nvPr/>
+      </p:nvGrpSpPr>
+      <p:grpSpPr>
+        <a:xfrm>
+          <a:off x="0" y="0"/>
+          <a:ext cx="0" cy="0"/>
+          <a:chOff x="0" y="0"/>
+          <a:chExt cx="0" cy="0"/>
+        </a:xfrm>
+      </p:grpSpPr>
+      <p:graphicFrame>
+        <p:nvGraphicFramePr>
+          <p:cNvPr id="2" name="표 2">
+            <a:extLst>
+              <a:ext uri="{FF2B5EF4-FFF2-40B4-BE49-F238E27FC236}">
+                <a16:creationId xmlns:a16="http://schemas.microsoft.com/office/drawing/2014/main" id="{652BB5A1-6364-0CDB-69BE-C4BFF4620E78}"/>
+              </a:ext>
+            </a:extLst>
+          </p:cNvPr>
+          <p:cNvGraphicFramePr>
+            <a:graphicFrameLocks noGrp="1"/>
+          </p:cNvGraphicFramePr>
+          <p:nvPr>
+            <p:extLst>
+              <p:ext uri="{D42A27DB-BD31-4B8C-83A1-F6EECF244321}">
+                <p14:modId xmlns:p14="http://schemas.microsoft.com/office/powerpoint/2010/main" val="2178558028"/>
+              </p:ext>
+            </p:extLst>
+          </p:nvPr>
+        </p:nvGraphicFramePr>
+        <p:xfrm>
+          <a:off x="386776" y="793557"/>
+          <a:ext cx="2154546" cy="2194560"/>
+        </p:xfrm>
+        <a:graphic>
+          <a:graphicData uri="http://schemas.openxmlformats.org/drawingml/2006/table">
+            <a:tbl>
+              <a:tblPr firstRow="1" bandRow="1">
+                <a:tableStyleId>{5940675A-B579-460E-94D1-54222C63F5DA}</a:tableStyleId>
+              </a:tblPr>
+              <a:tblGrid>
+                <a:gridCol w="359091">
+                  <a:extLst>
+                    <a:ext uri="{9D8B030D-6E8A-4147-A177-3AD203B41FA5}">
+                      <a16:colId xmlns:a16="http://schemas.microsoft.com/office/drawing/2014/main" val="390242115"/>
+                    </a:ext>
+                  </a:extLst>
+                </a:gridCol>
+                <a:gridCol w="359091">
+                  <a:extLst>
+                    <a:ext uri="{9D8B030D-6E8A-4147-A177-3AD203B41FA5}">
+                      <a16:colId xmlns:a16="http://schemas.microsoft.com/office/drawing/2014/main" val="2673658107"/>
+                    </a:ext>
+                  </a:extLst>
+                </a:gridCol>
+                <a:gridCol w="359091">
+                  <a:extLst>
+                    <a:ext uri="{9D8B030D-6E8A-4147-A177-3AD203B41FA5}">
+                      <a16:colId xmlns:a16="http://schemas.microsoft.com/office/drawing/2014/main" val="254878612"/>
+                    </a:ext>
+                  </a:extLst>
+                </a:gridCol>
+                <a:gridCol w="359091">
+                  <a:extLst>
+                    <a:ext uri="{9D8B030D-6E8A-4147-A177-3AD203B41FA5}">
+                      <a16:colId xmlns:a16="http://schemas.microsoft.com/office/drawing/2014/main" val="3599153993"/>
+                    </a:ext>
+                  </a:extLst>
+                </a:gridCol>
+                <a:gridCol w="359091">
+                  <a:extLst>
+                    <a:ext uri="{9D8B030D-6E8A-4147-A177-3AD203B41FA5}">
+                      <a16:colId xmlns:a16="http://schemas.microsoft.com/office/drawing/2014/main" val="3505064849"/>
+                    </a:ext>
+                  </a:extLst>
+                </a:gridCol>
+                <a:gridCol w="359091">
+                  <a:extLst>
+                    <a:ext uri="{9D8B030D-6E8A-4147-A177-3AD203B41FA5}">
+                      <a16:colId xmlns:a16="http://schemas.microsoft.com/office/drawing/2014/main" val="2897197101"/>
+                    </a:ext>
+                  </a:extLst>
+                </a:gridCol>
+              </a:tblGrid>
+              <a:tr h="360000">
+                <a:tc>
+                  <a:txBody>
+                    <a:bodyPr/>
+                    <a:lstStyle/>
+                    <a:p>
+                      <a:pPr latinLnBrk="1"/>
+                      <a:endParaRPr lang="ko-KR" altLang="en-US" dirty="0"/>
+                    </a:p>
+                  </a:txBody>
+                  <a:tcPr>
+                    <a:lnL w="12700" cap="flat" cmpd="sng" algn="ctr">
+                      <a:solidFill>
+                        <a:srgbClr val="7030A0"/>
+                      </a:solidFill>
+                      <a:prstDash val="solid"/>
+                      <a:round/>
+                      <a:headEnd type="none" w="med" len="med"/>
+                      <a:tailEnd type="none" w="med" len="med"/>
+                    </a:lnL>
+                    <a:lnR w="12700" cap="flat" cmpd="sng" algn="ctr">
+                      <a:solidFill>
+                        <a:srgbClr val="7030A0"/>
+                      </a:solidFill>
+                      <a:prstDash val="solid"/>
+                      <a:round/>
+                      <a:headEnd type="none" w="med" len="med"/>
+                      <a:tailEnd type="none" w="med" len="med"/>
+                    </a:lnR>
+                    <a:lnT w="12700" cap="flat" cmpd="sng" algn="ctr">
+                      <a:solidFill>
+                        <a:srgbClr val="7030A0"/>
+                      </a:solidFill>
+                      <a:prstDash val="solid"/>
+                      <a:round/>
+                      <a:headEnd type="none" w="med" len="med"/>
+                      <a:tailEnd type="none" w="med" len="med"/>
+                    </a:lnT>
+                    <a:lnB w="12700" cap="flat" cmpd="sng" algn="ctr">
+                      <a:solidFill>
+                        <a:srgbClr val="7030A0"/>
+                      </a:solidFill>
+                      <a:prstDash val="solid"/>
+                      <a:round/>
+                      <a:headEnd type="none" w="med" len="med"/>
+                      <a:tailEnd type="none" w="med" len="med"/>
+                    </a:lnB>
+                    <a:lnTlToBr w="12700" cmpd="sng">
+                      <a:noFill/>
+                      <a:prstDash val="solid"/>
+                    </a:lnTlToBr>
+                    <a:lnBlToTr w="12700" cmpd="sng">
+                      <a:noFill/>
+                      <a:prstDash val="solid"/>
+                    </a:lnBlToTr>
+                  </a:tcPr>
+                </a:tc>
+                <a:tc>
+                  <a:txBody>
+                    <a:bodyPr/>
+                    <a:lstStyle/>
+                    <a:p>
+                      <a:pPr latinLnBrk="1"/>
+                      <a:r>
+                        <a:rPr lang="en-US" altLang="ko-KR" dirty="0"/>
+                        <a:t>1</a:t>
+                      </a:r>
+                      <a:endParaRPr lang="ko-KR" altLang="en-US" dirty="0"/>
+                    </a:p>
+                  </a:txBody>
+                  <a:tcPr>
+                    <a:lnL w="12700" cap="flat" cmpd="sng" algn="ctr">
+                      <a:solidFill>
+                        <a:srgbClr val="7030A0"/>
+                      </a:solidFill>
+                      <a:prstDash val="solid"/>
+                      <a:round/>
+                      <a:headEnd type="none" w="med" len="med"/>
+                      <a:tailEnd type="none" w="med" len="med"/>
+                    </a:lnL>
+                    <a:lnR w="12700" cap="flat" cmpd="sng" algn="ctr">
+                      <a:solidFill>
+                        <a:srgbClr val="7030A0"/>
+                      </a:solidFill>
+                      <a:prstDash val="solid"/>
+                      <a:round/>
+                      <a:headEnd type="none" w="med" len="med"/>
+                      <a:tailEnd type="none" w="med" len="med"/>
+                    </a:lnR>
+                    <a:lnT w="12700" cap="flat" cmpd="sng" algn="ctr">
+                      <a:solidFill>
+                        <a:srgbClr val="7030A0"/>
+                      </a:solidFill>
+                      <a:prstDash val="solid"/>
+                      <a:round/>
+                      <a:headEnd type="none" w="med" len="med"/>
+                      <a:tailEnd type="none" w="med" len="med"/>
+                    </a:lnT>
+                    <a:lnB w="12700" cap="flat" cmpd="sng" algn="ctr">
+                      <a:solidFill>
+                        <a:srgbClr val="7030A0"/>
+                      </a:solidFill>
+                      <a:prstDash val="solid"/>
+                      <a:round/>
+                      <a:headEnd type="none" w="med" len="med"/>
+                      <a:tailEnd type="none" w="med" len="med"/>
+                    </a:lnB>
+                    <a:lnTlToBr w="12700" cmpd="sng">
+                      <a:noFill/>
+                      <a:prstDash val="solid"/>
+                    </a:lnTlToBr>
+                    <a:lnBlToTr w="12700" cmpd="sng">
+                      <a:noFill/>
+                      <a:prstDash val="solid"/>
+                    </a:lnBlToTr>
+                  </a:tcPr>
+                </a:tc>
+                <a:tc>
+                  <a:txBody>
+                    <a:bodyPr/>
+                    <a:lstStyle/>
+                    <a:p>
+                      <a:pPr latinLnBrk="1"/>
+                      <a:endParaRPr lang="ko-KR" altLang="en-US" dirty="0"/>
+                    </a:p>
+                  </a:txBody>
+                  <a:tcPr>
+                    <a:lnL w="12700" cap="flat" cmpd="sng" algn="ctr">
+                      <a:solidFill>
+                        <a:srgbClr val="7030A0"/>
+                      </a:solidFill>
+                      <a:prstDash val="solid"/>
+                      <a:round/>
+                      <a:headEnd type="none" w="med" len="med"/>
+                      <a:tailEnd type="none" w="med" len="med"/>
+                    </a:lnL>
+                    <a:lnR w="12700" cap="flat" cmpd="sng" algn="ctr">
+                      <a:solidFill>
+                        <a:srgbClr val="7030A0"/>
+                      </a:solidFill>
+                      <a:prstDash val="solid"/>
+                      <a:round/>
+                      <a:headEnd type="none" w="med" len="med"/>
+                      <a:tailEnd type="none" w="med" len="med"/>
+                    </a:lnR>
+                    <a:lnT w="12700" cap="flat" cmpd="sng" algn="ctr">
+                      <a:solidFill>
+                        <a:srgbClr val="7030A0"/>
+                      </a:solidFill>
+                      <a:prstDash val="solid"/>
+                      <a:round/>
+                      <a:headEnd type="none" w="med" len="med"/>
+                      <a:tailEnd type="none" w="med" len="med"/>
+                    </a:lnT>
+                    <a:lnB w="12700" cap="flat" cmpd="sng" algn="ctr">
+                      <a:solidFill>
+                        <a:srgbClr val="7030A0"/>
+                      </a:solidFill>
+                      <a:prstDash val="solid"/>
+                      <a:round/>
+                      <a:headEnd type="none" w="med" len="med"/>
+                      <a:tailEnd type="none" w="med" len="med"/>
+                    </a:lnB>
+                    <a:lnTlToBr w="12700" cmpd="sng">
+                      <a:noFill/>
+                      <a:prstDash val="solid"/>
+                    </a:lnTlToBr>
+                    <a:lnBlToTr w="12700" cmpd="sng">
+                      <a:noFill/>
+                      <a:prstDash val="solid"/>
+                    </a:lnBlToTr>
+                  </a:tcPr>
+                </a:tc>
+                <a:tc>
+                  <a:txBody>
+                    <a:bodyPr/>
+                    <a:lstStyle/>
+                    <a:p>
+                      <a:pPr latinLnBrk="1"/>
+                      <a:endParaRPr lang="ko-KR" altLang="en-US" dirty="0"/>
+                    </a:p>
+                  </a:txBody>
+                  <a:tcPr>
+                    <a:lnL w="12700" cap="flat" cmpd="sng" algn="ctr">
+                      <a:solidFill>
+                        <a:srgbClr val="7030A0"/>
+                      </a:solidFill>
+                      <a:prstDash val="solid"/>
+                      <a:round/>
+                      <a:headEnd type="none" w="med" len="med"/>
+                      <a:tailEnd type="none" w="med" len="med"/>
+                    </a:lnL>
+                    <a:lnR w="12700" cap="flat" cmpd="sng" algn="ctr">
+                      <a:solidFill>
+                        <a:srgbClr val="7030A0"/>
+                      </a:solidFill>
+                      <a:prstDash val="solid"/>
+                      <a:round/>
+                      <a:headEnd type="none" w="med" len="med"/>
+                      <a:tailEnd type="none" w="med" len="med"/>
+                    </a:lnR>
+                    <a:lnT w="12700" cap="flat" cmpd="sng" algn="ctr">
+                      <a:solidFill>
+                        <a:srgbClr val="7030A0"/>
+                      </a:solidFill>
+                      <a:prstDash val="solid"/>
+                      <a:round/>
+                      <a:headEnd type="none" w="med" len="med"/>
+                      <a:tailEnd type="none" w="med" len="med"/>
+                    </a:lnT>
+                    <a:lnB w="12700" cap="flat" cmpd="sng" algn="ctr">
+                      <a:solidFill>
+                        <a:srgbClr val="7030A0"/>
+                      </a:solidFill>
+                      <a:prstDash val="solid"/>
+                      <a:round/>
+                      <a:headEnd type="none" w="med" len="med"/>
+                      <a:tailEnd type="none" w="med" len="med"/>
+                    </a:lnB>
+                    <a:lnTlToBr w="12700" cmpd="sng">
+                      <a:noFill/>
+                      <a:prstDash val="solid"/>
+                    </a:lnTlToBr>
+                    <a:lnBlToTr w="12700" cmpd="sng">
+                      <a:noFill/>
+                      <a:prstDash val="solid"/>
+                    </a:lnBlToTr>
+                  </a:tcPr>
+                </a:tc>
+                <a:tc>
+                  <a:txBody>
+                    <a:bodyPr/>
+                    <a:lstStyle/>
+                    <a:p>
+                      <a:pPr latinLnBrk="1"/>
+                      <a:endParaRPr lang="ko-KR" altLang="en-US" dirty="0"/>
+                    </a:p>
+                  </a:txBody>
+                  <a:tcPr>
+                    <a:lnL w="12700" cap="flat" cmpd="sng" algn="ctr">
+                      <a:solidFill>
+                        <a:srgbClr val="7030A0"/>
+                      </a:solidFill>
+                      <a:prstDash val="solid"/>
+                      <a:round/>
+                      <a:headEnd type="none" w="med" len="med"/>
+                      <a:tailEnd type="none" w="med" len="med"/>
+                    </a:lnL>
+                    <a:lnR w="12700" cap="flat" cmpd="sng" algn="ctr">
+                      <a:solidFill>
+                        <a:srgbClr val="7030A0"/>
+                      </a:solidFill>
+                      <a:prstDash val="solid"/>
+                      <a:round/>
+                      <a:headEnd type="none" w="med" len="med"/>
+                      <a:tailEnd type="none" w="med" len="med"/>
+                    </a:lnR>
+                    <a:lnT w="12700" cap="flat" cmpd="sng" algn="ctr">
+                      <a:solidFill>
+                        <a:srgbClr val="7030A0"/>
+                      </a:solidFill>
+                      <a:prstDash val="solid"/>
+                      <a:round/>
+                      <a:headEnd type="none" w="med" len="med"/>
+                      <a:tailEnd type="none" w="med" len="med"/>
+                    </a:lnT>
+                    <a:lnB w="12700" cap="flat" cmpd="sng" algn="ctr">
+                      <a:solidFill>
+                        <a:srgbClr val="7030A0"/>
+                      </a:solidFill>
+                      <a:prstDash val="solid"/>
+                      <a:round/>
+                      <a:headEnd type="none" w="med" len="med"/>
+                      <a:tailEnd type="none" w="med" len="med"/>
+                    </a:lnB>
+                    <a:lnTlToBr w="12700" cmpd="sng">
+                      <a:noFill/>
+                      <a:prstDash val="solid"/>
+                    </a:lnTlToBr>
+                    <a:lnBlToTr w="12700" cmpd="sng">
+                      <a:noFill/>
+                      <a:prstDash val="solid"/>
+                    </a:lnBlToTr>
+                  </a:tcPr>
+                </a:tc>
+                <a:tc>
+                  <a:txBody>
+                    <a:bodyPr/>
+                    <a:lstStyle/>
+                    <a:p>
+                      <a:pPr latinLnBrk="1"/>
+                      <a:endParaRPr lang="ko-KR" altLang="en-US"/>
+                    </a:p>
+                  </a:txBody>
+                  <a:tcPr>
+                    <a:lnL w="12700" cap="flat" cmpd="sng" algn="ctr">
+                      <a:solidFill>
+                        <a:srgbClr val="7030A0"/>
+                      </a:solidFill>
+                      <a:prstDash val="solid"/>
+                      <a:round/>
+                      <a:headEnd type="none" w="med" len="med"/>
+                      <a:tailEnd type="none" w="med" len="med"/>
+                    </a:lnL>
+                    <a:lnR w="12700" cap="flat" cmpd="sng" algn="ctr">
+                      <a:solidFill>
+                        <a:srgbClr val="7030A0"/>
+                      </a:solidFill>
+                      <a:prstDash val="solid"/>
+                      <a:round/>
+                      <a:headEnd type="none" w="med" len="med"/>
+                      <a:tailEnd type="none" w="med" len="med"/>
+                    </a:lnR>
+                    <a:lnT w="12700" cap="flat" cmpd="sng" algn="ctr">
+                      <a:solidFill>
+                        <a:srgbClr val="7030A0"/>
+                      </a:solidFill>
+                      <a:prstDash val="solid"/>
+                      <a:round/>
+                      <a:headEnd type="none" w="med" len="med"/>
+                      <a:tailEnd type="none" w="med" len="med"/>
+                    </a:lnT>
+                    <a:lnB w="12700" cap="flat" cmpd="sng" algn="ctr">
+                      <a:solidFill>
+                        <a:srgbClr val="7030A0"/>
+                      </a:solidFill>
+                      <a:prstDash val="solid"/>
+                      <a:round/>
+                      <a:headEnd type="none" w="med" len="med"/>
+                      <a:tailEnd type="none" w="med" len="med"/>
+                    </a:lnB>
+                    <a:lnTlToBr w="12700" cmpd="sng">
+                      <a:noFill/>
+                      <a:prstDash val="solid"/>
+                    </a:lnTlToBr>
+                    <a:lnBlToTr w="12700" cmpd="sng">
+                      <a:noFill/>
+                      <a:prstDash val="solid"/>
+                    </a:lnBlToTr>
+                  </a:tcPr>
+                </a:tc>
+                <a:extLst>
+                  <a:ext uri="{0D108BD9-81ED-4DB2-BD59-A6C34878D82A}">
+                    <a16:rowId xmlns:a16="http://schemas.microsoft.com/office/drawing/2014/main" val="2818474672"/>
+                  </a:ext>
+                </a:extLst>
+              </a:tr>
+              <a:tr h="360000">
+                <a:tc>
+                  <a:txBody>
+                    <a:bodyPr/>
+                    <a:lstStyle/>
+                    <a:p>
+                      <a:pPr latinLnBrk="1"/>
+                      <a:r>
+                        <a:rPr lang="en-US" altLang="ko-KR" dirty="0"/>
+                        <a:t>1</a:t>
+                      </a:r>
+                      <a:endParaRPr lang="ko-KR" altLang="en-US" dirty="0"/>
+                    </a:p>
+                  </a:txBody>
+                  <a:tcPr>
+                    <a:lnL w="12700" cap="flat" cmpd="sng" algn="ctr">
+                      <a:solidFill>
+                        <a:srgbClr val="7030A0"/>
+                      </a:solidFill>
+                      <a:prstDash val="solid"/>
+                      <a:round/>
+                      <a:headEnd type="none" w="med" len="med"/>
+                      <a:tailEnd type="none" w="med" len="med"/>
+                    </a:lnL>
+                    <a:lnR w="12700" cap="flat" cmpd="sng" algn="ctr">
+                      <a:solidFill>
+                        <a:srgbClr val="7030A0"/>
+                      </a:solidFill>
+                      <a:prstDash val="solid"/>
+                      <a:round/>
+                      <a:headEnd type="none" w="med" len="med"/>
+                      <a:tailEnd type="none" w="med" len="med"/>
+                    </a:lnR>
+                    <a:lnT w="12700" cap="flat" cmpd="sng" algn="ctr">
+                      <a:solidFill>
+                        <a:srgbClr val="7030A0"/>
+                      </a:solidFill>
+                      <a:prstDash val="solid"/>
+                      <a:round/>
+                      <a:headEnd type="none" w="med" len="med"/>
+                      <a:tailEnd type="none" w="med" len="med"/>
+                    </a:lnT>
+                    <a:lnB w="12700" cap="flat" cmpd="sng" algn="ctr">
+                      <a:solidFill>
+                        <a:srgbClr val="7030A0"/>
+                      </a:solidFill>
+                      <a:prstDash val="solid"/>
+                      <a:round/>
+                      <a:headEnd type="none" w="med" len="med"/>
+                      <a:tailEnd type="none" w="med" len="med"/>
+                    </a:lnB>
+                    <a:lnTlToBr w="12700" cmpd="sng">
+                      <a:noFill/>
+                      <a:prstDash val="solid"/>
+                    </a:lnTlToBr>
+                    <a:lnBlToTr w="12700" cmpd="sng">
+                      <a:noFill/>
+                      <a:prstDash val="solid"/>
+                    </a:lnBlToTr>
+                  </a:tcPr>
+                </a:tc>
+                <a:tc>
+                  <a:txBody>
+                    <a:bodyPr/>
+                    <a:lstStyle/>
+                    <a:p>
+                      <a:pPr latinLnBrk="1"/>
+                      <a:r>
+                        <a:rPr lang="en-US" altLang="ko-KR" dirty="0"/>
+                        <a:t>1</a:t>
+                      </a:r>
+                      <a:endParaRPr lang="ko-KR" altLang="en-US" dirty="0"/>
+                    </a:p>
+                  </a:txBody>
+                  <a:tcPr>
+                    <a:lnL w="12700" cap="flat" cmpd="sng" algn="ctr">
+                      <a:solidFill>
+                        <a:srgbClr val="7030A0"/>
+                      </a:solidFill>
+                      <a:prstDash val="solid"/>
+                      <a:round/>
+                      <a:headEnd type="none" w="med" len="med"/>
+                      <a:tailEnd type="none" w="med" len="med"/>
+                    </a:lnL>
+                    <a:lnR w="12700" cap="flat" cmpd="sng" algn="ctr">
+                      <a:solidFill>
+                        <a:srgbClr val="7030A0"/>
+                      </a:solidFill>
+                      <a:prstDash val="solid"/>
+                      <a:round/>
+                      <a:headEnd type="none" w="med" len="med"/>
+                      <a:tailEnd type="none" w="med" len="med"/>
+                    </a:lnR>
+                    <a:lnT w="12700" cap="flat" cmpd="sng" algn="ctr">
+                      <a:solidFill>
+                        <a:srgbClr val="7030A0"/>
+                      </a:solidFill>
+                      <a:prstDash val="solid"/>
+                      <a:round/>
+                      <a:headEnd type="none" w="med" len="med"/>
+                      <a:tailEnd type="none" w="med" len="med"/>
+                    </a:lnT>
+                    <a:lnB w="12700" cap="flat" cmpd="sng" algn="ctr">
+                      <a:solidFill>
+                        <a:srgbClr val="7030A0"/>
+                      </a:solidFill>
+                      <a:prstDash val="solid"/>
+                      <a:round/>
+                      <a:headEnd type="none" w="med" len="med"/>
+                      <a:tailEnd type="none" w="med" len="med"/>
+                    </a:lnB>
+                    <a:lnTlToBr w="12700" cmpd="sng">
+                      <a:noFill/>
+                      <a:prstDash val="solid"/>
+                    </a:lnTlToBr>
+                    <a:lnBlToTr w="12700" cmpd="sng">
+                      <a:noFill/>
+                      <a:prstDash val="solid"/>
+                    </a:lnBlToTr>
+                  </a:tcPr>
+                </a:tc>
+                <a:tc>
+                  <a:txBody>
+                    <a:bodyPr/>
+                    <a:lstStyle/>
+                    <a:p>
+                      <a:pPr latinLnBrk="1"/>
+                      <a:r>
+                        <a:rPr lang="en-US" altLang="ko-KR" dirty="0"/>
+                        <a:t>1</a:t>
+                      </a:r>
+                      <a:endParaRPr lang="ko-KR" altLang="en-US" dirty="0"/>
+                    </a:p>
+                  </a:txBody>
+                  <a:tcPr>
+                    <a:lnL w="12700" cap="flat" cmpd="sng" algn="ctr">
+                      <a:solidFill>
+                        <a:srgbClr val="7030A0"/>
+                      </a:solidFill>
+                      <a:prstDash val="solid"/>
+                      <a:round/>
+                      <a:headEnd type="none" w="med" len="med"/>
+                      <a:tailEnd type="none" w="med" len="med"/>
+                    </a:lnL>
+                    <a:lnR w="12700" cap="flat" cmpd="sng" algn="ctr">
+                      <a:solidFill>
+                        <a:srgbClr val="7030A0"/>
+                      </a:solidFill>
+                      <a:prstDash val="solid"/>
+                      <a:round/>
+                      <a:headEnd type="none" w="med" len="med"/>
+                      <a:tailEnd type="none" w="med" len="med"/>
+                    </a:lnR>
+                    <a:lnT w="12700" cap="flat" cmpd="sng" algn="ctr">
+                      <a:solidFill>
+                        <a:srgbClr val="7030A0"/>
+                      </a:solidFill>
+                      <a:prstDash val="solid"/>
+                      <a:round/>
+                      <a:headEnd type="none" w="med" len="med"/>
+                      <a:tailEnd type="none" w="med" len="med"/>
+                    </a:lnT>
+                    <a:lnB w="12700" cap="flat" cmpd="sng" algn="ctr">
+                      <a:solidFill>
+                        <a:srgbClr val="7030A0"/>
+                      </a:solidFill>
+                      <a:prstDash val="solid"/>
+                      <a:round/>
+                      <a:headEnd type="none" w="med" len="med"/>
+                      <a:tailEnd type="none" w="med" len="med"/>
+                    </a:lnB>
+                    <a:lnTlToBr w="12700" cmpd="sng">
+                      <a:noFill/>
+                      <a:prstDash val="solid"/>
+                    </a:lnTlToBr>
+                    <a:lnBlToTr w="12700" cmpd="sng">
+                      <a:noFill/>
+                      <a:prstDash val="solid"/>
+                    </a:lnBlToTr>
+                  </a:tcPr>
+                </a:tc>
+                <a:tc>
+                  <a:txBody>
+                    <a:bodyPr/>
+                    <a:lstStyle/>
+                    <a:p>
+                      <a:pPr latinLnBrk="1"/>
+                      <a:endParaRPr lang="ko-KR" altLang="en-US"/>
+                    </a:p>
+                  </a:txBody>
+                  <a:tcPr>
+                    <a:lnL w="12700" cap="flat" cmpd="sng" algn="ctr">
+                      <a:solidFill>
+                        <a:srgbClr val="7030A0"/>
+                      </a:solidFill>
+                      <a:prstDash val="solid"/>
+                      <a:round/>
+                      <a:headEnd type="none" w="med" len="med"/>
+                      <a:tailEnd type="none" w="med" len="med"/>
+                    </a:lnL>
+                    <a:lnR w="12700" cap="flat" cmpd="sng" algn="ctr">
+                      <a:solidFill>
+                        <a:srgbClr val="7030A0"/>
+                      </a:solidFill>
+                      <a:prstDash val="solid"/>
+                      <a:round/>
+                      <a:headEnd type="none" w="med" len="med"/>
+                      <a:tailEnd type="none" w="med" len="med"/>
+                    </a:lnR>
+                    <a:lnT w="12700" cap="flat" cmpd="sng" algn="ctr">
+                      <a:solidFill>
+                        <a:srgbClr val="7030A0"/>
+                      </a:solidFill>
+                      <a:prstDash val="solid"/>
+                      <a:round/>
+                      <a:headEnd type="none" w="med" len="med"/>
+                      <a:tailEnd type="none" w="med" len="med"/>
+                    </a:lnT>
+                    <a:lnB w="12700" cap="flat" cmpd="sng" algn="ctr">
+                      <a:solidFill>
+                        <a:srgbClr val="7030A0"/>
+                      </a:solidFill>
+                      <a:prstDash val="solid"/>
+                      <a:round/>
+                      <a:headEnd type="none" w="med" len="med"/>
+                      <a:tailEnd type="none" w="med" len="med"/>
+                    </a:lnB>
+                    <a:lnTlToBr w="12700" cmpd="sng">
+                      <a:noFill/>
+                      <a:prstDash val="solid"/>
+                    </a:lnTlToBr>
+                    <a:lnBlToTr w="12700" cmpd="sng">
+                      <a:noFill/>
+                      <a:prstDash val="solid"/>
+                    </a:lnBlToTr>
+                  </a:tcPr>
+                </a:tc>
+                <a:tc>
+                  <a:txBody>
+                    <a:bodyPr/>
+                    <a:lstStyle/>
+                    <a:p>
+                      <a:pPr latinLnBrk="1"/>
+                      <a:endParaRPr lang="ko-KR" altLang="en-US" dirty="0"/>
+                    </a:p>
+                  </a:txBody>
+                  <a:tcPr>
+                    <a:lnL w="12700" cap="flat" cmpd="sng" algn="ctr">
+                      <a:solidFill>
+                        <a:srgbClr val="7030A0"/>
+                      </a:solidFill>
+                      <a:prstDash val="solid"/>
+                      <a:round/>
+                      <a:headEnd type="none" w="med" len="med"/>
+                      <a:tailEnd type="none" w="med" len="med"/>
+                    </a:lnL>
+                    <a:lnR w="12700" cap="flat" cmpd="sng" algn="ctr">
+                      <a:solidFill>
+                        <a:srgbClr val="7030A0"/>
+                      </a:solidFill>
+                      <a:prstDash val="solid"/>
+                      <a:round/>
+                      <a:headEnd type="none" w="med" len="med"/>
+                      <a:tailEnd type="none" w="med" len="med"/>
+                    </a:lnR>
+                    <a:lnT w="12700" cap="flat" cmpd="sng" algn="ctr">
+                      <a:solidFill>
+                        <a:srgbClr val="7030A0"/>
+                      </a:solidFill>
+                      <a:prstDash val="solid"/>
+                      <a:round/>
+                      <a:headEnd type="none" w="med" len="med"/>
+                      <a:tailEnd type="none" w="med" len="med"/>
+                    </a:lnT>
+                    <a:lnB w="12700" cap="flat" cmpd="sng" algn="ctr">
+                      <a:solidFill>
+                        <a:srgbClr val="7030A0"/>
+                      </a:solidFill>
+                      <a:prstDash val="solid"/>
+                      <a:round/>
+                      <a:headEnd type="none" w="med" len="med"/>
+                      <a:tailEnd type="none" w="med" len="med"/>
+                    </a:lnB>
+                    <a:lnTlToBr w="12700" cmpd="sng">
+                      <a:noFill/>
+                      <a:prstDash val="solid"/>
+                    </a:lnTlToBr>
+                    <a:lnBlToTr w="12700" cmpd="sng">
+                      <a:noFill/>
+                      <a:prstDash val="solid"/>
+                    </a:lnBlToTr>
+                  </a:tcPr>
+                </a:tc>
+                <a:tc>
+                  <a:txBody>
+                    <a:bodyPr/>
+                    <a:lstStyle/>
+                    <a:p>
+                      <a:pPr latinLnBrk="1"/>
+                      <a:endParaRPr lang="ko-KR" altLang="en-US"/>
+                    </a:p>
+                  </a:txBody>
+                  <a:tcPr>
+                    <a:lnL w="12700" cap="flat" cmpd="sng" algn="ctr">
+                      <a:solidFill>
+                        <a:srgbClr val="7030A0"/>
+                      </a:solidFill>
+                      <a:prstDash val="solid"/>
+                      <a:round/>
+                      <a:headEnd type="none" w="med" len="med"/>
+                      <a:tailEnd type="none" w="med" len="med"/>
+                    </a:lnL>
+                    <a:lnR w="12700" cap="flat" cmpd="sng" algn="ctr">
+                      <a:solidFill>
+                        <a:srgbClr val="7030A0"/>
+                      </a:solidFill>
+                      <a:prstDash val="solid"/>
+                      <a:round/>
+                      <a:headEnd type="none" w="med" len="med"/>
+                      <a:tailEnd type="none" w="med" len="med"/>
+                    </a:lnR>
+                    <a:lnT w="12700" cap="flat" cmpd="sng" algn="ctr">
+                      <a:solidFill>
+                        <a:srgbClr val="7030A0"/>
+                      </a:solidFill>
+                      <a:prstDash val="solid"/>
+                      <a:round/>
+                      <a:headEnd type="none" w="med" len="med"/>
+                      <a:tailEnd type="none" w="med" len="med"/>
+                    </a:lnT>
+                    <a:lnB w="12700" cap="flat" cmpd="sng" algn="ctr">
+                      <a:solidFill>
+                        <a:srgbClr val="7030A0"/>
+                      </a:solidFill>
+                      <a:prstDash val="solid"/>
+                      <a:round/>
+                      <a:headEnd type="none" w="med" len="med"/>
+                      <a:tailEnd type="none" w="med" len="med"/>
+                    </a:lnB>
+                    <a:lnTlToBr w="12700" cmpd="sng">
+                      <a:noFill/>
+                      <a:prstDash val="solid"/>
+                    </a:lnTlToBr>
+                    <a:lnBlToTr w="12700" cmpd="sng">
+                      <a:noFill/>
+                      <a:prstDash val="solid"/>
+                    </a:lnBlToTr>
+                  </a:tcPr>
+                </a:tc>
+                <a:extLst>
+                  <a:ext uri="{0D108BD9-81ED-4DB2-BD59-A6C34878D82A}">
+                    <a16:rowId xmlns:a16="http://schemas.microsoft.com/office/drawing/2014/main" val="4050327832"/>
+                  </a:ext>
+                </a:extLst>
+              </a:tr>
+              <a:tr h="360000">
+                <a:tc>
+                  <a:txBody>
+                    <a:bodyPr/>
+                    <a:lstStyle/>
+                    <a:p>
+                      <a:pPr latinLnBrk="1"/>
+                      <a:endParaRPr lang="ko-KR" altLang="en-US"/>
+                    </a:p>
+                  </a:txBody>
+                  <a:tcPr>
+                    <a:lnL w="12700" cap="flat" cmpd="sng" algn="ctr">
+                      <a:solidFill>
+                        <a:srgbClr val="7030A0"/>
+                      </a:solidFill>
+                      <a:prstDash val="solid"/>
+                      <a:round/>
+                      <a:headEnd type="none" w="med" len="med"/>
+                      <a:tailEnd type="none" w="med" len="med"/>
+                    </a:lnL>
+                    <a:lnR w="12700" cap="flat" cmpd="sng" algn="ctr">
+                      <a:solidFill>
+                        <a:srgbClr val="7030A0"/>
+                      </a:solidFill>
+                      <a:prstDash val="solid"/>
+                      <a:round/>
+                      <a:headEnd type="none" w="med" len="med"/>
+                      <a:tailEnd type="none" w="med" len="med"/>
+                    </a:lnR>
+                    <a:lnT w="12700" cap="flat" cmpd="sng" algn="ctr">
+                      <a:solidFill>
+                        <a:srgbClr val="7030A0"/>
+                      </a:solidFill>
+                      <a:prstDash val="solid"/>
+                      <a:round/>
+                      <a:headEnd type="none" w="med" len="med"/>
+                      <a:tailEnd type="none" w="med" len="med"/>
+                    </a:lnT>
+                    <a:lnB w="12700" cap="flat" cmpd="sng" algn="ctr">
+                      <a:solidFill>
+                        <a:srgbClr val="7030A0"/>
+                      </a:solidFill>
+                      <a:prstDash val="solid"/>
+                      <a:round/>
+                      <a:headEnd type="none" w="med" len="med"/>
+                      <a:tailEnd type="none" w="med" len="med"/>
+                    </a:lnB>
+                    <a:lnTlToBr w="12700" cmpd="sng">
+                      <a:noFill/>
+                      <a:prstDash val="solid"/>
+                    </a:lnTlToBr>
+                    <a:lnBlToTr w="12700" cmpd="sng">
+                      <a:noFill/>
+                      <a:prstDash val="solid"/>
+                    </a:lnBlToTr>
+                  </a:tcPr>
+                </a:tc>
+                <a:tc>
+                  <a:txBody>
+                    <a:bodyPr/>
+                    <a:lstStyle/>
+                    <a:p>
+                      <a:pPr latinLnBrk="1"/>
+                      <a:r>
+                        <a:rPr lang="en-US" altLang="ko-KR" dirty="0"/>
+                        <a:t>1</a:t>
+                      </a:r>
+                      <a:endParaRPr lang="ko-KR" altLang="en-US" dirty="0"/>
+                    </a:p>
+                  </a:txBody>
+                  <a:tcPr>
+                    <a:lnL w="12700" cap="flat" cmpd="sng" algn="ctr">
+                      <a:solidFill>
+                        <a:srgbClr val="7030A0"/>
+                      </a:solidFill>
+                      <a:prstDash val="solid"/>
+                      <a:round/>
+                      <a:headEnd type="none" w="med" len="med"/>
+                      <a:tailEnd type="none" w="med" len="med"/>
+                    </a:lnL>
+                    <a:lnR w="12700" cap="flat" cmpd="sng" algn="ctr">
+                      <a:solidFill>
+                        <a:srgbClr val="7030A0"/>
+                      </a:solidFill>
+                      <a:prstDash val="solid"/>
+                      <a:round/>
+                      <a:headEnd type="none" w="med" len="med"/>
+                      <a:tailEnd type="none" w="med" len="med"/>
+                    </a:lnR>
+                    <a:lnT w="12700" cap="flat" cmpd="sng" algn="ctr">
+                      <a:solidFill>
+                        <a:srgbClr val="7030A0"/>
+                      </a:solidFill>
+                      <a:prstDash val="solid"/>
+                      <a:round/>
+                      <a:headEnd type="none" w="med" len="med"/>
+                      <a:tailEnd type="none" w="med" len="med"/>
+                    </a:lnT>
+                    <a:lnB w="12700" cap="flat" cmpd="sng" algn="ctr">
+                      <a:solidFill>
+                        <a:srgbClr val="7030A0"/>
+                      </a:solidFill>
+                      <a:prstDash val="solid"/>
+                      <a:round/>
+                      <a:headEnd type="none" w="med" len="med"/>
+                      <a:tailEnd type="none" w="med" len="med"/>
+                    </a:lnB>
+                    <a:lnTlToBr w="12700" cmpd="sng">
+                      <a:noFill/>
+                      <a:prstDash val="solid"/>
+                    </a:lnTlToBr>
+                    <a:lnBlToTr w="12700" cmpd="sng">
+                      <a:noFill/>
+                      <a:prstDash val="solid"/>
+                    </a:lnBlToTr>
+                  </a:tcPr>
+                </a:tc>
+                <a:tc>
+                  <a:txBody>
+                    <a:bodyPr/>
+                    <a:lstStyle/>
+                    <a:p>
+                      <a:pPr latinLnBrk="1"/>
+                      <a:endParaRPr lang="ko-KR" altLang="en-US" dirty="0"/>
+                    </a:p>
+                  </a:txBody>
+                  <a:tcPr>
+                    <a:lnL w="12700" cap="flat" cmpd="sng" algn="ctr">
+                      <a:solidFill>
+                        <a:srgbClr val="7030A0"/>
+                      </a:solidFill>
+                      <a:prstDash val="solid"/>
+                      <a:round/>
+                      <a:headEnd type="none" w="med" len="med"/>
+                      <a:tailEnd type="none" w="med" len="med"/>
+                    </a:lnL>
+                    <a:lnR w="12700" cap="flat" cmpd="sng" algn="ctr">
+                      <a:solidFill>
+                        <a:srgbClr val="7030A0"/>
+                      </a:solidFill>
+                      <a:prstDash val="solid"/>
+                      <a:round/>
+                      <a:headEnd type="none" w="med" len="med"/>
+                      <a:tailEnd type="none" w="med" len="med"/>
+                    </a:lnR>
+                    <a:lnT w="12700" cap="flat" cmpd="sng" algn="ctr">
+                      <a:solidFill>
+                        <a:srgbClr val="7030A0"/>
+                      </a:solidFill>
+                      <a:prstDash val="solid"/>
+                      <a:round/>
+                      <a:headEnd type="none" w="med" len="med"/>
+                      <a:tailEnd type="none" w="med" len="med"/>
+                    </a:lnT>
+                    <a:lnB w="12700" cap="flat" cmpd="sng" algn="ctr">
+                      <a:solidFill>
+                        <a:srgbClr val="7030A0"/>
+                      </a:solidFill>
+                      <a:prstDash val="solid"/>
+                      <a:round/>
+                      <a:headEnd type="none" w="med" len="med"/>
+                      <a:tailEnd type="none" w="med" len="med"/>
+                    </a:lnB>
+                    <a:lnTlToBr w="12700" cmpd="sng">
+                      <a:noFill/>
+                      <a:prstDash val="solid"/>
+                    </a:lnTlToBr>
+                    <a:lnBlToTr w="12700" cmpd="sng">
+                      <a:noFill/>
+                      <a:prstDash val="solid"/>
+                    </a:lnBlToTr>
+                  </a:tcPr>
+                </a:tc>
+                <a:tc>
+                  <a:txBody>
+                    <a:bodyPr/>
+                    <a:lstStyle/>
+                    <a:p>
+                      <a:pPr latinLnBrk="1"/>
+                      <a:endParaRPr lang="ko-KR" altLang="en-US" dirty="0"/>
+                    </a:p>
+                  </a:txBody>
+                  <a:tcPr>
+                    <a:lnL w="12700" cap="flat" cmpd="sng" algn="ctr">
+                      <a:solidFill>
+                        <a:srgbClr val="7030A0"/>
+                      </a:solidFill>
+                      <a:prstDash val="solid"/>
+                      <a:round/>
+                      <a:headEnd type="none" w="med" len="med"/>
+                      <a:tailEnd type="none" w="med" len="med"/>
+                    </a:lnL>
+                    <a:lnR w="12700" cap="flat" cmpd="sng" algn="ctr">
+                      <a:solidFill>
+                        <a:srgbClr val="7030A0"/>
+                      </a:solidFill>
+                      <a:prstDash val="solid"/>
+                      <a:round/>
+                      <a:headEnd type="none" w="med" len="med"/>
+                      <a:tailEnd type="none" w="med" len="med"/>
+                    </a:lnR>
+                    <a:lnT w="12700" cap="flat" cmpd="sng" algn="ctr">
+                      <a:solidFill>
+                        <a:srgbClr val="7030A0"/>
+                      </a:solidFill>
+                      <a:prstDash val="solid"/>
+                      <a:round/>
+                      <a:headEnd type="none" w="med" len="med"/>
+                      <a:tailEnd type="none" w="med" len="med"/>
+                    </a:lnT>
+                    <a:lnB w="12700" cap="flat" cmpd="sng" algn="ctr">
+                      <a:solidFill>
+                        <a:srgbClr val="7030A0"/>
+                      </a:solidFill>
+                      <a:prstDash val="solid"/>
+                      <a:round/>
+                      <a:headEnd type="none" w="med" len="med"/>
+                      <a:tailEnd type="none" w="med" len="med"/>
+                    </a:lnB>
+                    <a:lnTlToBr w="12700" cmpd="sng">
+                      <a:noFill/>
+                      <a:prstDash val="solid"/>
+                    </a:lnTlToBr>
+                    <a:lnBlToTr w="12700" cmpd="sng">
+                      <a:noFill/>
+                      <a:prstDash val="solid"/>
+                    </a:lnBlToTr>
+                  </a:tcPr>
+                </a:tc>
+                <a:tc>
+                  <a:txBody>
+                    <a:bodyPr/>
+                    <a:lstStyle/>
+                    <a:p>
+                      <a:pPr latinLnBrk="1"/>
+                      <a:endParaRPr lang="ko-KR" altLang="en-US"/>
+                    </a:p>
+                  </a:txBody>
+                  <a:tcPr>
+                    <a:lnL w="12700" cap="flat" cmpd="sng" algn="ctr">
+                      <a:solidFill>
+                        <a:srgbClr val="7030A0"/>
+                      </a:solidFill>
+                      <a:prstDash val="solid"/>
+                      <a:round/>
+                      <a:headEnd type="none" w="med" len="med"/>
+                      <a:tailEnd type="none" w="med" len="med"/>
+                    </a:lnL>
+                    <a:lnR w="12700" cap="flat" cmpd="sng" algn="ctr">
+                      <a:solidFill>
+                        <a:srgbClr val="7030A0"/>
+                      </a:solidFill>
+                      <a:prstDash val="solid"/>
+                      <a:round/>
+                      <a:headEnd type="none" w="med" len="med"/>
+                      <a:tailEnd type="none" w="med" len="med"/>
+                    </a:lnR>
+                    <a:lnT w="12700" cap="flat" cmpd="sng" algn="ctr">
+                      <a:solidFill>
+                        <a:srgbClr val="7030A0"/>
+                      </a:solidFill>
+                      <a:prstDash val="solid"/>
+                      <a:round/>
+                      <a:headEnd type="none" w="med" len="med"/>
+                      <a:tailEnd type="none" w="med" len="med"/>
+                    </a:lnT>
+                    <a:lnB w="12700" cap="flat" cmpd="sng" algn="ctr">
+                      <a:solidFill>
+                        <a:srgbClr val="7030A0"/>
+                      </a:solidFill>
+                      <a:prstDash val="solid"/>
+                      <a:round/>
+                      <a:headEnd type="none" w="med" len="med"/>
+                      <a:tailEnd type="none" w="med" len="med"/>
+                    </a:lnB>
+                    <a:lnTlToBr w="12700" cmpd="sng">
+                      <a:noFill/>
+                      <a:prstDash val="solid"/>
+                    </a:lnTlToBr>
+                    <a:lnBlToTr w="12700" cmpd="sng">
+                      <a:noFill/>
+                      <a:prstDash val="solid"/>
+                    </a:lnBlToTr>
+                  </a:tcPr>
+                </a:tc>
+                <a:tc>
+                  <a:txBody>
+                    <a:bodyPr/>
+                    <a:lstStyle/>
+                    <a:p>
+                      <a:pPr latinLnBrk="1"/>
+                      <a:endParaRPr lang="ko-KR" altLang="en-US"/>
+                    </a:p>
+                  </a:txBody>
+                  <a:tcPr>
+                    <a:lnL w="12700" cap="flat" cmpd="sng" algn="ctr">
+                      <a:solidFill>
+                        <a:srgbClr val="7030A0"/>
+                      </a:solidFill>
+                      <a:prstDash val="solid"/>
+                      <a:round/>
+                      <a:headEnd type="none" w="med" len="med"/>
+                      <a:tailEnd type="none" w="med" len="med"/>
+                    </a:lnL>
+                    <a:lnR w="12700" cap="flat" cmpd="sng" algn="ctr">
+                      <a:solidFill>
+                        <a:srgbClr val="7030A0"/>
+                      </a:solidFill>
+                      <a:prstDash val="solid"/>
+                      <a:round/>
+                      <a:headEnd type="none" w="med" len="med"/>
+                      <a:tailEnd type="none" w="med" len="med"/>
+                    </a:lnR>
+                    <a:lnT w="12700" cap="flat" cmpd="sng" algn="ctr">
+                      <a:solidFill>
+                        <a:srgbClr val="7030A0"/>
+                      </a:solidFill>
+                      <a:prstDash val="solid"/>
+                      <a:round/>
+                      <a:headEnd type="none" w="med" len="med"/>
+                      <a:tailEnd type="none" w="med" len="med"/>
+                    </a:lnT>
+                    <a:lnB w="12700" cap="flat" cmpd="sng" algn="ctr">
+                      <a:solidFill>
+                        <a:srgbClr val="7030A0"/>
+                      </a:solidFill>
+                      <a:prstDash val="solid"/>
+                      <a:round/>
+                      <a:headEnd type="none" w="med" len="med"/>
+                      <a:tailEnd type="none" w="med" len="med"/>
+                    </a:lnB>
+                    <a:lnTlToBr w="12700" cmpd="sng">
+                      <a:noFill/>
+                      <a:prstDash val="solid"/>
+                    </a:lnTlToBr>
+                    <a:lnBlToTr w="12700" cmpd="sng">
+                      <a:noFill/>
+                      <a:prstDash val="solid"/>
+                    </a:lnBlToTr>
+                  </a:tcPr>
+                </a:tc>
+                <a:extLst>
+                  <a:ext uri="{0D108BD9-81ED-4DB2-BD59-A6C34878D82A}">
+                    <a16:rowId xmlns:a16="http://schemas.microsoft.com/office/drawing/2014/main" val="3550917524"/>
+                  </a:ext>
+                </a:extLst>
+              </a:tr>
+              <a:tr h="360000">
+                <a:tc>
+                  <a:txBody>
+                    <a:bodyPr/>
+                    <a:lstStyle/>
+                    <a:p>
+                      <a:pPr latinLnBrk="1"/>
+                      <a:endParaRPr lang="ko-KR" altLang="en-US"/>
+                    </a:p>
+                  </a:txBody>
+                  <a:tcPr>
+                    <a:lnL w="12700" cap="flat" cmpd="sng" algn="ctr">
+                      <a:solidFill>
+                        <a:srgbClr val="7030A0"/>
+                      </a:solidFill>
+                      <a:prstDash val="solid"/>
+                      <a:round/>
+                      <a:headEnd type="none" w="med" len="med"/>
+                      <a:tailEnd type="none" w="med" len="med"/>
+                    </a:lnL>
+                    <a:lnR w="12700" cap="flat" cmpd="sng" algn="ctr">
+                      <a:solidFill>
+                        <a:srgbClr val="7030A0"/>
+                      </a:solidFill>
+                      <a:prstDash val="solid"/>
+                      <a:round/>
+                      <a:headEnd type="none" w="med" len="med"/>
+                      <a:tailEnd type="none" w="med" len="med"/>
+                    </a:lnR>
+                    <a:lnT w="12700" cap="flat" cmpd="sng" algn="ctr">
+                      <a:solidFill>
+                        <a:srgbClr val="7030A0"/>
+                      </a:solidFill>
+                      <a:prstDash val="solid"/>
+                      <a:round/>
+                      <a:headEnd type="none" w="med" len="med"/>
+                      <a:tailEnd type="none" w="med" len="med"/>
+                    </a:lnT>
+                    <a:lnB w="12700" cap="flat" cmpd="sng" algn="ctr">
+                      <a:solidFill>
+                        <a:srgbClr val="7030A0"/>
+                      </a:solidFill>
+                      <a:prstDash val="solid"/>
+                      <a:round/>
+                      <a:headEnd type="none" w="med" len="med"/>
+                      <a:tailEnd type="none" w="med" len="med"/>
+                    </a:lnB>
+                    <a:lnTlToBr w="12700" cmpd="sng">
+                      <a:noFill/>
+                      <a:prstDash val="solid"/>
+                    </a:lnTlToBr>
+                    <a:lnBlToTr w="12700" cmpd="sng">
+                      <a:noFill/>
+                      <a:prstDash val="solid"/>
+                    </a:lnBlToTr>
+                  </a:tcPr>
+                </a:tc>
+                <a:tc>
+                  <a:txBody>
+                    <a:bodyPr/>
+                    <a:lstStyle/>
+                    <a:p>
+                      <a:pPr latinLnBrk="1"/>
+                      <a:endParaRPr lang="ko-KR" altLang="en-US"/>
+                    </a:p>
+                  </a:txBody>
+                  <a:tcPr>
+                    <a:lnL w="12700" cap="flat" cmpd="sng" algn="ctr">
+                      <a:solidFill>
+                        <a:srgbClr val="7030A0"/>
+                      </a:solidFill>
+                      <a:prstDash val="solid"/>
+                      <a:round/>
+                      <a:headEnd type="none" w="med" len="med"/>
+                      <a:tailEnd type="none" w="med" len="med"/>
+                    </a:lnL>
+                    <a:lnR w="12700" cap="flat" cmpd="sng" algn="ctr">
+                      <a:solidFill>
+                        <a:srgbClr val="7030A0"/>
+                      </a:solidFill>
+                      <a:prstDash val="solid"/>
+                      <a:round/>
+                      <a:headEnd type="none" w="med" len="med"/>
+                      <a:tailEnd type="none" w="med" len="med"/>
+                    </a:lnR>
+                    <a:lnT w="12700" cap="flat" cmpd="sng" algn="ctr">
+                      <a:solidFill>
+                        <a:srgbClr val="7030A0"/>
+                      </a:solidFill>
+                      <a:prstDash val="solid"/>
+                      <a:round/>
+                      <a:headEnd type="none" w="med" len="med"/>
+                      <a:tailEnd type="none" w="med" len="med"/>
+                    </a:lnT>
+                    <a:lnB w="12700" cap="flat" cmpd="sng" algn="ctr">
+                      <a:solidFill>
+                        <a:srgbClr val="7030A0"/>
+                      </a:solidFill>
+                      <a:prstDash val="solid"/>
+                      <a:round/>
+                      <a:headEnd type="none" w="med" len="med"/>
+                      <a:tailEnd type="none" w="med" len="med"/>
+                    </a:lnB>
+                    <a:lnTlToBr w="12700" cmpd="sng">
+                      <a:noFill/>
+                      <a:prstDash val="solid"/>
+                    </a:lnTlToBr>
+                    <a:lnBlToTr w="12700" cmpd="sng">
+                      <a:noFill/>
+                      <a:prstDash val="solid"/>
+                    </a:lnBlToTr>
+                  </a:tcPr>
+                </a:tc>
+                <a:tc>
+                  <a:txBody>
+                    <a:bodyPr/>
+                    <a:lstStyle/>
+                    <a:p>
+                      <a:pPr latinLnBrk="1"/>
+                      <a:endParaRPr lang="ko-KR" altLang="en-US" dirty="0"/>
+                    </a:p>
+                  </a:txBody>
+                  <a:tcPr>
+                    <a:lnL w="12700" cap="flat" cmpd="sng" algn="ctr">
+                      <a:solidFill>
+                        <a:srgbClr val="7030A0"/>
+                      </a:solidFill>
+                      <a:prstDash val="solid"/>
+                      <a:round/>
+                      <a:headEnd type="none" w="med" len="med"/>
+                      <a:tailEnd type="none" w="med" len="med"/>
+                    </a:lnL>
+                    <a:lnR w="12700" cap="flat" cmpd="sng" algn="ctr">
+                      <a:solidFill>
+                        <a:srgbClr val="7030A0"/>
+                      </a:solidFill>
+                      <a:prstDash val="solid"/>
+                      <a:round/>
+                      <a:headEnd type="none" w="med" len="med"/>
+                      <a:tailEnd type="none" w="med" len="med"/>
+                    </a:lnR>
+                    <a:lnT w="12700" cap="flat" cmpd="sng" algn="ctr">
+                      <a:solidFill>
+                        <a:srgbClr val="7030A0"/>
+                      </a:solidFill>
+                      <a:prstDash val="solid"/>
+                      <a:round/>
+                      <a:headEnd type="none" w="med" len="med"/>
+                      <a:tailEnd type="none" w="med" len="med"/>
+                    </a:lnT>
+                    <a:lnB w="12700" cap="flat" cmpd="sng" algn="ctr">
+                      <a:solidFill>
+                        <a:srgbClr val="7030A0"/>
+                      </a:solidFill>
+                      <a:prstDash val="solid"/>
+                      <a:round/>
+                      <a:headEnd type="none" w="med" len="med"/>
+                      <a:tailEnd type="none" w="med" len="med"/>
+                    </a:lnB>
+                    <a:lnTlToBr w="12700" cmpd="sng">
+                      <a:noFill/>
+                      <a:prstDash val="solid"/>
+                    </a:lnTlToBr>
+                    <a:lnBlToTr w="12700" cmpd="sng">
+                      <a:noFill/>
+                      <a:prstDash val="solid"/>
+                    </a:lnBlToTr>
+                  </a:tcPr>
+                </a:tc>
+                <a:tc>
+                  <a:txBody>
+                    <a:bodyPr/>
+                    <a:lstStyle/>
+                    <a:p>
+                      <a:pPr latinLnBrk="1"/>
+                      <a:endParaRPr lang="ko-KR" altLang="en-US" dirty="0"/>
+                    </a:p>
+                  </a:txBody>
+                  <a:tcPr>
+                    <a:lnL w="12700" cap="flat" cmpd="sng" algn="ctr">
+                      <a:solidFill>
+                        <a:srgbClr val="7030A0"/>
+                      </a:solidFill>
+                      <a:prstDash val="solid"/>
+                      <a:round/>
+                      <a:headEnd type="none" w="med" len="med"/>
+                      <a:tailEnd type="none" w="med" len="med"/>
+                    </a:lnL>
+                    <a:lnR w="12700" cap="flat" cmpd="sng" algn="ctr">
+                      <a:solidFill>
+                        <a:srgbClr val="7030A0"/>
+                      </a:solidFill>
+                      <a:prstDash val="solid"/>
+                      <a:round/>
+                      <a:headEnd type="none" w="med" len="med"/>
+                      <a:tailEnd type="none" w="med" len="med"/>
+                    </a:lnR>
+                    <a:lnT w="12700" cap="flat" cmpd="sng" algn="ctr">
+                      <a:solidFill>
+                        <a:srgbClr val="7030A0"/>
+                      </a:solidFill>
+                      <a:prstDash val="solid"/>
+                      <a:round/>
+                      <a:headEnd type="none" w="med" len="med"/>
+                      <a:tailEnd type="none" w="med" len="med"/>
+                    </a:lnT>
+                    <a:lnB w="12700" cap="flat" cmpd="sng" algn="ctr">
+                      <a:solidFill>
+                        <a:srgbClr val="7030A0"/>
+                      </a:solidFill>
+                      <a:prstDash val="solid"/>
+                      <a:round/>
+                      <a:headEnd type="none" w="med" len="med"/>
+                      <a:tailEnd type="none" w="med" len="med"/>
+                    </a:lnB>
+                    <a:lnTlToBr w="12700" cmpd="sng">
+                      <a:noFill/>
+                      <a:prstDash val="solid"/>
+                    </a:lnTlToBr>
+                    <a:lnBlToTr w="12700" cmpd="sng">
+                      <a:noFill/>
+                      <a:prstDash val="solid"/>
+                    </a:lnBlToTr>
+                  </a:tcPr>
+                </a:tc>
+                <a:tc>
+                  <a:txBody>
+                    <a:bodyPr/>
+                    <a:lstStyle/>
+                    <a:p>
+                      <a:pPr latinLnBrk="1"/>
+                      <a:endParaRPr lang="ko-KR" altLang="en-US" dirty="0"/>
+                    </a:p>
+                  </a:txBody>
+                  <a:tcPr>
+                    <a:lnL w="12700" cap="flat" cmpd="sng" algn="ctr">
+                      <a:solidFill>
+                        <a:srgbClr val="7030A0"/>
+                      </a:solidFill>
+                      <a:prstDash val="solid"/>
+                      <a:round/>
+                      <a:headEnd type="none" w="med" len="med"/>
+                      <a:tailEnd type="none" w="med" len="med"/>
+                    </a:lnL>
+                    <a:lnR w="12700" cap="flat" cmpd="sng" algn="ctr">
+                      <a:solidFill>
+                        <a:srgbClr val="7030A0"/>
+                      </a:solidFill>
+                      <a:prstDash val="solid"/>
+                      <a:round/>
+                      <a:headEnd type="none" w="med" len="med"/>
+                      <a:tailEnd type="none" w="med" len="med"/>
+                    </a:lnR>
+                    <a:lnT w="12700" cap="flat" cmpd="sng" algn="ctr">
+                      <a:solidFill>
+                        <a:srgbClr val="7030A0"/>
+                      </a:solidFill>
+                      <a:prstDash val="solid"/>
+                      <a:round/>
+                      <a:headEnd type="none" w="med" len="med"/>
+                      <a:tailEnd type="none" w="med" len="med"/>
+                    </a:lnT>
+                    <a:lnB w="12700" cap="flat" cmpd="sng" algn="ctr">
+                      <a:solidFill>
+                        <a:srgbClr val="7030A0"/>
+                      </a:solidFill>
+                      <a:prstDash val="solid"/>
+                      <a:round/>
+                      <a:headEnd type="none" w="med" len="med"/>
+                      <a:tailEnd type="none" w="med" len="med"/>
+                    </a:lnB>
+                    <a:lnTlToBr w="12700" cmpd="sng">
+                      <a:noFill/>
+                      <a:prstDash val="solid"/>
+                    </a:lnTlToBr>
+                    <a:lnBlToTr w="12700" cmpd="sng">
+                      <a:noFill/>
+                      <a:prstDash val="solid"/>
+                    </a:lnBlToTr>
+                  </a:tcPr>
+                </a:tc>
+                <a:tc>
+                  <a:txBody>
+                    <a:bodyPr/>
+                    <a:lstStyle/>
+                    <a:p>
+                      <a:pPr latinLnBrk="1"/>
+                      <a:endParaRPr lang="ko-KR" altLang="en-US" dirty="0"/>
+                    </a:p>
+                  </a:txBody>
+                  <a:tcPr>
+                    <a:lnL w="12700" cap="flat" cmpd="sng" algn="ctr">
+                      <a:solidFill>
+                        <a:srgbClr val="7030A0"/>
+                      </a:solidFill>
+                      <a:prstDash val="solid"/>
+                      <a:round/>
+                      <a:headEnd type="none" w="med" len="med"/>
+                      <a:tailEnd type="none" w="med" len="med"/>
+                    </a:lnL>
+                    <a:lnR w="12700" cap="flat" cmpd="sng" algn="ctr">
+                      <a:solidFill>
+                        <a:srgbClr val="7030A0"/>
+                      </a:solidFill>
+                      <a:prstDash val="solid"/>
+                      <a:round/>
+                      <a:headEnd type="none" w="med" len="med"/>
+                      <a:tailEnd type="none" w="med" len="med"/>
+                    </a:lnR>
+                    <a:lnT w="12700" cap="flat" cmpd="sng" algn="ctr">
+                      <a:solidFill>
+                        <a:srgbClr val="7030A0"/>
+                      </a:solidFill>
+                      <a:prstDash val="solid"/>
+                      <a:round/>
+                      <a:headEnd type="none" w="med" len="med"/>
+                      <a:tailEnd type="none" w="med" len="med"/>
+                    </a:lnT>
+                    <a:lnB w="12700" cap="flat" cmpd="sng" algn="ctr">
+                      <a:solidFill>
+                        <a:srgbClr val="7030A0"/>
+                      </a:solidFill>
+                      <a:prstDash val="solid"/>
+                      <a:round/>
+                      <a:headEnd type="none" w="med" len="med"/>
+                      <a:tailEnd type="none" w="med" len="med"/>
+                    </a:lnB>
+                    <a:lnTlToBr w="12700" cmpd="sng">
+                      <a:noFill/>
+                      <a:prstDash val="solid"/>
+                    </a:lnTlToBr>
+                    <a:lnBlToTr w="12700" cmpd="sng">
+                      <a:noFill/>
+                      <a:prstDash val="solid"/>
+                    </a:lnBlToTr>
+                  </a:tcPr>
+                </a:tc>
+                <a:extLst>
+                  <a:ext uri="{0D108BD9-81ED-4DB2-BD59-A6C34878D82A}">
+                    <a16:rowId xmlns:a16="http://schemas.microsoft.com/office/drawing/2014/main" val="4247370495"/>
+                  </a:ext>
+                </a:extLst>
+              </a:tr>
+              <a:tr h="360000">
+                <a:tc>
+                  <a:txBody>
+                    <a:bodyPr/>
+                    <a:lstStyle/>
+                    <a:p>
+                      <a:pPr latinLnBrk="1"/>
+                      <a:endParaRPr lang="ko-KR" altLang="en-US" dirty="0"/>
+                    </a:p>
+                  </a:txBody>
+                  <a:tcPr>
+                    <a:lnL w="12700" cap="flat" cmpd="sng" algn="ctr">
+                      <a:solidFill>
+                        <a:srgbClr val="7030A0"/>
+                      </a:solidFill>
+                      <a:prstDash val="solid"/>
+                      <a:round/>
+                      <a:headEnd type="none" w="med" len="med"/>
+                      <a:tailEnd type="none" w="med" len="med"/>
+                    </a:lnL>
+                    <a:lnR w="12700" cap="flat" cmpd="sng" algn="ctr">
+                      <a:solidFill>
+                        <a:srgbClr val="7030A0"/>
+                      </a:solidFill>
+                      <a:prstDash val="solid"/>
+                      <a:round/>
+                      <a:headEnd type="none" w="med" len="med"/>
+                      <a:tailEnd type="none" w="med" len="med"/>
+                    </a:lnR>
+                    <a:lnT w="12700" cap="flat" cmpd="sng" algn="ctr">
+                      <a:solidFill>
+                        <a:srgbClr val="7030A0"/>
+                      </a:solidFill>
+                      <a:prstDash val="solid"/>
+                      <a:round/>
+                      <a:headEnd type="none" w="med" len="med"/>
+                      <a:tailEnd type="none" w="med" len="med"/>
+                    </a:lnT>
+                    <a:lnB w="12700" cap="flat" cmpd="sng" algn="ctr">
+                      <a:solidFill>
+                        <a:srgbClr val="7030A0"/>
+                      </a:solidFill>
+                      <a:prstDash val="solid"/>
+                      <a:round/>
+                      <a:headEnd type="none" w="med" len="med"/>
+                      <a:tailEnd type="none" w="med" len="med"/>
+                    </a:lnB>
+                    <a:lnTlToBr w="12700" cmpd="sng">
+                      <a:noFill/>
+                      <a:prstDash val="solid"/>
+                    </a:lnTlToBr>
+                    <a:lnBlToTr w="12700" cmpd="sng">
+                      <a:noFill/>
+                      <a:prstDash val="solid"/>
+                    </a:lnBlToTr>
+                  </a:tcPr>
+                </a:tc>
+                <a:tc>
+                  <a:txBody>
+                    <a:bodyPr/>
+                    <a:lstStyle/>
+                    <a:p>
+                      <a:pPr latinLnBrk="1"/>
+                      <a:endParaRPr lang="ko-KR" altLang="en-US" dirty="0"/>
+                    </a:p>
+                  </a:txBody>
+                  <a:tcPr>
+                    <a:lnL w="12700" cap="flat" cmpd="sng" algn="ctr">
+                      <a:solidFill>
+                        <a:srgbClr val="7030A0"/>
+                      </a:solidFill>
+                      <a:prstDash val="solid"/>
+                      <a:round/>
+                      <a:headEnd type="none" w="med" len="med"/>
+                      <a:tailEnd type="none" w="med" len="med"/>
+                    </a:lnL>
+                    <a:lnR w="12700" cap="flat" cmpd="sng" algn="ctr">
+                      <a:solidFill>
+                        <a:srgbClr val="7030A0"/>
+                      </a:solidFill>
+                      <a:prstDash val="solid"/>
+                      <a:round/>
+                      <a:headEnd type="none" w="med" len="med"/>
+                      <a:tailEnd type="none" w="med" len="med"/>
+                    </a:lnR>
+                    <a:lnT w="12700" cap="flat" cmpd="sng" algn="ctr">
+                      <a:solidFill>
+                        <a:srgbClr val="7030A0"/>
+                      </a:solidFill>
+                      <a:prstDash val="solid"/>
+                      <a:round/>
+                      <a:headEnd type="none" w="med" len="med"/>
+                      <a:tailEnd type="none" w="med" len="med"/>
+                    </a:lnT>
+                    <a:lnB w="12700" cap="flat" cmpd="sng" algn="ctr">
+                      <a:solidFill>
+                        <a:srgbClr val="7030A0"/>
+                      </a:solidFill>
+                      <a:prstDash val="solid"/>
+                      <a:round/>
+                      <a:headEnd type="none" w="med" len="med"/>
+                      <a:tailEnd type="none" w="med" len="med"/>
+                    </a:lnB>
+                    <a:lnTlToBr w="12700" cmpd="sng">
+                      <a:noFill/>
+                      <a:prstDash val="solid"/>
+                    </a:lnTlToBr>
+                    <a:lnBlToTr w="12700" cmpd="sng">
+                      <a:noFill/>
+                      <a:prstDash val="solid"/>
+                    </a:lnBlToTr>
+                  </a:tcPr>
+                </a:tc>
+                <a:tc>
+                  <a:txBody>
+                    <a:bodyPr/>
+                    <a:lstStyle/>
+                    <a:p>
+                      <a:pPr latinLnBrk="1"/>
+                      <a:endParaRPr lang="ko-KR" altLang="en-US" dirty="0"/>
+                    </a:p>
+                  </a:txBody>
+                  <a:tcPr>
+                    <a:lnL w="12700" cap="flat" cmpd="sng" algn="ctr">
+                      <a:solidFill>
+                        <a:srgbClr val="7030A0"/>
+                      </a:solidFill>
+                      <a:prstDash val="solid"/>
+                      <a:round/>
+                      <a:headEnd type="none" w="med" len="med"/>
+                      <a:tailEnd type="none" w="med" len="med"/>
+                    </a:lnL>
+                    <a:lnR w="12700" cap="flat" cmpd="sng" algn="ctr">
+                      <a:solidFill>
+                        <a:srgbClr val="7030A0"/>
+                      </a:solidFill>
+                      <a:prstDash val="solid"/>
+                      <a:round/>
+                      <a:headEnd type="none" w="med" len="med"/>
+                      <a:tailEnd type="none" w="med" len="med"/>
+                    </a:lnR>
+                    <a:lnT w="12700" cap="flat" cmpd="sng" algn="ctr">
+                      <a:solidFill>
+                        <a:srgbClr val="7030A0"/>
+                      </a:solidFill>
+                      <a:prstDash val="solid"/>
+                      <a:round/>
+                      <a:headEnd type="none" w="med" len="med"/>
+                      <a:tailEnd type="none" w="med" len="med"/>
+                    </a:lnT>
+                    <a:lnB w="12700" cap="flat" cmpd="sng" algn="ctr">
+                      <a:solidFill>
+                        <a:srgbClr val="7030A0"/>
+                      </a:solidFill>
+                      <a:prstDash val="solid"/>
+                      <a:round/>
+                      <a:headEnd type="none" w="med" len="med"/>
+                      <a:tailEnd type="none" w="med" len="med"/>
+                    </a:lnB>
+                    <a:lnTlToBr w="12700" cmpd="sng">
+                      <a:noFill/>
+                      <a:prstDash val="solid"/>
+                    </a:lnTlToBr>
+                    <a:lnBlToTr w="12700" cmpd="sng">
+                      <a:noFill/>
+                      <a:prstDash val="solid"/>
+                    </a:lnBlToTr>
+                  </a:tcPr>
+                </a:tc>
+                <a:tc>
+                  <a:txBody>
+                    <a:bodyPr/>
+                    <a:lstStyle/>
+                    <a:p>
+                      <a:pPr latinLnBrk="1"/>
+                      <a:endParaRPr lang="ko-KR" altLang="en-US" dirty="0"/>
+                    </a:p>
+                  </a:txBody>
+                  <a:tcPr>
+                    <a:lnL w="12700" cap="flat" cmpd="sng" algn="ctr">
+                      <a:solidFill>
+                        <a:srgbClr val="7030A0"/>
+                      </a:solidFill>
+                      <a:prstDash val="solid"/>
+                      <a:round/>
+                      <a:headEnd type="none" w="med" len="med"/>
+                      <a:tailEnd type="none" w="med" len="med"/>
+                    </a:lnL>
+                    <a:lnR w="12700" cap="flat" cmpd="sng" algn="ctr">
+                      <a:solidFill>
+                        <a:srgbClr val="7030A0"/>
+                      </a:solidFill>
+                      <a:prstDash val="solid"/>
+                      <a:round/>
+                      <a:headEnd type="none" w="med" len="med"/>
+                      <a:tailEnd type="none" w="med" len="med"/>
+                    </a:lnR>
+                    <a:lnT w="12700" cap="flat" cmpd="sng" algn="ctr">
+                      <a:solidFill>
+                        <a:srgbClr val="7030A0"/>
+                      </a:solidFill>
+                      <a:prstDash val="solid"/>
+                      <a:round/>
+                      <a:headEnd type="none" w="med" len="med"/>
+                      <a:tailEnd type="none" w="med" len="med"/>
+                    </a:lnT>
+                    <a:lnB w="12700" cap="flat" cmpd="sng" algn="ctr">
+                      <a:solidFill>
+                        <a:srgbClr val="7030A0"/>
+                      </a:solidFill>
+                      <a:prstDash val="solid"/>
+                      <a:round/>
+                      <a:headEnd type="none" w="med" len="med"/>
+                      <a:tailEnd type="none" w="med" len="med"/>
+                    </a:lnB>
+                    <a:lnTlToBr w="12700" cmpd="sng">
+                      <a:noFill/>
+                      <a:prstDash val="solid"/>
+                    </a:lnTlToBr>
+                    <a:lnBlToTr w="12700" cmpd="sng">
+                      <a:noFill/>
+                      <a:prstDash val="solid"/>
+                    </a:lnBlToTr>
+                  </a:tcPr>
+                </a:tc>
+                <a:tc>
+                  <a:txBody>
+                    <a:bodyPr/>
+                    <a:lstStyle/>
+                    <a:p>
+                      <a:pPr latinLnBrk="1"/>
+                      <a:endParaRPr lang="ko-KR" altLang="en-US" dirty="0"/>
+                    </a:p>
+                  </a:txBody>
+                  <a:tcPr>
+                    <a:lnL w="12700" cap="flat" cmpd="sng" algn="ctr">
+                      <a:solidFill>
+                        <a:srgbClr val="7030A0"/>
+                      </a:solidFill>
+                      <a:prstDash val="solid"/>
+                      <a:round/>
+                      <a:headEnd type="none" w="med" len="med"/>
+                      <a:tailEnd type="none" w="med" len="med"/>
+                    </a:lnL>
+                    <a:lnR w="12700" cap="flat" cmpd="sng" algn="ctr">
+                      <a:solidFill>
+                        <a:srgbClr val="7030A0"/>
+                      </a:solidFill>
+                      <a:prstDash val="solid"/>
+                      <a:round/>
+                      <a:headEnd type="none" w="med" len="med"/>
+                      <a:tailEnd type="none" w="med" len="med"/>
+                    </a:lnR>
+                    <a:lnT w="12700" cap="flat" cmpd="sng" algn="ctr">
+                      <a:solidFill>
+                        <a:srgbClr val="7030A0"/>
+                      </a:solidFill>
+                      <a:prstDash val="solid"/>
+                      <a:round/>
+                      <a:headEnd type="none" w="med" len="med"/>
+                      <a:tailEnd type="none" w="med" len="med"/>
+                    </a:lnT>
+                    <a:lnB w="12700" cap="flat" cmpd="sng" algn="ctr">
+                      <a:solidFill>
+                        <a:srgbClr val="7030A0"/>
+                      </a:solidFill>
+                      <a:prstDash val="solid"/>
+                      <a:round/>
+                      <a:headEnd type="none" w="med" len="med"/>
+                      <a:tailEnd type="none" w="med" len="med"/>
+                    </a:lnB>
+                    <a:lnTlToBr w="12700" cmpd="sng">
+                      <a:noFill/>
+                      <a:prstDash val="solid"/>
+                    </a:lnTlToBr>
+                    <a:lnBlToTr w="12700" cmpd="sng">
+                      <a:noFill/>
+                      <a:prstDash val="solid"/>
+                    </a:lnBlToTr>
+                  </a:tcPr>
+                </a:tc>
+                <a:tc>
+                  <a:txBody>
+                    <a:bodyPr/>
+                    <a:lstStyle/>
+                    <a:p>
+                      <a:pPr latinLnBrk="1"/>
+                      <a:endParaRPr lang="ko-KR" altLang="en-US" dirty="0"/>
+                    </a:p>
+                  </a:txBody>
+                  <a:tcPr>
+                    <a:lnL w="12700" cap="flat" cmpd="sng" algn="ctr">
+                      <a:solidFill>
+                        <a:srgbClr val="7030A0"/>
+                      </a:solidFill>
+                      <a:prstDash val="solid"/>
+                      <a:round/>
+                      <a:headEnd type="none" w="med" len="med"/>
+                      <a:tailEnd type="none" w="med" len="med"/>
+                    </a:lnL>
+                    <a:lnR w="12700" cap="flat" cmpd="sng" algn="ctr">
+                      <a:solidFill>
+                        <a:srgbClr val="7030A0"/>
+                      </a:solidFill>
+                      <a:prstDash val="solid"/>
+                      <a:round/>
+                      <a:headEnd type="none" w="med" len="med"/>
+                      <a:tailEnd type="none" w="med" len="med"/>
+                    </a:lnR>
+                    <a:lnT w="12700" cap="flat" cmpd="sng" algn="ctr">
+                      <a:solidFill>
+                        <a:srgbClr val="7030A0"/>
+                      </a:solidFill>
+                      <a:prstDash val="solid"/>
+                      <a:round/>
+                      <a:headEnd type="none" w="med" len="med"/>
+                      <a:tailEnd type="none" w="med" len="med"/>
+                    </a:lnT>
+                    <a:lnB w="12700" cap="flat" cmpd="sng" algn="ctr">
+                      <a:solidFill>
+                        <a:srgbClr val="7030A0"/>
+                      </a:solidFill>
+                      <a:prstDash val="solid"/>
+                      <a:round/>
+                      <a:headEnd type="none" w="med" len="med"/>
+                      <a:tailEnd type="none" w="med" len="med"/>
+                    </a:lnB>
+                    <a:lnTlToBr w="12700" cmpd="sng">
+                      <a:noFill/>
+                      <a:prstDash val="solid"/>
+                    </a:lnTlToBr>
+                    <a:lnBlToTr w="12700" cmpd="sng">
+                      <a:noFill/>
+                      <a:prstDash val="solid"/>
+                    </a:lnBlToTr>
+                  </a:tcPr>
+                </a:tc>
+                <a:extLst>
+                  <a:ext uri="{0D108BD9-81ED-4DB2-BD59-A6C34878D82A}">
+                    <a16:rowId xmlns:a16="http://schemas.microsoft.com/office/drawing/2014/main" val="3424213362"/>
+                  </a:ext>
+                </a:extLst>
+              </a:tr>
+              <a:tr h="360000">
+                <a:tc>
+                  <a:txBody>
+                    <a:bodyPr/>
+                    <a:lstStyle/>
+                    <a:p>
+                      <a:pPr latinLnBrk="1"/>
+                      <a:endParaRPr lang="ko-KR" altLang="en-US" dirty="0"/>
+                    </a:p>
+                  </a:txBody>
+                  <a:tcPr>
+                    <a:lnL w="12700" cap="flat" cmpd="sng" algn="ctr">
+                      <a:solidFill>
+                        <a:srgbClr val="7030A0"/>
+                      </a:solidFill>
+                      <a:prstDash val="solid"/>
+                      <a:round/>
+                      <a:headEnd type="none" w="med" len="med"/>
+                      <a:tailEnd type="none" w="med" len="med"/>
+                    </a:lnL>
+                    <a:lnR w="12700" cap="flat" cmpd="sng" algn="ctr">
+                      <a:solidFill>
+                        <a:srgbClr val="7030A0"/>
+                      </a:solidFill>
+                      <a:prstDash val="solid"/>
+                      <a:round/>
+                      <a:headEnd type="none" w="med" len="med"/>
+                      <a:tailEnd type="none" w="med" len="med"/>
+                    </a:lnR>
+                    <a:lnT w="12700" cap="flat" cmpd="sng" algn="ctr">
+                      <a:solidFill>
+                        <a:srgbClr val="7030A0"/>
+                      </a:solidFill>
+                      <a:prstDash val="solid"/>
+                      <a:round/>
+                      <a:headEnd type="none" w="med" len="med"/>
+                      <a:tailEnd type="none" w="med" len="med"/>
+                    </a:lnT>
+                    <a:lnB w="12700" cap="flat" cmpd="sng" algn="ctr">
+                      <a:solidFill>
+                        <a:srgbClr val="7030A0"/>
+                      </a:solidFill>
+                      <a:prstDash val="solid"/>
+                      <a:round/>
+                      <a:headEnd type="none" w="med" len="med"/>
+                      <a:tailEnd type="none" w="med" len="med"/>
+                    </a:lnB>
+                    <a:lnTlToBr w="12700" cmpd="sng">
+                      <a:noFill/>
+                      <a:prstDash val="solid"/>
+                    </a:lnTlToBr>
+                    <a:lnBlToTr w="12700" cmpd="sng">
+                      <a:noFill/>
+                      <a:prstDash val="solid"/>
+                    </a:lnBlToTr>
+                  </a:tcPr>
+                </a:tc>
+                <a:tc>
+                  <a:txBody>
+                    <a:bodyPr/>
+                    <a:lstStyle/>
+                    <a:p>
+                      <a:pPr latinLnBrk="1"/>
+                      <a:endParaRPr lang="ko-KR" altLang="en-US" dirty="0"/>
+                    </a:p>
+                  </a:txBody>
+                  <a:tcPr>
+                    <a:lnL w="12700" cap="flat" cmpd="sng" algn="ctr">
+                      <a:solidFill>
+                        <a:srgbClr val="7030A0"/>
+                      </a:solidFill>
+                      <a:prstDash val="solid"/>
+                      <a:round/>
+                      <a:headEnd type="none" w="med" len="med"/>
+                      <a:tailEnd type="none" w="med" len="med"/>
+                    </a:lnL>
+                    <a:lnR w="12700" cap="flat" cmpd="sng" algn="ctr">
+                      <a:solidFill>
+                        <a:srgbClr val="7030A0"/>
+                      </a:solidFill>
+                      <a:prstDash val="solid"/>
+                      <a:round/>
+                      <a:headEnd type="none" w="med" len="med"/>
+                      <a:tailEnd type="none" w="med" len="med"/>
+                    </a:lnR>
+                    <a:lnT w="12700" cap="flat" cmpd="sng" algn="ctr">
+                      <a:solidFill>
+                        <a:srgbClr val="7030A0"/>
+                      </a:solidFill>
+                      <a:prstDash val="solid"/>
+                      <a:round/>
+                      <a:headEnd type="none" w="med" len="med"/>
+                      <a:tailEnd type="none" w="med" len="med"/>
+                    </a:lnT>
+                    <a:lnB w="12700" cap="flat" cmpd="sng" algn="ctr">
+                      <a:solidFill>
+                        <a:srgbClr val="7030A0"/>
+                      </a:solidFill>
+                      <a:prstDash val="solid"/>
+                      <a:round/>
+                      <a:headEnd type="none" w="med" len="med"/>
+                      <a:tailEnd type="none" w="med" len="med"/>
+                    </a:lnB>
+                    <a:lnTlToBr w="12700" cmpd="sng">
+                      <a:noFill/>
+                      <a:prstDash val="solid"/>
+                    </a:lnTlToBr>
+                    <a:lnBlToTr w="12700" cmpd="sng">
+                      <a:noFill/>
+                      <a:prstDash val="solid"/>
+                    </a:lnBlToTr>
+                  </a:tcPr>
+                </a:tc>
+                <a:tc>
+                  <a:txBody>
+                    <a:bodyPr/>
+                    <a:lstStyle/>
+                    <a:p>
+                      <a:pPr latinLnBrk="1"/>
+                      <a:endParaRPr lang="ko-KR" altLang="en-US" dirty="0"/>
+                    </a:p>
+                  </a:txBody>
+                  <a:tcPr>
+                    <a:lnL w="12700" cap="flat" cmpd="sng" algn="ctr">
+                      <a:solidFill>
+                        <a:srgbClr val="7030A0"/>
+                      </a:solidFill>
+                      <a:prstDash val="solid"/>
+                      <a:round/>
+                      <a:headEnd type="none" w="med" len="med"/>
+                      <a:tailEnd type="none" w="med" len="med"/>
+                    </a:lnL>
+                    <a:lnR w="12700" cap="flat" cmpd="sng" algn="ctr">
+                      <a:solidFill>
+                        <a:srgbClr val="7030A0"/>
+                      </a:solidFill>
+                      <a:prstDash val="solid"/>
+                      <a:round/>
+                      <a:headEnd type="none" w="med" len="med"/>
+                      <a:tailEnd type="none" w="med" len="med"/>
+                    </a:lnR>
+                    <a:lnT w="12700" cap="flat" cmpd="sng" algn="ctr">
+                      <a:solidFill>
+                        <a:srgbClr val="7030A0"/>
+                      </a:solidFill>
+                      <a:prstDash val="solid"/>
+                      <a:round/>
+                      <a:headEnd type="none" w="med" len="med"/>
+                      <a:tailEnd type="none" w="med" len="med"/>
+                    </a:lnT>
+                    <a:lnB w="12700" cap="flat" cmpd="sng" algn="ctr">
+                      <a:solidFill>
+                        <a:srgbClr val="7030A0"/>
+                      </a:solidFill>
+                      <a:prstDash val="solid"/>
+                      <a:round/>
+                      <a:headEnd type="none" w="med" len="med"/>
+                      <a:tailEnd type="none" w="med" len="med"/>
+                    </a:lnB>
+                    <a:lnTlToBr w="12700" cmpd="sng">
+                      <a:noFill/>
+                      <a:prstDash val="solid"/>
+                    </a:lnTlToBr>
+                    <a:lnBlToTr w="12700" cmpd="sng">
+                      <a:noFill/>
+                      <a:prstDash val="solid"/>
+                    </a:lnBlToTr>
+                  </a:tcPr>
+                </a:tc>
+                <a:tc>
+                  <a:txBody>
+                    <a:bodyPr/>
+                    <a:lstStyle/>
+                    <a:p>
+                      <a:pPr latinLnBrk="1"/>
+                      <a:endParaRPr lang="ko-KR" altLang="en-US" dirty="0"/>
+                    </a:p>
+                  </a:txBody>
+                  <a:tcPr>
+                    <a:lnL w="12700" cap="flat" cmpd="sng" algn="ctr">
+                      <a:solidFill>
+                        <a:srgbClr val="7030A0"/>
+                      </a:solidFill>
+                      <a:prstDash val="solid"/>
+                      <a:round/>
+                      <a:headEnd type="none" w="med" len="med"/>
+                      <a:tailEnd type="none" w="med" len="med"/>
+                    </a:lnL>
+                    <a:lnR w="12700" cap="flat" cmpd="sng" algn="ctr">
+                      <a:solidFill>
+                        <a:srgbClr val="7030A0"/>
+                      </a:solidFill>
+                      <a:prstDash val="solid"/>
+                      <a:round/>
+                      <a:headEnd type="none" w="med" len="med"/>
+                      <a:tailEnd type="none" w="med" len="med"/>
+                    </a:lnR>
+                    <a:lnT w="12700" cap="flat" cmpd="sng" algn="ctr">
+                      <a:solidFill>
+                        <a:srgbClr val="7030A0"/>
+                      </a:solidFill>
+                      <a:prstDash val="solid"/>
+                      <a:round/>
+                      <a:headEnd type="none" w="med" len="med"/>
+                      <a:tailEnd type="none" w="med" len="med"/>
+                    </a:lnT>
+                    <a:lnB w="12700" cap="flat" cmpd="sng" algn="ctr">
+                      <a:solidFill>
+                        <a:srgbClr val="7030A0"/>
+                      </a:solidFill>
+                      <a:prstDash val="solid"/>
+                      <a:round/>
+                      <a:headEnd type="none" w="med" len="med"/>
+                      <a:tailEnd type="none" w="med" len="med"/>
+                    </a:lnB>
+                    <a:lnTlToBr w="12700" cmpd="sng">
+                      <a:noFill/>
+                      <a:prstDash val="solid"/>
+                    </a:lnTlToBr>
+                    <a:lnBlToTr w="12700" cmpd="sng">
+                      <a:noFill/>
+                      <a:prstDash val="solid"/>
+                    </a:lnBlToTr>
+                  </a:tcPr>
+                </a:tc>
+                <a:tc>
+                  <a:txBody>
+                    <a:bodyPr/>
+                    <a:lstStyle/>
+                    <a:p>
+                      <a:pPr latinLnBrk="1"/>
+                      <a:endParaRPr lang="ko-KR" altLang="en-US" dirty="0"/>
+                    </a:p>
+                  </a:txBody>
+                  <a:tcPr>
+                    <a:lnL w="12700" cap="flat" cmpd="sng" algn="ctr">
+                      <a:solidFill>
+                        <a:srgbClr val="7030A0"/>
+                      </a:solidFill>
+                      <a:prstDash val="solid"/>
+                      <a:round/>
+                      <a:headEnd type="none" w="med" len="med"/>
+                      <a:tailEnd type="none" w="med" len="med"/>
+                    </a:lnL>
+                    <a:lnR w="12700" cap="flat" cmpd="sng" algn="ctr">
+                      <a:solidFill>
+                        <a:srgbClr val="7030A0"/>
+                      </a:solidFill>
+                      <a:prstDash val="solid"/>
+                      <a:round/>
+                      <a:headEnd type="none" w="med" len="med"/>
+                      <a:tailEnd type="none" w="med" len="med"/>
+                    </a:lnR>
+                    <a:lnT w="12700" cap="flat" cmpd="sng" algn="ctr">
+                      <a:solidFill>
+                        <a:srgbClr val="7030A0"/>
+                      </a:solidFill>
+                      <a:prstDash val="solid"/>
+                      <a:round/>
+                      <a:headEnd type="none" w="med" len="med"/>
+                      <a:tailEnd type="none" w="med" len="med"/>
+                    </a:lnT>
+                    <a:lnB w="12700" cap="flat" cmpd="sng" algn="ctr">
+                      <a:solidFill>
+                        <a:srgbClr val="7030A0"/>
+                      </a:solidFill>
+                      <a:prstDash val="solid"/>
+                      <a:round/>
+                      <a:headEnd type="none" w="med" len="med"/>
+                      <a:tailEnd type="none" w="med" len="med"/>
+                    </a:lnB>
+                    <a:lnTlToBr w="12700" cmpd="sng">
+                      <a:noFill/>
+                      <a:prstDash val="solid"/>
+                    </a:lnTlToBr>
+                    <a:lnBlToTr w="12700" cmpd="sng">
+                      <a:noFill/>
+                      <a:prstDash val="solid"/>
+                    </a:lnBlToTr>
+                  </a:tcPr>
+                </a:tc>
+                <a:tc>
+                  <a:txBody>
+                    <a:bodyPr/>
+                    <a:lstStyle/>
+                    <a:p>
+                      <a:pPr latinLnBrk="1"/>
+                      <a:endParaRPr lang="ko-KR" altLang="en-US" dirty="0"/>
+                    </a:p>
+                  </a:txBody>
+                  <a:tcPr>
+                    <a:lnL w="12700" cap="flat" cmpd="sng" algn="ctr">
+                      <a:solidFill>
+                        <a:srgbClr val="7030A0"/>
+                      </a:solidFill>
+                      <a:prstDash val="solid"/>
+                      <a:round/>
+                      <a:headEnd type="none" w="med" len="med"/>
+                      <a:tailEnd type="none" w="med" len="med"/>
+                    </a:lnL>
+                    <a:lnR w="12700" cap="flat" cmpd="sng" algn="ctr">
+                      <a:solidFill>
+                        <a:srgbClr val="7030A0"/>
+                      </a:solidFill>
+                      <a:prstDash val="solid"/>
+                      <a:round/>
+                      <a:headEnd type="none" w="med" len="med"/>
+                      <a:tailEnd type="none" w="med" len="med"/>
+                    </a:lnR>
+                    <a:lnT w="12700" cap="flat" cmpd="sng" algn="ctr">
+                      <a:solidFill>
+                        <a:srgbClr val="7030A0"/>
+                      </a:solidFill>
+                      <a:prstDash val="solid"/>
+                      <a:round/>
+                      <a:headEnd type="none" w="med" len="med"/>
+                      <a:tailEnd type="none" w="med" len="med"/>
+                    </a:lnT>
+                    <a:lnB w="12700" cap="flat" cmpd="sng" algn="ctr">
+                      <a:solidFill>
+                        <a:srgbClr val="7030A0"/>
+                      </a:solidFill>
+                      <a:prstDash val="solid"/>
+                      <a:round/>
+                      <a:headEnd type="none" w="med" len="med"/>
+                      <a:tailEnd type="none" w="med" len="med"/>
+                    </a:lnB>
+                    <a:lnTlToBr w="12700" cmpd="sng">
+                      <a:noFill/>
+                      <a:prstDash val="solid"/>
+                    </a:lnTlToBr>
+                    <a:lnBlToTr w="12700" cmpd="sng">
+                      <a:noFill/>
+                      <a:prstDash val="solid"/>
+                    </a:lnBlToTr>
+                  </a:tcPr>
+                </a:tc>
+                <a:extLst>
+                  <a:ext uri="{0D108BD9-81ED-4DB2-BD59-A6C34878D82A}">
+                    <a16:rowId xmlns:a16="http://schemas.microsoft.com/office/drawing/2014/main" val="3556164892"/>
+                  </a:ext>
+                </a:extLst>
+              </a:tr>
+            </a:tbl>
+          </a:graphicData>
+        </a:graphic>
+      </p:graphicFrame>
+      <p:graphicFrame>
+        <p:nvGraphicFramePr>
+          <p:cNvPr id="3" name="표 2">
+            <a:extLst>
+              <a:ext uri="{FF2B5EF4-FFF2-40B4-BE49-F238E27FC236}">
+                <a16:creationId xmlns:a16="http://schemas.microsoft.com/office/drawing/2014/main" id="{7EFC2A69-663F-DFAB-744A-1930244BFCBE}"/>
+              </a:ext>
+            </a:extLst>
+          </p:cNvPr>
+          <p:cNvGraphicFramePr>
+            <a:graphicFrameLocks noGrp="1"/>
+          </p:cNvGraphicFramePr>
+          <p:nvPr>
+            <p:extLst>
+              <p:ext uri="{D42A27DB-BD31-4B8C-83A1-F6EECF244321}">
+                <p14:modId xmlns:p14="http://schemas.microsoft.com/office/powerpoint/2010/main" val="2678079519"/>
+              </p:ext>
+            </p:extLst>
+          </p:nvPr>
+        </p:nvGraphicFramePr>
+        <p:xfrm>
+          <a:off x="3189088" y="1621974"/>
+          <a:ext cx="633615" cy="603762"/>
+        </p:xfrm>
+        <a:graphic>
+          <a:graphicData uri="http://schemas.openxmlformats.org/drawingml/2006/table">
+            <a:tbl>
+              <a:tblPr firstRow="1" bandRow="1">
+                <a:tableStyleId>{5940675A-B579-460E-94D1-54222C63F5DA}</a:tableStyleId>
+              </a:tblPr>
+              <a:tblGrid>
+                <a:gridCol w="211205">
+                  <a:extLst>
+                    <a:ext uri="{9D8B030D-6E8A-4147-A177-3AD203B41FA5}">
+                      <a16:colId xmlns:a16="http://schemas.microsoft.com/office/drawing/2014/main" val="390242115"/>
+                    </a:ext>
+                  </a:extLst>
+                </a:gridCol>
+                <a:gridCol w="211205">
+                  <a:extLst>
+                    <a:ext uri="{9D8B030D-6E8A-4147-A177-3AD203B41FA5}">
+                      <a16:colId xmlns:a16="http://schemas.microsoft.com/office/drawing/2014/main" val="2673658107"/>
+                    </a:ext>
+                  </a:extLst>
+                </a:gridCol>
+                <a:gridCol w="211205">
+                  <a:extLst>
+                    <a:ext uri="{9D8B030D-6E8A-4147-A177-3AD203B41FA5}">
+                      <a16:colId xmlns:a16="http://schemas.microsoft.com/office/drawing/2014/main" val="254878612"/>
+                    </a:ext>
+                  </a:extLst>
+                </a:gridCol>
+              </a:tblGrid>
+              <a:tr h="198129">
+                <a:tc>
+                  <a:txBody>
+                    <a:bodyPr/>
+                    <a:lstStyle/>
+                    <a:p>
+                      <a:pPr latinLnBrk="1"/>
+                      <a:endParaRPr lang="ko-KR" altLang="en-US" sz="1000"/>
+                    </a:p>
+                  </a:txBody>
+                  <a:tcPr marL="48854" marR="48854" marT="24427" marB="24427"/>
+                </a:tc>
+                <a:tc>
+                  <a:txBody>
+                    <a:bodyPr/>
+                    <a:lstStyle/>
+                    <a:p>
+                      <a:pPr latinLnBrk="1"/>
+                      <a:r>
+                        <a:rPr lang="en-US" altLang="ko-KR" sz="1000" dirty="0"/>
+                        <a:t>1</a:t>
+                      </a:r>
+                      <a:endParaRPr lang="ko-KR" altLang="en-US" sz="1000" dirty="0"/>
+                    </a:p>
+                  </a:txBody>
+                  <a:tcPr marL="48854" marR="48854" marT="24427" marB="24427"/>
+                </a:tc>
+                <a:tc>
+                  <a:txBody>
+                    <a:bodyPr/>
+                    <a:lstStyle/>
+                    <a:p>
+                      <a:pPr latinLnBrk="1"/>
+                      <a:endParaRPr lang="ko-KR" altLang="en-US" sz="1000" dirty="0"/>
+                    </a:p>
+                  </a:txBody>
+                  <a:tcPr marL="48854" marR="48854" marT="24427" marB="24427"/>
+                </a:tc>
+                <a:extLst>
+                  <a:ext uri="{0D108BD9-81ED-4DB2-BD59-A6C34878D82A}">
+                    <a16:rowId xmlns:a16="http://schemas.microsoft.com/office/drawing/2014/main" val="2818474672"/>
+                  </a:ext>
+                </a:extLst>
+              </a:tr>
+              <a:tr h="198129">
+                <a:tc>
+                  <a:txBody>
+                    <a:bodyPr/>
+                    <a:lstStyle/>
+                    <a:p>
+                      <a:pPr latinLnBrk="1"/>
+                      <a:r>
+                        <a:rPr lang="en-US" altLang="ko-KR" sz="1000" dirty="0"/>
+                        <a:t>1</a:t>
+                      </a:r>
+                      <a:endParaRPr lang="ko-KR" altLang="en-US" sz="1000" dirty="0"/>
+                    </a:p>
+                  </a:txBody>
+                  <a:tcPr marL="48854" marR="48854" marT="24427" marB="24427"/>
+                </a:tc>
+                <a:tc>
+                  <a:txBody>
+                    <a:bodyPr/>
+                    <a:lstStyle/>
+                    <a:p>
+                      <a:pPr latinLnBrk="1"/>
+                      <a:r>
+                        <a:rPr lang="en-US" altLang="ko-KR" sz="1000" dirty="0"/>
+                        <a:t>1</a:t>
+                      </a:r>
+                      <a:endParaRPr lang="ko-KR" altLang="en-US" sz="1000" dirty="0"/>
+                    </a:p>
+                  </a:txBody>
+                  <a:tcPr marL="48854" marR="48854" marT="24427" marB="24427"/>
+                </a:tc>
+                <a:tc>
+                  <a:txBody>
+                    <a:bodyPr/>
+                    <a:lstStyle/>
+                    <a:p>
+                      <a:pPr latinLnBrk="1"/>
+                      <a:r>
+                        <a:rPr lang="en-US" altLang="ko-KR" sz="1000" dirty="0"/>
+                        <a:t>1</a:t>
+                      </a:r>
+                      <a:endParaRPr lang="ko-KR" altLang="en-US" sz="1000" dirty="0"/>
+                    </a:p>
+                  </a:txBody>
+                  <a:tcPr marL="48854" marR="48854" marT="24427" marB="24427"/>
+                </a:tc>
+                <a:extLst>
+                  <a:ext uri="{0D108BD9-81ED-4DB2-BD59-A6C34878D82A}">
+                    <a16:rowId xmlns:a16="http://schemas.microsoft.com/office/drawing/2014/main" val="4050327832"/>
+                  </a:ext>
+                </a:extLst>
+              </a:tr>
+              <a:tr h="198129">
+                <a:tc>
+                  <a:txBody>
+                    <a:bodyPr/>
+                    <a:lstStyle/>
+                    <a:p>
+                      <a:pPr latinLnBrk="1"/>
+                      <a:endParaRPr lang="ko-KR" altLang="en-US" sz="1000" dirty="0"/>
+                    </a:p>
+                  </a:txBody>
+                  <a:tcPr marL="48854" marR="48854" marT="24427" marB="24427"/>
+                </a:tc>
+                <a:tc>
+                  <a:txBody>
+                    <a:bodyPr/>
+                    <a:lstStyle/>
+                    <a:p>
+                      <a:pPr latinLnBrk="1"/>
+                      <a:r>
+                        <a:rPr lang="en-US" altLang="ko-KR" sz="1000" dirty="0"/>
+                        <a:t>1</a:t>
+                      </a:r>
+                      <a:endParaRPr lang="ko-KR" altLang="en-US" sz="1000" dirty="0"/>
+                    </a:p>
+                  </a:txBody>
+                  <a:tcPr marL="48854" marR="48854" marT="24427" marB="24427"/>
+                </a:tc>
+                <a:tc>
+                  <a:txBody>
+                    <a:bodyPr/>
+                    <a:lstStyle/>
+                    <a:p>
+                      <a:pPr latinLnBrk="1"/>
+                      <a:endParaRPr lang="ko-KR" altLang="en-US" sz="1000" dirty="0"/>
+                    </a:p>
+                  </a:txBody>
+                  <a:tcPr marL="48854" marR="48854" marT="24427" marB="24427"/>
+                </a:tc>
+                <a:extLst>
+                  <a:ext uri="{0D108BD9-81ED-4DB2-BD59-A6C34878D82A}">
+                    <a16:rowId xmlns:a16="http://schemas.microsoft.com/office/drawing/2014/main" val="3550917524"/>
+                  </a:ext>
+                </a:extLst>
+              </a:tr>
+            </a:tbl>
+          </a:graphicData>
+        </a:graphic>
+      </p:graphicFrame>
+      <p:sp>
+        <p:nvSpPr>
+          <p:cNvPr id="4" name="TextBox 3">
+            <a:extLst>
+              <a:ext uri="{FF2B5EF4-FFF2-40B4-BE49-F238E27FC236}">
+                <a16:creationId xmlns:a16="http://schemas.microsoft.com/office/drawing/2014/main" id="{34546AB3-0894-5CBC-616D-AE4A51AF9B4A}"/>
+              </a:ext>
+            </a:extLst>
+          </p:cNvPr>
+          <p:cNvSpPr txBox="1"/>
+          <p:nvPr/>
+        </p:nvSpPr>
+        <p:spPr>
+          <a:xfrm>
+            <a:off x="640775" y="3315853"/>
+            <a:ext cx="1468581" cy="584775"/>
+          </a:xfrm>
+          <a:prstGeom prst="rect">
+            <a:avLst/>
+          </a:prstGeom>
+          <a:noFill/>
+        </p:spPr>
+        <p:txBody>
+          <a:bodyPr wrap="square" rtlCol="0">
+            <a:spAutoFit/>
+          </a:bodyPr>
+          <a:lstStyle/>
+          <a:p>
+            <a:r>
+              <a:rPr lang="ko-KR" altLang="en-US" dirty="0">
+                <a:solidFill>
+                  <a:srgbClr val="9D71BE"/>
+                </a:solidFill>
+              </a:rPr>
+              <a:t>입력 이미지</a:t>
+            </a:r>
+            <a:endParaRPr lang="en-US" altLang="ko-KR" dirty="0">
+              <a:solidFill>
+                <a:srgbClr val="9D71BE"/>
+              </a:solidFill>
+            </a:endParaRPr>
+          </a:p>
+          <a:p>
+            <a:pPr algn="ctr"/>
+            <a:r>
+              <a:rPr lang="en-US" altLang="ko-KR" sz="1400" dirty="0">
+                <a:solidFill>
+                  <a:srgbClr val="9D71BE"/>
+                </a:solidFill>
+              </a:rPr>
+              <a:t>(6x6)</a:t>
+            </a:r>
+            <a:endParaRPr lang="ko-KR" altLang="en-US" sz="1400" dirty="0">
+              <a:solidFill>
+                <a:srgbClr val="9D71BE"/>
+              </a:solidFill>
+            </a:endParaRPr>
+          </a:p>
+        </p:txBody>
+      </p:sp>
+      <p:sp>
+        <p:nvSpPr>
+          <p:cNvPr id="5" name="TextBox 4">
+            <a:extLst>
+              <a:ext uri="{FF2B5EF4-FFF2-40B4-BE49-F238E27FC236}">
+                <a16:creationId xmlns:a16="http://schemas.microsoft.com/office/drawing/2014/main" id="{E9BBA32C-50A2-0E55-F6B1-3DAB314CA611}"/>
+              </a:ext>
+            </a:extLst>
+          </p:cNvPr>
+          <p:cNvSpPr txBox="1"/>
+          <p:nvPr/>
+        </p:nvSpPr>
+        <p:spPr>
+          <a:xfrm>
+            <a:off x="3189088" y="2401453"/>
+            <a:ext cx="700118" cy="584775"/>
+          </a:xfrm>
+          <a:prstGeom prst="rect">
+            <a:avLst/>
+          </a:prstGeom>
+          <a:noFill/>
+        </p:spPr>
+        <p:txBody>
+          <a:bodyPr wrap="square" rtlCol="0">
+            <a:spAutoFit/>
+          </a:bodyPr>
+          <a:lstStyle/>
+          <a:p>
+            <a:r>
+              <a:rPr lang="ko-KR" altLang="en-US" dirty="0"/>
+              <a:t>필터</a:t>
+            </a:r>
+            <a:endParaRPr lang="en-US" altLang="ko-KR" dirty="0"/>
+          </a:p>
+          <a:p>
+            <a:pPr algn="ctr"/>
+            <a:r>
+              <a:rPr lang="en-US" altLang="ko-KR" sz="1400" dirty="0"/>
+              <a:t>(3x3)</a:t>
+            </a:r>
+            <a:endParaRPr lang="ko-KR" altLang="en-US" sz="1400" dirty="0"/>
+          </a:p>
+        </p:txBody>
+      </p:sp>
+      <p:graphicFrame>
+        <p:nvGraphicFramePr>
+          <p:cNvPr id="6" name="표 5">
+            <a:extLst>
+              <a:ext uri="{FF2B5EF4-FFF2-40B4-BE49-F238E27FC236}">
+                <a16:creationId xmlns:a16="http://schemas.microsoft.com/office/drawing/2014/main" id="{76B47B73-205F-FEF7-CEE6-F52E7053995C}"/>
+              </a:ext>
+            </a:extLst>
+          </p:cNvPr>
+          <p:cNvGraphicFramePr>
+            <a:graphicFrameLocks noGrp="1"/>
+          </p:cNvGraphicFramePr>
+          <p:nvPr>
+            <p:extLst>
+              <p:ext uri="{D42A27DB-BD31-4B8C-83A1-F6EECF244321}">
+                <p14:modId xmlns:p14="http://schemas.microsoft.com/office/powerpoint/2010/main" val="2681714746"/>
+              </p:ext>
+            </p:extLst>
+          </p:nvPr>
+        </p:nvGraphicFramePr>
+        <p:xfrm>
+          <a:off x="4624793" y="1231879"/>
+          <a:ext cx="1386928" cy="1384156"/>
+        </p:xfrm>
+        <a:graphic>
+          <a:graphicData uri="http://schemas.openxmlformats.org/drawingml/2006/table">
+            <a:tbl>
+              <a:tblPr firstRow="1" bandRow="1">
+                <a:tableStyleId>{5940675A-B579-460E-94D1-54222C63F5DA}</a:tableStyleId>
+              </a:tblPr>
+              <a:tblGrid>
+                <a:gridCol w="346732">
+                  <a:extLst>
+                    <a:ext uri="{9D8B030D-6E8A-4147-A177-3AD203B41FA5}">
+                      <a16:colId xmlns:a16="http://schemas.microsoft.com/office/drawing/2014/main" val="390242115"/>
+                    </a:ext>
+                  </a:extLst>
+                </a:gridCol>
+                <a:gridCol w="346732">
+                  <a:extLst>
+                    <a:ext uri="{9D8B030D-6E8A-4147-A177-3AD203B41FA5}">
+                      <a16:colId xmlns:a16="http://schemas.microsoft.com/office/drawing/2014/main" val="2673658107"/>
+                    </a:ext>
+                  </a:extLst>
+                </a:gridCol>
+                <a:gridCol w="346732">
+                  <a:extLst>
+                    <a:ext uri="{9D8B030D-6E8A-4147-A177-3AD203B41FA5}">
+                      <a16:colId xmlns:a16="http://schemas.microsoft.com/office/drawing/2014/main" val="254878612"/>
+                    </a:ext>
+                  </a:extLst>
+                </a:gridCol>
+                <a:gridCol w="346732">
+                  <a:extLst>
+                    <a:ext uri="{9D8B030D-6E8A-4147-A177-3AD203B41FA5}">
+                      <a16:colId xmlns:a16="http://schemas.microsoft.com/office/drawing/2014/main" val="1623553021"/>
+                    </a:ext>
+                  </a:extLst>
+                </a:gridCol>
+              </a:tblGrid>
+              <a:tr h="346039">
+                <a:tc>
+                  <a:txBody>
+                    <a:bodyPr/>
+                    <a:lstStyle/>
+                    <a:p>
+                      <a:pPr latinLnBrk="1"/>
+                      <a:r>
+                        <a:rPr lang="en-US" altLang="ko-KR" sz="1700" dirty="0"/>
+                        <a:t>4</a:t>
+                      </a:r>
+                      <a:endParaRPr lang="ko-KR" altLang="en-US" sz="1700" dirty="0"/>
+                    </a:p>
+                  </a:txBody>
+                  <a:tcPr marL="83926" marR="83926" marT="41963" marB="41963">
+                    <a:lnL w="12700" cap="flat" cmpd="sng" algn="ctr">
+                      <a:solidFill>
+                        <a:schemeClr val="accent5"/>
+                      </a:solidFill>
+                      <a:prstDash val="solid"/>
+                      <a:round/>
+                      <a:headEnd type="none" w="med" len="med"/>
+                      <a:tailEnd type="none" w="med" len="med"/>
+                    </a:lnL>
+                    <a:lnR w="12700" cap="flat" cmpd="sng" algn="ctr">
+                      <a:solidFill>
+                        <a:schemeClr val="accent5"/>
+                      </a:solidFill>
+                      <a:prstDash val="solid"/>
+                      <a:round/>
+                      <a:headEnd type="none" w="med" len="med"/>
+                      <a:tailEnd type="none" w="med" len="med"/>
+                    </a:lnR>
+                    <a:lnT w="12700" cap="flat" cmpd="sng" algn="ctr">
+                      <a:solidFill>
+                        <a:schemeClr val="accent5"/>
+                      </a:solidFill>
+                      <a:prstDash val="solid"/>
+                      <a:round/>
+                      <a:headEnd type="none" w="med" len="med"/>
+                      <a:tailEnd type="none" w="med" len="med"/>
+                    </a:lnT>
+                    <a:lnB w="12700" cap="flat" cmpd="sng" algn="ctr">
+                      <a:solidFill>
+                        <a:schemeClr val="accent5"/>
+                      </a:solidFill>
+                      <a:prstDash val="solid"/>
+                      <a:round/>
+                      <a:headEnd type="none" w="med" len="med"/>
+                      <a:tailEnd type="none" w="med" len="med"/>
+                    </a:lnB>
+                  </a:tcPr>
+                </a:tc>
+                <a:tc>
+                  <a:txBody>
+                    <a:bodyPr/>
+                    <a:lstStyle/>
+                    <a:p>
+                      <a:pPr latinLnBrk="1"/>
+                      <a:r>
+                        <a:rPr lang="en-US" altLang="ko-KR" sz="1700" dirty="0"/>
+                        <a:t>2</a:t>
+                      </a:r>
+                      <a:endParaRPr lang="ko-KR" altLang="en-US" sz="1700" dirty="0"/>
+                    </a:p>
+                  </a:txBody>
+                  <a:tcPr marL="83926" marR="83926" marT="41963" marB="41963">
+                    <a:lnL w="12700" cap="flat" cmpd="sng" algn="ctr">
+                      <a:solidFill>
+                        <a:schemeClr val="accent5"/>
+                      </a:solidFill>
+                      <a:prstDash val="solid"/>
+                      <a:round/>
+                      <a:headEnd type="none" w="med" len="med"/>
+                      <a:tailEnd type="none" w="med" len="med"/>
+                    </a:lnL>
+                    <a:lnR w="12700" cap="flat" cmpd="sng" algn="ctr">
+                      <a:solidFill>
+                        <a:schemeClr val="accent5"/>
+                      </a:solidFill>
+                      <a:prstDash val="solid"/>
+                      <a:round/>
+                      <a:headEnd type="none" w="med" len="med"/>
+                      <a:tailEnd type="none" w="med" len="med"/>
+                    </a:lnR>
+                    <a:lnT w="12700" cap="flat" cmpd="sng" algn="ctr">
+                      <a:solidFill>
+                        <a:schemeClr val="accent5"/>
+                      </a:solidFill>
+                      <a:prstDash val="solid"/>
+                      <a:round/>
+                      <a:headEnd type="none" w="med" len="med"/>
+                      <a:tailEnd type="none" w="med" len="med"/>
+                    </a:lnT>
+                    <a:lnB w="12700" cap="flat" cmpd="sng" algn="ctr">
+                      <a:solidFill>
+                        <a:schemeClr val="accent5"/>
+                      </a:solidFill>
+                      <a:prstDash val="solid"/>
+                      <a:round/>
+                      <a:headEnd type="none" w="med" len="med"/>
+                      <a:tailEnd type="none" w="med" len="med"/>
+                    </a:lnB>
+                  </a:tcPr>
+                </a:tc>
+                <a:tc>
+                  <a:txBody>
+                    <a:bodyPr/>
+                    <a:lstStyle/>
+                    <a:p>
+                      <a:pPr latinLnBrk="1"/>
+                      <a:r>
+                        <a:rPr lang="en-US" altLang="ko-KR" sz="1700" dirty="0"/>
+                        <a:t>1</a:t>
+                      </a:r>
+                      <a:endParaRPr lang="ko-KR" altLang="en-US" sz="1700" dirty="0"/>
+                    </a:p>
+                  </a:txBody>
+                  <a:tcPr marL="83926" marR="83926" marT="41963" marB="41963">
+                    <a:lnL w="12700" cap="flat" cmpd="sng" algn="ctr">
+                      <a:solidFill>
+                        <a:schemeClr val="accent5"/>
+                      </a:solidFill>
+                      <a:prstDash val="solid"/>
+                      <a:round/>
+                      <a:headEnd type="none" w="med" len="med"/>
+                      <a:tailEnd type="none" w="med" len="med"/>
+                    </a:lnL>
+                    <a:lnR w="12700" cap="flat" cmpd="sng" algn="ctr">
+                      <a:solidFill>
+                        <a:schemeClr val="accent5"/>
+                      </a:solidFill>
+                      <a:prstDash val="solid"/>
+                      <a:round/>
+                      <a:headEnd type="none" w="med" len="med"/>
+                      <a:tailEnd type="none" w="med" len="med"/>
+                    </a:lnR>
+                    <a:lnT w="12700" cap="flat" cmpd="sng" algn="ctr">
+                      <a:solidFill>
+                        <a:schemeClr val="accent5"/>
+                      </a:solidFill>
+                      <a:prstDash val="solid"/>
+                      <a:round/>
+                      <a:headEnd type="none" w="med" len="med"/>
+                      <a:tailEnd type="none" w="med" len="med"/>
+                    </a:lnT>
+                    <a:lnB w="12700" cap="flat" cmpd="sng" algn="ctr">
+                      <a:solidFill>
+                        <a:schemeClr val="accent5"/>
+                      </a:solidFill>
+                      <a:prstDash val="solid"/>
+                      <a:round/>
+                      <a:headEnd type="none" w="med" len="med"/>
+                      <a:tailEnd type="none" w="med" len="med"/>
+                    </a:lnB>
+                  </a:tcPr>
+                </a:tc>
+                <a:tc>
+                  <a:txBody>
+                    <a:bodyPr/>
+                    <a:lstStyle/>
+                    <a:p>
+                      <a:pPr latinLnBrk="1"/>
+                      <a:r>
+                        <a:rPr lang="en-US" altLang="ko-KR" sz="1700" dirty="0"/>
+                        <a:t>0</a:t>
+                      </a:r>
+                      <a:endParaRPr lang="ko-KR" altLang="en-US" sz="1700" dirty="0"/>
+                    </a:p>
+                  </a:txBody>
+                  <a:tcPr marL="83926" marR="83926" marT="41963" marB="41963">
+                    <a:lnL w="12700" cap="flat" cmpd="sng" algn="ctr">
+                      <a:solidFill>
+                        <a:schemeClr val="accent5"/>
+                      </a:solidFill>
+                      <a:prstDash val="solid"/>
+                      <a:round/>
+                      <a:headEnd type="none" w="med" len="med"/>
+                      <a:tailEnd type="none" w="med" len="med"/>
+                    </a:lnL>
+                    <a:lnR w="12700" cap="flat" cmpd="sng" algn="ctr">
+                      <a:solidFill>
+                        <a:schemeClr val="accent5"/>
+                      </a:solidFill>
+                      <a:prstDash val="solid"/>
+                      <a:round/>
+                      <a:headEnd type="none" w="med" len="med"/>
+                      <a:tailEnd type="none" w="med" len="med"/>
+                    </a:lnR>
+                    <a:lnT w="12700" cap="flat" cmpd="sng" algn="ctr">
+                      <a:solidFill>
+                        <a:schemeClr val="accent5"/>
+                      </a:solidFill>
+                      <a:prstDash val="solid"/>
+                      <a:round/>
+                      <a:headEnd type="none" w="med" len="med"/>
+                      <a:tailEnd type="none" w="med" len="med"/>
+                    </a:lnT>
+                    <a:lnB w="12700" cap="flat" cmpd="sng" algn="ctr">
+                      <a:solidFill>
+                        <a:schemeClr val="accent5"/>
+                      </a:solidFill>
+                      <a:prstDash val="solid"/>
+                      <a:round/>
+                      <a:headEnd type="none" w="med" len="med"/>
+                      <a:tailEnd type="none" w="med" len="med"/>
+                    </a:lnB>
+                  </a:tcPr>
+                </a:tc>
+                <a:extLst>
+                  <a:ext uri="{0D108BD9-81ED-4DB2-BD59-A6C34878D82A}">
+                    <a16:rowId xmlns:a16="http://schemas.microsoft.com/office/drawing/2014/main" val="2818474672"/>
+                  </a:ext>
+                </a:extLst>
+              </a:tr>
+              <a:tr h="346039">
+                <a:tc>
+                  <a:txBody>
+                    <a:bodyPr/>
+                    <a:lstStyle/>
+                    <a:p>
+                      <a:pPr latinLnBrk="1"/>
+                      <a:r>
+                        <a:rPr lang="en-US" altLang="ko-KR" sz="1700" dirty="0"/>
+                        <a:t>2</a:t>
+                      </a:r>
+                      <a:endParaRPr lang="ko-KR" altLang="en-US" sz="1700" dirty="0"/>
+                    </a:p>
+                  </a:txBody>
+                  <a:tcPr marL="83926" marR="83926" marT="41963" marB="41963">
+                    <a:lnL w="12700" cap="flat" cmpd="sng" algn="ctr">
+                      <a:solidFill>
+                        <a:schemeClr val="accent5"/>
+                      </a:solidFill>
+                      <a:prstDash val="solid"/>
+                      <a:round/>
+                      <a:headEnd type="none" w="med" len="med"/>
+                      <a:tailEnd type="none" w="med" len="med"/>
+                    </a:lnL>
+                    <a:lnR w="12700" cap="flat" cmpd="sng" algn="ctr">
+                      <a:solidFill>
+                        <a:schemeClr val="accent5"/>
+                      </a:solidFill>
+                      <a:prstDash val="solid"/>
+                      <a:round/>
+                      <a:headEnd type="none" w="med" len="med"/>
+                      <a:tailEnd type="none" w="med" len="med"/>
+                    </a:lnR>
+                    <a:lnT w="12700" cap="flat" cmpd="sng" algn="ctr">
+                      <a:solidFill>
+                        <a:schemeClr val="accent5"/>
+                      </a:solidFill>
+                      <a:prstDash val="solid"/>
+                      <a:round/>
+                      <a:headEnd type="none" w="med" len="med"/>
+                      <a:tailEnd type="none" w="med" len="med"/>
+                    </a:lnT>
+                    <a:lnB w="12700" cap="flat" cmpd="sng" algn="ctr">
+                      <a:solidFill>
+                        <a:schemeClr val="accent5"/>
+                      </a:solidFill>
+                      <a:prstDash val="solid"/>
+                      <a:round/>
+                      <a:headEnd type="none" w="med" len="med"/>
+                      <a:tailEnd type="none" w="med" len="med"/>
+                    </a:lnB>
+                  </a:tcPr>
+                </a:tc>
+                <a:tc>
+                  <a:txBody>
+                    <a:bodyPr/>
+                    <a:lstStyle/>
+                    <a:p>
+                      <a:pPr latinLnBrk="1"/>
+                      <a:r>
+                        <a:rPr lang="en-US" altLang="ko-KR" sz="1700" dirty="0"/>
+                        <a:t>2</a:t>
+                      </a:r>
+                      <a:endParaRPr lang="ko-KR" altLang="en-US" sz="1700" dirty="0"/>
+                    </a:p>
+                  </a:txBody>
+                  <a:tcPr marL="83926" marR="83926" marT="41963" marB="41963">
+                    <a:lnL w="12700" cap="flat" cmpd="sng" algn="ctr">
+                      <a:solidFill>
+                        <a:schemeClr val="accent5"/>
+                      </a:solidFill>
+                      <a:prstDash val="solid"/>
+                      <a:round/>
+                      <a:headEnd type="none" w="med" len="med"/>
+                      <a:tailEnd type="none" w="med" len="med"/>
+                    </a:lnL>
+                    <a:lnR w="12700" cap="flat" cmpd="sng" algn="ctr">
+                      <a:solidFill>
+                        <a:schemeClr val="accent5"/>
+                      </a:solidFill>
+                      <a:prstDash val="solid"/>
+                      <a:round/>
+                      <a:headEnd type="none" w="med" len="med"/>
+                      <a:tailEnd type="none" w="med" len="med"/>
+                    </a:lnR>
+                    <a:lnT w="12700" cap="flat" cmpd="sng" algn="ctr">
+                      <a:solidFill>
+                        <a:schemeClr val="accent5"/>
+                      </a:solidFill>
+                      <a:prstDash val="solid"/>
+                      <a:round/>
+                      <a:headEnd type="none" w="med" len="med"/>
+                      <a:tailEnd type="none" w="med" len="med"/>
+                    </a:lnT>
+                    <a:lnB w="12700" cap="flat" cmpd="sng" algn="ctr">
+                      <a:solidFill>
+                        <a:schemeClr val="accent5"/>
+                      </a:solidFill>
+                      <a:prstDash val="solid"/>
+                      <a:round/>
+                      <a:headEnd type="none" w="med" len="med"/>
+                      <a:tailEnd type="none" w="med" len="med"/>
+                    </a:lnB>
+                  </a:tcPr>
+                </a:tc>
+                <a:tc>
+                  <a:txBody>
+                    <a:bodyPr/>
+                    <a:lstStyle/>
+                    <a:p>
+                      <a:pPr latinLnBrk="1"/>
+                      <a:r>
+                        <a:rPr lang="en-US" altLang="ko-KR" sz="1700" dirty="0"/>
+                        <a:t>0</a:t>
+                      </a:r>
+                      <a:endParaRPr lang="ko-KR" altLang="en-US" sz="1700" dirty="0"/>
+                    </a:p>
+                  </a:txBody>
+                  <a:tcPr marL="83926" marR="83926" marT="41963" marB="41963">
+                    <a:lnL w="12700" cap="flat" cmpd="sng" algn="ctr">
+                      <a:solidFill>
+                        <a:schemeClr val="accent5"/>
+                      </a:solidFill>
+                      <a:prstDash val="solid"/>
+                      <a:round/>
+                      <a:headEnd type="none" w="med" len="med"/>
+                      <a:tailEnd type="none" w="med" len="med"/>
+                    </a:lnL>
+                    <a:lnR w="12700" cap="flat" cmpd="sng" algn="ctr">
+                      <a:solidFill>
+                        <a:schemeClr val="accent5"/>
+                      </a:solidFill>
+                      <a:prstDash val="solid"/>
+                      <a:round/>
+                      <a:headEnd type="none" w="med" len="med"/>
+                      <a:tailEnd type="none" w="med" len="med"/>
+                    </a:lnR>
+                    <a:lnT w="12700" cap="flat" cmpd="sng" algn="ctr">
+                      <a:solidFill>
+                        <a:schemeClr val="accent5"/>
+                      </a:solidFill>
+                      <a:prstDash val="solid"/>
+                      <a:round/>
+                      <a:headEnd type="none" w="med" len="med"/>
+                      <a:tailEnd type="none" w="med" len="med"/>
+                    </a:lnT>
+                    <a:lnB w="12700" cap="flat" cmpd="sng" algn="ctr">
+                      <a:solidFill>
+                        <a:schemeClr val="accent5"/>
+                      </a:solidFill>
+                      <a:prstDash val="solid"/>
+                      <a:round/>
+                      <a:headEnd type="none" w="med" len="med"/>
+                      <a:tailEnd type="none" w="med" len="med"/>
+                    </a:lnB>
+                  </a:tcPr>
+                </a:tc>
+                <a:tc>
+                  <a:txBody>
+                    <a:bodyPr/>
+                    <a:lstStyle/>
+                    <a:p>
+                      <a:pPr latinLnBrk="1"/>
+                      <a:r>
+                        <a:rPr lang="en-US" altLang="ko-KR" sz="1700" dirty="0"/>
+                        <a:t>0</a:t>
+                      </a:r>
+                      <a:endParaRPr lang="ko-KR" altLang="en-US" sz="1700" dirty="0"/>
+                    </a:p>
+                  </a:txBody>
+                  <a:tcPr marL="83926" marR="83926" marT="41963" marB="41963">
+                    <a:lnL w="12700" cap="flat" cmpd="sng" algn="ctr">
+                      <a:solidFill>
+                        <a:schemeClr val="accent5"/>
+                      </a:solidFill>
+                      <a:prstDash val="solid"/>
+                      <a:round/>
+                      <a:headEnd type="none" w="med" len="med"/>
+                      <a:tailEnd type="none" w="med" len="med"/>
+                    </a:lnL>
+                    <a:lnR w="12700" cap="flat" cmpd="sng" algn="ctr">
+                      <a:solidFill>
+                        <a:schemeClr val="accent5"/>
+                      </a:solidFill>
+                      <a:prstDash val="solid"/>
+                      <a:round/>
+                      <a:headEnd type="none" w="med" len="med"/>
+                      <a:tailEnd type="none" w="med" len="med"/>
+                    </a:lnR>
+                    <a:lnT w="12700" cap="flat" cmpd="sng" algn="ctr">
+                      <a:solidFill>
+                        <a:schemeClr val="accent5"/>
+                      </a:solidFill>
+                      <a:prstDash val="solid"/>
+                      <a:round/>
+                      <a:headEnd type="none" w="med" len="med"/>
+                      <a:tailEnd type="none" w="med" len="med"/>
+                    </a:lnT>
+                    <a:lnB w="12700" cap="flat" cmpd="sng" algn="ctr">
+                      <a:solidFill>
+                        <a:schemeClr val="accent5"/>
+                      </a:solidFill>
+                      <a:prstDash val="solid"/>
+                      <a:round/>
+                      <a:headEnd type="none" w="med" len="med"/>
+                      <a:tailEnd type="none" w="med" len="med"/>
+                    </a:lnB>
+                  </a:tcPr>
+                </a:tc>
+                <a:extLst>
+                  <a:ext uri="{0D108BD9-81ED-4DB2-BD59-A6C34878D82A}">
+                    <a16:rowId xmlns:a16="http://schemas.microsoft.com/office/drawing/2014/main" val="4050327832"/>
+                  </a:ext>
+                </a:extLst>
+              </a:tr>
+              <a:tr h="346039">
+                <a:tc>
+                  <a:txBody>
+                    <a:bodyPr/>
+                    <a:lstStyle/>
+                    <a:p>
+                      <a:pPr latinLnBrk="1"/>
+                      <a:r>
+                        <a:rPr lang="en-US" altLang="ko-KR" sz="1700" dirty="0"/>
+                        <a:t>1</a:t>
+                      </a:r>
+                      <a:endParaRPr lang="ko-KR" altLang="en-US" sz="1700" dirty="0"/>
+                    </a:p>
+                  </a:txBody>
+                  <a:tcPr marL="83926" marR="83926" marT="41963" marB="41963">
+                    <a:lnL w="12700" cap="flat" cmpd="sng" algn="ctr">
+                      <a:solidFill>
+                        <a:schemeClr val="accent5"/>
+                      </a:solidFill>
+                      <a:prstDash val="solid"/>
+                      <a:round/>
+                      <a:headEnd type="none" w="med" len="med"/>
+                      <a:tailEnd type="none" w="med" len="med"/>
+                    </a:lnL>
+                    <a:lnR w="12700" cap="flat" cmpd="sng" algn="ctr">
+                      <a:solidFill>
+                        <a:schemeClr val="accent5"/>
+                      </a:solidFill>
+                      <a:prstDash val="solid"/>
+                      <a:round/>
+                      <a:headEnd type="none" w="med" len="med"/>
+                      <a:tailEnd type="none" w="med" len="med"/>
+                    </a:lnR>
+                    <a:lnT w="12700" cap="flat" cmpd="sng" algn="ctr">
+                      <a:solidFill>
+                        <a:schemeClr val="accent5"/>
+                      </a:solidFill>
+                      <a:prstDash val="solid"/>
+                      <a:round/>
+                      <a:headEnd type="none" w="med" len="med"/>
+                      <a:tailEnd type="none" w="med" len="med"/>
+                    </a:lnT>
+                    <a:lnB w="12700" cap="flat" cmpd="sng" algn="ctr">
+                      <a:solidFill>
+                        <a:schemeClr val="accent5"/>
+                      </a:solidFill>
+                      <a:prstDash val="solid"/>
+                      <a:round/>
+                      <a:headEnd type="none" w="med" len="med"/>
+                      <a:tailEnd type="none" w="med" len="med"/>
+                    </a:lnB>
+                  </a:tcPr>
+                </a:tc>
+                <a:tc>
+                  <a:txBody>
+                    <a:bodyPr/>
+                    <a:lstStyle/>
+                    <a:p>
+                      <a:pPr latinLnBrk="1"/>
+                      <a:r>
+                        <a:rPr lang="en-US" altLang="ko-KR" sz="1700" dirty="0"/>
+                        <a:t>0</a:t>
+                      </a:r>
+                      <a:endParaRPr lang="ko-KR" altLang="en-US" sz="1700" dirty="0"/>
+                    </a:p>
+                  </a:txBody>
+                  <a:tcPr marL="83926" marR="83926" marT="41963" marB="41963">
+                    <a:lnL w="12700" cap="flat" cmpd="sng" algn="ctr">
+                      <a:solidFill>
+                        <a:schemeClr val="accent5"/>
+                      </a:solidFill>
+                      <a:prstDash val="solid"/>
+                      <a:round/>
+                      <a:headEnd type="none" w="med" len="med"/>
+                      <a:tailEnd type="none" w="med" len="med"/>
+                    </a:lnL>
+                    <a:lnR w="12700" cap="flat" cmpd="sng" algn="ctr">
+                      <a:solidFill>
+                        <a:schemeClr val="accent5"/>
+                      </a:solidFill>
+                      <a:prstDash val="solid"/>
+                      <a:round/>
+                      <a:headEnd type="none" w="med" len="med"/>
+                      <a:tailEnd type="none" w="med" len="med"/>
+                    </a:lnR>
+                    <a:lnT w="12700" cap="flat" cmpd="sng" algn="ctr">
+                      <a:solidFill>
+                        <a:schemeClr val="accent5"/>
+                      </a:solidFill>
+                      <a:prstDash val="solid"/>
+                      <a:round/>
+                      <a:headEnd type="none" w="med" len="med"/>
+                      <a:tailEnd type="none" w="med" len="med"/>
+                    </a:lnT>
+                    <a:lnB w="12700" cap="flat" cmpd="sng" algn="ctr">
+                      <a:solidFill>
+                        <a:schemeClr val="accent5"/>
+                      </a:solidFill>
+                      <a:prstDash val="solid"/>
+                      <a:round/>
+                      <a:headEnd type="none" w="med" len="med"/>
+                      <a:tailEnd type="none" w="med" len="med"/>
+                    </a:lnB>
+                  </a:tcPr>
+                </a:tc>
+                <a:tc>
+                  <a:txBody>
+                    <a:bodyPr/>
+                    <a:lstStyle/>
+                    <a:p>
+                      <a:pPr latinLnBrk="1"/>
+                      <a:r>
+                        <a:rPr lang="en-US" altLang="ko-KR" sz="1700" dirty="0"/>
+                        <a:t>0</a:t>
+                      </a:r>
+                      <a:endParaRPr lang="ko-KR" altLang="en-US" sz="1700" dirty="0"/>
+                    </a:p>
+                  </a:txBody>
+                  <a:tcPr marL="83926" marR="83926" marT="41963" marB="41963">
+                    <a:lnL w="12700" cap="flat" cmpd="sng" algn="ctr">
+                      <a:solidFill>
+                        <a:schemeClr val="accent5"/>
+                      </a:solidFill>
+                      <a:prstDash val="solid"/>
+                      <a:round/>
+                      <a:headEnd type="none" w="med" len="med"/>
+                      <a:tailEnd type="none" w="med" len="med"/>
+                    </a:lnL>
+                    <a:lnR w="12700" cap="flat" cmpd="sng" algn="ctr">
+                      <a:solidFill>
+                        <a:schemeClr val="accent5"/>
+                      </a:solidFill>
+                      <a:prstDash val="solid"/>
+                      <a:round/>
+                      <a:headEnd type="none" w="med" len="med"/>
+                      <a:tailEnd type="none" w="med" len="med"/>
+                    </a:lnR>
+                    <a:lnT w="12700" cap="flat" cmpd="sng" algn="ctr">
+                      <a:solidFill>
+                        <a:schemeClr val="accent5"/>
+                      </a:solidFill>
+                      <a:prstDash val="solid"/>
+                      <a:round/>
+                      <a:headEnd type="none" w="med" len="med"/>
+                      <a:tailEnd type="none" w="med" len="med"/>
+                    </a:lnT>
+                    <a:lnB w="12700" cap="flat" cmpd="sng" algn="ctr">
+                      <a:solidFill>
+                        <a:schemeClr val="accent5"/>
+                      </a:solidFill>
+                      <a:prstDash val="solid"/>
+                      <a:round/>
+                      <a:headEnd type="none" w="med" len="med"/>
+                      <a:tailEnd type="none" w="med" len="med"/>
+                    </a:lnB>
+                  </a:tcPr>
+                </a:tc>
+                <a:tc>
+                  <a:txBody>
+                    <a:bodyPr/>
+                    <a:lstStyle/>
+                    <a:p>
+                      <a:pPr latinLnBrk="1"/>
+                      <a:r>
+                        <a:rPr lang="en-US" altLang="ko-KR" sz="1700" dirty="0"/>
+                        <a:t>0</a:t>
+                      </a:r>
+                      <a:endParaRPr lang="ko-KR" altLang="en-US" sz="1700" dirty="0"/>
+                    </a:p>
+                  </a:txBody>
+                  <a:tcPr marL="83926" marR="83926" marT="41963" marB="41963">
+                    <a:lnL w="12700" cap="flat" cmpd="sng" algn="ctr">
+                      <a:solidFill>
+                        <a:schemeClr val="accent5"/>
+                      </a:solidFill>
+                      <a:prstDash val="solid"/>
+                      <a:round/>
+                      <a:headEnd type="none" w="med" len="med"/>
+                      <a:tailEnd type="none" w="med" len="med"/>
+                    </a:lnL>
+                    <a:lnR w="12700" cap="flat" cmpd="sng" algn="ctr">
+                      <a:solidFill>
+                        <a:schemeClr val="accent5"/>
+                      </a:solidFill>
+                      <a:prstDash val="solid"/>
+                      <a:round/>
+                      <a:headEnd type="none" w="med" len="med"/>
+                      <a:tailEnd type="none" w="med" len="med"/>
+                    </a:lnR>
+                    <a:lnT w="12700" cap="flat" cmpd="sng" algn="ctr">
+                      <a:solidFill>
+                        <a:schemeClr val="accent5"/>
+                      </a:solidFill>
+                      <a:prstDash val="solid"/>
+                      <a:round/>
+                      <a:headEnd type="none" w="med" len="med"/>
+                      <a:tailEnd type="none" w="med" len="med"/>
+                    </a:lnT>
+                    <a:lnB w="12700" cap="flat" cmpd="sng" algn="ctr">
+                      <a:solidFill>
+                        <a:schemeClr val="accent5"/>
+                      </a:solidFill>
+                      <a:prstDash val="solid"/>
+                      <a:round/>
+                      <a:headEnd type="none" w="med" len="med"/>
+                      <a:tailEnd type="none" w="med" len="med"/>
+                    </a:lnB>
+                  </a:tcPr>
+                </a:tc>
+                <a:extLst>
+                  <a:ext uri="{0D108BD9-81ED-4DB2-BD59-A6C34878D82A}">
+                    <a16:rowId xmlns:a16="http://schemas.microsoft.com/office/drawing/2014/main" val="2184425949"/>
+                  </a:ext>
+                </a:extLst>
+              </a:tr>
+              <a:tr h="346039">
+                <a:tc>
+                  <a:txBody>
+                    <a:bodyPr/>
+                    <a:lstStyle/>
+                    <a:p>
+                      <a:pPr latinLnBrk="1"/>
+                      <a:r>
+                        <a:rPr lang="en-US" altLang="ko-KR" sz="1700" dirty="0"/>
+                        <a:t>0</a:t>
+                      </a:r>
+                      <a:endParaRPr lang="ko-KR" altLang="en-US" sz="1700" dirty="0"/>
+                    </a:p>
+                  </a:txBody>
+                  <a:tcPr marL="83926" marR="83926" marT="41963" marB="41963">
+                    <a:lnL w="12700" cap="flat" cmpd="sng" algn="ctr">
+                      <a:solidFill>
+                        <a:schemeClr val="accent5"/>
+                      </a:solidFill>
+                      <a:prstDash val="solid"/>
+                      <a:round/>
+                      <a:headEnd type="none" w="med" len="med"/>
+                      <a:tailEnd type="none" w="med" len="med"/>
+                    </a:lnL>
+                    <a:lnR w="12700" cap="flat" cmpd="sng" algn="ctr">
+                      <a:solidFill>
+                        <a:schemeClr val="accent5"/>
+                      </a:solidFill>
+                      <a:prstDash val="solid"/>
+                      <a:round/>
+                      <a:headEnd type="none" w="med" len="med"/>
+                      <a:tailEnd type="none" w="med" len="med"/>
+                    </a:lnR>
+                    <a:lnT w="12700" cap="flat" cmpd="sng" algn="ctr">
+                      <a:solidFill>
+                        <a:schemeClr val="accent5"/>
+                      </a:solidFill>
+                      <a:prstDash val="solid"/>
+                      <a:round/>
+                      <a:headEnd type="none" w="med" len="med"/>
+                      <a:tailEnd type="none" w="med" len="med"/>
+                    </a:lnT>
+                    <a:lnB w="12700" cap="flat" cmpd="sng" algn="ctr">
+                      <a:solidFill>
+                        <a:schemeClr val="accent5"/>
+                      </a:solidFill>
+                      <a:prstDash val="solid"/>
+                      <a:round/>
+                      <a:headEnd type="none" w="med" len="med"/>
+                      <a:tailEnd type="none" w="med" len="med"/>
+                    </a:lnB>
+                  </a:tcPr>
+                </a:tc>
+                <a:tc>
+                  <a:txBody>
+                    <a:bodyPr/>
+                    <a:lstStyle/>
+                    <a:p>
+                      <a:pPr latinLnBrk="1"/>
+                      <a:r>
+                        <a:rPr lang="en-US" altLang="ko-KR" sz="1700" dirty="0"/>
+                        <a:t>0</a:t>
+                      </a:r>
+                      <a:endParaRPr lang="ko-KR" altLang="en-US" sz="1700" dirty="0"/>
+                    </a:p>
+                  </a:txBody>
+                  <a:tcPr marL="83926" marR="83926" marT="41963" marB="41963">
+                    <a:lnL w="12700" cap="flat" cmpd="sng" algn="ctr">
+                      <a:solidFill>
+                        <a:schemeClr val="accent5"/>
+                      </a:solidFill>
+                      <a:prstDash val="solid"/>
+                      <a:round/>
+                      <a:headEnd type="none" w="med" len="med"/>
+                      <a:tailEnd type="none" w="med" len="med"/>
+                    </a:lnL>
+                    <a:lnR w="12700" cap="flat" cmpd="sng" algn="ctr">
+                      <a:solidFill>
+                        <a:schemeClr val="accent5"/>
+                      </a:solidFill>
+                      <a:prstDash val="solid"/>
+                      <a:round/>
+                      <a:headEnd type="none" w="med" len="med"/>
+                      <a:tailEnd type="none" w="med" len="med"/>
+                    </a:lnR>
+                    <a:lnT w="12700" cap="flat" cmpd="sng" algn="ctr">
+                      <a:solidFill>
+                        <a:schemeClr val="accent5"/>
+                      </a:solidFill>
+                      <a:prstDash val="solid"/>
+                      <a:round/>
+                      <a:headEnd type="none" w="med" len="med"/>
+                      <a:tailEnd type="none" w="med" len="med"/>
+                    </a:lnT>
+                    <a:lnB w="12700" cap="flat" cmpd="sng" algn="ctr">
+                      <a:solidFill>
+                        <a:schemeClr val="accent5"/>
+                      </a:solidFill>
+                      <a:prstDash val="solid"/>
+                      <a:round/>
+                      <a:headEnd type="none" w="med" len="med"/>
+                      <a:tailEnd type="none" w="med" len="med"/>
+                    </a:lnB>
+                  </a:tcPr>
+                </a:tc>
+                <a:tc>
+                  <a:txBody>
+                    <a:bodyPr/>
+                    <a:lstStyle/>
+                    <a:p>
+                      <a:pPr latinLnBrk="1"/>
+                      <a:r>
+                        <a:rPr lang="en-US" altLang="ko-KR" sz="1700" dirty="0"/>
+                        <a:t>0</a:t>
+                      </a:r>
+                      <a:endParaRPr lang="ko-KR" altLang="en-US" sz="1700" dirty="0"/>
+                    </a:p>
+                  </a:txBody>
+                  <a:tcPr marL="83926" marR="83926" marT="41963" marB="41963">
+                    <a:lnL w="12700" cap="flat" cmpd="sng" algn="ctr">
+                      <a:solidFill>
+                        <a:schemeClr val="accent5"/>
+                      </a:solidFill>
+                      <a:prstDash val="solid"/>
+                      <a:round/>
+                      <a:headEnd type="none" w="med" len="med"/>
+                      <a:tailEnd type="none" w="med" len="med"/>
+                    </a:lnL>
+                    <a:lnR w="12700" cap="flat" cmpd="sng" algn="ctr">
+                      <a:solidFill>
+                        <a:schemeClr val="accent5"/>
+                      </a:solidFill>
+                      <a:prstDash val="solid"/>
+                      <a:round/>
+                      <a:headEnd type="none" w="med" len="med"/>
+                      <a:tailEnd type="none" w="med" len="med"/>
+                    </a:lnR>
+                    <a:lnT w="12700" cap="flat" cmpd="sng" algn="ctr">
+                      <a:solidFill>
+                        <a:schemeClr val="accent5"/>
+                      </a:solidFill>
+                      <a:prstDash val="solid"/>
+                      <a:round/>
+                      <a:headEnd type="none" w="med" len="med"/>
+                      <a:tailEnd type="none" w="med" len="med"/>
+                    </a:lnT>
+                    <a:lnB w="12700" cap="flat" cmpd="sng" algn="ctr">
+                      <a:solidFill>
+                        <a:schemeClr val="accent5"/>
+                      </a:solidFill>
+                      <a:prstDash val="solid"/>
+                      <a:round/>
+                      <a:headEnd type="none" w="med" len="med"/>
+                      <a:tailEnd type="none" w="med" len="med"/>
+                    </a:lnB>
+                  </a:tcPr>
+                </a:tc>
+                <a:tc>
+                  <a:txBody>
+                    <a:bodyPr/>
+                    <a:lstStyle/>
+                    <a:p>
+                      <a:pPr latinLnBrk="1"/>
+                      <a:r>
+                        <a:rPr lang="en-US" altLang="ko-KR" sz="1700" dirty="0"/>
+                        <a:t>0</a:t>
+                      </a:r>
+                      <a:endParaRPr lang="ko-KR" altLang="en-US" sz="1700" dirty="0"/>
+                    </a:p>
+                  </a:txBody>
+                  <a:tcPr marL="83926" marR="83926" marT="41963" marB="41963">
+                    <a:lnL w="12700" cap="flat" cmpd="sng" algn="ctr">
+                      <a:solidFill>
+                        <a:schemeClr val="accent5"/>
+                      </a:solidFill>
+                      <a:prstDash val="solid"/>
+                      <a:round/>
+                      <a:headEnd type="none" w="med" len="med"/>
+                      <a:tailEnd type="none" w="med" len="med"/>
+                    </a:lnL>
+                    <a:lnR w="12700" cap="flat" cmpd="sng" algn="ctr">
+                      <a:solidFill>
+                        <a:schemeClr val="accent5"/>
+                      </a:solidFill>
+                      <a:prstDash val="solid"/>
+                      <a:round/>
+                      <a:headEnd type="none" w="med" len="med"/>
+                      <a:tailEnd type="none" w="med" len="med"/>
+                    </a:lnR>
+                    <a:lnT w="12700" cap="flat" cmpd="sng" algn="ctr">
+                      <a:solidFill>
+                        <a:schemeClr val="accent5"/>
+                      </a:solidFill>
+                      <a:prstDash val="solid"/>
+                      <a:round/>
+                      <a:headEnd type="none" w="med" len="med"/>
+                      <a:tailEnd type="none" w="med" len="med"/>
+                    </a:lnT>
+                    <a:lnB w="12700" cap="flat" cmpd="sng" algn="ctr">
+                      <a:solidFill>
+                        <a:schemeClr val="accent5"/>
+                      </a:solidFill>
+                      <a:prstDash val="solid"/>
+                      <a:round/>
+                      <a:headEnd type="none" w="med" len="med"/>
+                      <a:tailEnd type="none" w="med" len="med"/>
+                    </a:lnB>
+                  </a:tcPr>
+                </a:tc>
+                <a:extLst>
+                  <a:ext uri="{0D108BD9-81ED-4DB2-BD59-A6C34878D82A}">
+                    <a16:rowId xmlns:a16="http://schemas.microsoft.com/office/drawing/2014/main" val="3550917524"/>
+                  </a:ext>
+                </a:extLst>
+              </a:tr>
+            </a:tbl>
+          </a:graphicData>
+        </a:graphic>
+      </p:graphicFrame>
+      <p:sp>
+        <p:nvSpPr>
+          <p:cNvPr id="8" name="TextBox 7">
+            <a:extLst>
+              <a:ext uri="{FF2B5EF4-FFF2-40B4-BE49-F238E27FC236}">
+                <a16:creationId xmlns:a16="http://schemas.microsoft.com/office/drawing/2014/main" id="{DAD3890B-6CE6-5CCE-EB84-406FBB82B102}"/>
+              </a:ext>
+            </a:extLst>
+          </p:cNvPr>
+          <p:cNvSpPr txBox="1"/>
+          <p:nvPr/>
+        </p:nvSpPr>
+        <p:spPr>
+          <a:xfrm>
+            <a:off x="4825959" y="2844225"/>
+            <a:ext cx="984597" cy="584775"/>
+          </a:xfrm>
+          <a:prstGeom prst="rect">
+            <a:avLst/>
+          </a:prstGeom>
+          <a:noFill/>
+        </p:spPr>
+        <p:txBody>
+          <a:bodyPr wrap="square" rtlCol="0">
+            <a:spAutoFit/>
+          </a:bodyPr>
+          <a:lstStyle/>
+          <a:p>
+            <a:r>
+              <a:rPr lang="ko-KR" altLang="en-US" dirty="0" err="1">
+                <a:solidFill>
+                  <a:schemeClr val="accent1"/>
+                </a:solidFill>
+              </a:rPr>
+              <a:t>피쳐맵</a:t>
+            </a:r>
+            <a:endParaRPr lang="en-US" altLang="ko-KR" dirty="0">
+              <a:solidFill>
+                <a:schemeClr val="accent1"/>
+              </a:solidFill>
+            </a:endParaRPr>
+          </a:p>
+          <a:p>
+            <a:pPr algn="ctr"/>
+            <a:r>
+              <a:rPr lang="en-US" altLang="ko-KR" sz="1400" dirty="0">
+                <a:solidFill>
+                  <a:schemeClr val="accent1"/>
+                </a:solidFill>
+              </a:rPr>
+              <a:t>(4x4)</a:t>
+            </a:r>
+            <a:endParaRPr lang="ko-KR" altLang="en-US" sz="1400" dirty="0">
+              <a:solidFill>
+                <a:schemeClr val="accent1"/>
+              </a:solidFill>
+            </a:endParaRPr>
+          </a:p>
+        </p:txBody>
+      </p:sp>
+      <p:graphicFrame>
+        <p:nvGraphicFramePr>
+          <p:cNvPr id="13" name="표 12">
+            <a:extLst>
+              <a:ext uri="{FF2B5EF4-FFF2-40B4-BE49-F238E27FC236}">
+                <a16:creationId xmlns:a16="http://schemas.microsoft.com/office/drawing/2014/main" id="{127340B8-0F4C-976F-0220-B1B570941899}"/>
+              </a:ext>
+            </a:extLst>
+          </p:cNvPr>
+          <p:cNvGraphicFramePr>
+            <a:graphicFrameLocks noGrp="1"/>
+          </p:cNvGraphicFramePr>
+          <p:nvPr>
+            <p:extLst>
+              <p:ext uri="{D42A27DB-BD31-4B8C-83A1-F6EECF244321}">
+                <p14:modId xmlns:p14="http://schemas.microsoft.com/office/powerpoint/2010/main" val="1636441473"/>
+              </p:ext>
+            </p:extLst>
+          </p:nvPr>
+        </p:nvGraphicFramePr>
+        <p:xfrm>
+          <a:off x="6799797" y="1648084"/>
+          <a:ext cx="600228" cy="571948"/>
+        </p:xfrm>
+        <a:graphic>
+          <a:graphicData uri="http://schemas.openxmlformats.org/drawingml/2006/table">
+            <a:tbl>
+              <a:tblPr firstRow="1" bandRow="1">
+                <a:tableStyleId>{5940675A-B579-460E-94D1-54222C63F5DA}</a:tableStyleId>
+              </a:tblPr>
+              <a:tblGrid>
+                <a:gridCol w="300114">
+                  <a:extLst>
+                    <a:ext uri="{9D8B030D-6E8A-4147-A177-3AD203B41FA5}">
+                      <a16:colId xmlns:a16="http://schemas.microsoft.com/office/drawing/2014/main" val="390242115"/>
+                    </a:ext>
+                  </a:extLst>
+                </a:gridCol>
+                <a:gridCol w="300114">
+                  <a:extLst>
+                    <a:ext uri="{9D8B030D-6E8A-4147-A177-3AD203B41FA5}">
+                      <a16:colId xmlns:a16="http://schemas.microsoft.com/office/drawing/2014/main" val="2673658107"/>
+                    </a:ext>
+                  </a:extLst>
+                </a:gridCol>
+              </a:tblGrid>
+              <a:tr h="285974">
+                <a:tc>
+                  <a:txBody>
+                    <a:bodyPr/>
+                    <a:lstStyle/>
+                    <a:p>
+                      <a:pPr latinLnBrk="1"/>
+                      <a:endParaRPr lang="ko-KR" altLang="en-US" sz="1400"/>
+                    </a:p>
+                  </a:txBody>
+                  <a:tcPr marL="69420" marR="69420" marT="34710" marB="34710"/>
+                </a:tc>
+                <a:tc>
+                  <a:txBody>
+                    <a:bodyPr/>
+                    <a:lstStyle/>
+                    <a:p>
+                      <a:pPr latinLnBrk="1"/>
+                      <a:endParaRPr lang="ko-KR" altLang="en-US" sz="1400" dirty="0"/>
+                    </a:p>
+                  </a:txBody>
+                  <a:tcPr marL="69420" marR="69420" marT="34710" marB="34710"/>
+                </a:tc>
+                <a:extLst>
+                  <a:ext uri="{0D108BD9-81ED-4DB2-BD59-A6C34878D82A}">
+                    <a16:rowId xmlns:a16="http://schemas.microsoft.com/office/drawing/2014/main" val="2818474672"/>
+                  </a:ext>
+                </a:extLst>
+              </a:tr>
+              <a:tr h="285974">
+                <a:tc>
+                  <a:txBody>
+                    <a:bodyPr/>
+                    <a:lstStyle/>
+                    <a:p>
+                      <a:pPr latinLnBrk="1"/>
+                      <a:endParaRPr lang="ko-KR" altLang="en-US" sz="1400"/>
+                    </a:p>
+                  </a:txBody>
+                  <a:tcPr marL="69420" marR="69420" marT="34710" marB="34710"/>
+                </a:tc>
+                <a:tc>
+                  <a:txBody>
+                    <a:bodyPr/>
+                    <a:lstStyle/>
+                    <a:p>
+                      <a:pPr latinLnBrk="1"/>
+                      <a:endParaRPr lang="ko-KR" altLang="en-US" sz="1400" dirty="0"/>
+                    </a:p>
+                  </a:txBody>
+                  <a:tcPr marL="69420" marR="69420" marT="34710" marB="34710"/>
+                </a:tc>
+                <a:extLst>
+                  <a:ext uri="{0D108BD9-81ED-4DB2-BD59-A6C34878D82A}">
+                    <a16:rowId xmlns:a16="http://schemas.microsoft.com/office/drawing/2014/main" val="4050327832"/>
+                  </a:ext>
+                </a:extLst>
+              </a:tr>
+            </a:tbl>
+          </a:graphicData>
+        </a:graphic>
+      </p:graphicFrame>
+      <p:sp>
+        <p:nvSpPr>
+          <p:cNvPr id="14" name="TextBox 13">
+            <a:extLst>
+              <a:ext uri="{FF2B5EF4-FFF2-40B4-BE49-F238E27FC236}">
+                <a16:creationId xmlns:a16="http://schemas.microsoft.com/office/drawing/2014/main" id="{AC6FEFE4-68EB-2994-01F0-CFC3F26F3DBE}"/>
+              </a:ext>
+            </a:extLst>
+          </p:cNvPr>
+          <p:cNvSpPr txBox="1"/>
+          <p:nvPr/>
+        </p:nvSpPr>
+        <p:spPr>
+          <a:xfrm>
+            <a:off x="6787110" y="2475339"/>
+            <a:ext cx="700118" cy="584775"/>
+          </a:xfrm>
+          <a:prstGeom prst="rect">
+            <a:avLst/>
+          </a:prstGeom>
+          <a:noFill/>
+        </p:spPr>
+        <p:txBody>
+          <a:bodyPr wrap="square" rtlCol="0">
+            <a:spAutoFit/>
+          </a:bodyPr>
+          <a:lstStyle/>
+          <a:p>
+            <a:r>
+              <a:rPr lang="ko-KR" altLang="en-US" dirty="0" err="1"/>
+              <a:t>풀링</a:t>
+            </a:r>
+            <a:r>
+              <a:rPr lang="en-US" altLang="ko-KR" sz="1400" dirty="0"/>
+              <a:t>(2x2)</a:t>
+            </a:r>
+            <a:endParaRPr lang="ko-KR" altLang="en-US" sz="1400" dirty="0"/>
+          </a:p>
+        </p:txBody>
+      </p:sp>
+      <p:sp>
+        <p:nvSpPr>
+          <p:cNvPr id="16" name="TextBox 15">
+            <a:extLst>
+              <a:ext uri="{FF2B5EF4-FFF2-40B4-BE49-F238E27FC236}">
+                <a16:creationId xmlns:a16="http://schemas.microsoft.com/office/drawing/2014/main" id="{5C394890-1929-C7B4-1E87-1E2667040D32}"/>
+              </a:ext>
+            </a:extLst>
+          </p:cNvPr>
+          <p:cNvSpPr txBox="1"/>
+          <p:nvPr/>
+        </p:nvSpPr>
+        <p:spPr>
+          <a:xfrm>
+            <a:off x="8362562" y="2844225"/>
+            <a:ext cx="984597" cy="754053"/>
+          </a:xfrm>
+          <a:prstGeom prst="rect">
+            <a:avLst/>
+          </a:prstGeom>
+          <a:noFill/>
+        </p:spPr>
+        <p:txBody>
+          <a:bodyPr wrap="square" rtlCol="0">
+            <a:spAutoFit/>
+          </a:bodyPr>
+          <a:lstStyle/>
+          <a:p>
+            <a:r>
+              <a:rPr lang="en-US" altLang="ko-KR" sz="1100" dirty="0">
+                <a:solidFill>
+                  <a:schemeClr val="accent6"/>
+                </a:solidFill>
+              </a:rPr>
+              <a:t>(</a:t>
+            </a:r>
+            <a:r>
+              <a:rPr lang="ko-KR" altLang="en-US" sz="1100" dirty="0" err="1">
+                <a:solidFill>
+                  <a:schemeClr val="accent6"/>
+                </a:solidFill>
+              </a:rPr>
+              <a:t>풀링을</a:t>
+            </a:r>
+            <a:r>
+              <a:rPr lang="ko-KR" altLang="en-US" sz="1100" dirty="0">
+                <a:solidFill>
+                  <a:schemeClr val="accent6"/>
+                </a:solidFill>
+              </a:rPr>
+              <a:t> 통한</a:t>
+            </a:r>
+            <a:r>
+              <a:rPr lang="en-US" altLang="ko-KR" sz="1100" dirty="0">
+                <a:solidFill>
+                  <a:schemeClr val="accent6"/>
+                </a:solidFill>
+              </a:rPr>
+              <a:t>)</a:t>
+            </a:r>
+            <a:endParaRPr lang="en-US" altLang="ko-KR" dirty="0">
+              <a:solidFill>
+                <a:schemeClr val="accent6"/>
+              </a:solidFill>
+            </a:endParaRPr>
+          </a:p>
+          <a:p>
+            <a:r>
+              <a:rPr lang="ko-KR" altLang="en-US" dirty="0" err="1">
+                <a:solidFill>
+                  <a:schemeClr val="accent6"/>
+                </a:solidFill>
+              </a:rPr>
+              <a:t>피쳐맵</a:t>
+            </a:r>
+            <a:endParaRPr lang="en-US" altLang="ko-KR" dirty="0">
+              <a:solidFill>
+                <a:schemeClr val="accent6"/>
+              </a:solidFill>
+            </a:endParaRPr>
+          </a:p>
+          <a:p>
+            <a:pPr algn="ctr"/>
+            <a:r>
+              <a:rPr lang="en-US" altLang="ko-KR" sz="1400" dirty="0">
+                <a:solidFill>
+                  <a:schemeClr val="accent6"/>
+                </a:solidFill>
+              </a:rPr>
+              <a:t>(2x2)</a:t>
+            </a:r>
+            <a:endParaRPr lang="ko-KR" altLang="en-US" sz="1400" dirty="0">
+              <a:solidFill>
+                <a:schemeClr val="accent6"/>
+              </a:solidFill>
+            </a:endParaRPr>
+          </a:p>
+        </p:txBody>
+      </p:sp>
+      <p:graphicFrame>
+        <p:nvGraphicFramePr>
+          <p:cNvPr id="17" name="표 16">
+            <a:extLst>
+              <a:ext uri="{FF2B5EF4-FFF2-40B4-BE49-F238E27FC236}">
+                <a16:creationId xmlns:a16="http://schemas.microsoft.com/office/drawing/2014/main" id="{0F50E326-22A7-0EA7-0AEC-D185B32703DA}"/>
+              </a:ext>
+            </a:extLst>
+          </p:cNvPr>
+          <p:cNvGraphicFramePr>
+            <a:graphicFrameLocks noGrp="1"/>
+          </p:cNvGraphicFramePr>
+          <p:nvPr>
+            <p:extLst>
+              <p:ext uri="{D42A27DB-BD31-4B8C-83A1-F6EECF244321}">
+                <p14:modId xmlns:p14="http://schemas.microsoft.com/office/powerpoint/2010/main" val="287273355"/>
+              </p:ext>
+            </p:extLst>
+          </p:nvPr>
+        </p:nvGraphicFramePr>
+        <p:xfrm>
+          <a:off x="8302509" y="1410557"/>
+          <a:ext cx="1117430" cy="1064782"/>
+        </p:xfrm>
+        <a:graphic>
+          <a:graphicData uri="http://schemas.openxmlformats.org/drawingml/2006/table">
+            <a:tbl>
+              <a:tblPr firstRow="1" bandRow="1">
+                <a:tableStyleId>{5940675A-B579-460E-94D1-54222C63F5DA}</a:tableStyleId>
+              </a:tblPr>
+              <a:tblGrid>
+                <a:gridCol w="558715">
+                  <a:extLst>
+                    <a:ext uri="{9D8B030D-6E8A-4147-A177-3AD203B41FA5}">
+                      <a16:colId xmlns:a16="http://schemas.microsoft.com/office/drawing/2014/main" val="390242115"/>
+                    </a:ext>
+                  </a:extLst>
+                </a:gridCol>
+                <a:gridCol w="558715">
+                  <a:extLst>
+                    <a:ext uri="{9D8B030D-6E8A-4147-A177-3AD203B41FA5}">
+                      <a16:colId xmlns:a16="http://schemas.microsoft.com/office/drawing/2014/main" val="2673658107"/>
+                    </a:ext>
+                  </a:extLst>
+                </a:gridCol>
+              </a:tblGrid>
+              <a:tr h="532391">
+                <a:tc>
+                  <a:txBody>
+                    <a:bodyPr/>
+                    <a:lstStyle/>
+                    <a:p>
+                      <a:pPr latinLnBrk="1"/>
+                      <a:endParaRPr lang="ko-KR" altLang="en-US" sz="2600" dirty="0"/>
+                    </a:p>
+                  </a:txBody>
+                  <a:tcPr marL="129237" marR="129237" marT="64619" marB="64619">
+                    <a:lnL w="12700" cap="flat" cmpd="sng" algn="ctr">
+                      <a:solidFill>
+                        <a:schemeClr val="accent6"/>
+                      </a:solidFill>
+                      <a:prstDash val="solid"/>
+                      <a:round/>
+                      <a:headEnd type="none" w="med" len="med"/>
+                      <a:tailEnd type="none" w="med" len="med"/>
+                    </a:lnL>
+                    <a:lnR w="12700" cap="flat" cmpd="sng" algn="ctr">
+                      <a:solidFill>
+                        <a:schemeClr val="accent6"/>
+                      </a:solidFill>
+                      <a:prstDash val="solid"/>
+                      <a:round/>
+                      <a:headEnd type="none" w="med" len="med"/>
+                      <a:tailEnd type="none" w="med" len="med"/>
+                    </a:lnR>
+                    <a:lnT w="12700" cap="flat" cmpd="sng" algn="ctr">
+                      <a:solidFill>
+                        <a:schemeClr val="accent6"/>
+                      </a:solidFill>
+                      <a:prstDash val="solid"/>
+                      <a:round/>
+                      <a:headEnd type="none" w="med" len="med"/>
+                      <a:tailEnd type="none" w="med" len="med"/>
+                    </a:lnT>
+                    <a:lnB w="12700" cap="flat" cmpd="sng" algn="ctr">
+                      <a:solidFill>
+                        <a:schemeClr val="accent6"/>
+                      </a:solidFill>
+                      <a:prstDash val="solid"/>
+                      <a:round/>
+                      <a:headEnd type="none" w="med" len="med"/>
+                      <a:tailEnd type="none" w="med" len="med"/>
+                    </a:lnB>
+                  </a:tcPr>
+                </a:tc>
+                <a:tc>
+                  <a:txBody>
+                    <a:bodyPr/>
+                    <a:lstStyle/>
+                    <a:p>
+                      <a:pPr latinLnBrk="1"/>
+                      <a:endParaRPr lang="ko-KR" altLang="en-US" sz="2600" dirty="0"/>
+                    </a:p>
+                  </a:txBody>
+                  <a:tcPr marL="129237" marR="129237" marT="64619" marB="64619">
+                    <a:lnL w="12700" cap="flat" cmpd="sng" algn="ctr">
+                      <a:solidFill>
+                        <a:schemeClr val="accent6"/>
+                      </a:solidFill>
+                      <a:prstDash val="solid"/>
+                      <a:round/>
+                      <a:headEnd type="none" w="med" len="med"/>
+                      <a:tailEnd type="none" w="med" len="med"/>
+                    </a:lnL>
+                    <a:lnR w="12700" cap="flat" cmpd="sng" algn="ctr">
+                      <a:solidFill>
+                        <a:schemeClr val="accent6"/>
+                      </a:solidFill>
+                      <a:prstDash val="solid"/>
+                      <a:round/>
+                      <a:headEnd type="none" w="med" len="med"/>
+                      <a:tailEnd type="none" w="med" len="med"/>
+                    </a:lnR>
+                    <a:lnT w="12700" cap="flat" cmpd="sng" algn="ctr">
+                      <a:solidFill>
+                        <a:schemeClr val="accent6"/>
+                      </a:solidFill>
+                      <a:prstDash val="solid"/>
+                      <a:round/>
+                      <a:headEnd type="none" w="med" len="med"/>
+                      <a:tailEnd type="none" w="med" len="med"/>
+                    </a:lnT>
+                    <a:lnB w="12700" cap="flat" cmpd="sng" algn="ctr">
+                      <a:solidFill>
+                        <a:schemeClr val="accent6"/>
+                      </a:solidFill>
+                      <a:prstDash val="solid"/>
+                      <a:round/>
+                      <a:headEnd type="none" w="med" len="med"/>
+                      <a:tailEnd type="none" w="med" len="med"/>
+                    </a:lnB>
+                  </a:tcPr>
+                </a:tc>
+                <a:extLst>
+                  <a:ext uri="{0D108BD9-81ED-4DB2-BD59-A6C34878D82A}">
+                    <a16:rowId xmlns:a16="http://schemas.microsoft.com/office/drawing/2014/main" val="2818474672"/>
+                  </a:ext>
+                </a:extLst>
+              </a:tr>
+              <a:tr h="532391">
+                <a:tc>
+                  <a:txBody>
+                    <a:bodyPr/>
+                    <a:lstStyle/>
+                    <a:p>
+                      <a:pPr latinLnBrk="1"/>
+                      <a:endParaRPr lang="ko-KR" altLang="en-US" sz="2600" dirty="0"/>
+                    </a:p>
+                  </a:txBody>
+                  <a:tcPr marL="129237" marR="129237" marT="64619" marB="64619">
+                    <a:lnL w="12700" cap="flat" cmpd="sng" algn="ctr">
+                      <a:solidFill>
+                        <a:schemeClr val="accent6"/>
+                      </a:solidFill>
+                      <a:prstDash val="solid"/>
+                      <a:round/>
+                      <a:headEnd type="none" w="med" len="med"/>
+                      <a:tailEnd type="none" w="med" len="med"/>
+                    </a:lnL>
+                    <a:lnR w="12700" cap="flat" cmpd="sng" algn="ctr">
+                      <a:solidFill>
+                        <a:schemeClr val="accent6"/>
+                      </a:solidFill>
+                      <a:prstDash val="solid"/>
+                      <a:round/>
+                      <a:headEnd type="none" w="med" len="med"/>
+                      <a:tailEnd type="none" w="med" len="med"/>
+                    </a:lnR>
+                    <a:lnT w="12700" cap="flat" cmpd="sng" algn="ctr">
+                      <a:solidFill>
+                        <a:schemeClr val="accent6"/>
+                      </a:solidFill>
+                      <a:prstDash val="solid"/>
+                      <a:round/>
+                      <a:headEnd type="none" w="med" len="med"/>
+                      <a:tailEnd type="none" w="med" len="med"/>
+                    </a:lnT>
+                    <a:lnB w="12700" cap="flat" cmpd="sng" algn="ctr">
+                      <a:solidFill>
+                        <a:schemeClr val="accent6"/>
+                      </a:solidFill>
+                      <a:prstDash val="solid"/>
+                      <a:round/>
+                      <a:headEnd type="none" w="med" len="med"/>
+                      <a:tailEnd type="none" w="med" len="med"/>
+                    </a:lnB>
+                  </a:tcPr>
+                </a:tc>
+                <a:tc>
+                  <a:txBody>
+                    <a:bodyPr/>
+                    <a:lstStyle/>
+                    <a:p>
+                      <a:pPr latinLnBrk="1"/>
+                      <a:endParaRPr lang="ko-KR" altLang="en-US" sz="2600" dirty="0"/>
+                    </a:p>
+                  </a:txBody>
+                  <a:tcPr marL="129237" marR="129237" marT="64619" marB="64619">
+                    <a:lnL w="12700" cap="flat" cmpd="sng" algn="ctr">
+                      <a:solidFill>
+                        <a:schemeClr val="accent6"/>
+                      </a:solidFill>
+                      <a:prstDash val="solid"/>
+                      <a:round/>
+                      <a:headEnd type="none" w="med" len="med"/>
+                      <a:tailEnd type="none" w="med" len="med"/>
+                    </a:lnL>
+                    <a:lnR w="12700" cap="flat" cmpd="sng" algn="ctr">
+                      <a:solidFill>
+                        <a:schemeClr val="accent6"/>
+                      </a:solidFill>
+                      <a:prstDash val="solid"/>
+                      <a:round/>
+                      <a:headEnd type="none" w="med" len="med"/>
+                      <a:tailEnd type="none" w="med" len="med"/>
+                    </a:lnR>
+                    <a:lnT w="12700" cap="flat" cmpd="sng" algn="ctr">
+                      <a:solidFill>
+                        <a:schemeClr val="accent6"/>
+                      </a:solidFill>
+                      <a:prstDash val="solid"/>
+                      <a:round/>
+                      <a:headEnd type="none" w="med" len="med"/>
+                      <a:tailEnd type="none" w="med" len="med"/>
+                    </a:lnT>
+                    <a:lnB w="12700" cap="flat" cmpd="sng" algn="ctr">
+                      <a:solidFill>
+                        <a:schemeClr val="accent6"/>
+                      </a:solidFill>
+                      <a:prstDash val="solid"/>
+                      <a:round/>
+                      <a:headEnd type="none" w="med" len="med"/>
+                      <a:tailEnd type="none" w="med" len="med"/>
+                    </a:lnB>
+                  </a:tcPr>
+                </a:tc>
+                <a:extLst>
+                  <a:ext uri="{0D108BD9-81ED-4DB2-BD59-A6C34878D82A}">
+                    <a16:rowId xmlns:a16="http://schemas.microsoft.com/office/drawing/2014/main" val="4050327832"/>
+                  </a:ext>
+                </a:extLst>
+              </a:tr>
+            </a:tbl>
+          </a:graphicData>
+        </a:graphic>
+      </p:graphicFrame>
+      <p:graphicFrame>
+        <p:nvGraphicFramePr>
+          <p:cNvPr id="9" name="표 8">
+            <a:extLst>
+              <a:ext uri="{FF2B5EF4-FFF2-40B4-BE49-F238E27FC236}">
+                <a16:creationId xmlns:a16="http://schemas.microsoft.com/office/drawing/2014/main" id="{96040048-D680-CB90-3D35-DBAF3D40CC21}"/>
+              </a:ext>
+            </a:extLst>
+          </p:cNvPr>
+          <p:cNvGraphicFramePr>
+            <a:graphicFrameLocks noGrp="1"/>
+          </p:cNvGraphicFramePr>
+          <p:nvPr>
+            <p:extLst>
+              <p:ext uri="{D42A27DB-BD31-4B8C-83A1-F6EECF244321}">
+                <p14:modId xmlns:p14="http://schemas.microsoft.com/office/powerpoint/2010/main" val="100335435"/>
+              </p:ext>
+            </p:extLst>
+          </p:nvPr>
+        </p:nvGraphicFramePr>
+        <p:xfrm>
+          <a:off x="10032699" y="1231879"/>
+          <a:ext cx="289724" cy="280376"/>
+        </p:xfrm>
+        <a:graphic>
+          <a:graphicData uri="http://schemas.openxmlformats.org/drawingml/2006/table">
+            <a:tbl>
+              <a:tblPr firstRow="1" bandRow="1">
+                <a:tableStyleId>{5940675A-B579-460E-94D1-54222C63F5DA}</a:tableStyleId>
+              </a:tblPr>
+              <a:tblGrid>
+                <a:gridCol w="144862">
+                  <a:extLst>
+                    <a:ext uri="{9D8B030D-6E8A-4147-A177-3AD203B41FA5}">
+                      <a16:colId xmlns:a16="http://schemas.microsoft.com/office/drawing/2014/main" val="390242115"/>
+                    </a:ext>
+                  </a:extLst>
+                </a:gridCol>
+                <a:gridCol w="144862">
+                  <a:extLst>
+                    <a:ext uri="{9D8B030D-6E8A-4147-A177-3AD203B41FA5}">
+                      <a16:colId xmlns:a16="http://schemas.microsoft.com/office/drawing/2014/main" val="2673658107"/>
+                    </a:ext>
+                  </a:extLst>
+                </a:gridCol>
+              </a:tblGrid>
+              <a:tr h="138037">
+                <a:tc>
+                  <a:txBody>
+                    <a:bodyPr/>
+                    <a:lstStyle/>
+                    <a:p>
+                      <a:pPr latinLnBrk="1"/>
+                      <a:endParaRPr lang="ko-KR" altLang="en-US" sz="700"/>
+                    </a:p>
+                  </a:txBody>
+                  <a:tcPr marL="33508" marR="33508" marT="16754" marB="16754">
+                    <a:lnL w="12700" cap="flat" cmpd="sng" algn="ctr">
+                      <a:solidFill>
+                        <a:schemeClr val="tx1"/>
+                      </a:solidFill>
+                      <a:prstDash val="solid"/>
+                      <a:round/>
+                      <a:headEnd type="none" w="med" len="med"/>
+                      <a:tailEnd type="none" w="med" len="med"/>
+                    </a:lnL>
+                    <a:lnR w="12700" cmpd="sng">
+                      <a:noFill/>
+                    </a:lnR>
+                    <a:lnT w="12700" cap="flat" cmpd="sng" algn="ctr">
+                      <a:solidFill>
+                        <a:schemeClr val="tx1"/>
+                      </a:solidFill>
+                      <a:prstDash val="solid"/>
+                      <a:round/>
+                      <a:headEnd type="none" w="med" len="med"/>
+                      <a:tailEnd type="none" w="med" len="med"/>
+                    </a:lnT>
+                    <a:lnB w="12700" cmpd="sng">
+                      <a:noFill/>
+                    </a:lnB>
+                    <a:lnTlToBr w="12700" cmpd="sng">
+                      <a:noFill/>
+                      <a:prstDash val="solid"/>
+                    </a:lnTlToBr>
+                    <a:lnBlToTr w="12700" cmpd="sng">
+                      <a:noFill/>
+                      <a:prstDash val="solid"/>
+                    </a:lnBlToTr>
+                  </a:tcPr>
+                </a:tc>
+                <a:tc>
+                  <a:txBody>
+                    <a:bodyPr/>
+                    <a:lstStyle/>
+                    <a:p>
+                      <a:pPr latinLnBrk="1"/>
+                      <a:endParaRPr lang="ko-KR" altLang="en-US" sz="700" dirty="0"/>
+                    </a:p>
+                  </a:txBody>
+                  <a:tcPr marL="33508" marR="33508" marT="16754" marB="16754">
+                    <a:lnL w="12700" cmpd="sng">
+                      <a:noFill/>
+                    </a:lnL>
+                    <a:lnR w="12700" cap="flat" cmpd="sng" algn="ctr">
+                      <a:solidFill>
+                        <a:schemeClr val="tx1"/>
+                      </a:solidFill>
+                      <a:prstDash val="solid"/>
+                      <a:round/>
+                      <a:headEnd type="none" w="med" len="med"/>
+                      <a:tailEnd type="none" w="med" len="med"/>
+                    </a:lnR>
+                    <a:lnT w="12700" cap="flat" cmpd="sng" algn="ctr">
+                      <a:solidFill>
+                        <a:schemeClr val="tx1"/>
+                      </a:solidFill>
+                      <a:prstDash val="solid"/>
+                      <a:round/>
+                      <a:headEnd type="none" w="med" len="med"/>
+                      <a:tailEnd type="none" w="med" len="med"/>
+                    </a:lnT>
+                    <a:lnB w="12700" cmpd="sng">
+                      <a:noFill/>
+                    </a:lnB>
+                    <a:lnTlToBr w="12700" cmpd="sng">
+                      <a:noFill/>
+                      <a:prstDash val="solid"/>
+                    </a:lnTlToBr>
+                    <a:lnBlToTr w="12700" cmpd="sng">
+                      <a:noFill/>
+                      <a:prstDash val="solid"/>
+                    </a:lnBlToTr>
+                  </a:tcPr>
+                </a:tc>
+                <a:extLst>
+                  <a:ext uri="{0D108BD9-81ED-4DB2-BD59-A6C34878D82A}">
+                    <a16:rowId xmlns:a16="http://schemas.microsoft.com/office/drawing/2014/main" val="2818474672"/>
+                  </a:ext>
+                </a:extLst>
+              </a:tr>
+              <a:tr h="138037">
+                <a:tc>
+                  <a:txBody>
+                    <a:bodyPr/>
+                    <a:lstStyle/>
+                    <a:p>
+                      <a:pPr latinLnBrk="1"/>
+                      <a:endParaRPr lang="ko-KR" altLang="en-US" sz="700"/>
+                    </a:p>
+                  </a:txBody>
+                  <a:tcPr marL="33508" marR="33508" marT="16754" marB="16754">
+                    <a:lnL w="12700" cap="flat" cmpd="sng" algn="ctr">
+                      <a:solidFill>
+                        <a:schemeClr val="tx1"/>
+                      </a:solidFill>
+                      <a:prstDash val="solid"/>
+                      <a:round/>
+                      <a:headEnd type="none" w="med" len="med"/>
+                      <a:tailEnd type="none" w="med" len="med"/>
+                    </a:lnL>
+                    <a:lnR w="12700" cmpd="sng">
+                      <a:noFill/>
+                    </a:lnR>
+                    <a:lnT w="12700" cmpd="sng">
+                      <a:noFill/>
+                    </a:lnT>
+                    <a:lnB w="12700" cap="flat" cmpd="sng" algn="ctr">
+                      <a:solidFill>
+                        <a:schemeClr val="tx1"/>
+                      </a:solidFill>
+                      <a:prstDash val="solid"/>
+                      <a:round/>
+                      <a:headEnd type="none" w="med" len="med"/>
+                      <a:tailEnd type="none" w="med" len="med"/>
+                    </a:lnB>
+                    <a:lnTlToBr w="12700" cmpd="sng">
+                      <a:noFill/>
+                      <a:prstDash val="solid"/>
+                    </a:lnTlToBr>
+                    <a:lnBlToTr w="12700" cmpd="sng">
+                      <a:noFill/>
+                      <a:prstDash val="solid"/>
+                    </a:lnBlToTr>
+                  </a:tcPr>
+                </a:tc>
+                <a:tc>
+                  <a:txBody>
+                    <a:bodyPr/>
+                    <a:lstStyle/>
+                    <a:p>
+                      <a:pPr latinLnBrk="1"/>
+                      <a:endParaRPr lang="ko-KR" altLang="en-US" sz="700" dirty="0"/>
+                    </a:p>
+                  </a:txBody>
+                  <a:tcPr marL="33508" marR="33508" marT="16754" marB="16754">
+                    <a:lnL w="12700" cmpd="sng">
+                      <a:noFill/>
+                    </a:lnL>
+                    <a:lnR w="12700" cap="flat" cmpd="sng" algn="ctr">
+                      <a:solidFill>
+                        <a:schemeClr val="tx1"/>
+                      </a:solidFill>
+                      <a:prstDash val="solid"/>
+                      <a:round/>
+                      <a:headEnd type="none" w="med" len="med"/>
+                      <a:tailEnd type="none" w="med" len="med"/>
+                    </a:lnR>
+                    <a:lnT w="12700" cmpd="sng">
+                      <a:noFill/>
+                    </a:lnT>
+                    <a:lnB w="12700" cap="flat" cmpd="sng" algn="ctr">
+                      <a:solidFill>
+                        <a:schemeClr val="tx1"/>
+                      </a:solidFill>
+                      <a:prstDash val="solid"/>
+                      <a:round/>
+                      <a:headEnd type="none" w="med" len="med"/>
+                      <a:tailEnd type="none" w="med" len="med"/>
+                    </a:lnB>
+                    <a:lnTlToBr w="12700" cmpd="sng">
+                      <a:noFill/>
+                      <a:prstDash val="solid"/>
+                    </a:lnTlToBr>
+                    <a:lnBlToTr w="12700" cmpd="sng">
+                      <a:noFill/>
+                      <a:prstDash val="solid"/>
+                    </a:lnBlToTr>
+                  </a:tcPr>
+                </a:tc>
+                <a:extLst>
+                  <a:ext uri="{0D108BD9-81ED-4DB2-BD59-A6C34878D82A}">
+                    <a16:rowId xmlns:a16="http://schemas.microsoft.com/office/drawing/2014/main" val="4050327832"/>
+                  </a:ext>
+                </a:extLst>
+              </a:tr>
+            </a:tbl>
+          </a:graphicData>
+        </a:graphic>
+      </p:graphicFrame>
+      <p:graphicFrame>
+        <p:nvGraphicFramePr>
+          <p:cNvPr id="10" name="표 9">
+            <a:extLst>
+              <a:ext uri="{FF2B5EF4-FFF2-40B4-BE49-F238E27FC236}">
+                <a16:creationId xmlns:a16="http://schemas.microsoft.com/office/drawing/2014/main" id="{5422CDA9-ECF2-B21A-430B-7552B0D7AF09}"/>
+              </a:ext>
+            </a:extLst>
+          </p:cNvPr>
+          <p:cNvGraphicFramePr>
+            <a:graphicFrameLocks noGrp="1"/>
+          </p:cNvGraphicFramePr>
+          <p:nvPr>
+            <p:extLst>
+              <p:ext uri="{D42A27DB-BD31-4B8C-83A1-F6EECF244321}">
+                <p14:modId xmlns:p14="http://schemas.microsoft.com/office/powerpoint/2010/main" val="2428472229"/>
+              </p:ext>
+            </p:extLst>
+          </p:nvPr>
+        </p:nvGraphicFramePr>
+        <p:xfrm>
+          <a:off x="10032699" y="1664682"/>
+          <a:ext cx="289724" cy="280376"/>
+        </p:xfrm>
+        <a:graphic>
+          <a:graphicData uri="http://schemas.openxmlformats.org/drawingml/2006/table">
+            <a:tbl>
+              <a:tblPr firstRow="1" bandRow="1">
+                <a:tableStyleId>{5940675A-B579-460E-94D1-54222C63F5DA}</a:tableStyleId>
+              </a:tblPr>
+              <a:tblGrid>
+                <a:gridCol w="144862">
+                  <a:extLst>
+                    <a:ext uri="{9D8B030D-6E8A-4147-A177-3AD203B41FA5}">
+                      <a16:colId xmlns:a16="http://schemas.microsoft.com/office/drawing/2014/main" val="390242115"/>
+                    </a:ext>
+                  </a:extLst>
+                </a:gridCol>
+                <a:gridCol w="144862">
+                  <a:extLst>
+                    <a:ext uri="{9D8B030D-6E8A-4147-A177-3AD203B41FA5}">
+                      <a16:colId xmlns:a16="http://schemas.microsoft.com/office/drawing/2014/main" val="2673658107"/>
+                    </a:ext>
+                  </a:extLst>
+                </a:gridCol>
+              </a:tblGrid>
+              <a:tr h="138037">
+                <a:tc>
+                  <a:txBody>
+                    <a:bodyPr/>
+                    <a:lstStyle/>
+                    <a:p>
+                      <a:pPr latinLnBrk="1"/>
+                      <a:endParaRPr lang="ko-KR" altLang="en-US" sz="700"/>
+                    </a:p>
+                  </a:txBody>
+                  <a:tcPr marL="33508" marR="33508" marT="16754" marB="16754">
+                    <a:lnL w="12700" cap="flat" cmpd="sng" algn="ctr">
+                      <a:solidFill>
+                        <a:schemeClr val="tx1"/>
+                      </a:solidFill>
+                      <a:prstDash val="solid"/>
+                      <a:round/>
+                      <a:headEnd type="none" w="med" len="med"/>
+                      <a:tailEnd type="none" w="med" len="med"/>
+                    </a:lnL>
+                    <a:lnR w="12700" cmpd="sng">
+                      <a:noFill/>
+                    </a:lnR>
+                    <a:lnT w="12700" cap="flat" cmpd="sng" algn="ctr">
+                      <a:solidFill>
+                        <a:schemeClr val="tx1"/>
+                      </a:solidFill>
+                      <a:prstDash val="solid"/>
+                      <a:round/>
+                      <a:headEnd type="none" w="med" len="med"/>
+                      <a:tailEnd type="none" w="med" len="med"/>
+                    </a:lnT>
+                    <a:lnB w="12700" cmpd="sng">
+                      <a:noFill/>
+                    </a:lnB>
+                    <a:lnTlToBr w="12700" cmpd="sng">
+                      <a:noFill/>
+                      <a:prstDash val="solid"/>
+                    </a:lnTlToBr>
+                    <a:lnBlToTr w="12700" cmpd="sng">
+                      <a:noFill/>
+                      <a:prstDash val="solid"/>
+                    </a:lnBlToTr>
+                  </a:tcPr>
+                </a:tc>
+                <a:tc>
+                  <a:txBody>
+                    <a:bodyPr/>
+                    <a:lstStyle/>
+                    <a:p>
+                      <a:pPr latinLnBrk="1"/>
+                      <a:endParaRPr lang="ko-KR" altLang="en-US" sz="700" dirty="0"/>
+                    </a:p>
+                  </a:txBody>
+                  <a:tcPr marL="33508" marR="33508" marT="16754" marB="16754">
+                    <a:lnL w="12700" cmpd="sng">
+                      <a:noFill/>
+                    </a:lnL>
+                    <a:lnR w="12700" cap="flat" cmpd="sng" algn="ctr">
+                      <a:solidFill>
+                        <a:schemeClr val="tx1"/>
+                      </a:solidFill>
+                      <a:prstDash val="solid"/>
+                      <a:round/>
+                      <a:headEnd type="none" w="med" len="med"/>
+                      <a:tailEnd type="none" w="med" len="med"/>
+                    </a:lnR>
+                    <a:lnT w="12700" cap="flat" cmpd="sng" algn="ctr">
+                      <a:solidFill>
+                        <a:schemeClr val="tx1"/>
+                      </a:solidFill>
+                      <a:prstDash val="solid"/>
+                      <a:round/>
+                      <a:headEnd type="none" w="med" len="med"/>
+                      <a:tailEnd type="none" w="med" len="med"/>
+                    </a:lnT>
+                    <a:lnB w="12700" cmpd="sng">
+                      <a:noFill/>
+                    </a:lnB>
+                    <a:lnTlToBr w="12700" cmpd="sng">
+                      <a:noFill/>
+                      <a:prstDash val="solid"/>
+                    </a:lnTlToBr>
+                    <a:lnBlToTr w="12700" cmpd="sng">
+                      <a:noFill/>
+                      <a:prstDash val="solid"/>
+                    </a:lnBlToTr>
+                  </a:tcPr>
+                </a:tc>
+                <a:extLst>
+                  <a:ext uri="{0D108BD9-81ED-4DB2-BD59-A6C34878D82A}">
+                    <a16:rowId xmlns:a16="http://schemas.microsoft.com/office/drawing/2014/main" val="2818474672"/>
+                  </a:ext>
+                </a:extLst>
+              </a:tr>
+              <a:tr h="138037">
+                <a:tc>
+                  <a:txBody>
+                    <a:bodyPr/>
+                    <a:lstStyle/>
+                    <a:p>
+                      <a:pPr latinLnBrk="1"/>
+                      <a:endParaRPr lang="ko-KR" altLang="en-US" sz="700"/>
+                    </a:p>
+                  </a:txBody>
+                  <a:tcPr marL="33508" marR="33508" marT="16754" marB="16754">
+                    <a:lnL w="12700" cap="flat" cmpd="sng" algn="ctr">
+                      <a:solidFill>
+                        <a:schemeClr val="tx1"/>
+                      </a:solidFill>
+                      <a:prstDash val="solid"/>
+                      <a:round/>
+                      <a:headEnd type="none" w="med" len="med"/>
+                      <a:tailEnd type="none" w="med" len="med"/>
+                    </a:lnL>
+                    <a:lnR w="12700" cmpd="sng">
+                      <a:noFill/>
+                    </a:lnR>
+                    <a:lnT w="12700" cmpd="sng">
+                      <a:noFill/>
+                    </a:lnT>
+                    <a:lnB w="12700" cap="flat" cmpd="sng" algn="ctr">
+                      <a:solidFill>
+                        <a:schemeClr val="tx1"/>
+                      </a:solidFill>
+                      <a:prstDash val="solid"/>
+                      <a:round/>
+                      <a:headEnd type="none" w="med" len="med"/>
+                      <a:tailEnd type="none" w="med" len="med"/>
+                    </a:lnB>
+                    <a:lnTlToBr w="12700" cmpd="sng">
+                      <a:noFill/>
+                      <a:prstDash val="solid"/>
+                    </a:lnTlToBr>
+                    <a:lnBlToTr w="12700" cmpd="sng">
+                      <a:noFill/>
+                      <a:prstDash val="solid"/>
+                    </a:lnBlToTr>
+                  </a:tcPr>
+                </a:tc>
+                <a:tc>
+                  <a:txBody>
+                    <a:bodyPr/>
+                    <a:lstStyle/>
+                    <a:p>
+                      <a:pPr latinLnBrk="1"/>
+                      <a:endParaRPr lang="ko-KR" altLang="en-US" sz="700" dirty="0"/>
+                    </a:p>
+                  </a:txBody>
+                  <a:tcPr marL="33508" marR="33508" marT="16754" marB="16754">
+                    <a:lnL w="12700" cmpd="sng">
+                      <a:noFill/>
+                    </a:lnL>
+                    <a:lnR w="12700" cap="flat" cmpd="sng" algn="ctr">
+                      <a:solidFill>
+                        <a:schemeClr val="tx1"/>
+                      </a:solidFill>
+                      <a:prstDash val="solid"/>
+                      <a:round/>
+                      <a:headEnd type="none" w="med" len="med"/>
+                      <a:tailEnd type="none" w="med" len="med"/>
+                    </a:lnR>
+                    <a:lnT w="12700" cmpd="sng">
+                      <a:noFill/>
+                    </a:lnT>
+                    <a:lnB w="12700" cap="flat" cmpd="sng" algn="ctr">
+                      <a:solidFill>
+                        <a:schemeClr val="tx1"/>
+                      </a:solidFill>
+                      <a:prstDash val="solid"/>
+                      <a:round/>
+                      <a:headEnd type="none" w="med" len="med"/>
+                      <a:tailEnd type="none" w="med" len="med"/>
+                    </a:lnB>
+                    <a:lnTlToBr w="12700" cmpd="sng">
+                      <a:noFill/>
+                      <a:prstDash val="solid"/>
+                    </a:lnTlToBr>
+                    <a:lnBlToTr w="12700" cmpd="sng">
+                      <a:noFill/>
+                      <a:prstDash val="solid"/>
+                    </a:lnBlToTr>
+                  </a:tcPr>
+                </a:tc>
+                <a:extLst>
+                  <a:ext uri="{0D108BD9-81ED-4DB2-BD59-A6C34878D82A}">
+                    <a16:rowId xmlns:a16="http://schemas.microsoft.com/office/drawing/2014/main" val="4050327832"/>
+                  </a:ext>
+                </a:extLst>
+              </a:tr>
+            </a:tbl>
+          </a:graphicData>
+        </a:graphic>
+      </p:graphicFrame>
+      <p:graphicFrame>
+        <p:nvGraphicFramePr>
+          <p:cNvPr id="11" name="표 10">
+            <a:extLst>
+              <a:ext uri="{FF2B5EF4-FFF2-40B4-BE49-F238E27FC236}">
+                <a16:creationId xmlns:a16="http://schemas.microsoft.com/office/drawing/2014/main" id="{B72B33F4-26C9-CBB2-35C0-A3A6444631EA}"/>
+              </a:ext>
+            </a:extLst>
+          </p:cNvPr>
+          <p:cNvGraphicFramePr>
+            <a:graphicFrameLocks noGrp="1"/>
+          </p:cNvGraphicFramePr>
+          <p:nvPr>
+            <p:extLst>
+              <p:ext uri="{D42A27DB-BD31-4B8C-83A1-F6EECF244321}">
+                <p14:modId xmlns:p14="http://schemas.microsoft.com/office/powerpoint/2010/main" val="3343290188"/>
+              </p:ext>
+            </p:extLst>
+          </p:nvPr>
+        </p:nvGraphicFramePr>
+        <p:xfrm>
+          <a:off x="10035182" y="2097485"/>
+          <a:ext cx="289724" cy="280376"/>
+        </p:xfrm>
+        <a:graphic>
+          <a:graphicData uri="http://schemas.openxmlformats.org/drawingml/2006/table">
+            <a:tbl>
+              <a:tblPr firstRow="1" bandRow="1">
+                <a:tableStyleId>{5940675A-B579-460E-94D1-54222C63F5DA}</a:tableStyleId>
+              </a:tblPr>
+              <a:tblGrid>
+                <a:gridCol w="144862">
+                  <a:extLst>
+                    <a:ext uri="{9D8B030D-6E8A-4147-A177-3AD203B41FA5}">
+                      <a16:colId xmlns:a16="http://schemas.microsoft.com/office/drawing/2014/main" val="390242115"/>
+                    </a:ext>
+                  </a:extLst>
+                </a:gridCol>
+                <a:gridCol w="144862">
+                  <a:extLst>
+                    <a:ext uri="{9D8B030D-6E8A-4147-A177-3AD203B41FA5}">
+                      <a16:colId xmlns:a16="http://schemas.microsoft.com/office/drawing/2014/main" val="2673658107"/>
+                    </a:ext>
+                  </a:extLst>
+                </a:gridCol>
+              </a:tblGrid>
+              <a:tr h="138037">
+                <a:tc>
+                  <a:txBody>
+                    <a:bodyPr/>
+                    <a:lstStyle/>
+                    <a:p>
+                      <a:pPr latinLnBrk="1"/>
+                      <a:endParaRPr lang="ko-KR" altLang="en-US" sz="700"/>
+                    </a:p>
+                  </a:txBody>
+                  <a:tcPr marL="33508" marR="33508" marT="16754" marB="16754">
+                    <a:lnL w="12700" cap="flat" cmpd="sng" algn="ctr">
+                      <a:solidFill>
+                        <a:schemeClr val="tx1"/>
+                      </a:solidFill>
+                      <a:prstDash val="solid"/>
+                      <a:round/>
+                      <a:headEnd type="none" w="med" len="med"/>
+                      <a:tailEnd type="none" w="med" len="med"/>
+                    </a:lnL>
+                    <a:lnR w="12700" cmpd="sng">
+                      <a:noFill/>
+                    </a:lnR>
+                    <a:lnT w="12700" cap="flat" cmpd="sng" algn="ctr">
+                      <a:solidFill>
+                        <a:schemeClr val="tx1"/>
+                      </a:solidFill>
+                      <a:prstDash val="solid"/>
+                      <a:round/>
+                      <a:headEnd type="none" w="med" len="med"/>
+                      <a:tailEnd type="none" w="med" len="med"/>
+                    </a:lnT>
+                    <a:lnB w="12700" cmpd="sng">
+                      <a:noFill/>
+                    </a:lnB>
+                    <a:lnTlToBr w="12700" cmpd="sng">
+                      <a:noFill/>
+                      <a:prstDash val="solid"/>
+                    </a:lnTlToBr>
+                    <a:lnBlToTr w="12700" cmpd="sng">
+                      <a:noFill/>
+                      <a:prstDash val="solid"/>
+                    </a:lnBlToTr>
+                  </a:tcPr>
+                </a:tc>
+                <a:tc>
+                  <a:txBody>
+                    <a:bodyPr/>
+                    <a:lstStyle/>
+                    <a:p>
+                      <a:pPr latinLnBrk="1"/>
+                      <a:endParaRPr lang="ko-KR" altLang="en-US" sz="700" dirty="0"/>
+                    </a:p>
+                  </a:txBody>
+                  <a:tcPr marL="33508" marR="33508" marT="16754" marB="16754">
+                    <a:lnL w="12700" cmpd="sng">
+                      <a:noFill/>
+                    </a:lnL>
+                    <a:lnR w="12700" cap="flat" cmpd="sng" algn="ctr">
+                      <a:solidFill>
+                        <a:schemeClr val="tx1"/>
+                      </a:solidFill>
+                      <a:prstDash val="solid"/>
+                      <a:round/>
+                      <a:headEnd type="none" w="med" len="med"/>
+                      <a:tailEnd type="none" w="med" len="med"/>
+                    </a:lnR>
+                    <a:lnT w="12700" cap="flat" cmpd="sng" algn="ctr">
+                      <a:solidFill>
+                        <a:schemeClr val="tx1"/>
+                      </a:solidFill>
+                      <a:prstDash val="solid"/>
+                      <a:round/>
+                      <a:headEnd type="none" w="med" len="med"/>
+                      <a:tailEnd type="none" w="med" len="med"/>
+                    </a:lnT>
+                    <a:lnB w="12700" cmpd="sng">
+                      <a:noFill/>
+                    </a:lnB>
+                    <a:lnTlToBr w="12700" cmpd="sng">
+                      <a:noFill/>
+                      <a:prstDash val="solid"/>
+                    </a:lnTlToBr>
+                    <a:lnBlToTr w="12700" cmpd="sng">
+                      <a:noFill/>
+                      <a:prstDash val="solid"/>
+                    </a:lnBlToTr>
+                  </a:tcPr>
+                </a:tc>
+                <a:extLst>
+                  <a:ext uri="{0D108BD9-81ED-4DB2-BD59-A6C34878D82A}">
+                    <a16:rowId xmlns:a16="http://schemas.microsoft.com/office/drawing/2014/main" val="2818474672"/>
+                  </a:ext>
+                </a:extLst>
+              </a:tr>
+              <a:tr h="138037">
+                <a:tc>
+                  <a:txBody>
+                    <a:bodyPr/>
+                    <a:lstStyle/>
+                    <a:p>
+                      <a:pPr latinLnBrk="1"/>
+                      <a:endParaRPr lang="ko-KR" altLang="en-US" sz="700"/>
+                    </a:p>
+                  </a:txBody>
+                  <a:tcPr marL="33508" marR="33508" marT="16754" marB="16754">
+                    <a:lnL w="12700" cap="flat" cmpd="sng" algn="ctr">
+                      <a:solidFill>
+                        <a:schemeClr val="tx1"/>
+                      </a:solidFill>
+                      <a:prstDash val="solid"/>
+                      <a:round/>
+                      <a:headEnd type="none" w="med" len="med"/>
+                      <a:tailEnd type="none" w="med" len="med"/>
+                    </a:lnL>
+                    <a:lnR w="12700" cmpd="sng">
+                      <a:noFill/>
+                    </a:lnR>
+                    <a:lnT w="12700" cmpd="sng">
+                      <a:noFill/>
+                    </a:lnT>
+                    <a:lnB w="12700" cap="flat" cmpd="sng" algn="ctr">
+                      <a:solidFill>
+                        <a:schemeClr val="tx1"/>
+                      </a:solidFill>
+                      <a:prstDash val="solid"/>
+                      <a:round/>
+                      <a:headEnd type="none" w="med" len="med"/>
+                      <a:tailEnd type="none" w="med" len="med"/>
+                    </a:lnB>
+                    <a:lnTlToBr w="12700" cmpd="sng">
+                      <a:noFill/>
+                      <a:prstDash val="solid"/>
+                    </a:lnTlToBr>
+                    <a:lnBlToTr w="12700" cmpd="sng">
+                      <a:noFill/>
+                      <a:prstDash val="solid"/>
+                    </a:lnBlToTr>
+                  </a:tcPr>
+                </a:tc>
+                <a:tc>
+                  <a:txBody>
+                    <a:bodyPr/>
+                    <a:lstStyle/>
+                    <a:p>
+                      <a:pPr latinLnBrk="1"/>
+                      <a:endParaRPr lang="ko-KR" altLang="en-US" sz="700" dirty="0"/>
+                    </a:p>
+                  </a:txBody>
+                  <a:tcPr marL="33508" marR="33508" marT="16754" marB="16754">
+                    <a:lnL w="12700" cmpd="sng">
+                      <a:noFill/>
+                    </a:lnL>
+                    <a:lnR w="12700" cap="flat" cmpd="sng" algn="ctr">
+                      <a:solidFill>
+                        <a:schemeClr val="tx1"/>
+                      </a:solidFill>
+                      <a:prstDash val="solid"/>
+                      <a:round/>
+                      <a:headEnd type="none" w="med" len="med"/>
+                      <a:tailEnd type="none" w="med" len="med"/>
+                    </a:lnR>
+                    <a:lnT w="12700" cmpd="sng">
+                      <a:noFill/>
+                    </a:lnT>
+                    <a:lnB w="12700" cap="flat" cmpd="sng" algn="ctr">
+                      <a:solidFill>
+                        <a:schemeClr val="tx1"/>
+                      </a:solidFill>
+                      <a:prstDash val="solid"/>
+                      <a:round/>
+                      <a:headEnd type="none" w="med" len="med"/>
+                      <a:tailEnd type="none" w="med" len="med"/>
+                    </a:lnB>
+                    <a:lnTlToBr w="12700" cmpd="sng">
+                      <a:noFill/>
+                      <a:prstDash val="solid"/>
+                    </a:lnTlToBr>
+                    <a:lnBlToTr w="12700" cmpd="sng">
+                      <a:noFill/>
+                      <a:prstDash val="solid"/>
+                    </a:lnBlToTr>
+                  </a:tcPr>
+                </a:tc>
+                <a:extLst>
+                  <a:ext uri="{0D108BD9-81ED-4DB2-BD59-A6C34878D82A}">
+                    <a16:rowId xmlns:a16="http://schemas.microsoft.com/office/drawing/2014/main" val="4050327832"/>
+                  </a:ext>
+                </a:extLst>
+              </a:tr>
+            </a:tbl>
+          </a:graphicData>
+        </a:graphic>
+      </p:graphicFrame>
+      <p:graphicFrame>
+        <p:nvGraphicFramePr>
+          <p:cNvPr id="12" name="표 11">
+            <a:extLst>
+              <a:ext uri="{FF2B5EF4-FFF2-40B4-BE49-F238E27FC236}">
+                <a16:creationId xmlns:a16="http://schemas.microsoft.com/office/drawing/2014/main" id="{4F058218-5CA2-3C3D-4A45-5727F358CB43}"/>
+              </a:ext>
+            </a:extLst>
+          </p:cNvPr>
+          <p:cNvGraphicFramePr>
+            <a:graphicFrameLocks noGrp="1"/>
+          </p:cNvGraphicFramePr>
+          <p:nvPr>
+            <p:extLst>
+              <p:ext uri="{D42A27DB-BD31-4B8C-83A1-F6EECF244321}">
+                <p14:modId xmlns:p14="http://schemas.microsoft.com/office/powerpoint/2010/main" val="539285430"/>
+              </p:ext>
+            </p:extLst>
+          </p:nvPr>
+        </p:nvGraphicFramePr>
+        <p:xfrm>
+          <a:off x="10041935" y="2530288"/>
+          <a:ext cx="289724" cy="280376"/>
+        </p:xfrm>
+        <a:graphic>
+          <a:graphicData uri="http://schemas.openxmlformats.org/drawingml/2006/table">
+            <a:tbl>
+              <a:tblPr firstRow="1" bandRow="1">
+                <a:tableStyleId>{5940675A-B579-460E-94D1-54222C63F5DA}</a:tableStyleId>
+              </a:tblPr>
+              <a:tblGrid>
+                <a:gridCol w="144862">
+                  <a:extLst>
+                    <a:ext uri="{9D8B030D-6E8A-4147-A177-3AD203B41FA5}">
+                      <a16:colId xmlns:a16="http://schemas.microsoft.com/office/drawing/2014/main" val="390242115"/>
+                    </a:ext>
+                  </a:extLst>
+                </a:gridCol>
+                <a:gridCol w="144862">
+                  <a:extLst>
+                    <a:ext uri="{9D8B030D-6E8A-4147-A177-3AD203B41FA5}">
+                      <a16:colId xmlns:a16="http://schemas.microsoft.com/office/drawing/2014/main" val="2673658107"/>
+                    </a:ext>
+                  </a:extLst>
+                </a:gridCol>
+              </a:tblGrid>
+              <a:tr h="138037">
+                <a:tc>
+                  <a:txBody>
+                    <a:bodyPr/>
+                    <a:lstStyle/>
+                    <a:p>
+                      <a:pPr latinLnBrk="1"/>
+                      <a:endParaRPr lang="ko-KR" altLang="en-US" sz="700"/>
+                    </a:p>
+                  </a:txBody>
+                  <a:tcPr marL="33508" marR="33508" marT="16754" marB="16754">
+                    <a:lnL w="12700" cap="flat" cmpd="sng" algn="ctr">
+                      <a:solidFill>
+                        <a:schemeClr val="tx1"/>
+                      </a:solidFill>
+                      <a:prstDash val="solid"/>
+                      <a:round/>
+                      <a:headEnd type="none" w="med" len="med"/>
+                      <a:tailEnd type="none" w="med" len="med"/>
+                    </a:lnL>
+                    <a:lnR w="12700" cmpd="sng">
+                      <a:noFill/>
+                    </a:lnR>
+                    <a:lnT w="12700" cap="flat" cmpd="sng" algn="ctr">
+                      <a:solidFill>
+                        <a:schemeClr val="tx1"/>
+                      </a:solidFill>
+                      <a:prstDash val="solid"/>
+                      <a:round/>
+                      <a:headEnd type="none" w="med" len="med"/>
+                      <a:tailEnd type="none" w="med" len="med"/>
+                    </a:lnT>
+                    <a:lnB w="12700" cmpd="sng">
+                      <a:noFill/>
+                    </a:lnB>
+                    <a:lnTlToBr w="12700" cmpd="sng">
+                      <a:noFill/>
+                      <a:prstDash val="solid"/>
+                    </a:lnTlToBr>
+                    <a:lnBlToTr w="12700" cmpd="sng">
+                      <a:noFill/>
+                      <a:prstDash val="solid"/>
+                    </a:lnBlToTr>
+                  </a:tcPr>
+                </a:tc>
+                <a:tc>
+                  <a:txBody>
+                    <a:bodyPr/>
+                    <a:lstStyle/>
+                    <a:p>
+                      <a:pPr latinLnBrk="1"/>
+                      <a:endParaRPr lang="ko-KR" altLang="en-US" sz="700" dirty="0"/>
+                    </a:p>
+                  </a:txBody>
+                  <a:tcPr marL="33508" marR="33508" marT="16754" marB="16754">
+                    <a:lnL w="12700" cmpd="sng">
+                      <a:noFill/>
+                    </a:lnL>
+                    <a:lnR w="12700" cap="flat" cmpd="sng" algn="ctr">
+                      <a:solidFill>
+                        <a:schemeClr val="tx1"/>
+                      </a:solidFill>
+                      <a:prstDash val="solid"/>
+                      <a:round/>
+                      <a:headEnd type="none" w="med" len="med"/>
+                      <a:tailEnd type="none" w="med" len="med"/>
+                    </a:lnR>
+                    <a:lnT w="12700" cap="flat" cmpd="sng" algn="ctr">
+                      <a:solidFill>
+                        <a:schemeClr val="tx1"/>
+                      </a:solidFill>
+                      <a:prstDash val="solid"/>
+                      <a:round/>
+                      <a:headEnd type="none" w="med" len="med"/>
+                      <a:tailEnd type="none" w="med" len="med"/>
+                    </a:lnT>
+                    <a:lnB w="12700" cmpd="sng">
+                      <a:noFill/>
+                    </a:lnB>
+                    <a:lnTlToBr w="12700" cmpd="sng">
+                      <a:noFill/>
+                      <a:prstDash val="solid"/>
+                    </a:lnTlToBr>
+                    <a:lnBlToTr w="12700" cmpd="sng">
+                      <a:noFill/>
+                      <a:prstDash val="solid"/>
+                    </a:lnBlToTr>
+                  </a:tcPr>
+                </a:tc>
+                <a:extLst>
+                  <a:ext uri="{0D108BD9-81ED-4DB2-BD59-A6C34878D82A}">
+                    <a16:rowId xmlns:a16="http://schemas.microsoft.com/office/drawing/2014/main" val="2818474672"/>
+                  </a:ext>
+                </a:extLst>
+              </a:tr>
+              <a:tr h="138037">
+                <a:tc>
+                  <a:txBody>
+                    <a:bodyPr/>
+                    <a:lstStyle/>
+                    <a:p>
+                      <a:pPr latinLnBrk="1"/>
+                      <a:endParaRPr lang="ko-KR" altLang="en-US" sz="700"/>
+                    </a:p>
+                  </a:txBody>
+                  <a:tcPr marL="33508" marR="33508" marT="16754" marB="16754">
+                    <a:lnL w="12700" cap="flat" cmpd="sng" algn="ctr">
+                      <a:solidFill>
+                        <a:schemeClr val="tx1"/>
+                      </a:solidFill>
+                      <a:prstDash val="solid"/>
+                      <a:round/>
+                      <a:headEnd type="none" w="med" len="med"/>
+                      <a:tailEnd type="none" w="med" len="med"/>
+                    </a:lnL>
+                    <a:lnR w="12700" cmpd="sng">
+                      <a:noFill/>
+                    </a:lnR>
+                    <a:lnT w="12700" cmpd="sng">
+                      <a:noFill/>
+                    </a:lnT>
+                    <a:lnB w="12700" cap="flat" cmpd="sng" algn="ctr">
+                      <a:solidFill>
+                        <a:schemeClr val="tx1"/>
+                      </a:solidFill>
+                      <a:prstDash val="solid"/>
+                      <a:round/>
+                      <a:headEnd type="none" w="med" len="med"/>
+                      <a:tailEnd type="none" w="med" len="med"/>
+                    </a:lnB>
+                    <a:lnTlToBr w="12700" cmpd="sng">
+                      <a:noFill/>
+                      <a:prstDash val="solid"/>
+                    </a:lnTlToBr>
+                    <a:lnBlToTr w="12700" cmpd="sng">
+                      <a:noFill/>
+                      <a:prstDash val="solid"/>
+                    </a:lnBlToTr>
+                  </a:tcPr>
+                </a:tc>
+                <a:tc>
+                  <a:txBody>
+                    <a:bodyPr/>
+                    <a:lstStyle/>
+                    <a:p>
+                      <a:pPr latinLnBrk="1"/>
+                      <a:endParaRPr lang="ko-KR" altLang="en-US" sz="700" dirty="0"/>
+                    </a:p>
+                  </a:txBody>
+                  <a:tcPr marL="33508" marR="33508" marT="16754" marB="16754">
+                    <a:lnL w="12700" cmpd="sng">
+                      <a:noFill/>
+                    </a:lnL>
+                    <a:lnR w="12700" cap="flat" cmpd="sng" algn="ctr">
+                      <a:solidFill>
+                        <a:schemeClr val="tx1"/>
+                      </a:solidFill>
+                      <a:prstDash val="solid"/>
+                      <a:round/>
+                      <a:headEnd type="none" w="med" len="med"/>
+                      <a:tailEnd type="none" w="med" len="med"/>
+                    </a:lnR>
+                    <a:lnT w="12700" cmpd="sng">
+                      <a:noFill/>
+                    </a:lnT>
+                    <a:lnB w="12700" cap="flat" cmpd="sng" algn="ctr">
+                      <a:solidFill>
+                        <a:schemeClr val="tx1"/>
+                      </a:solidFill>
+                      <a:prstDash val="solid"/>
+                      <a:round/>
+                      <a:headEnd type="none" w="med" len="med"/>
+                      <a:tailEnd type="none" w="med" len="med"/>
+                    </a:lnB>
+                    <a:lnTlToBr w="12700" cmpd="sng">
+                      <a:noFill/>
+                      <a:prstDash val="solid"/>
+                    </a:lnTlToBr>
+                    <a:lnBlToTr w="12700" cmpd="sng">
+                      <a:noFill/>
+                      <a:prstDash val="solid"/>
+                    </a:lnBlToTr>
+                  </a:tcPr>
+                </a:tc>
+                <a:extLst>
+                  <a:ext uri="{0D108BD9-81ED-4DB2-BD59-A6C34878D82A}">
+                    <a16:rowId xmlns:a16="http://schemas.microsoft.com/office/drawing/2014/main" val="4050327832"/>
+                  </a:ext>
+                </a:extLst>
+              </a:tr>
+            </a:tbl>
+          </a:graphicData>
+        </a:graphic>
+      </p:graphicFrame>
+      <p:sp>
+        <p:nvSpPr>
+          <p:cNvPr id="15" name="TextBox 14">
+            <a:extLst>
+              <a:ext uri="{FF2B5EF4-FFF2-40B4-BE49-F238E27FC236}">
+                <a16:creationId xmlns:a16="http://schemas.microsoft.com/office/drawing/2014/main" id="{B24232C0-1D5B-543C-D861-9B0C96A69159}"/>
+              </a:ext>
+            </a:extLst>
+          </p:cNvPr>
+          <p:cNvSpPr txBox="1"/>
+          <p:nvPr/>
+        </p:nvSpPr>
+        <p:spPr>
+          <a:xfrm>
+            <a:off x="9347159" y="807689"/>
+            <a:ext cx="2154546" cy="261610"/>
+          </a:xfrm>
+          <a:prstGeom prst="rect">
+            <a:avLst/>
+          </a:prstGeom>
+          <a:noFill/>
+        </p:spPr>
+        <p:txBody>
+          <a:bodyPr wrap="square" rtlCol="0">
+            <a:spAutoFit/>
+          </a:bodyPr>
+          <a:lstStyle/>
+          <a:p>
+            <a:r>
+              <a:rPr lang="ko-KR" altLang="en-US" sz="1100" dirty="0"/>
+              <a:t>마지막엔 일렬로 펼쳐서</a:t>
+            </a:r>
+            <a:r>
+              <a:rPr lang="en-US" altLang="ko-KR" sz="1100" dirty="0"/>
+              <a:t>..</a:t>
+            </a:r>
+            <a:endParaRPr lang="ko-KR" altLang="en-US" sz="1100" dirty="0"/>
+          </a:p>
+        </p:txBody>
+      </p:sp>
+      <p:sp>
+        <p:nvSpPr>
+          <p:cNvPr id="18" name="액자 17">
+            <a:extLst>
+              <a:ext uri="{FF2B5EF4-FFF2-40B4-BE49-F238E27FC236}">
+                <a16:creationId xmlns:a16="http://schemas.microsoft.com/office/drawing/2014/main" id="{F23783EA-A60C-1638-3D77-5C0E068519EA}"/>
+              </a:ext>
+            </a:extLst>
+          </p:cNvPr>
+          <p:cNvSpPr/>
+          <p:nvPr/>
+        </p:nvSpPr>
+        <p:spPr>
+          <a:xfrm>
+            <a:off x="11309123" y="938494"/>
+            <a:ext cx="590042" cy="2230210"/>
+          </a:xfrm>
+          <a:prstGeom prst="frame">
+            <a:avLst>
+              <a:gd name="adj1" fmla="val 3326"/>
+            </a:avLst>
+          </a:prstGeom>
+          <a:solidFill>
+            <a:srgbClr val="C00000"/>
+          </a:solidFill>
+          <a:ln>
+            <a:noFill/>
+          </a:ln>
+        </p:spPr>
+        <p:style>
+          <a:lnRef idx="2">
+            <a:schemeClr val="accent2">
+              <a:shade val="50000"/>
+            </a:schemeClr>
+          </a:lnRef>
+          <a:fillRef idx="1">
+            <a:schemeClr val="accent2"/>
+          </a:fillRef>
+          <a:effectRef idx="0">
+            <a:schemeClr val="accent2"/>
+          </a:effectRef>
+          <a:fontRef idx="minor">
+            <a:schemeClr val="lt1"/>
+          </a:fontRef>
+        </p:style>
+        <p:txBody>
+          <a:bodyPr rtlCol="0" anchor="ctr"/>
+          <a:lstStyle/>
+          <a:p>
+            <a:pPr algn="ctr"/>
+            <a:endParaRPr lang="ko-KR" altLang="en-US">
+              <a:solidFill>
+                <a:schemeClr val="tx1"/>
+              </a:solidFill>
+            </a:endParaRPr>
+          </a:p>
+        </p:txBody>
+      </p:sp>
+      <p:sp>
+        <p:nvSpPr>
+          <p:cNvPr id="19" name="TextBox 18">
+            <a:extLst>
+              <a:ext uri="{FF2B5EF4-FFF2-40B4-BE49-F238E27FC236}">
+                <a16:creationId xmlns:a16="http://schemas.microsoft.com/office/drawing/2014/main" id="{C3F03E42-26DD-89F7-BD43-D8D0CFF13ECC}"/>
+              </a:ext>
+            </a:extLst>
+          </p:cNvPr>
+          <p:cNvSpPr txBox="1"/>
+          <p:nvPr/>
+        </p:nvSpPr>
+        <p:spPr>
+          <a:xfrm>
+            <a:off x="10823001" y="3336668"/>
+            <a:ext cx="1357408" cy="261610"/>
+          </a:xfrm>
+          <a:prstGeom prst="rect">
+            <a:avLst/>
+          </a:prstGeom>
+          <a:noFill/>
+        </p:spPr>
+        <p:txBody>
+          <a:bodyPr wrap="square" rtlCol="0">
+            <a:spAutoFit/>
+          </a:bodyPr>
+          <a:lstStyle/>
+          <a:p>
+            <a:r>
+              <a:rPr lang="ko-KR" altLang="en-US" sz="1100" dirty="0"/>
+              <a:t>밀집층으로 보낸다</a:t>
+            </a:r>
+          </a:p>
+        </p:txBody>
+      </p:sp>
+      <p:sp>
+        <p:nvSpPr>
+          <p:cNvPr id="20" name="타원 19">
+            <a:extLst>
+              <a:ext uri="{FF2B5EF4-FFF2-40B4-BE49-F238E27FC236}">
+                <a16:creationId xmlns:a16="http://schemas.microsoft.com/office/drawing/2014/main" id="{2FD5F6AB-D1D3-91F2-1730-EEAF865BBE2C}"/>
+              </a:ext>
+            </a:extLst>
+          </p:cNvPr>
+          <p:cNvSpPr/>
+          <p:nvPr/>
+        </p:nvSpPr>
+        <p:spPr>
+          <a:xfrm>
+            <a:off x="11473339" y="1087556"/>
+            <a:ext cx="261610" cy="261610"/>
+          </a:xfrm>
+          <a:prstGeom prst="ellipse">
+            <a:avLst/>
+          </a:prstGeom>
+        </p:spPr>
+        <p:style>
+          <a:lnRef idx="2">
+            <a:schemeClr val="dk1">
+              <a:shade val="50000"/>
+            </a:schemeClr>
+          </a:lnRef>
+          <a:fillRef idx="1">
+            <a:schemeClr val="dk1"/>
+          </a:fillRef>
+          <a:effectRef idx="0">
+            <a:schemeClr val="dk1"/>
+          </a:effectRef>
+          <a:fontRef idx="minor">
+            <a:schemeClr val="lt1"/>
+          </a:fontRef>
+        </p:style>
+        <p:txBody>
+          <a:bodyPr rtlCol="0" anchor="ctr"/>
+          <a:lstStyle/>
+          <a:p>
+            <a:pPr algn="ctr"/>
+            <a:endParaRPr lang="ko-KR" altLang="en-US"/>
+          </a:p>
+        </p:txBody>
+      </p:sp>
+      <p:sp>
+        <p:nvSpPr>
+          <p:cNvPr id="21" name="타원 20">
+            <a:extLst>
+              <a:ext uri="{FF2B5EF4-FFF2-40B4-BE49-F238E27FC236}">
+                <a16:creationId xmlns:a16="http://schemas.microsoft.com/office/drawing/2014/main" id="{F95B8D3C-9405-9829-A6DA-5D356477E37A}"/>
+              </a:ext>
+            </a:extLst>
+          </p:cNvPr>
+          <p:cNvSpPr/>
+          <p:nvPr/>
+        </p:nvSpPr>
+        <p:spPr>
+          <a:xfrm>
+            <a:off x="11468993" y="1452587"/>
+            <a:ext cx="261610" cy="261610"/>
+          </a:xfrm>
+          <a:prstGeom prst="ellipse">
+            <a:avLst/>
+          </a:prstGeom>
+        </p:spPr>
+        <p:style>
+          <a:lnRef idx="2">
+            <a:schemeClr val="dk1">
+              <a:shade val="50000"/>
+            </a:schemeClr>
+          </a:lnRef>
+          <a:fillRef idx="1">
+            <a:schemeClr val="dk1"/>
+          </a:fillRef>
+          <a:effectRef idx="0">
+            <a:schemeClr val="dk1"/>
+          </a:effectRef>
+          <a:fontRef idx="minor">
+            <a:schemeClr val="lt1"/>
+          </a:fontRef>
+        </p:style>
+        <p:txBody>
+          <a:bodyPr rtlCol="0" anchor="ctr"/>
+          <a:lstStyle/>
+          <a:p>
+            <a:pPr algn="ctr"/>
+            <a:endParaRPr lang="ko-KR" altLang="en-US"/>
+          </a:p>
+        </p:txBody>
+      </p:sp>
+      <p:sp>
+        <p:nvSpPr>
+          <p:cNvPr id="22" name="타원 21">
+            <a:extLst>
+              <a:ext uri="{FF2B5EF4-FFF2-40B4-BE49-F238E27FC236}">
+                <a16:creationId xmlns:a16="http://schemas.microsoft.com/office/drawing/2014/main" id="{4A07281D-0F19-D65D-6B9A-AF5497802119}"/>
+              </a:ext>
+            </a:extLst>
+          </p:cNvPr>
+          <p:cNvSpPr/>
+          <p:nvPr/>
+        </p:nvSpPr>
+        <p:spPr>
+          <a:xfrm>
+            <a:off x="11473339" y="2428394"/>
+            <a:ext cx="261610" cy="261610"/>
+          </a:xfrm>
+          <a:prstGeom prst="ellipse">
+            <a:avLst/>
+          </a:prstGeom>
+        </p:spPr>
+        <p:style>
+          <a:lnRef idx="2">
+            <a:schemeClr val="dk1">
+              <a:shade val="50000"/>
+            </a:schemeClr>
+          </a:lnRef>
+          <a:fillRef idx="1">
+            <a:schemeClr val="dk1"/>
+          </a:fillRef>
+          <a:effectRef idx="0">
+            <a:schemeClr val="dk1"/>
+          </a:effectRef>
+          <a:fontRef idx="minor">
+            <a:schemeClr val="lt1"/>
+          </a:fontRef>
+        </p:style>
+        <p:txBody>
+          <a:bodyPr rtlCol="0" anchor="ctr"/>
+          <a:lstStyle/>
+          <a:p>
+            <a:pPr algn="ctr"/>
+            <a:endParaRPr lang="ko-KR" altLang="en-US"/>
+          </a:p>
+        </p:txBody>
+      </p:sp>
+      <p:sp>
+        <p:nvSpPr>
+          <p:cNvPr id="23" name="타원 22">
+            <a:extLst>
+              <a:ext uri="{FF2B5EF4-FFF2-40B4-BE49-F238E27FC236}">
+                <a16:creationId xmlns:a16="http://schemas.microsoft.com/office/drawing/2014/main" id="{707A1E77-4BC1-1500-B5AC-A75E02663170}"/>
+              </a:ext>
+            </a:extLst>
+          </p:cNvPr>
+          <p:cNvSpPr/>
+          <p:nvPr/>
+        </p:nvSpPr>
+        <p:spPr>
+          <a:xfrm>
+            <a:off x="11468993" y="2793425"/>
+            <a:ext cx="261610" cy="261610"/>
+          </a:xfrm>
+          <a:prstGeom prst="ellipse">
+            <a:avLst/>
+          </a:prstGeom>
+        </p:spPr>
+        <p:style>
+          <a:lnRef idx="2">
+            <a:schemeClr val="dk1">
+              <a:shade val="50000"/>
+            </a:schemeClr>
+          </a:lnRef>
+          <a:fillRef idx="1">
+            <a:schemeClr val="dk1"/>
+          </a:fillRef>
+          <a:effectRef idx="0">
+            <a:schemeClr val="dk1"/>
+          </a:effectRef>
+          <a:fontRef idx="minor">
+            <a:schemeClr val="lt1"/>
+          </a:fontRef>
+        </p:style>
+        <p:txBody>
+          <a:bodyPr rtlCol="0" anchor="ctr"/>
+          <a:lstStyle/>
+          <a:p>
+            <a:pPr algn="ctr"/>
+            <a:endParaRPr lang="ko-KR" altLang="en-US"/>
+          </a:p>
+        </p:txBody>
+      </p:sp>
+      <p:sp>
+        <p:nvSpPr>
+          <p:cNvPr id="25" name="TextBox 24">
+            <a:extLst>
+              <a:ext uri="{FF2B5EF4-FFF2-40B4-BE49-F238E27FC236}">
+                <a16:creationId xmlns:a16="http://schemas.microsoft.com/office/drawing/2014/main" id="{E49F86E2-D612-B974-3C9C-B3468C15118A}"/>
+              </a:ext>
+            </a:extLst>
+          </p:cNvPr>
+          <p:cNvSpPr txBox="1"/>
+          <p:nvPr/>
+        </p:nvSpPr>
+        <p:spPr>
+          <a:xfrm>
+            <a:off x="11432937" y="1810568"/>
+            <a:ext cx="333722" cy="261610"/>
+          </a:xfrm>
+          <a:prstGeom prst="rect">
+            <a:avLst/>
+          </a:prstGeom>
+          <a:noFill/>
+        </p:spPr>
+        <p:txBody>
+          <a:bodyPr wrap="square" rtlCol="0">
+            <a:spAutoFit/>
+          </a:bodyPr>
+          <a:lstStyle/>
+          <a:p>
+            <a:r>
+              <a:rPr lang="en-US" altLang="ko-KR" sz="1100" dirty="0"/>
+              <a:t>…</a:t>
+            </a:r>
+            <a:endParaRPr lang="ko-KR" altLang="en-US" sz="1100" dirty="0"/>
+          </a:p>
+        </p:txBody>
+      </p:sp>
+      <p:sp>
+        <p:nvSpPr>
+          <p:cNvPr id="26" name="TextBox 25">
+            <a:extLst>
+              <a:ext uri="{FF2B5EF4-FFF2-40B4-BE49-F238E27FC236}">
+                <a16:creationId xmlns:a16="http://schemas.microsoft.com/office/drawing/2014/main" id="{D9251DF0-5BF9-B35A-B334-062A58B36958}"/>
+              </a:ext>
+            </a:extLst>
+          </p:cNvPr>
+          <p:cNvSpPr txBox="1"/>
+          <p:nvPr/>
+        </p:nvSpPr>
+        <p:spPr>
+          <a:xfrm>
+            <a:off x="11432937" y="2037990"/>
+            <a:ext cx="333722" cy="261610"/>
+          </a:xfrm>
+          <a:prstGeom prst="rect">
+            <a:avLst/>
+          </a:prstGeom>
+          <a:noFill/>
+        </p:spPr>
+        <p:txBody>
+          <a:bodyPr wrap="square" rtlCol="0">
+            <a:spAutoFit/>
+          </a:bodyPr>
+          <a:lstStyle/>
+          <a:p>
+            <a:r>
+              <a:rPr lang="en-US" altLang="ko-KR" sz="1100" dirty="0"/>
+              <a:t>…</a:t>
+            </a:r>
+            <a:endParaRPr lang="ko-KR" altLang="en-US" sz="1100" dirty="0"/>
+          </a:p>
+        </p:txBody>
+      </p:sp>
+    </p:spTree>
+    <p:extLst>
+      <p:ext uri="{BB962C8B-B14F-4D97-AF65-F5344CB8AC3E}">
+        <p14:creationId xmlns:p14="http://schemas.microsoft.com/office/powerpoint/2010/main" val="738698857"/>
       </p:ext>
     </p:extLst>
   </p:cSld>
@@ -9923,8 +15255,8 @@
           <a:chExt cx="0" cy="0"/>
         </a:xfrm>
       </p:grpSpPr>
-      <mc:AlternateContent xmlns:mc="http://schemas.openxmlformats.org/markup-compatibility/2006">
-        <mc:Choice xmlns:a14="http://schemas.microsoft.com/office/drawing/2010/main" Requires="a14">
+      <mc:AlternateContent xmlns:mc="http://schemas.openxmlformats.org/markup-compatibility/2006" xmlns:a14="http://schemas.microsoft.com/office/drawing/2010/main">
+        <mc:Choice Requires="a14">
           <p:sp>
             <p:nvSpPr>
               <p:cNvPr id="7" name="TextBox 6">
@@ -9953,6 +15285,7 @@
               </a:bodyPr>
               <a:lstStyle/>
               <a:p>
+                <a:pPr/>
                 <a14:m>
                   <m:oMathPara xmlns:m="http://schemas.openxmlformats.org/officeDocument/2006/math">
                     <m:oMathParaPr>
@@ -10141,7 +15474,7 @@
             </p:txBody>
           </p:sp>
         </mc:Choice>
-        <mc:Fallback>
+        <mc:Fallback xmlns="">
           <p:sp>
             <p:nvSpPr>
               <p:cNvPr id="7" name="TextBox 6">
@@ -10186,8 +15519,8 @@
           </p:sp>
         </mc:Fallback>
       </mc:AlternateContent>
-      <mc:AlternateContent xmlns:mc="http://schemas.openxmlformats.org/markup-compatibility/2006">
-        <mc:Choice xmlns:a14="http://schemas.microsoft.com/office/drawing/2010/main" Requires="a14">
+      <mc:AlternateContent xmlns:mc="http://schemas.openxmlformats.org/markup-compatibility/2006" xmlns:a14="http://schemas.microsoft.com/office/drawing/2010/main">
+        <mc:Choice Requires="a14">
           <p:sp>
             <p:nvSpPr>
               <p:cNvPr id="9" name="TextBox 8">
@@ -10350,7 +15683,7 @@
             </p:txBody>
           </p:sp>
         </mc:Choice>
-        <mc:Fallback>
+        <mc:Fallback xmlns="">
           <p:sp>
             <p:nvSpPr>
               <p:cNvPr id="9" name="TextBox 8">
@@ -10395,8 +15728,8 @@
           </p:sp>
         </mc:Fallback>
       </mc:AlternateContent>
-      <mc:AlternateContent xmlns:mc="http://schemas.openxmlformats.org/markup-compatibility/2006">
-        <mc:Choice xmlns:a14="http://schemas.microsoft.com/office/drawing/2010/main" Requires="a14">
+      <mc:AlternateContent xmlns:mc="http://schemas.openxmlformats.org/markup-compatibility/2006" xmlns:a14="http://schemas.microsoft.com/office/drawing/2010/main">
+        <mc:Choice Requires="a14">
           <p:sp>
             <p:nvSpPr>
               <p:cNvPr id="10" name="TextBox 9">
@@ -10425,6 +15758,7 @@
               </a:bodyPr>
               <a:lstStyle/>
               <a:p>
+                <a:pPr/>
                 <a14:m>
                   <m:oMathPara xmlns:m="http://schemas.openxmlformats.org/officeDocument/2006/math">
                     <m:oMathParaPr>
@@ -10610,7 +15944,7 @@
             </p:txBody>
           </p:sp>
         </mc:Choice>
-        <mc:Fallback>
+        <mc:Fallback xmlns="">
           <p:sp>
             <p:nvSpPr>
               <p:cNvPr id="10" name="TextBox 9">
@@ -10655,8 +15989,8 @@
           </p:sp>
         </mc:Fallback>
       </mc:AlternateContent>
-      <mc:AlternateContent xmlns:mc="http://schemas.openxmlformats.org/markup-compatibility/2006">
-        <mc:Choice xmlns:a14="http://schemas.microsoft.com/office/drawing/2010/main" Requires="a14">
+      <mc:AlternateContent xmlns:mc="http://schemas.openxmlformats.org/markup-compatibility/2006" xmlns:a14="http://schemas.microsoft.com/office/drawing/2010/main">
+        <mc:Choice Requires="a14">
           <p:sp>
             <p:nvSpPr>
               <p:cNvPr id="11" name="TextBox 10">
@@ -10685,6 +16019,7 @@
               </a:bodyPr>
               <a:lstStyle/>
               <a:p>
+                <a:pPr/>
                 <a14:m>
                   <m:oMathPara xmlns:m="http://schemas.openxmlformats.org/officeDocument/2006/math">
                     <m:oMathParaPr>
@@ -10883,7 +16218,7 @@
             </p:txBody>
           </p:sp>
         </mc:Choice>
-        <mc:Fallback>
+        <mc:Fallback xmlns="">
           <p:sp>
             <p:nvSpPr>
               <p:cNvPr id="11" name="TextBox 10">
@@ -10928,8 +16263,8 @@
           </p:sp>
         </mc:Fallback>
       </mc:AlternateContent>
-      <mc:AlternateContent xmlns:mc="http://schemas.openxmlformats.org/markup-compatibility/2006">
-        <mc:Choice xmlns:a14="http://schemas.microsoft.com/office/drawing/2010/main" Requires="a14">
+      <mc:AlternateContent xmlns:mc="http://schemas.openxmlformats.org/markup-compatibility/2006" xmlns:a14="http://schemas.microsoft.com/office/drawing/2010/main">
+        <mc:Choice Requires="a14">
           <p:sp>
             <p:nvSpPr>
               <p:cNvPr id="12" name="TextBox 11">
@@ -10958,6 +16293,7 @@
               </a:bodyPr>
               <a:lstStyle/>
               <a:p>
+                <a:pPr/>
                 <a14:m>
                   <m:oMathPara xmlns:m="http://schemas.openxmlformats.org/officeDocument/2006/math">
                     <m:oMathParaPr>
@@ -11202,7 +16538,7 @@
             </p:txBody>
           </p:sp>
         </mc:Choice>
-        <mc:Fallback>
+        <mc:Fallback xmlns="">
           <p:sp>
             <p:nvSpPr>
               <p:cNvPr id="12" name="TextBox 11">
